--- a/WebContent/khj/3조 원데이클래스(김형준).pptx
+++ b/WebContent/khj/3조 원데이클래스(김형준).pptx
@@ -21,8 +21,12 @@
     <p:sldId id="278" r:id="rId15"/>
     <p:sldId id="279" r:id="rId16"/>
     <p:sldId id="280" r:id="rId17"/>
-    <p:sldId id="269" r:id="rId18"/>
-    <p:sldId id="270" r:id="rId19"/>
+    <p:sldId id="283" r:id="rId18"/>
+    <p:sldId id="286" r:id="rId19"/>
+    <p:sldId id="284" r:id="rId20"/>
+    <p:sldId id="285" r:id="rId21"/>
+    <p:sldId id="269" r:id="rId22"/>
+    <p:sldId id="270" r:id="rId23"/>
   </p:sldIdLst>
   <p:sldSz cx="12192000" cy="6858000"/>
   <p:notesSz cx="6858000" cy="9144000"/>
@@ -3007,7 +3011,7 @@
           <p:cNvPr id="6" name="그림 5" descr="시계이(가) 표시된 사진&#10;&#10;자동 생성된 설명">
             <a:extLst>
               <a:ext uri="{FF2B5EF4-FFF2-40B4-BE49-F238E27FC236}">
-                <a16:creationId xmlns="" xmlns:a16="http://schemas.microsoft.com/office/drawing/2014/main" id="{C67EA6F6-2CB5-46DF-A887-646FA81CE18E}"/>
+                <a16:creationId xmlns:a16="http://schemas.microsoft.com/office/drawing/2014/main" xmlns="" id="{C67EA6F6-2CB5-46DF-A887-646FA81CE18E}"/>
               </a:ext>
             </a:extLst>
           </p:cNvPr>
@@ -3043,7 +3047,7 @@
           <p:cNvPr id="8" name="직선 연결선 7">
             <a:extLst>
               <a:ext uri="{FF2B5EF4-FFF2-40B4-BE49-F238E27FC236}">
-                <a16:creationId xmlns="" xmlns:a16="http://schemas.microsoft.com/office/drawing/2014/main" id="{3D2CC4C7-601C-4E2A-BF3A-B7083841F2EA}"/>
+                <a16:creationId xmlns:a16="http://schemas.microsoft.com/office/drawing/2014/main" xmlns="" id="{3D2CC4C7-601C-4E2A-BF3A-B7083841F2EA}"/>
               </a:ext>
             </a:extLst>
           </p:cNvPr>
@@ -3084,7 +3088,7 @@
           <p:cNvPr id="9" name="TextBox 8">
             <a:extLst>
               <a:ext uri="{FF2B5EF4-FFF2-40B4-BE49-F238E27FC236}">
-                <a16:creationId xmlns="" xmlns:a16="http://schemas.microsoft.com/office/drawing/2014/main" id="{465D3EE4-BA9C-4180-9A43-AB8979E43ECF}"/>
+                <a16:creationId xmlns:a16="http://schemas.microsoft.com/office/drawing/2014/main" xmlns="" id="{465D3EE4-BA9C-4180-9A43-AB8979E43ECF}"/>
               </a:ext>
             </a:extLst>
           </p:cNvPr>
@@ -3211,7 +3215,7 @@
           <p:cNvPr id="10" name="TextBox 9">
             <a:extLst>
               <a:ext uri="{FF2B5EF4-FFF2-40B4-BE49-F238E27FC236}">
-                <a16:creationId xmlns="" xmlns:a16="http://schemas.microsoft.com/office/drawing/2014/main" id="{F4775EAB-271E-4972-BFE6-57F9A3E2009D}"/>
+                <a16:creationId xmlns:a16="http://schemas.microsoft.com/office/drawing/2014/main" xmlns="" id="{F4775EAB-271E-4972-BFE6-57F9A3E2009D}"/>
               </a:ext>
             </a:extLst>
           </p:cNvPr>
@@ -3345,7 +3349,7 @@
           <p:cNvPr id="3" name="그림 2" descr="시계이(가) 표시된 사진&#10;&#10;자동 생성된 설명">
             <a:extLst>
               <a:ext uri="{FF2B5EF4-FFF2-40B4-BE49-F238E27FC236}">
-                <a16:creationId xmlns="" xmlns:a16="http://schemas.microsoft.com/office/drawing/2014/main" id="{92513313-A1ED-4A08-9676-9885D86B2222}"/>
+                <a16:creationId xmlns:a16="http://schemas.microsoft.com/office/drawing/2014/main" xmlns="" id="{92513313-A1ED-4A08-9676-9885D86B2222}"/>
               </a:ext>
             </a:extLst>
           </p:cNvPr>
@@ -3381,7 +3385,7 @@
           <p:cNvPr id="7" name="직선 연결선 6">
             <a:extLst>
               <a:ext uri="{FF2B5EF4-FFF2-40B4-BE49-F238E27FC236}">
-                <a16:creationId xmlns="" xmlns:a16="http://schemas.microsoft.com/office/drawing/2014/main" id="{E16921C9-3597-454A-8E86-CBCC429D4C84}"/>
+                <a16:creationId xmlns:a16="http://schemas.microsoft.com/office/drawing/2014/main" xmlns="" id="{E16921C9-3597-454A-8E86-CBCC429D4C84}"/>
               </a:ext>
             </a:extLst>
           </p:cNvPr>
@@ -3424,7 +3428,7 @@
           <p:cNvPr id="8" name="TextBox 7">
             <a:extLst>
               <a:ext uri="{FF2B5EF4-FFF2-40B4-BE49-F238E27FC236}">
-                <a16:creationId xmlns="" xmlns:a16="http://schemas.microsoft.com/office/drawing/2014/main" id="{40F573A5-A76C-43F4-813E-C144D7A50B6D}"/>
+                <a16:creationId xmlns:a16="http://schemas.microsoft.com/office/drawing/2014/main" xmlns="" id="{40F573A5-A76C-43F4-813E-C144D7A50B6D}"/>
               </a:ext>
             </a:extLst>
           </p:cNvPr>
@@ -3470,7 +3474,7 @@
           <p:cNvPr id="11" name="TextBox 10">
             <a:extLst>
               <a:ext uri="{FF2B5EF4-FFF2-40B4-BE49-F238E27FC236}">
-                <a16:creationId xmlns="" xmlns:a16="http://schemas.microsoft.com/office/drawing/2014/main" id="{C0A9A55E-9736-44E7-9A43-A56253B2960D}"/>
+                <a16:creationId xmlns:a16="http://schemas.microsoft.com/office/drawing/2014/main" xmlns="" id="{C0A9A55E-9736-44E7-9A43-A56253B2960D}"/>
               </a:ext>
             </a:extLst>
           </p:cNvPr>
@@ -3627,7 +3631,7 @@
           <p:cNvPr id="3" name="그림 2" descr="시계이(가) 표시된 사진&#10;&#10;자동 생성된 설명">
             <a:extLst>
               <a:ext uri="{FF2B5EF4-FFF2-40B4-BE49-F238E27FC236}">
-                <a16:creationId xmlns="" xmlns:a16="http://schemas.microsoft.com/office/drawing/2014/main" id="{92513313-A1ED-4A08-9676-9885D86B2222}"/>
+                <a16:creationId xmlns:a16="http://schemas.microsoft.com/office/drawing/2014/main" xmlns="" id="{92513313-A1ED-4A08-9676-9885D86B2222}"/>
               </a:ext>
             </a:extLst>
           </p:cNvPr>
@@ -3663,7 +3667,7 @@
           <p:cNvPr id="7" name="직선 연결선 6">
             <a:extLst>
               <a:ext uri="{FF2B5EF4-FFF2-40B4-BE49-F238E27FC236}">
-                <a16:creationId xmlns="" xmlns:a16="http://schemas.microsoft.com/office/drawing/2014/main" id="{E16921C9-3597-454A-8E86-CBCC429D4C84}"/>
+                <a16:creationId xmlns:a16="http://schemas.microsoft.com/office/drawing/2014/main" xmlns="" id="{E16921C9-3597-454A-8E86-CBCC429D4C84}"/>
               </a:ext>
             </a:extLst>
           </p:cNvPr>
@@ -3706,7 +3710,7 @@
           <p:cNvPr id="8" name="TextBox 7">
             <a:extLst>
               <a:ext uri="{FF2B5EF4-FFF2-40B4-BE49-F238E27FC236}">
-                <a16:creationId xmlns="" xmlns:a16="http://schemas.microsoft.com/office/drawing/2014/main" id="{40F573A5-A76C-43F4-813E-C144D7A50B6D}"/>
+                <a16:creationId xmlns:a16="http://schemas.microsoft.com/office/drawing/2014/main" xmlns="" id="{40F573A5-A76C-43F4-813E-C144D7A50B6D}"/>
               </a:ext>
             </a:extLst>
           </p:cNvPr>
@@ -3752,7 +3756,7 @@
           <p:cNvPr id="11" name="TextBox 10">
             <a:extLst>
               <a:ext uri="{FF2B5EF4-FFF2-40B4-BE49-F238E27FC236}">
-                <a16:creationId xmlns="" xmlns:a16="http://schemas.microsoft.com/office/drawing/2014/main" id="{C0A9A55E-9736-44E7-9A43-A56253B2960D}"/>
+                <a16:creationId xmlns:a16="http://schemas.microsoft.com/office/drawing/2014/main" xmlns="" id="{C0A9A55E-9736-44E7-9A43-A56253B2960D}"/>
               </a:ext>
             </a:extLst>
           </p:cNvPr>
@@ -3909,7 +3913,7 @@
           <p:cNvPr id="3" name="그림 2" descr="시계이(가) 표시된 사진&#10;&#10;자동 생성된 설명">
             <a:extLst>
               <a:ext uri="{FF2B5EF4-FFF2-40B4-BE49-F238E27FC236}">
-                <a16:creationId xmlns="" xmlns:a16="http://schemas.microsoft.com/office/drawing/2014/main" id="{92513313-A1ED-4A08-9676-9885D86B2222}"/>
+                <a16:creationId xmlns:a16="http://schemas.microsoft.com/office/drawing/2014/main" xmlns="" id="{92513313-A1ED-4A08-9676-9885D86B2222}"/>
               </a:ext>
             </a:extLst>
           </p:cNvPr>
@@ -3945,7 +3949,7 @@
           <p:cNvPr id="7" name="직선 연결선 6">
             <a:extLst>
               <a:ext uri="{FF2B5EF4-FFF2-40B4-BE49-F238E27FC236}">
-                <a16:creationId xmlns="" xmlns:a16="http://schemas.microsoft.com/office/drawing/2014/main" id="{E16921C9-3597-454A-8E86-CBCC429D4C84}"/>
+                <a16:creationId xmlns:a16="http://schemas.microsoft.com/office/drawing/2014/main" xmlns="" id="{E16921C9-3597-454A-8E86-CBCC429D4C84}"/>
               </a:ext>
             </a:extLst>
           </p:cNvPr>
@@ -3988,7 +3992,7 @@
           <p:cNvPr id="8" name="TextBox 7">
             <a:extLst>
               <a:ext uri="{FF2B5EF4-FFF2-40B4-BE49-F238E27FC236}">
-                <a16:creationId xmlns="" xmlns:a16="http://schemas.microsoft.com/office/drawing/2014/main" id="{40F573A5-A76C-43F4-813E-C144D7A50B6D}"/>
+                <a16:creationId xmlns:a16="http://schemas.microsoft.com/office/drawing/2014/main" xmlns="" id="{40F573A5-A76C-43F4-813E-C144D7A50B6D}"/>
               </a:ext>
             </a:extLst>
           </p:cNvPr>
@@ -4034,7 +4038,7 @@
           <p:cNvPr id="11" name="TextBox 10">
             <a:extLst>
               <a:ext uri="{FF2B5EF4-FFF2-40B4-BE49-F238E27FC236}">
-                <a16:creationId xmlns="" xmlns:a16="http://schemas.microsoft.com/office/drawing/2014/main" id="{C0A9A55E-9736-44E7-9A43-A56253B2960D}"/>
+                <a16:creationId xmlns:a16="http://schemas.microsoft.com/office/drawing/2014/main" xmlns="" id="{C0A9A55E-9736-44E7-9A43-A56253B2960D}"/>
               </a:ext>
             </a:extLst>
           </p:cNvPr>
@@ -4191,7 +4195,7 @@
           <p:cNvPr id="2" name="직사각형 1">
             <a:extLst>
               <a:ext uri="{FF2B5EF4-FFF2-40B4-BE49-F238E27FC236}">
-                <a16:creationId xmlns="" xmlns:a16="http://schemas.microsoft.com/office/drawing/2014/main" id="{7EBAE3E4-4335-499B-BDF0-8B5BC8F6285D}"/>
+                <a16:creationId xmlns:a16="http://schemas.microsoft.com/office/drawing/2014/main" xmlns="" id="{7EBAE3E4-4335-499B-BDF0-8B5BC8F6285D}"/>
               </a:ext>
             </a:extLst>
           </p:cNvPr>
@@ -4249,7 +4253,7 @@
           <p:cNvPr id="3" name="그림 2" descr="시계이(가) 표시된 사진&#10;&#10;자동 생성된 설명">
             <a:extLst>
               <a:ext uri="{FF2B5EF4-FFF2-40B4-BE49-F238E27FC236}">
-                <a16:creationId xmlns="" xmlns:a16="http://schemas.microsoft.com/office/drawing/2014/main" id="{92513313-A1ED-4A08-9676-9885D86B2222}"/>
+                <a16:creationId xmlns:a16="http://schemas.microsoft.com/office/drawing/2014/main" xmlns="" id="{92513313-A1ED-4A08-9676-9885D86B2222}"/>
               </a:ext>
             </a:extLst>
           </p:cNvPr>
@@ -4285,7 +4289,7 @@
           <p:cNvPr id="4" name="TextBox 3">
             <a:extLst>
               <a:ext uri="{FF2B5EF4-FFF2-40B4-BE49-F238E27FC236}">
-                <a16:creationId xmlns="" xmlns:a16="http://schemas.microsoft.com/office/drawing/2014/main" id="{E748B248-D9B8-42F5-8F0A-0C57F9E8A9D8}"/>
+                <a16:creationId xmlns:a16="http://schemas.microsoft.com/office/drawing/2014/main" xmlns="" id="{E748B248-D9B8-42F5-8F0A-0C57F9E8A9D8}"/>
               </a:ext>
             </a:extLst>
           </p:cNvPr>
@@ -4331,7 +4335,7 @@
           <p:cNvPr id="5" name="Window Body" descr="&lt;SmartSettings&gt;&lt;SmartResize anchorLeft=&quot;Absolute&quot; anchorTop=&quot;Absolute&quot; anchorRight=&quot;Absolute&quot; anchorBottom=&quot;Absolute&quot; /&gt;&lt;/SmartSettings&gt;">
             <a:extLst>
               <a:ext uri="{FF2B5EF4-FFF2-40B4-BE49-F238E27FC236}">
-                <a16:creationId xmlns="" xmlns:a16="http://schemas.microsoft.com/office/drawing/2014/main" id="{DD15E406-86D5-43EE-8219-49B0E1FA0E30}"/>
+                <a16:creationId xmlns:a16="http://schemas.microsoft.com/office/drawing/2014/main" xmlns="" id="{DD15E406-86D5-43EE-8219-49B0E1FA0E30}"/>
               </a:ext>
             </a:extLst>
           </p:cNvPr>
@@ -4489,7 +4493,7 @@
           <p:cNvPr id="6" name="Window Body" descr="&lt;SmartSettings&gt;&lt;SmartResize anchorLeft=&quot;Absolute&quot; anchorTop=&quot;Absolute&quot; anchorRight=&quot;Absolute&quot; anchorBottom=&quot;Absolute&quot; /&gt;&lt;/SmartSettings&gt;">
             <a:extLst>
               <a:ext uri="{FF2B5EF4-FFF2-40B4-BE49-F238E27FC236}">
-                <a16:creationId xmlns="" xmlns:a16="http://schemas.microsoft.com/office/drawing/2014/main" id="{E38A150B-1AD9-431B-9D06-C17150181DD0}"/>
+                <a16:creationId xmlns:a16="http://schemas.microsoft.com/office/drawing/2014/main" xmlns="" id="{E38A150B-1AD9-431B-9D06-C17150181DD0}"/>
               </a:ext>
             </a:extLst>
           </p:cNvPr>
@@ -4651,7 +4655,7 @@
           <p:cNvPr id="7" name="TextBox 6">
             <a:extLst>
               <a:ext uri="{FF2B5EF4-FFF2-40B4-BE49-F238E27FC236}">
-                <a16:creationId xmlns="" xmlns:a16="http://schemas.microsoft.com/office/drawing/2014/main" id="{D2726034-308D-4366-944B-FFF27DEC5755}"/>
+                <a16:creationId xmlns:a16="http://schemas.microsoft.com/office/drawing/2014/main" xmlns="" id="{D2726034-308D-4366-944B-FFF27DEC5755}"/>
               </a:ext>
             </a:extLst>
           </p:cNvPr>
@@ -4690,7 +4694,7 @@
           <p:cNvPr id="8" name="직사각형 7">
             <a:extLst>
               <a:ext uri="{FF2B5EF4-FFF2-40B4-BE49-F238E27FC236}">
-                <a16:creationId xmlns="" xmlns:a16="http://schemas.microsoft.com/office/drawing/2014/main" id="{EEBACED0-E6FC-4FF7-A932-37028E8D13EF}"/>
+                <a16:creationId xmlns:a16="http://schemas.microsoft.com/office/drawing/2014/main" xmlns="" id="{EEBACED0-E6FC-4FF7-A932-37028E8D13EF}"/>
               </a:ext>
             </a:extLst>
           </p:cNvPr>
@@ -4746,7 +4750,7 @@
           <p:cNvPr id="9" name="직사각형 8">
             <a:extLst>
               <a:ext uri="{FF2B5EF4-FFF2-40B4-BE49-F238E27FC236}">
-                <a16:creationId xmlns="" xmlns:a16="http://schemas.microsoft.com/office/drawing/2014/main" id="{AD24E563-93E8-44FA-90D6-C89C136846B9}"/>
+                <a16:creationId xmlns:a16="http://schemas.microsoft.com/office/drawing/2014/main" xmlns="" id="{AD24E563-93E8-44FA-90D6-C89C136846B9}"/>
               </a:ext>
             </a:extLst>
           </p:cNvPr>
@@ -4802,7 +4806,7 @@
           <p:cNvPr id="10" name="직사각형 9">
             <a:extLst>
               <a:ext uri="{FF2B5EF4-FFF2-40B4-BE49-F238E27FC236}">
-                <a16:creationId xmlns="" xmlns:a16="http://schemas.microsoft.com/office/drawing/2014/main" id="{1FFA90AC-E58B-417B-9886-FECB6569AD2D}"/>
+                <a16:creationId xmlns:a16="http://schemas.microsoft.com/office/drawing/2014/main" xmlns="" id="{1FFA90AC-E58B-417B-9886-FECB6569AD2D}"/>
               </a:ext>
             </a:extLst>
           </p:cNvPr>
@@ -4858,7 +4862,7 @@
           <p:cNvPr id="11" name="직사각형 10">
             <a:extLst>
               <a:ext uri="{FF2B5EF4-FFF2-40B4-BE49-F238E27FC236}">
-                <a16:creationId xmlns="" xmlns:a16="http://schemas.microsoft.com/office/drawing/2014/main" id="{329C28B5-34AB-4958-8E5B-6E4CDEF19247}"/>
+                <a16:creationId xmlns:a16="http://schemas.microsoft.com/office/drawing/2014/main" xmlns="" id="{329C28B5-34AB-4958-8E5B-6E4CDEF19247}"/>
               </a:ext>
             </a:extLst>
           </p:cNvPr>
@@ -4914,7 +4918,7 @@
           <p:cNvPr id="12" name="직사각형 11">
             <a:extLst>
               <a:ext uri="{FF2B5EF4-FFF2-40B4-BE49-F238E27FC236}">
-                <a16:creationId xmlns="" xmlns:a16="http://schemas.microsoft.com/office/drawing/2014/main" id="{17A9EEE9-6AA2-4A66-B4DE-E6BC540C9522}"/>
+                <a16:creationId xmlns:a16="http://schemas.microsoft.com/office/drawing/2014/main" xmlns="" id="{17A9EEE9-6AA2-4A66-B4DE-E6BC540C9522}"/>
               </a:ext>
             </a:extLst>
           </p:cNvPr>
@@ -4970,7 +4974,7 @@
           <p:cNvPr id="13" name="직사각형 12">
             <a:extLst>
               <a:ext uri="{FF2B5EF4-FFF2-40B4-BE49-F238E27FC236}">
-                <a16:creationId xmlns="" xmlns:a16="http://schemas.microsoft.com/office/drawing/2014/main" id="{94D22EE5-8D39-4DBE-8A4A-6BDEB83D53D6}"/>
+                <a16:creationId xmlns:a16="http://schemas.microsoft.com/office/drawing/2014/main" xmlns="" id="{94D22EE5-8D39-4DBE-8A4A-6BDEB83D53D6}"/>
               </a:ext>
             </a:extLst>
           </p:cNvPr>
@@ -5026,7 +5030,7 @@
           <p:cNvPr id="14" name="직사각형 13">
             <a:extLst>
               <a:ext uri="{FF2B5EF4-FFF2-40B4-BE49-F238E27FC236}">
-                <a16:creationId xmlns="" xmlns:a16="http://schemas.microsoft.com/office/drawing/2014/main" id="{6EAE47D9-4A96-426C-A689-C2DFC02A8962}"/>
+                <a16:creationId xmlns:a16="http://schemas.microsoft.com/office/drawing/2014/main" xmlns="" id="{6EAE47D9-4A96-426C-A689-C2DFC02A8962}"/>
               </a:ext>
             </a:extLst>
           </p:cNvPr>
@@ -5091,7 +5095,7 @@
           <p:cNvPr id="15" name="TextBox 14">
             <a:extLst>
               <a:ext uri="{FF2B5EF4-FFF2-40B4-BE49-F238E27FC236}">
-                <a16:creationId xmlns="" xmlns:a16="http://schemas.microsoft.com/office/drawing/2014/main" id="{CDA9ABE5-1366-426D-ADE5-0FE318C38F27}"/>
+                <a16:creationId xmlns:a16="http://schemas.microsoft.com/office/drawing/2014/main" xmlns="" id="{CDA9ABE5-1366-426D-ADE5-0FE318C38F27}"/>
               </a:ext>
             </a:extLst>
           </p:cNvPr>
@@ -5132,7 +5136,7 @@
           <p:cNvPr id="16" name="TextBox 15">
             <a:extLst>
               <a:ext uri="{FF2B5EF4-FFF2-40B4-BE49-F238E27FC236}">
-                <a16:creationId xmlns="" xmlns:a16="http://schemas.microsoft.com/office/drawing/2014/main" id="{502F772F-07B7-47FB-85D6-6DE017E6A36E}"/>
+                <a16:creationId xmlns:a16="http://schemas.microsoft.com/office/drawing/2014/main" xmlns="" id="{502F772F-07B7-47FB-85D6-6DE017E6A36E}"/>
               </a:ext>
             </a:extLst>
           </p:cNvPr>
@@ -5202,7 +5206,7 @@
           <p:cNvPr id="17" name="TextBox 16">
             <a:extLst>
               <a:ext uri="{FF2B5EF4-FFF2-40B4-BE49-F238E27FC236}">
-                <a16:creationId xmlns="" xmlns:a16="http://schemas.microsoft.com/office/drawing/2014/main" id="{CBD7261B-49E2-41E9-92EA-A2D6AC89CBD9}"/>
+                <a16:creationId xmlns:a16="http://schemas.microsoft.com/office/drawing/2014/main" xmlns="" id="{CBD7261B-49E2-41E9-92EA-A2D6AC89CBD9}"/>
               </a:ext>
             </a:extLst>
           </p:cNvPr>
@@ -5243,7 +5247,7 @@
           <p:cNvPr id="18" name="TextBox 17">
             <a:extLst>
               <a:ext uri="{FF2B5EF4-FFF2-40B4-BE49-F238E27FC236}">
-                <a16:creationId xmlns="" xmlns:a16="http://schemas.microsoft.com/office/drawing/2014/main" id="{0CBA4D1C-8DE4-45B0-A8B3-A48B02E7D18C}"/>
+                <a16:creationId xmlns:a16="http://schemas.microsoft.com/office/drawing/2014/main" xmlns="" id="{0CBA4D1C-8DE4-45B0-A8B3-A48B02E7D18C}"/>
               </a:ext>
             </a:extLst>
           </p:cNvPr>
@@ -5313,7 +5317,7 @@
           <p:cNvPr id="19" name="TextBox 18">
             <a:extLst>
               <a:ext uri="{FF2B5EF4-FFF2-40B4-BE49-F238E27FC236}">
-                <a16:creationId xmlns="" xmlns:a16="http://schemas.microsoft.com/office/drawing/2014/main" id="{046BDE2F-41C0-4E66-936E-A8F8EF8A1690}"/>
+                <a16:creationId xmlns:a16="http://schemas.microsoft.com/office/drawing/2014/main" xmlns="" id="{046BDE2F-41C0-4E66-936E-A8F8EF8A1690}"/>
               </a:ext>
             </a:extLst>
           </p:cNvPr>
@@ -5354,7 +5358,7 @@
           <p:cNvPr id="20" name="TextBox 19">
             <a:extLst>
               <a:ext uri="{FF2B5EF4-FFF2-40B4-BE49-F238E27FC236}">
-                <a16:creationId xmlns="" xmlns:a16="http://schemas.microsoft.com/office/drawing/2014/main" id="{E2320A0B-00A6-4391-B425-88D12761A9F4}"/>
+                <a16:creationId xmlns:a16="http://schemas.microsoft.com/office/drawing/2014/main" xmlns="" id="{E2320A0B-00A6-4391-B425-88D12761A9F4}"/>
               </a:ext>
             </a:extLst>
           </p:cNvPr>
@@ -5424,7 +5428,7 @@
           <p:cNvPr id="21" name="TextBox 20">
             <a:extLst>
               <a:ext uri="{FF2B5EF4-FFF2-40B4-BE49-F238E27FC236}">
-                <a16:creationId xmlns="" xmlns:a16="http://schemas.microsoft.com/office/drawing/2014/main" id="{1758972A-4315-4CAD-80CF-C90DE7BE7CAC}"/>
+                <a16:creationId xmlns:a16="http://schemas.microsoft.com/office/drawing/2014/main" xmlns="" id="{1758972A-4315-4CAD-80CF-C90DE7BE7CAC}"/>
               </a:ext>
             </a:extLst>
           </p:cNvPr>
@@ -5465,7 +5469,7 @@
           <p:cNvPr id="22" name="TextBox 21">
             <a:extLst>
               <a:ext uri="{FF2B5EF4-FFF2-40B4-BE49-F238E27FC236}">
-                <a16:creationId xmlns="" xmlns:a16="http://schemas.microsoft.com/office/drawing/2014/main" id="{E0CD21FA-2FB3-42DE-B93C-AC10648083C7}"/>
+                <a16:creationId xmlns:a16="http://schemas.microsoft.com/office/drawing/2014/main" xmlns="" id="{E0CD21FA-2FB3-42DE-B93C-AC10648083C7}"/>
               </a:ext>
             </a:extLst>
           </p:cNvPr>
@@ -5535,7 +5539,7 @@
           <p:cNvPr id="23" name="TextBox 22">
             <a:extLst>
               <a:ext uri="{FF2B5EF4-FFF2-40B4-BE49-F238E27FC236}">
-                <a16:creationId xmlns="" xmlns:a16="http://schemas.microsoft.com/office/drawing/2014/main" id="{A91A8208-A88C-4823-9F78-3A5A47219D01}"/>
+                <a16:creationId xmlns:a16="http://schemas.microsoft.com/office/drawing/2014/main" xmlns="" id="{A91A8208-A88C-4823-9F78-3A5A47219D01}"/>
               </a:ext>
             </a:extLst>
           </p:cNvPr>
@@ -5576,7 +5580,7 @@
           <p:cNvPr id="24" name="TextBox 23">
             <a:extLst>
               <a:ext uri="{FF2B5EF4-FFF2-40B4-BE49-F238E27FC236}">
-                <a16:creationId xmlns="" xmlns:a16="http://schemas.microsoft.com/office/drawing/2014/main" id="{F5D8858A-9F5A-498C-BAE0-A90E60E2C7E6}"/>
+                <a16:creationId xmlns:a16="http://schemas.microsoft.com/office/drawing/2014/main" xmlns="" id="{F5D8858A-9F5A-498C-BAE0-A90E60E2C7E6}"/>
               </a:ext>
             </a:extLst>
           </p:cNvPr>
@@ -5646,7 +5650,7 @@
           <p:cNvPr id="25" name="TextBox 24">
             <a:extLst>
               <a:ext uri="{FF2B5EF4-FFF2-40B4-BE49-F238E27FC236}">
-                <a16:creationId xmlns="" xmlns:a16="http://schemas.microsoft.com/office/drawing/2014/main" id="{D247803D-CCF8-47AC-BD10-E8A99EE6ECA7}"/>
+                <a16:creationId xmlns:a16="http://schemas.microsoft.com/office/drawing/2014/main" xmlns="" id="{D247803D-CCF8-47AC-BD10-E8A99EE6ECA7}"/>
               </a:ext>
             </a:extLst>
           </p:cNvPr>
@@ -5687,7 +5691,7 @@
           <p:cNvPr id="26" name="TextBox 25">
             <a:extLst>
               <a:ext uri="{FF2B5EF4-FFF2-40B4-BE49-F238E27FC236}">
-                <a16:creationId xmlns="" xmlns:a16="http://schemas.microsoft.com/office/drawing/2014/main" id="{5C8021D6-0DBA-449A-9E30-8AA6DD1F3F91}"/>
+                <a16:creationId xmlns:a16="http://schemas.microsoft.com/office/drawing/2014/main" xmlns="" id="{5C8021D6-0DBA-449A-9E30-8AA6DD1F3F91}"/>
               </a:ext>
             </a:extLst>
           </p:cNvPr>
@@ -5757,7 +5761,7 @@
           <p:cNvPr id="27" name="직사각형 26">
             <a:extLst>
               <a:ext uri="{FF2B5EF4-FFF2-40B4-BE49-F238E27FC236}">
-                <a16:creationId xmlns="" xmlns:a16="http://schemas.microsoft.com/office/drawing/2014/main" id="{EEBACED0-E6FC-4FF7-A932-37028E8D13EF}"/>
+                <a16:creationId xmlns:a16="http://schemas.microsoft.com/office/drawing/2014/main" xmlns="" id="{EEBACED0-E6FC-4FF7-A932-37028E8D13EF}"/>
               </a:ext>
             </a:extLst>
           </p:cNvPr>
@@ -5850,7 +5854,7 @@
           <p:cNvPr id="30" name="그림 29" descr="시계이(가) 표시된 사진&#10;&#10;자동 생성된 설명">
             <a:extLst>
               <a:ext uri="{FF2B5EF4-FFF2-40B4-BE49-F238E27FC236}">
-                <a16:creationId xmlns="" xmlns:a16="http://schemas.microsoft.com/office/drawing/2014/main" id="{92513313-A1ED-4A08-9676-9885D86B2222}"/>
+                <a16:creationId xmlns:a16="http://schemas.microsoft.com/office/drawing/2014/main" xmlns="" id="{92513313-A1ED-4A08-9676-9885D86B2222}"/>
               </a:ext>
             </a:extLst>
           </p:cNvPr>
@@ -6033,17 +6037,7 @@
                   </a:schemeClr>
                 </a:solidFill>
               </a:rPr>
-              <a:t>		</a:t>
-            </a:r>
-            <a:r>
-              <a:rPr lang="en-US" altLang="ko-KR" dirty="0" smtClean="0">
-                <a:solidFill>
-                  <a:schemeClr val="tx2">
-                    <a:lumMod val="10000"/>
-                  </a:schemeClr>
-                </a:solidFill>
-              </a:rPr>
-              <a:t>DIY</a:t>
+              <a:t>		DIY</a:t>
             </a:r>
             <a:r>
               <a:rPr lang="ko-KR" altLang="en-US" dirty="0" smtClean="0">
@@ -6090,7 +6084,7 @@
           <p:cNvPr id="33" name="그림 32" descr="시계이(가) 표시된 사진&#10;&#10;자동 생성된 설명">
             <a:extLst>
               <a:ext uri="{FF2B5EF4-FFF2-40B4-BE49-F238E27FC236}">
-                <a16:creationId xmlns="" xmlns:a16="http://schemas.microsoft.com/office/drawing/2014/main" id="{92513313-A1ED-4A08-9676-9885D86B2222}"/>
+                <a16:creationId xmlns:a16="http://schemas.microsoft.com/office/drawing/2014/main" xmlns="" id="{92513313-A1ED-4A08-9676-9885D86B2222}"/>
               </a:ext>
             </a:extLst>
           </p:cNvPr>
@@ -6126,7 +6120,7 @@
           <p:cNvPr id="34" name="직사각형 33">
             <a:extLst>
               <a:ext uri="{FF2B5EF4-FFF2-40B4-BE49-F238E27FC236}">
-                <a16:creationId xmlns="" xmlns:a16="http://schemas.microsoft.com/office/drawing/2014/main" id="{6EAE47D9-4A96-426C-A689-C2DFC02A8962}"/>
+                <a16:creationId xmlns:a16="http://schemas.microsoft.com/office/drawing/2014/main" xmlns="" id="{6EAE47D9-4A96-426C-A689-C2DFC02A8962}"/>
               </a:ext>
             </a:extLst>
           </p:cNvPr>
@@ -6191,7 +6185,7 @@
           <p:cNvPr id="36" name="TextBox 35">
             <a:extLst>
               <a:ext uri="{FF2B5EF4-FFF2-40B4-BE49-F238E27FC236}">
-                <a16:creationId xmlns="" xmlns:a16="http://schemas.microsoft.com/office/drawing/2014/main" id="{A91A8208-A88C-4823-9F78-3A5A47219D01}"/>
+                <a16:creationId xmlns:a16="http://schemas.microsoft.com/office/drawing/2014/main" xmlns="" id="{A91A8208-A88C-4823-9F78-3A5A47219D01}"/>
               </a:ext>
             </a:extLst>
           </p:cNvPr>
@@ -6232,7 +6226,7 @@
           <p:cNvPr id="37" name="TextBox 36">
             <a:extLst>
               <a:ext uri="{FF2B5EF4-FFF2-40B4-BE49-F238E27FC236}">
-                <a16:creationId xmlns="" xmlns:a16="http://schemas.microsoft.com/office/drawing/2014/main" id="{F5D8858A-9F5A-498C-BAE0-A90E60E2C7E6}"/>
+                <a16:creationId xmlns:a16="http://schemas.microsoft.com/office/drawing/2014/main" xmlns="" id="{F5D8858A-9F5A-498C-BAE0-A90E60E2C7E6}"/>
               </a:ext>
             </a:extLst>
           </p:cNvPr>
@@ -6302,7 +6296,7 @@
           <p:cNvPr id="38" name="직사각형 37">
             <a:extLst>
               <a:ext uri="{FF2B5EF4-FFF2-40B4-BE49-F238E27FC236}">
-                <a16:creationId xmlns="" xmlns:a16="http://schemas.microsoft.com/office/drawing/2014/main" id="{EEBACED0-E6FC-4FF7-A932-37028E8D13EF}"/>
+                <a16:creationId xmlns:a16="http://schemas.microsoft.com/office/drawing/2014/main" xmlns="" id="{EEBACED0-E6FC-4FF7-A932-37028E8D13EF}"/>
               </a:ext>
             </a:extLst>
           </p:cNvPr>
@@ -6358,7 +6352,7 @@
           <p:cNvPr id="39" name="TextBox 38">
             <a:extLst>
               <a:ext uri="{FF2B5EF4-FFF2-40B4-BE49-F238E27FC236}">
-                <a16:creationId xmlns="" xmlns:a16="http://schemas.microsoft.com/office/drawing/2014/main" id="{A91A8208-A88C-4823-9F78-3A5A47219D01}"/>
+                <a16:creationId xmlns:a16="http://schemas.microsoft.com/office/drawing/2014/main" xmlns="" id="{A91A8208-A88C-4823-9F78-3A5A47219D01}"/>
               </a:ext>
             </a:extLst>
           </p:cNvPr>
@@ -6399,7 +6393,7 @@
           <p:cNvPr id="40" name="TextBox 39">
             <a:extLst>
               <a:ext uri="{FF2B5EF4-FFF2-40B4-BE49-F238E27FC236}">
-                <a16:creationId xmlns="" xmlns:a16="http://schemas.microsoft.com/office/drawing/2014/main" id="{F5D8858A-9F5A-498C-BAE0-A90E60E2C7E6}"/>
+                <a16:creationId xmlns:a16="http://schemas.microsoft.com/office/drawing/2014/main" xmlns="" id="{F5D8858A-9F5A-498C-BAE0-A90E60E2C7E6}"/>
               </a:ext>
             </a:extLst>
           </p:cNvPr>
@@ -6937,7 +6931,7 @@
           <p:cNvPr id="2" name="직사각형 1">
             <a:extLst>
               <a:ext uri="{FF2B5EF4-FFF2-40B4-BE49-F238E27FC236}">
-                <a16:creationId xmlns="" xmlns:a16="http://schemas.microsoft.com/office/drawing/2014/main" id="{7EBAE3E4-4335-499B-BDF0-8B5BC8F6285D}"/>
+                <a16:creationId xmlns:a16="http://schemas.microsoft.com/office/drawing/2014/main" xmlns="" id="{7EBAE3E4-4335-499B-BDF0-8B5BC8F6285D}"/>
               </a:ext>
             </a:extLst>
           </p:cNvPr>
@@ -6991,7 +6985,7 @@
           <p:cNvPr id="3" name="그림 2" descr="시계이(가) 표시된 사진&#10;&#10;자동 생성된 설명">
             <a:extLst>
               <a:ext uri="{FF2B5EF4-FFF2-40B4-BE49-F238E27FC236}">
-                <a16:creationId xmlns="" xmlns:a16="http://schemas.microsoft.com/office/drawing/2014/main" id="{92513313-A1ED-4A08-9676-9885D86B2222}"/>
+                <a16:creationId xmlns:a16="http://schemas.microsoft.com/office/drawing/2014/main" xmlns="" id="{92513313-A1ED-4A08-9676-9885D86B2222}"/>
               </a:ext>
             </a:extLst>
           </p:cNvPr>
@@ -7027,7 +7021,7 @@
           <p:cNvPr id="4" name="TextBox 3">
             <a:extLst>
               <a:ext uri="{FF2B5EF4-FFF2-40B4-BE49-F238E27FC236}">
-                <a16:creationId xmlns="" xmlns:a16="http://schemas.microsoft.com/office/drawing/2014/main" id="{E748B248-D9B8-42F5-8F0A-0C57F9E8A9D8}"/>
+                <a16:creationId xmlns:a16="http://schemas.microsoft.com/office/drawing/2014/main" xmlns="" id="{E748B248-D9B8-42F5-8F0A-0C57F9E8A9D8}"/>
               </a:ext>
             </a:extLst>
           </p:cNvPr>
@@ -7073,7 +7067,7 @@
           <p:cNvPr id="5" name="Window Body" descr="&lt;SmartSettings&gt;&lt;SmartResize anchorLeft=&quot;Absolute&quot; anchorTop=&quot;Absolute&quot; anchorRight=&quot;Absolute&quot; anchorBottom=&quot;Absolute&quot; /&gt;&lt;/SmartSettings&gt;">
             <a:extLst>
               <a:ext uri="{FF2B5EF4-FFF2-40B4-BE49-F238E27FC236}">
-                <a16:creationId xmlns="" xmlns:a16="http://schemas.microsoft.com/office/drawing/2014/main" id="{DD15E406-86D5-43EE-8219-49B0E1FA0E30}"/>
+                <a16:creationId xmlns:a16="http://schemas.microsoft.com/office/drawing/2014/main" xmlns="" id="{DD15E406-86D5-43EE-8219-49B0E1FA0E30}"/>
               </a:ext>
             </a:extLst>
           </p:cNvPr>
@@ -7231,7 +7225,7 @@
           <p:cNvPr id="6" name="Window Body" descr="&lt;SmartSettings&gt;&lt;SmartResize anchorLeft=&quot;Absolute&quot; anchorTop=&quot;Absolute&quot; anchorRight=&quot;Absolute&quot; anchorBottom=&quot;Absolute&quot; /&gt;&lt;/SmartSettings&gt;">
             <a:extLst>
               <a:ext uri="{FF2B5EF4-FFF2-40B4-BE49-F238E27FC236}">
-                <a16:creationId xmlns="" xmlns:a16="http://schemas.microsoft.com/office/drawing/2014/main" id="{E38A150B-1AD9-431B-9D06-C17150181DD0}"/>
+                <a16:creationId xmlns:a16="http://schemas.microsoft.com/office/drawing/2014/main" xmlns="" id="{E38A150B-1AD9-431B-9D06-C17150181DD0}"/>
               </a:ext>
             </a:extLst>
           </p:cNvPr>
@@ -7393,7 +7387,7 @@
           <p:cNvPr id="7" name="TextBox 6">
             <a:extLst>
               <a:ext uri="{FF2B5EF4-FFF2-40B4-BE49-F238E27FC236}">
-                <a16:creationId xmlns="" xmlns:a16="http://schemas.microsoft.com/office/drawing/2014/main" id="{D2726034-308D-4366-944B-FFF27DEC5755}"/>
+                <a16:creationId xmlns:a16="http://schemas.microsoft.com/office/drawing/2014/main" xmlns="" id="{D2726034-308D-4366-944B-FFF27DEC5755}"/>
               </a:ext>
             </a:extLst>
           </p:cNvPr>
@@ -7432,7 +7426,7 @@
           <p:cNvPr id="8" name="직사각형 7">
             <a:extLst>
               <a:ext uri="{FF2B5EF4-FFF2-40B4-BE49-F238E27FC236}">
-                <a16:creationId xmlns="" xmlns:a16="http://schemas.microsoft.com/office/drawing/2014/main" id="{EEBACED0-E6FC-4FF7-A932-37028E8D13EF}"/>
+                <a16:creationId xmlns:a16="http://schemas.microsoft.com/office/drawing/2014/main" xmlns="" id="{EEBACED0-E6FC-4FF7-A932-37028E8D13EF}"/>
               </a:ext>
             </a:extLst>
           </p:cNvPr>
@@ -7488,7 +7482,7 @@
           <p:cNvPr id="9" name="직사각형 8">
             <a:extLst>
               <a:ext uri="{FF2B5EF4-FFF2-40B4-BE49-F238E27FC236}">
-                <a16:creationId xmlns="" xmlns:a16="http://schemas.microsoft.com/office/drawing/2014/main" id="{AD24E563-93E8-44FA-90D6-C89C136846B9}"/>
+                <a16:creationId xmlns:a16="http://schemas.microsoft.com/office/drawing/2014/main" xmlns="" id="{AD24E563-93E8-44FA-90D6-C89C136846B9}"/>
               </a:ext>
             </a:extLst>
           </p:cNvPr>
@@ -7544,7 +7538,7 @@
           <p:cNvPr id="10" name="직사각형 9">
             <a:extLst>
               <a:ext uri="{FF2B5EF4-FFF2-40B4-BE49-F238E27FC236}">
-                <a16:creationId xmlns="" xmlns:a16="http://schemas.microsoft.com/office/drawing/2014/main" id="{1FFA90AC-E58B-417B-9886-FECB6569AD2D}"/>
+                <a16:creationId xmlns:a16="http://schemas.microsoft.com/office/drawing/2014/main" xmlns="" id="{1FFA90AC-E58B-417B-9886-FECB6569AD2D}"/>
               </a:ext>
             </a:extLst>
           </p:cNvPr>
@@ -7600,7 +7594,7 @@
           <p:cNvPr id="11" name="직사각형 10">
             <a:extLst>
               <a:ext uri="{FF2B5EF4-FFF2-40B4-BE49-F238E27FC236}">
-                <a16:creationId xmlns="" xmlns:a16="http://schemas.microsoft.com/office/drawing/2014/main" id="{329C28B5-34AB-4958-8E5B-6E4CDEF19247}"/>
+                <a16:creationId xmlns:a16="http://schemas.microsoft.com/office/drawing/2014/main" xmlns="" id="{329C28B5-34AB-4958-8E5B-6E4CDEF19247}"/>
               </a:ext>
             </a:extLst>
           </p:cNvPr>
@@ -7656,7 +7650,7 @@
           <p:cNvPr id="12" name="직사각형 11">
             <a:extLst>
               <a:ext uri="{FF2B5EF4-FFF2-40B4-BE49-F238E27FC236}">
-                <a16:creationId xmlns="" xmlns:a16="http://schemas.microsoft.com/office/drawing/2014/main" id="{17A9EEE9-6AA2-4A66-B4DE-E6BC540C9522}"/>
+                <a16:creationId xmlns:a16="http://schemas.microsoft.com/office/drawing/2014/main" xmlns="" id="{17A9EEE9-6AA2-4A66-B4DE-E6BC540C9522}"/>
               </a:ext>
             </a:extLst>
           </p:cNvPr>
@@ -7712,7 +7706,7 @@
           <p:cNvPr id="13" name="직사각형 12">
             <a:extLst>
               <a:ext uri="{FF2B5EF4-FFF2-40B4-BE49-F238E27FC236}">
-                <a16:creationId xmlns="" xmlns:a16="http://schemas.microsoft.com/office/drawing/2014/main" id="{94D22EE5-8D39-4DBE-8A4A-6BDEB83D53D6}"/>
+                <a16:creationId xmlns:a16="http://schemas.microsoft.com/office/drawing/2014/main" xmlns="" id="{94D22EE5-8D39-4DBE-8A4A-6BDEB83D53D6}"/>
               </a:ext>
             </a:extLst>
           </p:cNvPr>
@@ -7768,7 +7762,7 @@
           <p:cNvPr id="15" name="TextBox 14">
             <a:extLst>
               <a:ext uri="{FF2B5EF4-FFF2-40B4-BE49-F238E27FC236}">
-                <a16:creationId xmlns="" xmlns:a16="http://schemas.microsoft.com/office/drawing/2014/main" id="{CDA9ABE5-1366-426D-ADE5-0FE318C38F27}"/>
+                <a16:creationId xmlns:a16="http://schemas.microsoft.com/office/drawing/2014/main" xmlns="" id="{CDA9ABE5-1366-426D-ADE5-0FE318C38F27}"/>
               </a:ext>
             </a:extLst>
           </p:cNvPr>
@@ -7849,7 +7843,7 @@
           <p:cNvPr id="27" name="TextBox 26">
             <a:extLst>
               <a:ext uri="{FF2B5EF4-FFF2-40B4-BE49-F238E27FC236}">
-                <a16:creationId xmlns="" xmlns:a16="http://schemas.microsoft.com/office/drawing/2014/main" id="{5CE55390-2322-4612-8278-35B4D5F6137A}"/>
+                <a16:creationId xmlns:a16="http://schemas.microsoft.com/office/drawing/2014/main" xmlns="" id="{5CE55390-2322-4612-8278-35B4D5F6137A}"/>
               </a:ext>
             </a:extLst>
           </p:cNvPr>
@@ -7930,7 +7924,7 @@
           <p:cNvPr id="28" name="TextBox 27">
             <a:extLst>
               <a:ext uri="{FF2B5EF4-FFF2-40B4-BE49-F238E27FC236}">
-                <a16:creationId xmlns="" xmlns:a16="http://schemas.microsoft.com/office/drawing/2014/main" id="{B488E1F4-D4E3-4BFF-A574-E7F49706B4DF}"/>
+                <a16:creationId xmlns:a16="http://schemas.microsoft.com/office/drawing/2014/main" xmlns="" id="{B488E1F4-D4E3-4BFF-A574-E7F49706B4DF}"/>
               </a:ext>
             </a:extLst>
           </p:cNvPr>
@@ -8011,7 +8005,7 @@
           <p:cNvPr id="29" name="TextBox 28">
             <a:extLst>
               <a:ext uri="{FF2B5EF4-FFF2-40B4-BE49-F238E27FC236}">
-                <a16:creationId xmlns="" xmlns:a16="http://schemas.microsoft.com/office/drawing/2014/main" id="{FA52681E-385D-402E-8A5C-B64E7B35230F}"/>
+                <a16:creationId xmlns:a16="http://schemas.microsoft.com/office/drawing/2014/main" xmlns="" id="{FA52681E-385D-402E-8A5C-B64E7B35230F}"/>
               </a:ext>
             </a:extLst>
           </p:cNvPr>
@@ -8092,7 +8086,7 @@
           <p:cNvPr id="30" name="TextBox 29">
             <a:extLst>
               <a:ext uri="{FF2B5EF4-FFF2-40B4-BE49-F238E27FC236}">
-                <a16:creationId xmlns="" xmlns:a16="http://schemas.microsoft.com/office/drawing/2014/main" id="{06325415-E861-4E17-BF40-747AD6F65472}"/>
+                <a16:creationId xmlns:a16="http://schemas.microsoft.com/office/drawing/2014/main" xmlns="" id="{06325415-E861-4E17-BF40-747AD6F65472}"/>
               </a:ext>
             </a:extLst>
           </p:cNvPr>
@@ -8173,7 +8167,7 @@
           <p:cNvPr id="31" name="TextBox 30">
             <a:extLst>
               <a:ext uri="{FF2B5EF4-FFF2-40B4-BE49-F238E27FC236}">
-                <a16:creationId xmlns="" xmlns:a16="http://schemas.microsoft.com/office/drawing/2014/main" id="{44AB05BF-63C3-46EF-8DBC-99731ECEE4BA}"/>
+                <a16:creationId xmlns:a16="http://schemas.microsoft.com/office/drawing/2014/main" xmlns="" id="{44AB05BF-63C3-46EF-8DBC-99731ECEE4BA}"/>
               </a:ext>
             </a:extLst>
           </p:cNvPr>
@@ -8254,7 +8248,7 @@
           <p:cNvPr id="21" name="직사각형 20">
             <a:extLst>
               <a:ext uri="{FF2B5EF4-FFF2-40B4-BE49-F238E27FC236}">
-                <a16:creationId xmlns="" xmlns:a16="http://schemas.microsoft.com/office/drawing/2014/main" id="{6EAE47D9-4A96-426C-A689-C2DFC02A8962}"/>
+                <a16:creationId xmlns:a16="http://schemas.microsoft.com/office/drawing/2014/main" xmlns="" id="{6EAE47D9-4A96-426C-A689-C2DFC02A8962}"/>
               </a:ext>
             </a:extLst>
           </p:cNvPr>
@@ -8356,7 +8350,7 @@
           <p:cNvPr id="23" name="그림 22" descr="시계이(가) 표시된 사진&#10;&#10;자동 생성된 설명">
             <a:extLst>
               <a:ext uri="{FF2B5EF4-FFF2-40B4-BE49-F238E27FC236}">
-                <a16:creationId xmlns="" xmlns:a16="http://schemas.microsoft.com/office/drawing/2014/main" id="{92513313-A1ED-4A08-9676-9885D86B2222}"/>
+                <a16:creationId xmlns:a16="http://schemas.microsoft.com/office/drawing/2014/main" xmlns="" id="{92513313-A1ED-4A08-9676-9885D86B2222}"/>
               </a:ext>
             </a:extLst>
           </p:cNvPr>
@@ -8586,7 +8580,7 @@
           <p:cNvPr id="26" name="Window Body" descr="&lt;SmartSettings&gt;&lt;SmartResize anchorLeft=&quot;Absolute&quot; anchorTop=&quot;Absolute&quot; anchorRight=&quot;Absolute&quot; anchorBottom=&quot;Absolute&quot; /&gt;&lt;/SmartSettings&gt;">
             <a:extLst>
               <a:ext uri="{FF2B5EF4-FFF2-40B4-BE49-F238E27FC236}">
-                <a16:creationId xmlns="" xmlns:a16="http://schemas.microsoft.com/office/drawing/2014/main" id="{E38A150B-1AD9-431B-9D06-C17150181DD0}"/>
+                <a16:creationId xmlns:a16="http://schemas.microsoft.com/office/drawing/2014/main" xmlns="" id="{E38A150B-1AD9-431B-9D06-C17150181DD0}"/>
               </a:ext>
             </a:extLst>
           </p:cNvPr>
@@ -8748,7 +8742,7 @@
           <p:cNvPr id="32" name="직사각형 31">
             <a:extLst>
               <a:ext uri="{FF2B5EF4-FFF2-40B4-BE49-F238E27FC236}">
-                <a16:creationId xmlns="" xmlns:a16="http://schemas.microsoft.com/office/drawing/2014/main" id="{EEBACED0-E6FC-4FF7-A932-37028E8D13EF}"/>
+                <a16:creationId xmlns:a16="http://schemas.microsoft.com/office/drawing/2014/main" xmlns="" id="{EEBACED0-E6FC-4FF7-A932-37028E8D13EF}"/>
               </a:ext>
             </a:extLst>
           </p:cNvPr>
@@ -8804,7 +8798,7 @@
           <p:cNvPr id="33" name="그림 32" descr="시계이(가) 표시된 사진&#10;&#10;자동 생성된 설명">
             <a:extLst>
               <a:ext uri="{FF2B5EF4-FFF2-40B4-BE49-F238E27FC236}">
-                <a16:creationId xmlns="" xmlns:a16="http://schemas.microsoft.com/office/drawing/2014/main" id="{92513313-A1ED-4A08-9676-9885D86B2222}"/>
+                <a16:creationId xmlns:a16="http://schemas.microsoft.com/office/drawing/2014/main" xmlns="" id="{92513313-A1ED-4A08-9676-9885D86B2222}"/>
               </a:ext>
             </a:extLst>
           </p:cNvPr>
@@ -8840,7 +8834,7 @@
           <p:cNvPr id="35" name="직사각형 34">
             <a:extLst>
               <a:ext uri="{FF2B5EF4-FFF2-40B4-BE49-F238E27FC236}">
-                <a16:creationId xmlns="" xmlns:a16="http://schemas.microsoft.com/office/drawing/2014/main" id="{6EAE47D9-4A96-426C-A689-C2DFC02A8962}"/>
+                <a16:creationId xmlns:a16="http://schemas.microsoft.com/office/drawing/2014/main" xmlns="" id="{6EAE47D9-4A96-426C-A689-C2DFC02A8962}"/>
               </a:ext>
             </a:extLst>
           </p:cNvPr>
@@ -8912,7 +8906,7 @@
           <p:cNvPr id="37" name="TextBox 36">
             <a:extLst>
               <a:ext uri="{FF2B5EF4-FFF2-40B4-BE49-F238E27FC236}">
-                <a16:creationId xmlns="" xmlns:a16="http://schemas.microsoft.com/office/drawing/2014/main" id="{A91A8208-A88C-4823-9F78-3A5A47219D01}"/>
+                <a16:creationId xmlns:a16="http://schemas.microsoft.com/office/drawing/2014/main" xmlns="" id="{A91A8208-A88C-4823-9F78-3A5A47219D01}"/>
               </a:ext>
             </a:extLst>
           </p:cNvPr>
@@ -8960,7 +8954,7 @@
           <p:cNvPr id="38" name="TextBox 37">
             <a:extLst>
               <a:ext uri="{FF2B5EF4-FFF2-40B4-BE49-F238E27FC236}">
-                <a16:creationId xmlns="" xmlns:a16="http://schemas.microsoft.com/office/drawing/2014/main" id="{F5D8858A-9F5A-498C-BAE0-A90E60E2C7E6}"/>
+                <a16:creationId xmlns:a16="http://schemas.microsoft.com/office/drawing/2014/main" xmlns="" id="{F5D8858A-9F5A-498C-BAE0-A90E60E2C7E6}"/>
               </a:ext>
             </a:extLst>
           </p:cNvPr>
@@ -9008,7 +9002,7 @@
           <p:cNvPr id="39" name="직사각형 38">
             <a:extLst>
               <a:ext uri="{FF2B5EF4-FFF2-40B4-BE49-F238E27FC236}">
-                <a16:creationId xmlns="" xmlns:a16="http://schemas.microsoft.com/office/drawing/2014/main" id="{EEBACED0-E6FC-4FF7-A932-37028E8D13EF}"/>
+                <a16:creationId xmlns:a16="http://schemas.microsoft.com/office/drawing/2014/main" xmlns="" id="{EEBACED0-E6FC-4FF7-A932-37028E8D13EF}"/>
               </a:ext>
             </a:extLst>
           </p:cNvPr>
@@ -9064,7 +9058,7 @@
           <p:cNvPr id="40" name="TextBox 39">
             <a:extLst>
               <a:ext uri="{FF2B5EF4-FFF2-40B4-BE49-F238E27FC236}">
-                <a16:creationId xmlns="" xmlns:a16="http://schemas.microsoft.com/office/drawing/2014/main" id="{A91A8208-A88C-4823-9F78-3A5A47219D01}"/>
+                <a16:creationId xmlns:a16="http://schemas.microsoft.com/office/drawing/2014/main" xmlns="" id="{A91A8208-A88C-4823-9F78-3A5A47219D01}"/>
               </a:ext>
             </a:extLst>
           </p:cNvPr>
@@ -9112,7 +9106,7 @@
           <p:cNvPr id="41" name="TextBox 40">
             <a:extLst>
               <a:ext uri="{FF2B5EF4-FFF2-40B4-BE49-F238E27FC236}">
-                <a16:creationId xmlns="" xmlns:a16="http://schemas.microsoft.com/office/drawing/2014/main" id="{F5D8858A-9F5A-498C-BAE0-A90E60E2C7E6}"/>
+                <a16:creationId xmlns:a16="http://schemas.microsoft.com/office/drawing/2014/main" xmlns="" id="{F5D8858A-9F5A-498C-BAE0-A90E60E2C7E6}"/>
               </a:ext>
             </a:extLst>
           </p:cNvPr>
@@ -9628,7 +9622,7 @@
           <p:cNvPr id="2" name="직사각형 1">
             <a:extLst>
               <a:ext uri="{FF2B5EF4-FFF2-40B4-BE49-F238E27FC236}">
-                <a16:creationId xmlns="" xmlns:a16="http://schemas.microsoft.com/office/drawing/2014/main" id="{7EBAE3E4-4335-499B-BDF0-8B5BC8F6285D}"/>
+                <a16:creationId xmlns:a16="http://schemas.microsoft.com/office/drawing/2014/main" xmlns="" id="{7EBAE3E4-4335-499B-BDF0-8B5BC8F6285D}"/>
               </a:ext>
             </a:extLst>
           </p:cNvPr>
@@ -9682,7 +9676,7 @@
           <p:cNvPr id="3" name="그림 2" descr="시계이(가) 표시된 사진&#10;&#10;자동 생성된 설명">
             <a:extLst>
               <a:ext uri="{FF2B5EF4-FFF2-40B4-BE49-F238E27FC236}">
-                <a16:creationId xmlns="" xmlns:a16="http://schemas.microsoft.com/office/drawing/2014/main" id="{92513313-A1ED-4A08-9676-9885D86B2222}"/>
+                <a16:creationId xmlns:a16="http://schemas.microsoft.com/office/drawing/2014/main" xmlns="" id="{92513313-A1ED-4A08-9676-9885D86B2222}"/>
               </a:ext>
             </a:extLst>
           </p:cNvPr>
@@ -9718,7 +9712,7 @@
           <p:cNvPr id="4" name="TextBox 3">
             <a:extLst>
               <a:ext uri="{FF2B5EF4-FFF2-40B4-BE49-F238E27FC236}">
-                <a16:creationId xmlns="" xmlns:a16="http://schemas.microsoft.com/office/drawing/2014/main" id="{E748B248-D9B8-42F5-8F0A-0C57F9E8A9D8}"/>
+                <a16:creationId xmlns:a16="http://schemas.microsoft.com/office/drawing/2014/main" xmlns="" id="{E748B248-D9B8-42F5-8F0A-0C57F9E8A9D8}"/>
               </a:ext>
             </a:extLst>
           </p:cNvPr>
@@ -9764,7 +9758,7 @@
           <p:cNvPr id="5" name="Window Body" descr="&lt;SmartSettings&gt;&lt;SmartResize anchorLeft=&quot;Absolute&quot; anchorTop=&quot;Absolute&quot; anchorRight=&quot;Absolute&quot; anchorBottom=&quot;Absolute&quot; /&gt;&lt;/SmartSettings&gt;">
             <a:extLst>
               <a:ext uri="{FF2B5EF4-FFF2-40B4-BE49-F238E27FC236}">
-                <a16:creationId xmlns="" xmlns:a16="http://schemas.microsoft.com/office/drawing/2014/main" id="{DD15E406-86D5-43EE-8219-49B0E1FA0E30}"/>
+                <a16:creationId xmlns:a16="http://schemas.microsoft.com/office/drawing/2014/main" xmlns="" id="{DD15E406-86D5-43EE-8219-49B0E1FA0E30}"/>
               </a:ext>
             </a:extLst>
           </p:cNvPr>
@@ -9922,7 +9916,7 @@
           <p:cNvPr id="6" name="Window Body" descr="&lt;SmartSettings&gt;&lt;SmartResize anchorLeft=&quot;Absolute&quot; anchorTop=&quot;Absolute&quot; anchorRight=&quot;Absolute&quot; anchorBottom=&quot;Absolute&quot; /&gt;&lt;/SmartSettings&gt;">
             <a:extLst>
               <a:ext uri="{FF2B5EF4-FFF2-40B4-BE49-F238E27FC236}">
-                <a16:creationId xmlns="" xmlns:a16="http://schemas.microsoft.com/office/drawing/2014/main" id="{E38A150B-1AD9-431B-9D06-C17150181DD0}"/>
+                <a16:creationId xmlns:a16="http://schemas.microsoft.com/office/drawing/2014/main" xmlns="" id="{E38A150B-1AD9-431B-9D06-C17150181DD0}"/>
               </a:ext>
             </a:extLst>
           </p:cNvPr>
@@ -10084,7 +10078,7 @@
           <p:cNvPr id="7" name="TextBox 6">
             <a:extLst>
               <a:ext uri="{FF2B5EF4-FFF2-40B4-BE49-F238E27FC236}">
-                <a16:creationId xmlns="" xmlns:a16="http://schemas.microsoft.com/office/drawing/2014/main" id="{D2726034-308D-4366-944B-FFF27DEC5755}"/>
+                <a16:creationId xmlns:a16="http://schemas.microsoft.com/office/drawing/2014/main" xmlns="" id="{D2726034-308D-4366-944B-FFF27DEC5755}"/>
               </a:ext>
             </a:extLst>
           </p:cNvPr>
@@ -10123,7 +10117,7 @@
           <p:cNvPr id="21" name="직사각형 20">
             <a:extLst>
               <a:ext uri="{FF2B5EF4-FFF2-40B4-BE49-F238E27FC236}">
-                <a16:creationId xmlns="" xmlns:a16="http://schemas.microsoft.com/office/drawing/2014/main" id="{85D0658C-BC08-4026-908C-C962C844F4A0}"/>
+                <a16:creationId xmlns:a16="http://schemas.microsoft.com/office/drawing/2014/main" xmlns="" id="{85D0658C-BC08-4026-908C-C962C844F4A0}"/>
               </a:ext>
             </a:extLst>
           </p:cNvPr>
@@ -10185,7 +10179,7 @@
           <p:cNvPr id="22" name="직사각형 21">
             <a:extLst>
               <a:ext uri="{FF2B5EF4-FFF2-40B4-BE49-F238E27FC236}">
-                <a16:creationId xmlns="" xmlns:a16="http://schemas.microsoft.com/office/drawing/2014/main" id="{19767C2E-B4DF-41B9-8FA8-2C41D9F98870}"/>
+                <a16:creationId xmlns:a16="http://schemas.microsoft.com/office/drawing/2014/main" xmlns="" id="{19767C2E-B4DF-41B9-8FA8-2C41D9F98870}"/>
               </a:ext>
             </a:extLst>
           </p:cNvPr>
@@ -10250,7 +10244,7 @@
           <p:cNvPr id="24" name="직사각형 23">
             <a:extLst>
               <a:ext uri="{FF2B5EF4-FFF2-40B4-BE49-F238E27FC236}">
-                <a16:creationId xmlns="" xmlns:a16="http://schemas.microsoft.com/office/drawing/2014/main" id="{76BAADC5-A8B1-4DA2-A50A-350233564DEF}"/>
+                <a16:creationId xmlns:a16="http://schemas.microsoft.com/office/drawing/2014/main" xmlns="" id="{76BAADC5-A8B1-4DA2-A50A-350233564DEF}"/>
               </a:ext>
             </a:extLst>
           </p:cNvPr>
@@ -10372,7 +10366,7 @@
           <p:cNvPr id="32" name="직사각형 31">
             <a:extLst>
               <a:ext uri="{FF2B5EF4-FFF2-40B4-BE49-F238E27FC236}">
-                <a16:creationId xmlns="" xmlns:a16="http://schemas.microsoft.com/office/drawing/2014/main" id="{9DAD2CD8-E546-4349-ACBB-E16B5B510B13}"/>
+                <a16:creationId xmlns:a16="http://schemas.microsoft.com/office/drawing/2014/main" xmlns="" id="{9DAD2CD8-E546-4349-ACBB-E16B5B510B13}"/>
               </a:ext>
             </a:extLst>
           </p:cNvPr>
@@ -10437,7 +10431,7 @@
           <p:cNvPr id="33" name="직사각형 32">
             <a:extLst>
               <a:ext uri="{FF2B5EF4-FFF2-40B4-BE49-F238E27FC236}">
-                <a16:creationId xmlns="" xmlns:a16="http://schemas.microsoft.com/office/drawing/2014/main" id="{26C91EA0-8F3B-4561-919C-C3DE77BB6F87}"/>
+                <a16:creationId xmlns:a16="http://schemas.microsoft.com/office/drawing/2014/main" xmlns="" id="{26C91EA0-8F3B-4561-919C-C3DE77BB6F87}"/>
               </a:ext>
             </a:extLst>
           </p:cNvPr>
@@ -10502,7 +10496,7 @@
           <p:cNvPr id="34" name="직사각형 33">
             <a:extLst>
               <a:ext uri="{FF2B5EF4-FFF2-40B4-BE49-F238E27FC236}">
-                <a16:creationId xmlns="" xmlns:a16="http://schemas.microsoft.com/office/drawing/2014/main" id="{961EA538-04CB-4BCB-90F4-640466AF7E1C}"/>
+                <a16:creationId xmlns:a16="http://schemas.microsoft.com/office/drawing/2014/main" xmlns="" id="{961EA538-04CB-4BCB-90F4-640466AF7E1C}"/>
               </a:ext>
             </a:extLst>
           </p:cNvPr>
@@ -10564,7 +10558,7 @@
           <p:cNvPr id="35" name="직사각형 34">
             <a:extLst>
               <a:ext uri="{FF2B5EF4-FFF2-40B4-BE49-F238E27FC236}">
-                <a16:creationId xmlns="" xmlns:a16="http://schemas.microsoft.com/office/drawing/2014/main" id="{362C8AFF-EEC4-4DDE-9053-4CD39879A0CA}"/>
+                <a16:creationId xmlns:a16="http://schemas.microsoft.com/office/drawing/2014/main" xmlns="" id="{362C8AFF-EEC4-4DDE-9053-4CD39879A0CA}"/>
               </a:ext>
             </a:extLst>
           </p:cNvPr>
@@ -10629,7 +10623,7 @@
           <p:cNvPr id="36" name="직사각형 35">
             <a:extLst>
               <a:ext uri="{FF2B5EF4-FFF2-40B4-BE49-F238E27FC236}">
-                <a16:creationId xmlns="" xmlns:a16="http://schemas.microsoft.com/office/drawing/2014/main" id="{6004046B-93A4-4812-85FE-41FFF63569E4}"/>
+                <a16:creationId xmlns:a16="http://schemas.microsoft.com/office/drawing/2014/main" xmlns="" id="{6004046B-93A4-4812-85FE-41FFF63569E4}"/>
               </a:ext>
             </a:extLst>
           </p:cNvPr>
@@ -10677,14 +10671,14 @@
           <a:p>
             <a:pPr algn="ctr"/>
             <a:r>
-              <a:rPr lang="ko-KR" altLang="en-US">
+              <a:rPr lang="ko-KR" altLang="en-US" dirty="0" smtClean="0">
                 <a:solidFill>
                   <a:schemeClr val="bg2">
                     <a:lumMod val="50000"/>
                   </a:schemeClr>
                 </a:solidFill>
               </a:rPr>
-              <a:t>후기</a:t>
+              <a:t>구매 후기</a:t>
             </a:r>
             <a:endParaRPr lang="ko-KR" altLang="en-US" dirty="0">
               <a:solidFill>
@@ -10701,7 +10695,7 @@
           <p:cNvPr id="38" name="직사각형 37">
             <a:extLst>
               <a:ext uri="{FF2B5EF4-FFF2-40B4-BE49-F238E27FC236}">
-                <a16:creationId xmlns="" xmlns:a16="http://schemas.microsoft.com/office/drawing/2014/main" id="{6971685D-B58C-401F-81FD-C5597B07DA45}"/>
+                <a16:creationId xmlns:a16="http://schemas.microsoft.com/office/drawing/2014/main" xmlns="" id="{6971685D-B58C-401F-81FD-C5597B07DA45}"/>
               </a:ext>
             </a:extLst>
           </p:cNvPr>
@@ -10843,7 +10837,7 @@
           <p:cNvPr id="19" name="그림 18" descr="시계이(가) 표시된 사진&#10;&#10;자동 생성된 설명">
             <a:extLst>
               <a:ext uri="{FF2B5EF4-FFF2-40B4-BE49-F238E27FC236}">
-                <a16:creationId xmlns="" xmlns:a16="http://schemas.microsoft.com/office/drawing/2014/main" id="{92513313-A1ED-4A08-9676-9885D86B2222}"/>
+                <a16:creationId xmlns:a16="http://schemas.microsoft.com/office/drawing/2014/main" xmlns="" id="{92513313-A1ED-4A08-9676-9885D86B2222}"/>
               </a:ext>
             </a:extLst>
           </p:cNvPr>
@@ -11073,7 +11067,7 @@
           <p:cNvPr id="25" name="Window Body" descr="&lt;SmartSettings&gt;&lt;SmartResize anchorLeft=&quot;Absolute&quot; anchorTop=&quot;Absolute&quot; anchorRight=&quot;Absolute&quot; anchorBottom=&quot;Absolute&quot; /&gt;&lt;/SmartSettings&gt;">
             <a:extLst>
               <a:ext uri="{FF2B5EF4-FFF2-40B4-BE49-F238E27FC236}">
-                <a16:creationId xmlns="" xmlns:a16="http://schemas.microsoft.com/office/drawing/2014/main" id="{E38A150B-1AD9-431B-9D06-C17150181DD0}"/>
+                <a16:creationId xmlns:a16="http://schemas.microsoft.com/office/drawing/2014/main" xmlns="" id="{E38A150B-1AD9-431B-9D06-C17150181DD0}"/>
               </a:ext>
             </a:extLst>
           </p:cNvPr>
@@ -11235,7 +11229,7 @@
           <p:cNvPr id="26" name="직사각형 25">
             <a:extLst>
               <a:ext uri="{FF2B5EF4-FFF2-40B4-BE49-F238E27FC236}">
-                <a16:creationId xmlns="" xmlns:a16="http://schemas.microsoft.com/office/drawing/2014/main" id="{EEBACED0-E6FC-4FF7-A932-37028E8D13EF}"/>
+                <a16:creationId xmlns:a16="http://schemas.microsoft.com/office/drawing/2014/main" xmlns="" id="{EEBACED0-E6FC-4FF7-A932-37028E8D13EF}"/>
               </a:ext>
             </a:extLst>
           </p:cNvPr>
@@ -11291,7 +11285,7 @@
           <p:cNvPr id="27" name="그림 26" descr="시계이(가) 표시된 사진&#10;&#10;자동 생성된 설명">
             <a:extLst>
               <a:ext uri="{FF2B5EF4-FFF2-40B4-BE49-F238E27FC236}">
-                <a16:creationId xmlns="" xmlns:a16="http://schemas.microsoft.com/office/drawing/2014/main" id="{92513313-A1ED-4A08-9676-9885D86B2222}"/>
+                <a16:creationId xmlns:a16="http://schemas.microsoft.com/office/drawing/2014/main" xmlns="" id="{92513313-A1ED-4A08-9676-9885D86B2222}"/>
               </a:ext>
             </a:extLst>
           </p:cNvPr>
@@ -11327,7 +11321,7 @@
           <p:cNvPr id="31" name="TextBox 30">
             <a:extLst>
               <a:ext uri="{FF2B5EF4-FFF2-40B4-BE49-F238E27FC236}">
-                <a16:creationId xmlns="" xmlns:a16="http://schemas.microsoft.com/office/drawing/2014/main" id="{A91A8208-A88C-4823-9F78-3A5A47219D01}"/>
+                <a16:creationId xmlns:a16="http://schemas.microsoft.com/office/drawing/2014/main" xmlns="" id="{A91A8208-A88C-4823-9F78-3A5A47219D01}"/>
               </a:ext>
             </a:extLst>
           </p:cNvPr>
@@ -11368,7 +11362,7 @@
           <p:cNvPr id="37" name="TextBox 36">
             <a:extLst>
               <a:ext uri="{FF2B5EF4-FFF2-40B4-BE49-F238E27FC236}">
-                <a16:creationId xmlns="" xmlns:a16="http://schemas.microsoft.com/office/drawing/2014/main" id="{F5D8858A-9F5A-498C-BAE0-A90E60E2C7E6}"/>
+                <a16:creationId xmlns:a16="http://schemas.microsoft.com/office/drawing/2014/main" xmlns="" id="{F5D8858A-9F5A-498C-BAE0-A90E60E2C7E6}"/>
               </a:ext>
             </a:extLst>
           </p:cNvPr>
@@ -11475,7 +11469,7 @@
           <p:cNvPr id="48" name="직사각형 47">
             <a:extLst>
               <a:ext uri="{FF2B5EF4-FFF2-40B4-BE49-F238E27FC236}">
-                <a16:creationId xmlns="" xmlns:a16="http://schemas.microsoft.com/office/drawing/2014/main" id="{EEBACED0-E6FC-4FF7-A932-37028E8D13EF}"/>
+                <a16:creationId xmlns:a16="http://schemas.microsoft.com/office/drawing/2014/main" xmlns="" id="{EEBACED0-E6FC-4FF7-A932-37028E8D13EF}"/>
               </a:ext>
             </a:extLst>
           </p:cNvPr>
@@ -11547,7 +11541,7 @@
           <p:cNvPr id="49" name="직사각형 48">
             <a:extLst>
               <a:ext uri="{FF2B5EF4-FFF2-40B4-BE49-F238E27FC236}">
-                <a16:creationId xmlns="" xmlns:a16="http://schemas.microsoft.com/office/drawing/2014/main" id="{EEBACED0-E6FC-4FF7-A932-37028E8D13EF}"/>
+                <a16:creationId xmlns:a16="http://schemas.microsoft.com/office/drawing/2014/main" xmlns="" id="{EEBACED0-E6FC-4FF7-A932-37028E8D13EF}"/>
               </a:ext>
             </a:extLst>
           </p:cNvPr>
@@ -11619,7 +11613,7 @@
           <p:cNvPr id="50" name="TextBox 49">
             <a:extLst>
               <a:ext uri="{FF2B5EF4-FFF2-40B4-BE49-F238E27FC236}">
-                <a16:creationId xmlns="" xmlns:a16="http://schemas.microsoft.com/office/drawing/2014/main" id="{A91A8208-A88C-4823-9F78-3A5A47219D01}"/>
+                <a16:creationId xmlns:a16="http://schemas.microsoft.com/office/drawing/2014/main" xmlns="" id="{A91A8208-A88C-4823-9F78-3A5A47219D01}"/>
               </a:ext>
             </a:extLst>
           </p:cNvPr>
@@ -11677,7 +11671,7 @@
           <p:cNvPr id="51" name="TextBox 50">
             <a:extLst>
               <a:ext uri="{FF2B5EF4-FFF2-40B4-BE49-F238E27FC236}">
-                <a16:creationId xmlns="" xmlns:a16="http://schemas.microsoft.com/office/drawing/2014/main" id="{A91A8208-A88C-4823-9F78-3A5A47219D01}"/>
+                <a16:creationId xmlns:a16="http://schemas.microsoft.com/office/drawing/2014/main" xmlns="" id="{A91A8208-A88C-4823-9F78-3A5A47219D01}"/>
               </a:ext>
             </a:extLst>
           </p:cNvPr>
@@ -11725,7 +11719,7 @@
           <p:cNvPr id="52" name="TextBox 51">
             <a:extLst>
               <a:ext uri="{FF2B5EF4-FFF2-40B4-BE49-F238E27FC236}">
-                <a16:creationId xmlns="" xmlns:a16="http://schemas.microsoft.com/office/drawing/2014/main" id="{A91A8208-A88C-4823-9F78-3A5A47219D01}"/>
+                <a16:creationId xmlns:a16="http://schemas.microsoft.com/office/drawing/2014/main" xmlns="" id="{A91A8208-A88C-4823-9F78-3A5A47219D01}"/>
               </a:ext>
             </a:extLst>
           </p:cNvPr>
@@ -12207,7 +12201,7 @@
           <p:cNvPr id="2" name="직사각형 1">
             <a:extLst>
               <a:ext uri="{FF2B5EF4-FFF2-40B4-BE49-F238E27FC236}">
-                <a16:creationId xmlns="" xmlns:a16="http://schemas.microsoft.com/office/drawing/2014/main" id="{7EBAE3E4-4335-499B-BDF0-8B5BC8F6285D}"/>
+                <a16:creationId xmlns:a16="http://schemas.microsoft.com/office/drawing/2014/main" xmlns="" id="{7EBAE3E4-4335-499B-BDF0-8B5BC8F6285D}"/>
               </a:ext>
             </a:extLst>
           </p:cNvPr>
@@ -12261,7 +12255,7 @@
           <p:cNvPr id="3" name="그림 2" descr="시계이(가) 표시된 사진&#10;&#10;자동 생성된 설명">
             <a:extLst>
               <a:ext uri="{FF2B5EF4-FFF2-40B4-BE49-F238E27FC236}">
-                <a16:creationId xmlns="" xmlns:a16="http://schemas.microsoft.com/office/drawing/2014/main" id="{92513313-A1ED-4A08-9676-9885D86B2222}"/>
+                <a16:creationId xmlns:a16="http://schemas.microsoft.com/office/drawing/2014/main" xmlns="" id="{92513313-A1ED-4A08-9676-9885D86B2222}"/>
               </a:ext>
             </a:extLst>
           </p:cNvPr>
@@ -12297,7 +12291,7 @@
           <p:cNvPr id="4" name="TextBox 3">
             <a:extLst>
               <a:ext uri="{FF2B5EF4-FFF2-40B4-BE49-F238E27FC236}">
-                <a16:creationId xmlns="" xmlns:a16="http://schemas.microsoft.com/office/drawing/2014/main" id="{E748B248-D9B8-42F5-8F0A-0C57F9E8A9D8}"/>
+                <a16:creationId xmlns:a16="http://schemas.microsoft.com/office/drawing/2014/main" xmlns="" id="{E748B248-D9B8-42F5-8F0A-0C57F9E8A9D8}"/>
               </a:ext>
             </a:extLst>
           </p:cNvPr>
@@ -12343,7 +12337,7 @@
           <p:cNvPr id="6" name="Window Body" descr="&lt;SmartSettings&gt;&lt;SmartResize anchorLeft=&quot;Absolute&quot; anchorTop=&quot;Absolute&quot; anchorRight=&quot;Absolute&quot; anchorBottom=&quot;Absolute&quot; /&gt;&lt;/SmartSettings&gt;">
             <a:extLst>
               <a:ext uri="{FF2B5EF4-FFF2-40B4-BE49-F238E27FC236}">
-                <a16:creationId xmlns="" xmlns:a16="http://schemas.microsoft.com/office/drawing/2014/main" id="{E38A150B-1AD9-431B-9D06-C17150181DD0}"/>
+                <a16:creationId xmlns:a16="http://schemas.microsoft.com/office/drawing/2014/main" xmlns="" id="{E38A150B-1AD9-431B-9D06-C17150181DD0}"/>
               </a:ext>
             </a:extLst>
           </p:cNvPr>
@@ -12505,7 +12499,7 @@
           <p:cNvPr id="7" name="TextBox 6">
             <a:extLst>
               <a:ext uri="{FF2B5EF4-FFF2-40B4-BE49-F238E27FC236}">
-                <a16:creationId xmlns="" xmlns:a16="http://schemas.microsoft.com/office/drawing/2014/main" id="{D2726034-308D-4366-944B-FFF27DEC5755}"/>
+                <a16:creationId xmlns:a16="http://schemas.microsoft.com/office/drawing/2014/main" xmlns="" id="{D2726034-308D-4366-944B-FFF27DEC5755}"/>
               </a:ext>
             </a:extLst>
           </p:cNvPr>
@@ -12529,12 +12523,20 @@
           <a:lstStyle/>
           <a:p>
             <a:r>
+              <a:rPr lang="ko-KR" altLang="en-US" dirty="0" smtClean="0">
+                <a:solidFill>
+                  <a:srgbClr val="002060"/>
+                </a:solidFill>
+              </a:rPr>
+              <a:t>상품상세 </a:t>
+            </a:r>
+            <a:r>
               <a:rPr lang="ko-KR" altLang="en-US" dirty="0">
                 <a:solidFill>
                   <a:srgbClr val="002060"/>
                 </a:solidFill>
               </a:rPr>
-              <a:t>클래스 상세 페이지</a:t>
+              <a:t>페이지</a:t>
             </a:r>
           </a:p>
         </p:txBody>
@@ -12544,7 +12546,7 @@
           <p:cNvPr id="17" name="Window Body" descr="&lt;SmartSettings&gt;&lt;SmartResize anchorLeft=&quot;Absolute&quot; anchorTop=&quot;Absolute&quot; anchorRight=&quot;Absolute&quot; anchorBottom=&quot;Absolute&quot; /&gt;&lt;/SmartSettings&gt;">
             <a:extLst>
               <a:ext uri="{FF2B5EF4-FFF2-40B4-BE49-F238E27FC236}">
-                <a16:creationId xmlns="" xmlns:a16="http://schemas.microsoft.com/office/drawing/2014/main" id="{DD15E406-86D5-43EE-8219-49B0E1FA0E30}"/>
+                <a16:creationId xmlns:a16="http://schemas.microsoft.com/office/drawing/2014/main" xmlns="" id="{DD15E406-86D5-43EE-8219-49B0E1FA0E30}"/>
               </a:ext>
             </a:extLst>
           </p:cNvPr>
@@ -12702,7 +12704,7 @@
           <p:cNvPr id="18" name="직사각형 17">
             <a:extLst>
               <a:ext uri="{FF2B5EF4-FFF2-40B4-BE49-F238E27FC236}">
-                <a16:creationId xmlns="" xmlns:a16="http://schemas.microsoft.com/office/drawing/2014/main" id="{85D0658C-BC08-4026-908C-C962C844F4A0}"/>
+                <a16:creationId xmlns:a16="http://schemas.microsoft.com/office/drawing/2014/main" xmlns="" id="{85D0658C-BC08-4026-908C-C962C844F4A0}"/>
               </a:ext>
             </a:extLst>
           </p:cNvPr>
@@ -12764,7 +12766,7 @@
           <p:cNvPr id="19" name="직사각형 18">
             <a:extLst>
               <a:ext uri="{FF2B5EF4-FFF2-40B4-BE49-F238E27FC236}">
-                <a16:creationId xmlns="" xmlns:a16="http://schemas.microsoft.com/office/drawing/2014/main" id="{19767C2E-B4DF-41B9-8FA8-2C41D9F98870}"/>
+                <a16:creationId xmlns:a16="http://schemas.microsoft.com/office/drawing/2014/main" xmlns="" id="{19767C2E-B4DF-41B9-8FA8-2C41D9F98870}"/>
               </a:ext>
             </a:extLst>
           </p:cNvPr>
@@ -12836,7 +12838,7 @@
           <p:cNvPr id="20" name="직사각형 19">
             <a:extLst>
               <a:ext uri="{FF2B5EF4-FFF2-40B4-BE49-F238E27FC236}">
-                <a16:creationId xmlns="" xmlns:a16="http://schemas.microsoft.com/office/drawing/2014/main" id="{76BAADC5-A8B1-4DA2-A50A-350233564DEF}"/>
+                <a16:creationId xmlns:a16="http://schemas.microsoft.com/office/drawing/2014/main" xmlns="" id="{76BAADC5-A8B1-4DA2-A50A-350233564DEF}"/>
               </a:ext>
             </a:extLst>
           </p:cNvPr>
@@ -12908,7 +12910,7 @@
           <p:cNvPr id="23" name="직사각형 22">
             <a:extLst>
               <a:ext uri="{FF2B5EF4-FFF2-40B4-BE49-F238E27FC236}">
-                <a16:creationId xmlns="" xmlns:a16="http://schemas.microsoft.com/office/drawing/2014/main" id="{9DAD2CD8-E546-4349-ACBB-E16B5B510B13}"/>
+                <a16:creationId xmlns:a16="http://schemas.microsoft.com/office/drawing/2014/main" xmlns="" id="{9DAD2CD8-E546-4349-ACBB-E16B5B510B13}"/>
               </a:ext>
             </a:extLst>
           </p:cNvPr>
@@ -12980,7 +12982,7 @@
           <p:cNvPr id="25" name="직사각형 24">
             <a:extLst>
               <a:ext uri="{FF2B5EF4-FFF2-40B4-BE49-F238E27FC236}">
-                <a16:creationId xmlns="" xmlns:a16="http://schemas.microsoft.com/office/drawing/2014/main" id="{26C91EA0-8F3B-4561-919C-C3DE77BB6F87}"/>
+                <a16:creationId xmlns:a16="http://schemas.microsoft.com/office/drawing/2014/main" xmlns="" id="{26C91EA0-8F3B-4561-919C-C3DE77BB6F87}"/>
               </a:ext>
             </a:extLst>
           </p:cNvPr>
@@ -13052,7 +13054,7 @@
           <p:cNvPr id="26" name="직사각형 25">
             <a:extLst>
               <a:ext uri="{FF2B5EF4-FFF2-40B4-BE49-F238E27FC236}">
-                <a16:creationId xmlns="" xmlns:a16="http://schemas.microsoft.com/office/drawing/2014/main" id="{961EA538-04CB-4BCB-90F4-640466AF7E1C}"/>
+                <a16:creationId xmlns:a16="http://schemas.microsoft.com/office/drawing/2014/main" xmlns="" id="{961EA538-04CB-4BCB-90F4-640466AF7E1C}"/>
               </a:ext>
             </a:extLst>
           </p:cNvPr>
@@ -13114,7 +13116,7 @@
           <p:cNvPr id="27" name="직사각형 26">
             <a:extLst>
               <a:ext uri="{FF2B5EF4-FFF2-40B4-BE49-F238E27FC236}">
-                <a16:creationId xmlns="" xmlns:a16="http://schemas.microsoft.com/office/drawing/2014/main" id="{362C8AFF-EEC4-4DDE-9053-4CD39879A0CA}"/>
+                <a16:creationId xmlns:a16="http://schemas.microsoft.com/office/drawing/2014/main" xmlns="" id="{362C8AFF-EEC4-4DDE-9053-4CD39879A0CA}"/>
               </a:ext>
             </a:extLst>
           </p:cNvPr>
@@ -13186,7 +13188,7 @@
           <p:cNvPr id="28" name="직사각형 27">
             <a:extLst>
               <a:ext uri="{FF2B5EF4-FFF2-40B4-BE49-F238E27FC236}">
-                <a16:creationId xmlns="" xmlns:a16="http://schemas.microsoft.com/office/drawing/2014/main" id="{6004046B-93A4-4812-85FE-41FFF63569E4}"/>
+                <a16:creationId xmlns:a16="http://schemas.microsoft.com/office/drawing/2014/main" xmlns="" id="{6004046B-93A4-4812-85FE-41FFF63569E4}"/>
               </a:ext>
             </a:extLst>
           </p:cNvPr>
@@ -13234,14 +13236,14 @@
           <a:p>
             <a:pPr algn="ctr"/>
             <a:r>
-              <a:rPr lang="ko-KR" altLang="en-US">
+              <a:rPr lang="ko-KR" altLang="en-US" dirty="0" smtClean="0">
                 <a:solidFill>
                   <a:schemeClr val="bg2">
                     <a:lumMod val="50000"/>
                   </a:schemeClr>
                 </a:solidFill>
               </a:rPr>
-              <a:t>후기</a:t>
+              <a:t>구매 후기</a:t>
             </a:r>
             <a:endParaRPr lang="ko-KR" altLang="en-US" dirty="0">
               <a:solidFill>
@@ -13258,7 +13260,7 @@
           <p:cNvPr id="29" name="직사각형 28">
             <a:extLst>
               <a:ext uri="{FF2B5EF4-FFF2-40B4-BE49-F238E27FC236}">
-                <a16:creationId xmlns="" xmlns:a16="http://schemas.microsoft.com/office/drawing/2014/main" id="{6971685D-B58C-401F-81FD-C5597B07DA45}"/>
+                <a16:creationId xmlns:a16="http://schemas.microsoft.com/office/drawing/2014/main" xmlns="" id="{6971685D-B58C-401F-81FD-C5597B07DA45}"/>
               </a:ext>
             </a:extLst>
           </p:cNvPr>
@@ -13400,7 +13402,7 @@
           <p:cNvPr id="31" name="그림 30" descr="시계이(가) 표시된 사진&#10;&#10;자동 생성된 설명">
             <a:extLst>
               <a:ext uri="{FF2B5EF4-FFF2-40B4-BE49-F238E27FC236}">
-                <a16:creationId xmlns="" xmlns:a16="http://schemas.microsoft.com/office/drawing/2014/main" id="{92513313-A1ED-4A08-9676-9885D86B2222}"/>
+                <a16:creationId xmlns:a16="http://schemas.microsoft.com/office/drawing/2014/main" xmlns="" id="{92513313-A1ED-4A08-9676-9885D86B2222}"/>
               </a:ext>
             </a:extLst>
           </p:cNvPr>
@@ -13630,7 +13632,7 @@
           <p:cNvPr id="21" name="Window Body" descr="&lt;SmartSettings&gt;&lt;SmartResize anchorLeft=&quot;Absolute&quot; anchorTop=&quot;Absolute&quot; anchorRight=&quot;Absolute&quot; anchorBottom=&quot;Absolute&quot; /&gt;&lt;/SmartSettings&gt;">
             <a:extLst>
               <a:ext uri="{FF2B5EF4-FFF2-40B4-BE49-F238E27FC236}">
-                <a16:creationId xmlns="" xmlns:a16="http://schemas.microsoft.com/office/drawing/2014/main" id="{E38A150B-1AD9-431B-9D06-C17150181DD0}"/>
+                <a16:creationId xmlns:a16="http://schemas.microsoft.com/office/drawing/2014/main" xmlns="" id="{E38A150B-1AD9-431B-9D06-C17150181DD0}"/>
               </a:ext>
             </a:extLst>
           </p:cNvPr>
@@ -13792,7 +13794,7 @@
           <p:cNvPr id="24" name="그림 23" descr="시계이(가) 표시된 사진&#10;&#10;자동 생성된 설명">
             <a:extLst>
               <a:ext uri="{FF2B5EF4-FFF2-40B4-BE49-F238E27FC236}">
-                <a16:creationId xmlns="" xmlns:a16="http://schemas.microsoft.com/office/drawing/2014/main" id="{92513313-A1ED-4A08-9676-9885D86B2222}"/>
+                <a16:creationId xmlns:a16="http://schemas.microsoft.com/office/drawing/2014/main" xmlns="" id="{92513313-A1ED-4A08-9676-9885D86B2222}"/>
               </a:ext>
             </a:extLst>
           </p:cNvPr>
@@ -13997,7 +13999,7 @@
           <p:cNvPr id="46" name="직사각형 45">
             <a:extLst>
               <a:ext uri="{FF2B5EF4-FFF2-40B4-BE49-F238E27FC236}">
-                <a16:creationId xmlns="" xmlns:a16="http://schemas.microsoft.com/office/drawing/2014/main" id="{EEBACED0-E6FC-4FF7-A932-37028E8D13EF}"/>
+                <a16:creationId xmlns:a16="http://schemas.microsoft.com/office/drawing/2014/main" xmlns="" id="{EEBACED0-E6FC-4FF7-A932-37028E8D13EF}"/>
               </a:ext>
             </a:extLst>
           </p:cNvPr>
@@ -14053,7 +14055,7 @@
           <p:cNvPr id="47" name="TextBox 46">
             <a:extLst>
               <a:ext uri="{FF2B5EF4-FFF2-40B4-BE49-F238E27FC236}">
-                <a16:creationId xmlns="" xmlns:a16="http://schemas.microsoft.com/office/drawing/2014/main" id="{A91A8208-A88C-4823-9F78-3A5A47219D01}"/>
+                <a16:creationId xmlns:a16="http://schemas.microsoft.com/office/drawing/2014/main" xmlns="" id="{A91A8208-A88C-4823-9F78-3A5A47219D01}"/>
               </a:ext>
             </a:extLst>
           </p:cNvPr>
@@ -14101,7 +14103,7 @@
           <p:cNvPr id="48" name="TextBox 47">
             <a:extLst>
               <a:ext uri="{FF2B5EF4-FFF2-40B4-BE49-F238E27FC236}">
-                <a16:creationId xmlns="" xmlns:a16="http://schemas.microsoft.com/office/drawing/2014/main" id="{F5D8858A-9F5A-498C-BAE0-A90E60E2C7E6}"/>
+                <a16:creationId xmlns:a16="http://schemas.microsoft.com/office/drawing/2014/main" xmlns="" id="{F5D8858A-9F5A-498C-BAE0-A90E60E2C7E6}"/>
               </a:ext>
             </a:extLst>
           </p:cNvPr>
@@ -14186,7 +14188,7 @@
           <p:cNvPr id="50" name="직사각형 49">
             <a:extLst>
               <a:ext uri="{FF2B5EF4-FFF2-40B4-BE49-F238E27FC236}">
-                <a16:creationId xmlns="" xmlns:a16="http://schemas.microsoft.com/office/drawing/2014/main" id="{EEBACED0-E6FC-4FF7-A932-37028E8D13EF}"/>
+                <a16:creationId xmlns:a16="http://schemas.microsoft.com/office/drawing/2014/main" xmlns="" id="{EEBACED0-E6FC-4FF7-A932-37028E8D13EF}"/>
               </a:ext>
             </a:extLst>
           </p:cNvPr>
@@ -14258,7 +14260,7 @@
           <p:cNvPr id="51" name="직사각형 50">
             <a:extLst>
               <a:ext uri="{FF2B5EF4-FFF2-40B4-BE49-F238E27FC236}">
-                <a16:creationId xmlns="" xmlns:a16="http://schemas.microsoft.com/office/drawing/2014/main" id="{EEBACED0-E6FC-4FF7-A932-37028E8D13EF}"/>
+                <a16:creationId xmlns:a16="http://schemas.microsoft.com/office/drawing/2014/main" xmlns="" id="{EEBACED0-E6FC-4FF7-A932-37028E8D13EF}"/>
               </a:ext>
             </a:extLst>
           </p:cNvPr>
@@ -14330,7 +14332,7 @@
           <p:cNvPr id="52" name="TextBox 51">
             <a:extLst>
               <a:ext uri="{FF2B5EF4-FFF2-40B4-BE49-F238E27FC236}">
-                <a16:creationId xmlns="" xmlns:a16="http://schemas.microsoft.com/office/drawing/2014/main" id="{A91A8208-A88C-4823-9F78-3A5A47219D01}"/>
+                <a16:creationId xmlns:a16="http://schemas.microsoft.com/office/drawing/2014/main" xmlns="" id="{A91A8208-A88C-4823-9F78-3A5A47219D01}"/>
               </a:ext>
             </a:extLst>
           </p:cNvPr>
@@ -14361,17 +14363,7 @@
                   </a:schemeClr>
                 </a:solidFill>
               </a:rPr>
-              <a:t>상품</a:t>
-            </a:r>
-            <a:r>
-              <a:rPr lang="ko-KR" altLang="en-US" sz="1200" dirty="0" smtClean="0">
-                <a:solidFill>
-                  <a:schemeClr val="bg2">
-                    <a:lumMod val="50000"/>
-                  </a:schemeClr>
-                </a:solidFill>
-              </a:rPr>
-              <a:t>소개       </a:t>
+              <a:t>상품소개       </a:t>
             </a:r>
             <a:endParaRPr lang="ko-KR" altLang="en-US" sz="1200" dirty="0">
               <a:solidFill>
@@ -14388,7 +14380,7 @@
           <p:cNvPr id="53" name="TextBox 52">
             <a:extLst>
               <a:ext uri="{FF2B5EF4-FFF2-40B4-BE49-F238E27FC236}">
-                <a16:creationId xmlns="" xmlns:a16="http://schemas.microsoft.com/office/drawing/2014/main" id="{A91A8208-A88C-4823-9F78-3A5A47219D01}"/>
+                <a16:creationId xmlns:a16="http://schemas.microsoft.com/office/drawing/2014/main" xmlns="" id="{A91A8208-A88C-4823-9F78-3A5A47219D01}"/>
               </a:ext>
             </a:extLst>
           </p:cNvPr>
@@ -14436,7 +14428,7 @@
           <p:cNvPr id="54" name="TextBox 53">
             <a:extLst>
               <a:ext uri="{FF2B5EF4-FFF2-40B4-BE49-F238E27FC236}">
-                <a16:creationId xmlns="" xmlns:a16="http://schemas.microsoft.com/office/drawing/2014/main" id="{A91A8208-A88C-4823-9F78-3A5A47219D01}"/>
+                <a16:creationId xmlns:a16="http://schemas.microsoft.com/office/drawing/2014/main" xmlns="" id="{A91A8208-A88C-4823-9F78-3A5A47219D01}"/>
               </a:ext>
             </a:extLst>
           </p:cNvPr>
@@ -14781,12 +14773,66 @@
           <a:chExt cx="0" cy="0"/>
         </a:xfrm>
       </p:grpSpPr>
+      <p:sp>
+        <p:nvSpPr>
+          <p:cNvPr id="2" name="직사각형 1">
+            <a:extLst>
+              <a:ext uri="{FF2B5EF4-FFF2-40B4-BE49-F238E27FC236}">
+                <a16:creationId xmlns:a16="http://schemas.microsoft.com/office/drawing/2014/main" xmlns="" id="{7EBAE3E4-4335-499B-BDF0-8B5BC8F6285D}"/>
+              </a:ext>
+            </a:extLst>
+          </p:cNvPr>
+          <p:cNvSpPr/>
+          <p:nvPr/>
+        </p:nvSpPr>
+        <p:spPr>
+          <a:xfrm>
+            <a:off x="0" y="241183"/>
+            <a:ext cx="12192000" cy="6375633"/>
+          </a:xfrm>
+          <a:prstGeom prst="rect">
+            <a:avLst/>
+          </a:prstGeom>
+          <a:solidFill>
+            <a:schemeClr val="tx1"/>
+          </a:solidFill>
+          <a:ln>
+            <a:solidFill>
+              <a:schemeClr val="tx1"/>
+            </a:solidFill>
+          </a:ln>
+        </p:spPr>
+        <p:style>
+          <a:lnRef idx="2">
+            <a:schemeClr val="accent1">
+              <a:shade val="50000"/>
+            </a:schemeClr>
+          </a:lnRef>
+          <a:fillRef idx="1">
+            <a:schemeClr val="accent1"/>
+          </a:fillRef>
+          <a:effectRef idx="0">
+            <a:schemeClr val="accent1"/>
+          </a:effectRef>
+          <a:fontRef idx="minor">
+            <a:schemeClr val="lt1"/>
+          </a:fontRef>
+        </p:style>
+        <p:txBody>
+          <a:bodyPr rtlCol="0" anchor="ctr"/>
+          <a:lstStyle/>
+          <a:p>
+            <a:pPr algn="ctr"/>
+            <a:endParaRPr lang="ko-KR" altLang="en-US" dirty="0"/>
+          </a:p>
+        </p:txBody>
+      </p:sp>
       <p:pic>
         <p:nvPicPr>
           <p:cNvPr id="3" name="그림 2" descr="시계이(가) 표시된 사진&#10;&#10;자동 생성된 설명">
             <a:extLst>
               <a:ext uri="{FF2B5EF4-FFF2-40B4-BE49-F238E27FC236}">
-                <a16:creationId xmlns="" xmlns:a16="http://schemas.microsoft.com/office/drawing/2014/main" id="{92513313-A1ED-4A08-9676-9885D86B2222}"/>
+                <a16:creationId xmlns:a16="http://schemas.microsoft.com/office/drawing/2014/main" xmlns="" id="{92513313-A1ED-4A08-9676-9885D86B2222}"/>
               </a:ext>
             </a:extLst>
           </p:cNvPr>
@@ -14796,7 +14842,7 @@
           <p:nvPr/>
         </p:nvPicPr>
         <p:blipFill>
-          <a:blip r:embed="rId2" cstate="print">
+          <a:blip r:embed="rId5" cstate="print">
             <a:extLst>
               <a:ext uri="{28A0092B-C50C-407E-A947-70E740481C1C}">
                 <a14:useLocalDpi xmlns:a14="http://schemas.microsoft.com/office/drawing/2010/main" val="0"/>
@@ -14809,39 +14855,1022 @@
         </p:blipFill>
         <p:spPr>
           <a:xfrm>
-            <a:off x="1445419" y="1602710"/>
-            <a:ext cx="777666" cy="777666"/>
+            <a:off x="61234" y="289421"/>
+            <a:ext cx="542773" cy="542773"/>
           </a:xfrm>
           <a:prstGeom prst="rect">
             <a:avLst/>
           </a:prstGeom>
         </p:spPr>
       </p:pic>
-      <p:cxnSp>
-        <p:nvCxnSpPr>
-          <p:cNvPr id="7" name="직선 연결선 6">
+      <p:sp>
+        <p:nvSpPr>
+          <p:cNvPr id="4" name="TextBox 3">
             <a:extLst>
               <a:ext uri="{FF2B5EF4-FFF2-40B4-BE49-F238E27FC236}">
-                <a16:creationId xmlns="" xmlns:a16="http://schemas.microsoft.com/office/drawing/2014/main" id="{E16921C9-3597-454A-8E86-CBCC429D4C84}"/>
+                <a16:creationId xmlns:a16="http://schemas.microsoft.com/office/drawing/2014/main" xmlns="" id="{E748B248-D9B8-42F5-8F0A-0C57F9E8A9D8}"/>
               </a:ext>
             </a:extLst>
           </p:cNvPr>
-          <p:cNvCxnSpPr>
-            <a:cxnSpLocks/>
-          </p:cNvCxnSpPr>
+          <p:cNvSpPr txBox="1"/>
+          <p:nvPr/>
+        </p:nvSpPr>
+        <p:spPr>
+          <a:xfrm>
+            <a:off x="604007" y="268419"/>
+            <a:ext cx="2533474" cy="584775"/>
+          </a:xfrm>
+          <a:prstGeom prst="rect">
+            <a:avLst/>
+          </a:prstGeom>
+          <a:noFill/>
+        </p:spPr>
+        <p:txBody>
+          <a:bodyPr wrap="square" rtlCol="0">
+            <a:spAutoFit/>
+          </a:bodyPr>
+          <a:lstStyle/>
+          <a:p>
+            <a:r>
+              <a:rPr lang="en-US" altLang="ko-KR" sz="3200" dirty="0">
+                <a:solidFill>
+                  <a:srgbClr val="66FF66"/>
+                </a:solidFill>
+                <a:latin typeface="Arial Rounded MT Bold" panose="020F0704030504030204" pitchFamily="34" charset="0"/>
+              </a:rPr>
+              <a:t>Wire Frame</a:t>
+            </a:r>
+            <a:endParaRPr lang="ko-KR" altLang="en-US" sz="3200" dirty="0">
+              <a:solidFill>
+                <a:srgbClr val="66FF66"/>
+              </a:solidFill>
+              <a:latin typeface="Arial Rounded MT Bold" panose="020F0704030504030204" pitchFamily="34" charset="0"/>
+            </a:endParaRPr>
+          </a:p>
+        </p:txBody>
+      </p:sp>
+      <p:sp>
+        <p:nvSpPr>
+          <p:cNvPr id="6" name="Window Body" descr="&lt;SmartSettings&gt;&lt;SmartResize anchorLeft=&quot;Absolute&quot; anchorTop=&quot;Absolute&quot; anchorRight=&quot;Absolute&quot; anchorBottom=&quot;Absolute&quot; /&gt;&lt;/SmartSettings&gt;">
+            <a:extLst>
+              <a:ext uri="{FF2B5EF4-FFF2-40B4-BE49-F238E27FC236}">
+                <a16:creationId xmlns:a16="http://schemas.microsoft.com/office/drawing/2014/main" xmlns="" id="{E38A150B-1AD9-431B-9D06-C17150181DD0}"/>
+              </a:ext>
+            </a:extLst>
+          </p:cNvPr>
+          <p:cNvSpPr>
+            <a:spLocks/>
+          </p:cNvSpPr>
+          <p:nvPr>
+            <p:custDataLst>
+              <p:tags r:id="rId1"/>
+            </p:custDataLst>
+          </p:nvPr>
+        </p:nvSpPr>
+        <p:spPr>
+          <a:xfrm>
+            <a:off x="9353726" y="1510018"/>
+            <a:ext cx="2709644" cy="5058561"/>
+          </a:xfrm>
+          <a:prstGeom prst="rect">
+            <a:avLst/>
+          </a:prstGeom>
+          <a:ln>
+            <a:solidFill>
+              <a:schemeClr val="bg2">
+                <a:lumMod val="50000"/>
+              </a:schemeClr>
+            </a:solidFill>
+          </a:ln>
+        </p:spPr>
+        <p:style>
+          <a:lnRef idx="2">
+            <a:schemeClr val="dk1"/>
+          </a:lnRef>
+          <a:fillRef idx="1">
+            <a:schemeClr val="lt1"/>
+          </a:fillRef>
+          <a:effectRef idx="0">
+            <a:schemeClr val="dk1"/>
+          </a:effectRef>
+          <a:fontRef idx="minor">
+            <a:schemeClr val="dk1"/>
+          </a:fontRef>
+        </p:style>
+        <p:txBody>
+          <a:bodyPr rot="0" spcFirstLastPara="0" vert="horz" wrap="square" lIns="91440" tIns="45720" rIns="91440" bIns="45720" numCol="1" spcCol="0" rtlCol="0" fromWordArt="0" anchor="ctr" anchorCtr="0" forceAA="0" compatLnSpc="1">
+            <a:prstTxWarp prst="textNoShape">
+              <a:avLst/>
+            </a:prstTxWarp>
+            <a:noAutofit/>
+          </a:bodyPr>
+          <a:lstStyle>
+            <a:defPPr>
+              <a:defRPr lang="en-US"/>
+            </a:defPPr>
+            <a:lvl1pPr marL="0" algn="l" defTabSz="914400" rtl="0" eaLnBrk="1" latinLnBrk="0" hangingPunct="1">
+              <a:defRPr sz="1800" kern="1200">
+                <a:solidFill>
+                  <a:schemeClr val="lt1"/>
+                </a:solidFill>
+                <a:latin typeface="+mn-lt"/>
+                <a:ea typeface="+mn-ea"/>
+                <a:cs typeface="+mn-cs"/>
+              </a:defRPr>
+            </a:lvl1pPr>
+            <a:lvl2pPr marL="457200" algn="l" defTabSz="914400" rtl="0" eaLnBrk="1" latinLnBrk="0" hangingPunct="1">
+              <a:defRPr sz="1800" kern="1200">
+                <a:solidFill>
+                  <a:schemeClr val="lt1"/>
+                </a:solidFill>
+                <a:latin typeface="+mn-lt"/>
+                <a:ea typeface="+mn-ea"/>
+                <a:cs typeface="+mn-cs"/>
+              </a:defRPr>
+            </a:lvl2pPr>
+            <a:lvl3pPr marL="914400" algn="l" defTabSz="914400" rtl="0" eaLnBrk="1" latinLnBrk="0" hangingPunct="1">
+              <a:defRPr sz="1800" kern="1200">
+                <a:solidFill>
+                  <a:schemeClr val="lt1"/>
+                </a:solidFill>
+                <a:latin typeface="+mn-lt"/>
+                <a:ea typeface="+mn-ea"/>
+                <a:cs typeface="+mn-cs"/>
+              </a:defRPr>
+            </a:lvl3pPr>
+            <a:lvl4pPr marL="1371600" algn="l" defTabSz="914400" rtl="0" eaLnBrk="1" latinLnBrk="0" hangingPunct="1">
+              <a:defRPr sz="1800" kern="1200">
+                <a:solidFill>
+                  <a:schemeClr val="lt1"/>
+                </a:solidFill>
+                <a:latin typeface="+mn-lt"/>
+                <a:ea typeface="+mn-ea"/>
+                <a:cs typeface="+mn-cs"/>
+              </a:defRPr>
+            </a:lvl4pPr>
+            <a:lvl5pPr marL="1828800" algn="l" defTabSz="914400" rtl="0" eaLnBrk="1" latinLnBrk="0" hangingPunct="1">
+              <a:defRPr sz="1800" kern="1200">
+                <a:solidFill>
+                  <a:schemeClr val="lt1"/>
+                </a:solidFill>
+                <a:latin typeface="+mn-lt"/>
+                <a:ea typeface="+mn-ea"/>
+                <a:cs typeface="+mn-cs"/>
+              </a:defRPr>
+            </a:lvl5pPr>
+            <a:lvl6pPr marL="2286000" algn="l" defTabSz="914400" rtl="0" eaLnBrk="1" latinLnBrk="0" hangingPunct="1">
+              <a:defRPr sz="1800" kern="1200">
+                <a:solidFill>
+                  <a:schemeClr val="lt1"/>
+                </a:solidFill>
+                <a:latin typeface="+mn-lt"/>
+                <a:ea typeface="+mn-ea"/>
+                <a:cs typeface="+mn-cs"/>
+              </a:defRPr>
+            </a:lvl6pPr>
+            <a:lvl7pPr marL="2743200" algn="l" defTabSz="914400" rtl="0" eaLnBrk="1" latinLnBrk="0" hangingPunct="1">
+              <a:defRPr sz="1800" kern="1200">
+                <a:solidFill>
+                  <a:schemeClr val="lt1"/>
+                </a:solidFill>
+                <a:latin typeface="+mn-lt"/>
+                <a:ea typeface="+mn-ea"/>
+                <a:cs typeface="+mn-cs"/>
+              </a:defRPr>
+            </a:lvl7pPr>
+            <a:lvl8pPr marL="3200400" algn="l" defTabSz="914400" rtl="0" eaLnBrk="1" latinLnBrk="0" hangingPunct="1">
+              <a:defRPr sz="1800" kern="1200">
+                <a:solidFill>
+                  <a:schemeClr val="lt1"/>
+                </a:solidFill>
+                <a:latin typeface="+mn-lt"/>
+                <a:ea typeface="+mn-ea"/>
+                <a:cs typeface="+mn-cs"/>
+              </a:defRPr>
+            </a:lvl8pPr>
+            <a:lvl9pPr marL="3657600" algn="l" defTabSz="914400" rtl="0" eaLnBrk="1" latinLnBrk="0" hangingPunct="1">
+              <a:defRPr sz="1800" kern="1200">
+                <a:solidFill>
+                  <a:schemeClr val="lt1"/>
+                </a:solidFill>
+                <a:latin typeface="+mn-lt"/>
+                <a:ea typeface="+mn-ea"/>
+                <a:cs typeface="+mn-cs"/>
+              </a:defRPr>
+            </a:lvl9pPr>
+          </a:lstStyle>
+          <a:p>
+            <a:pPr algn="ctr"/>
+            <a:endParaRPr lang="en-US" sz="900" dirty="0">
+              <a:solidFill>
+                <a:srgbClr val="5F5F5F"/>
+              </a:solidFill>
+              <a:latin typeface="Segoe UI" panose="020B0502040204020203" pitchFamily="34" charset="0"/>
+              <a:cs typeface="Segoe UI" panose="020B0502040204020203" pitchFamily="34" charset="0"/>
+            </a:endParaRPr>
+          </a:p>
+        </p:txBody>
+      </p:sp>
+      <p:sp>
+        <p:nvSpPr>
+          <p:cNvPr id="7" name="TextBox 6">
+            <a:extLst>
+              <a:ext uri="{FF2B5EF4-FFF2-40B4-BE49-F238E27FC236}">
+                <a16:creationId xmlns:a16="http://schemas.microsoft.com/office/drawing/2014/main" xmlns="" id="{D2726034-308D-4366-944B-FFF27DEC5755}"/>
+              </a:ext>
+            </a:extLst>
+          </p:cNvPr>
+          <p:cNvSpPr txBox="1"/>
+          <p:nvPr/>
+        </p:nvSpPr>
+        <p:spPr>
+          <a:xfrm>
+            <a:off x="61233" y="1032823"/>
+            <a:ext cx="8875552" cy="369332"/>
+          </a:xfrm>
+          <a:prstGeom prst="rect">
+            <a:avLst/>
+          </a:prstGeom>
+          <a:noFill/>
+        </p:spPr>
+        <p:txBody>
+          <a:bodyPr wrap="square" rtlCol="0">
+            <a:spAutoFit/>
+          </a:bodyPr>
+          <a:lstStyle/>
+          <a:p>
+            <a:r>
+              <a:rPr lang="ko-KR" altLang="en-US" dirty="0" smtClean="0">
+                <a:solidFill>
+                  <a:srgbClr val="002060"/>
+                </a:solidFill>
+              </a:rPr>
+              <a:t>클래스 소개 페이지</a:t>
+            </a:r>
+            <a:endParaRPr lang="ko-KR" altLang="en-US" dirty="0">
+              <a:solidFill>
+                <a:srgbClr val="002060"/>
+              </a:solidFill>
+            </a:endParaRPr>
+          </a:p>
+        </p:txBody>
+      </p:sp>
+      <p:sp>
+        <p:nvSpPr>
+          <p:cNvPr id="17" name="Window Body" descr="&lt;SmartSettings&gt;&lt;SmartResize anchorLeft=&quot;Absolute&quot; anchorTop=&quot;Absolute&quot; anchorRight=&quot;Absolute&quot; anchorBottom=&quot;Absolute&quot; /&gt;&lt;/SmartSettings&gt;">
+            <a:extLst>
+              <a:ext uri="{FF2B5EF4-FFF2-40B4-BE49-F238E27FC236}">
+                <a16:creationId xmlns:a16="http://schemas.microsoft.com/office/drawing/2014/main" xmlns="" id="{DD15E406-86D5-43EE-8219-49B0E1FA0E30}"/>
+              </a:ext>
+            </a:extLst>
+          </p:cNvPr>
+          <p:cNvSpPr/>
+          <p:nvPr>
+            <p:custDataLst>
+              <p:tags r:id="rId2"/>
+            </p:custDataLst>
+          </p:nvPr>
+        </p:nvSpPr>
+        <p:spPr>
+          <a:xfrm>
+            <a:off x="128630" y="1510018"/>
+            <a:ext cx="9040536" cy="5058561"/>
+          </a:xfrm>
+          <a:prstGeom prst="rect">
+            <a:avLst/>
+          </a:prstGeom>
+          <a:ln>
+            <a:solidFill>
+              <a:schemeClr val="bg2"/>
+            </a:solidFill>
+          </a:ln>
+        </p:spPr>
+        <p:style>
+          <a:lnRef idx="2">
+            <a:schemeClr val="dk1"/>
+          </a:lnRef>
+          <a:fillRef idx="1">
+            <a:schemeClr val="lt1"/>
+          </a:fillRef>
+          <a:effectRef idx="0">
+            <a:schemeClr val="dk1"/>
+          </a:effectRef>
+          <a:fontRef idx="minor">
+            <a:schemeClr val="dk1"/>
+          </a:fontRef>
+        </p:style>
+        <p:txBody>
+          <a:bodyPr rot="0" spcFirstLastPara="0" vert="horz" wrap="square" lIns="91440" tIns="45720" rIns="91440" bIns="45720" numCol="1" spcCol="0" rtlCol="0" fromWordArt="0" anchor="ctr" anchorCtr="0" forceAA="0" compatLnSpc="1">
+            <a:prstTxWarp prst="textNoShape">
+              <a:avLst/>
+            </a:prstTxWarp>
+            <a:noAutofit/>
+          </a:bodyPr>
+          <a:lstStyle>
+            <a:defPPr>
+              <a:defRPr lang="en-US"/>
+            </a:defPPr>
+            <a:lvl1pPr marL="0" algn="l" defTabSz="914400" rtl="0" eaLnBrk="1" latinLnBrk="0" hangingPunct="1">
+              <a:defRPr sz="1800" kern="1200">
+                <a:solidFill>
+                  <a:schemeClr val="lt1"/>
+                </a:solidFill>
+                <a:latin typeface="+mn-lt"/>
+                <a:ea typeface="+mn-ea"/>
+                <a:cs typeface="+mn-cs"/>
+              </a:defRPr>
+            </a:lvl1pPr>
+            <a:lvl2pPr marL="457200" algn="l" defTabSz="914400" rtl="0" eaLnBrk="1" latinLnBrk="0" hangingPunct="1">
+              <a:defRPr sz="1800" kern="1200">
+                <a:solidFill>
+                  <a:schemeClr val="lt1"/>
+                </a:solidFill>
+                <a:latin typeface="+mn-lt"/>
+                <a:ea typeface="+mn-ea"/>
+                <a:cs typeface="+mn-cs"/>
+              </a:defRPr>
+            </a:lvl2pPr>
+            <a:lvl3pPr marL="914400" algn="l" defTabSz="914400" rtl="0" eaLnBrk="1" latinLnBrk="0" hangingPunct="1">
+              <a:defRPr sz="1800" kern="1200">
+                <a:solidFill>
+                  <a:schemeClr val="lt1"/>
+                </a:solidFill>
+                <a:latin typeface="+mn-lt"/>
+                <a:ea typeface="+mn-ea"/>
+                <a:cs typeface="+mn-cs"/>
+              </a:defRPr>
+            </a:lvl3pPr>
+            <a:lvl4pPr marL="1371600" algn="l" defTabSz="914400" rtl="0" eaLnBrk="1" latinLnBrk="0" hangingPunct="1">
+              <a:defRPr sz="1800" kern="1200">
+                <a:solidFill>
+                  <a:schemeClr val="lt1"/>
+                </a:solidFill>
+                <a:latin typeface="+mn-lt"/>
+                <a:ea typeface="+mn-ea"/>
+                <a:cs typeface="+mn-cs"/>
+              </a:defRPr>
+            </a:lvl4pPr>
+            <a:lvl5pPr marL="1828800" algn="l" defTabSz="914400" rtl="0" eaLnBrk="1" latinLnBrk="0" hangingPunct="1">
+              <a:defRPr sz="1800" kern="1200">
+                <a:solidFill>
+                  <a:schemeClr val="lt1"/>
+                </a:solidFill>
+                <a:latin typeface="+mn-lt"/>
+                <a:ea typeface="+mn-ea"/>
+                <a:cs typeface="+mn-cs"/>
+              </a:defRPr>
+            </a:lvl5pPr>
+            <a:lvl6pPr marL="2286000" algn="l" defTabSz="914400" rtl="0" eaLnBrk="1" latinLnBrk="0" hangingPunct="1">
+              <a:defRPr sz="1800" kern="1200">
+                <a:solidFill>
+                  <a:schemeClr val="lt1"/>
+                </a:solidFill>
+                <a:latin typeface="+mn-lt"/>
+                <a:ea typeface="+mn-ea"/>
+                <a:cs typeface="+mn-cs"/>
+              </a:defRPr>
+            </a:lvl6pPr>
+            <a:lvl7pPr marL="2743200" algn="l" defTabSz="914400" rtl="0" eaLnBrk="1" latinLnBrk="0" hangingPunct="1">
+              <a:defRPr sz="1800" kern="1200">
+                <a:solidFill>
+                  <a:schemeClr val="lt1"/>
+                </a:solidFill>
+                <a:latin typeface="+mn-lt"/>
+                <a:ea typeface="+mn-ea"/>
+                <a:cs typeface="+mn-cs"/>
+              </a:defRPr>
+            </a:lvl7pPr>
+            <a:lvl8pPr marL="3200400" algn="l" defTabSz="914400" rtl="0" eaLnBrk="1" latinLnBrk="0" hangingPunct="1">
+              <a:defRPr sz="1800" kern="1200">
+                <a:solidFill>
+                  <a:schemeClr val="lt1"/>
+                </a:solidFill>
+                <a:latin typeface="+mn-lt"/>
+                <a:ea typeface="+mn-ea"/>
+                <a:cs typeface="+mn-cs"/>
+              </a:defRPr>
+            </a:lvl8pPr>
+            <a:lvl9pPr marL="3657600" algn="l" defTabSz="914400" rtl="0" eaLnBrk="1" latinLnBrk="0" hangingPunct="1">
+              <a:defRPr sz="1800" kern="1200">
+                <a:solidFill>
+                  <a:schemeClr val="lt1"/>
+                </a:solidFill>
+                <a:latin typeface="+mn-lt"/>
+                <a:ea typeface="+mn-ea"/>
+                <a:cs typeface="+mn-cs"/>
+              </a:defRPr>
+            </a:lvl9pPr>
+          </a:lstStyle>
+          <a:p>
+            <a:pPr algn="ctr"/>
+            <a:endParaRPr lang="en-US" sz="900" dirty="0">
+              <a:solidFill>
+                <a:srgbClr val="5F5F5F"/>
+              </a:solidFill>
+              <a:latin typeface="Segoe UI" panose="020B0502040204020203" pitchFamily="34" charset="0"/>
+              <a:cs typeface="Segoe UI" panose="020B0502040204020203" pitchFamily="34" charset="0"/>
+            </a:endParaRPr>
+          </a:p>
+        </p:txBody>
+      </p:sp>
+      <p:sp>
+        <p:nvSpPr>
+          <p:cNvPr id="27" name="직사각형 26">
+            <a:extLst>
+              <a:ext uri="{FF2B5EF4-FFF2-40B4-BE49-F238E27FC236}">
+                <a16:creationId xmlns:a16="http://schemas.microsoft.com/office/drawing/2014/main" xmlns="" id="{362C8AFF-EEC4-4DDE-9053-4CD39879A0CA}"/>
+              </a:ext>
+            </a:extLst>
+          </p:cNvPr>
+          <p:cNvSpPr/>
+          <p:nvPr/>
+        </p:nvSpPr>
+        <p:spPr>
+          <a:xfrm>
+            <a:off x="332618" y="1635206"/>
+            <a:ext cx="2933354" cy="367461"/>
+          </a:xfrm>
+          <a:prstGeom prst="rect">
+            <a:avLst/>
+          </a:prstGeom>
+          <a:solidFill>
+            <a:srgbClr val="D961F1"/>
+          </a:solidFill>
+          <a:ln>
+            <a:solidFill>
+              <a:schemeClr val="bg2">
+                <a:lumMod val="50000"/>
+              </a:schemeClr>
+            </a:solidFill>
+          </a:ln>
+        </p:spPr>
+        <p:style>
+          <a:lnRef idx="2">
+            <a:schemeClr val="accent1">
+              <a:shade val="50000"/>
+            </a:schemeClr>
+          </a:lnRef>
+          <a:fillRef idx="1">
+            <a:schemeClr val="accent1"/>
+          </a:fillRef>
+          <a:effectRef idx="0">
+            <a:schemeClr val="accent1"/>
+          </a:effectRef>
+          <a:fontRef idx="minor">
+            <a:schemeClr val="lt1"/>
+          </a:fontRef>
+        </p:style>
+        <p:txBody>
+          <a:bodyPr rtlCol="0" anchor="ctr"/>
+          <a:lstStyle/>
+          <a:p>
+            <a:pPr algn="ctr"/>
+            <a:r>
+              <a:rPr lang="ko-KR" altLang="en-US" dirty="0" smtClean="0">
+                <a:solidFill>
+                  <a:schemeClr val="bg2">
+                    <a:lumMod val="50000"/>
+                  </a:schemeClr>
+                </a:solidFill>
+              </a:rPr>
+              <a:t>클래스 소개</a:t>
+            </a:r>
+            <a:endParaRPr lang="ko-KR" altLang="en-US" dirty="0">
+              <a:solidFill>
+                <a:schemeClr val="bg2">
+                  <a:lumMod val="50000"/>
+                </a:schemeClr>
+              </a:solidFill>
+            </a:endParaRPr>
+          </a:p>
+        </p:txBody>
+      </p:sp>
+      <p:sp>
+        <p:nvSpPr>
+          <p:cNvPr id="28" name="직사각형 27">
+            <a:extLst>
+              <a:ext uri="{FF2B5EF4-FFF2-40B4-BE49-F238E27FC236}">
+                <a16:creationId xmlns:a16="http://schemas.microsoft.com/office/drawing/2014/main" xmlns="" id="{6004046B-93A4-4812-85FE-41FFF63569E4}"/>
+              </a:ext>
+            </a:extLst>
+          </p:cNvPr>
+          <p:cNvSpPr/>
+          <p:nvPr/>
+        </p:nvSpPr>
+        <p:spPr>
+          <a:xfrm>
+            <a:off x="3265973" y="1635206"/>
+            <a:ext cx="2830028" cy="367461"/>
+          </a:xfrm>
+          <a:prstGeom prst="rect">
+            <a:avLst/>
+          </a:prstGeom>
+          <a:solidFill>
+            <a:schemeClr val="tx1"/>
+          </a:solidFill>
+          <a:ln>
+            <a:solidFill>
+              <a:schemeClr val="bg2">
+                <a:lumMod val="50000"/>
+              </a:schemeClr>
+            </a:solidFill>
+          </a:ln>
+        </p:spPr>
+        <p:style>
+          <a:lnRef idx="2">
+            <a:schemeClr val="accent1">
+              <a:shade val="50000"/>
+            </a:schemeClr>
+          </a:lnRef>
+          <a:fillRef idx="1">
+            <a:schemeClr val="accent1"/>
+          </a:fillRef>
+          <a:effectRef idx="0">
+            <a:schemeClr val="accent1"/>
+          </a:effectRef>
+          <a:fontRef idx="minor">
+            <a:schemeClr val="lt1"/>
+          </a:fontRef>
+        </p:style>
+        <p:txBody>
+          <a:bodyPr rtlCol="0" anchor="ctr"/>
+          <a:lstStyle/>
+          <a:p>
+            <a:pPr algn="ctr"/>
+            <a:r>
+              <a:rPr lang="ko-KR" altLang="en-US" dirty="0" smtClean="0">
+                <a:solidFill>
+                  <a:schemeClr val="bg2">
+                    <a:lumMod val="50000"/>
+                  </a:schemeClr>
+                </a:solidFill>
+              </a:rPr>
+              <a:t>구매 후기</a:t>
+            </a:r>
+            <a:endParaRPr lang="ko-KR" altLang="en-US" dirty="0">
+              <a:solidFill>
+                <a:schemeClr val="bg2">
+                  <a:lumMod val="50000"/>
+                </a:schemeClr>
+              </a:solidFill>
+            </a:endParaRPr>
+          </a:p>
+        </p:txBody>
+      </p:sp>
+      <p:sp>
+        <p:nvSpPr>
+          <p:cNvPr id="29" name="직사각형 28">
+            <a:extLst>
+              <a:ext uri="{FF2B5EF4-FFF2-40B4-BE49-F238E27FC236}">
+                <a16:creationId xmlns:a16="http://schemas.microsoft.com/office/drawing/2014/main" xmlns="" id="{6971685D-B58C-401F-81FD-C5597B07DA45}"/>
+              </a:ext>
+            </a:extLst>
+          </p:cNvPr>
+          <p:cNvSpPr/>
+          <p:nvPr/>
+        </p:nvSpPr>
+        <p:spPr>
+          <a:xfrm>
+            <a:off x="6096000" y="1635206"/>
+            <a:ext cx="2751391" cy="367461"/>
+          </a:xfrm>
+          <a:prstGeom prst="rect">
+            <a:avLst/>
+          </a:prstGeom>
+          <a:solidFill>
+            <a:schemeClr val="tx1"/>
+          </a:solidFill>
+          <a:ln>
+            <a:solidFill>
+              <a:schemeClr val="bg2">
+                <a:lumMod val="50000"/>
+              </a:schemeClr>
+            </a:solidFill>
+          </a:ln>
+        </p:spPr>
+        <p:style>
+          <a:lnRef idx="2">
+            <a:schemeClr val="accent1">
+              <a:shade val="50000"/>
+            </a:schemeClr>
+          </a:lnRef>
+          <a:fillRef idx="1">
+            <a:schemeClr val="accent1"/>
+          </a:fillRef>
+          <a:effectRef idx="0">
+            <a:schemeClr val="accent1"/>
+          </a:effectRef>
+          <a:fontRef idx="minor">
+            <a:schemeClr val="lt1"/>
+          </a:fontRef>
+        </p:style>
+        <p:txBody>
+          <a:bodyPr rtlCol="0" anchor="ctr"/>
+          <a:lstStyle/>
+          <a:p>
+            <a:pPr algn="ctr"/>
+            <a:r>
+              <a:rPr lang="ko-KR" altLang="en-US" dirty="0">
+                <a:solidFill>
+                  <a:schemeClr val="bg2">
+                    <a:lumMod val="50000"/>
+                  </a:schemeClr>
+                </a:solidFill>
+              </a:rPr>
+              <a:t>배송</a:t>
+            </a:r>
+            <a:r>
+              <a:rPr lang="en-US" altLang="ko-KR" dirty="0">
+                <a:solidFill>
+                  <a:schemeClr val="bg2">
+                    <a:lumMod val="50000"/>
+                  </a:schemeClr>
+                </a:solidFill>
+              </a:rPr>
+              <a:t>/</a:t>
+            </a:r>
+            <a:r>
+              <a:rPr lang="ko-KR" altLang="en-US" dirty="0">
+                <a:solidFill>
+                  <a:schemeClr val="bg2">
+                    <a:lumMod val="50000"/>
+                  </a:schemeClr>
+                </a:solidFill>
+              </a:rPr>
+              <a:t>교환</a:t>
+            </a:r>
+            <a:r>
+              <a:rPr lang="en-US" altLang="ko-KR" dirty="0">
+                <a:solidFill>
+                  <a:schemeClr val="bg2">
+                    <a:lumMod val="50000"/>
+                  </a:schemeClr>
+                </a:solidFill>
+              </a:rPr>
+              <a:t>/</a:t>
+            </a:r>
+            <a:r>
+              <a:rPr lang="ko-KR" altLang="en-US" dirty="0">
+                <a:solidFill>
+                  <a:schemeClr val="bg2">
+                    <a:lumMod val="50000"/>
+                  </a:schemeClr>
+                </a:solidFill>
+              </a:rPr>
+              <a:t>환불 </a:t>
+            </a:r>
+          </a:p>
+        </p:txBody>
+      </p:sp>
+      <p:sp>
+        <p:nvSpPr>
+          <p:cNvPr id="21" name="Window Body" descr="&lt;SmartSettings&gt;&lt;SmartResize anchorLeft=&quot;Absolute&quot; anchorTop=&quot;Absolute&quot; anchorRight=&quot;Absolute&quot; anchorBottom=&quot;Absolute&quot; /&gt;&lt;/SmartSettings&gt;">
+            <a:extLst>
+              <a:ext uri="{FF2B5EF4-FFF2-40B4-BE49-F238E27FC236}">
+                <a16:creationId xmlns:a16="http://schemas.microsoft.com/office/drawing/2014/main" xmlns="" id="{E38A150B-1AD9-431B-9D06-C17150181DD0}"/>
+              </a:ext>
+            </a:extLst>
+          </p:cNvPr>
+          <p:cNvSpPr>
+            <a:spLocks/>
+          </p:cNvSpPr>
+          <p:nvPr>
+            <p:custDataLst>
+              <p:tags r:id="rId3"/>
+            </p:custDataLst>
+          </p:nvPr>
+        </p:nvSpPr>
+        <p:spPr>
+          <a:xfrm>
+            <a:off x="9353726" y="1510018"/>
+            <a:ext cx="2709644" cy="5058561"/>
+          </a:xfrm>
+          <a:prstGeom prst="rect">
+            <a:avLst/>
+          </a:prstGeom>
+          <a:ln>
+            <a:solidFill>
+              <a:schemeClr val="bg2">
+                <a:lumMod val="50000"/>
+              </a:schemeClr>
+            </a:solidFill>
+          </a:ln>
+        </p:spPr>
+        <p:style>
+          <a:lnRef idx="2">
+            <a:schemeClr val="dk1"/>
+          </a:lnRef>
+          <a:fillRef idx="1">
+            <a:schemeClr val="lt1"/>
+          </a:fillRef>
+          <a:effectRef idx="0">
+            <a:schemeClr val="dk1"/>
+          </a:effectRef>
+          <a:fontRef idx="minor">
+            <a:schemeClr val="dk1"/>
+          </a:fontRef>
+        </p:style>
+        <p:txBody>
+          <a:bodyPr rot="0" spcFirstLastPara="0" vert="horz" wrap="square" lIns="91440" tIns="45720" rIns="91440" bIns="45720" numCol="1" spcCol="0" rtlCol="0" fromWordArt="0" anchor="ctr" anchorCtr="0" forceAA="0" compatLnSpc="1">
+            <a:prstTxWarp prst="textNoShape">
+              <a:avLst/>
+            </a:prstTxWarp>
+            <a:noAutofit/>
+          </a:bodyPr>
+          <a:lstStyle>
+            <a:defPPr>
+              <a:defRPr lang="en-US"/>
+            </a:defPPr>
+            <a:lvl1pPr marL="0" algn="l" defTabSz="914400" rtl="0" eaLnBrk="1" latinLnBrk="0" hangingPunct="1">
+              <a:defRPr sz="1800" kern="1200">
+                <a:solidFill>
+                  <a:schemeClr val="lt1"/>
+                </a:solidFill>
+                <a:latin typeface="+mn-lt"/>
+                <a:ea typeface="+mn-ea"/>
+                <a:cs typeface="+mn-cs"/>
+              </a:defRPr>
+            </a:lvl1pPr>
+            <a:lvl2pPr marL="457200" algn="l" defTabSz="914400" rtl="0" eaLnBrk="1" latinLnBrk="0" hangingPunct="1">
+              <a:defRPr sz="1800" kern="1200">
+                <a:solidFill>
+                  <a:schemeClr val="lt1"/>
+                </a:solidFill>
+                <a:latin typeface="+mn-lt"/>
+                <a:ea typeface="+mn-ea"/>
+                <a:cs typeface="+mn-cs"/>
+              </a:defRPr>
+            </a:lvl2pPr>
+            <a:lvl3pPr marL="914400" algn="l" defTabSz="914400" rtl="0" eaLnBrk="1" latinLnBrk="0" hangingPunct="1">
+              <a:defRPr sz="1800" kern="1200">
+                <a:solidFill>
+                  <a:schemeClr val="lt1"/>
+                </a:solidFill>
+                <a:latin typeface="+mn-lt"/>
+                <a:ea typeface="+mn-ea"/>
+                <a:cs typeface="+mn-cs"/>
+              </a:defRPr>
+            </a:lvl3pPr>
+            <a:lvl4pPr marL="1371600" algn="l" defTabSz="914400" rtl="0" eaLnBrk="1" latinLnBrk="0" hangingPunct="1">
+              <a:defRPr sz="1800" kern="1200">
+                <a:solidFill>
+                  <a:schemeClr val="lt1"/>
+                </a:solidFill>
+                <a:latin typeface="+mn-lt"/>
+                <a:ea typeface="+mn-ea"/>
+                <a:cs typeface="+mn-cs"/>
+              </a:defRPr>
+            </a:lvl4pPr>
+            <a:lvl5pPr marL="1828800" algn="l" defTabSz="914400" rtl="0" eaLnBrk="1" latinLnBrk="0" hangingPunct="1">
+              <a:defRPr sz="1800" kern="1200">
+                <a:solidFill>
+                  <a:schemeClr val="lt1"/>
+                </a:solidFill>
+                <a:latin typeface="+mn-lt"/>
+                <a:ea typeface="+mn-ea"/>
+                <a:cs typeface="+mn-cs"/>
+              </a:defRPr>
+            </a:lvl5pPr>
+            <a:lvl6pPr marL="2286000" algn="l" defTabSz="914400" rtl="0" eaLnBrk="1" latinLnBrk="0" hangingPunct="1">
+              <a:defRPr sz="1800" kern="1200">
+                <a:solidFill>
+                  <a:schemeClr val="lt1"/>
+                </a:solidFill>
+                <a:latin typeface="+mn-lt"/>
+                <a:ea typeface="+mn-ea"/>
+                <a:cs typeface="+mn-cs"/>
+              </a:defRPr>
+            </a:lvl6pPr>
+            <a:lvl7pPr marL="2743200" algn="l" defTabSz="914400" rtl="0" eaLnBrk="1" latinLnBrk="0" hangingPunct="1">
+              <a:defRPr sz="1800" kern="1200">
+                <a:solidFill>
+                  <a:schemeClr val="lt1"/>
+                </a:solidFill>
+                <a:latin typeface="+mn-lt"/>
+                <a:ea typeface="+mn-ea"/>
+                <a:cs typeface="+mn-cs"/>
+              </a:defRPr>
+            </a:lvl7pPr>
+            <a:lvl8pPr marL="3200400" algn="l" defTabSz="914400" rtl="0" eaLnBrk="1" latinLnBrk="0" hangingPunct="1">
+              <a:defRPr sz="1800" kern="1200">
+                <a:solidFill>
+                  <a:schemeClr val="lt1"/>
+                </a:solidFill>
+                <a:latin typeface="+mn-lt"/>
+                <a:ea typeface="+mn-ea"/>
+                <a:cs typeface="+mn-cs"/>
+              </a:defRPr>
+            </a:lvl8pPr>
+            <a:lvl9pPr marL="3657600" algn="l" defTabSz="914400" rtl="0" eaLnBrk="1" latinLnBrk="0" hangingPunct="1">
+              <a:defRPr sz="1800" kern="1200">
+                <a:solidFill>
+                  <a:schemeClr val="lt1"/>
+                </a:solidFill>
+                <a:latin typeface="+mn-lt"/>
+                <a:ea typeface="+mn-ea"/>
+                <a:cs typeface="+mn-cs"/>
+              </a:defRPr>
+            </a:lvl9pPr>
+          </a:lstStyle>
+          <a:p>
+            <a:pPr algn="ctr"/>
+            <a:endParaRPr lang="en-US" sz="900" dirty="0">
+              <a:solidFill>
+                <a:srgbClr val="5F5F5F"/>
+              </a:solidFill>
+              <a:latin typeface="Segoe UI" panose="020B0502040204020203" pitchFamily="34" charset="0"/>
+              <a:cs typeface="Segoe UI" panose="020B0502040204020203" pitchFamily="34" charset="0"/>
+            </a:endParaRPr>
+          </a:p>
+        </p:txBody>
+      </p:sp>
+      <p:pic>
+        <p:nvPicPr>
+          <p:cNvPr id="24" name="그림 23" descr="시계이(가) 표시된 사진&#10;&#10;자동 생성된 설명">
+            <a:extLst>
+              <a:ext uri="{FF2B5EF4-FFF2-40B4-BE49-F238E27FC236}">
+                <a16:creationId xmlns:a16="http://schemas.microsoft.com/office/drawing/2014/main" xmlns="" id="{92513313-A1ED-4A08-9676-9885D86B2222}"/>
+              </a:ext>
+            </a:extLst>
+          </p:cNvPr>
+          <p:cNvPicPr>
+            <a:picLocks noChangeAspect="1"/>
+          </p:cNvPicPr>
+          <p:nvPr/>
+        </p:nvPicPr>
+        <p:blipFill>
+          <a:blip r:embed="rId6" cstate="print">
+            <a:extLst>
+              <a:ext uri="{28A0092B-C50C-407E-A947-70E740481C1C}">
+                <a14:useLocalDpi xmlns:a14="http://schemas.microsoft.com/office/drawing/2010/main" val="0"/>
+              </a:ext>
+            </a:extLst>
+          </a:blip>
+          <a:stretch>
+            <a:fillRect/>
+          </a:stretch>
+        </p:blipFill>
+        <p:spPr>
+          <a:xfrm>
+            <a:off x="9431909" y="1571696"/>
+            <a:ext cx="300023" cy="300023"/>
+          </a:xfrm>
+          <a:prstGeom prst="rect">
+            <a:avLst/>
+          </a:prstGeom>
+        </p:spPr>
+      </p:pic>
+      <p:sp>
+        <p:nvSpPr>
+          <p:cNvPr id="42" name="TextBox 41"/>
+          <p:cNvSpPr txBox="1"/>
+          <p:nvPr/>
+        </p:nvSpPr>
+        <p:spPr>
+          <a:xfrm>
+            <a:off x="9406107" y="6288425"/>
+            <a:ext cx="2947336" cy="230832"/>
+          </a:xfrm>
+          <a:prstGeom prst="rect">
+            <a:avLst/>
+          </a:prstGeom>
+          <a:noFill/>
+        </p:spPr>
+        <p:txBody>
+          <a:bodyPr wrap="square" rtlCol="0">
+            <a:spAutoFit/>
+          </a:bodyPr>
+          <a:lstStyle/>
+          <a:p>
+            <a:r>
+              <a:rPr lang="en-US" altLang="ko-KR" sz="900" dirty="0" smtClean="0">
+                <a:solidFill>
+                  <a:schemeClr val="tx2">
+                    <a:lumMod val="10000"/>
+                  </a:schemeClr>
+                </a:solidFill>
+              </a:rPr>
+              <a:t>DIY</a:t>
+            </a:r>
+            <a:r>
+              <a:rPr lang="ko-KR" altLang="en-US" sz="900" dirty="0" smtClean="0">
+                <a:solidFill>
+                  <a:schemeClr val="tx2">
+                    <a:lumMod val="10000"/>
+                  </a:schemeClr>
+                </a:solidFill>
+              </a:rPr>
+              <a:t>클래스</a:t>
+            </a:r>
+            <a:r>
+              <a:rPr lang="en-US" altLang="ko-KR" sz="900" dirty="0">
+                <a:solidFill>
+                  <a:schemeClr val="tx2">
+                    <a:lumMod val="10000"/>
+                  </a:schemeClr>
+                </a:solidFill>
+              </a:rPr>
+              <a:t> </a:t>
+            </a:r>
+            <a:r>
+              <a:rPr lang="en-US" altLang="ko-KR" sz="900" dirty="0" smtClean="0">
+                <a:solidFill>
+                  <a:schemeClr val="tx2">
+                    <a:lumMod val="10000"/>
+                  </a:schemeClr>
+                </a:solidFill>
+              </a:rPr>
+              <a:t> </a:t>
+            </a:r>
+            <a:r>
+              <a:rPr lang="ko-KR" altLang="en-US" sz="900" dirty="0" smtClean="0">
+                <a:solidFill>
+                  <a:schemeClr val="tx2">
+                    <a:lumMod val="10000"/>
+                  </a:schemeClr>
+                </a:solidFill>
+              </a:rPr>
+              <a:t>   </a:t>
+            </a:r>
+            <a:r>
+              <a:rPr lang="en-US" altLang="ko-KR" sz="900" dirty="0" smtClean="0">
+                <a:solidFill>
+                  <a:schemeClr val="tx2">
+                    <a:lumMod val="10000"/>
+                  </a:schemeClr>
+                </a:solidFill>
+              </a:rPr>
+              <a:t>DIY</a:t>
+            </a:r>
+            <a:r>
+              <a:rPr lang="ko-KR" altLang="en-US" sz="900" dirty="0" smtClean="0">
+                <a:solidFill>
+                  <a:schemeClr val="tx2">
+                    <a:lumMod val="10000"/>
+                  </a:schemeClr>
+                </a:solidFill>
+              </a:rPr>
+              <a:t>스토어</a:t>
+            </a:r>
+            <a:r>
+              <a:rPr lang="en-US" altLang="ko-KR" sz="900" dirty="0">
+                <a:solidFill>
+                  <a:schemeClr val="tx2">
+                    <a:lumMod val="10000"/>
+                  </a:schemeClr>
+                </a:solidFill>
+              </a:rPr>
+              <a:t> </a:t>
+            </a:r>
+            <a:r>
+              <a:rPr lang="ko-KR" altLang="en-US" sz="900" dirty="0" smtClean="0">
+                <a:solidFill>
+                  <a:schemeClr val="tx2">
+                    <a:lumMod val="10000"/>
+                  </a:schemeClr>
+                </a:solidFill>
+              </a:rPr>
+              <a:t>    고객센터    </a:t>
+            </a:r>
+            <a:r>
+              <a:rPr lang="ko-KR" altLang="en-US" sz="900" dirty="0" err="1" smtClean="0">
+                <a:solidFill>
+                  <a:schemeClr val="tx2">
+                    <a:lumMod val="10000"/>
+                  </a:schemeClr>
+                </a:solidFill>
+              </a:rPr>
+              <a:t>마이페이지</a:t>
+            </a:r>
+            <a:endParaRPr lang="ko-KR" altLang="en-US" sz="900" dirty="0">
+              <a:solidFill>
+                <a:schemeClr val="tx2">
+                  <a:lumMod val="10000"/>
+                </a:schemeClr>
+              </a:solidFill>
+            </a:endParaRPr>
+          </a:p>
+        </p:txBody>
+      </p:sp>
+      <p:cxnSp>
+        <p:nvCxnSpPr>
+          <p:cNvPr id="43" name="직선 연결선 42"/>
+          <p:cNvCxnSpPr/>
           <p:nvPr/>
         </p:nvCxnSpPr>
         <p:spPr>
           <a:xfrm>
-            <a:off x="2223085" y="2156193"/>
-            <a:ext cx="8011484" cy="0"/>
+            <a:off x="9353726" y="6254769"/>
+            <a:ext cx="2691579" cy="0"/>
           </a:xfrm>
           <a:prstGeom prst="line">
             <a:avLst/>
           </a:prstGeom>
-          <a:ln w="25400">
+          <a:ln>
             <a:solidFill>
-              <a:schemeClr val="tx1"/>
+              <a:schemeClr val="tx2">
+                <a:lumMod val="10000"/>
+              </a:schemeClr>
             </a:solidFill>
           </a:ln>
         </p:spPr>
@@ -14860,12 +15889,219 @@
           </a:fontRef>
         </p:style>
       </p:cxnSp>
-      <p:sp>
-        <p:nvSpPr>
-          <p:cNvPr id="8" name="TextBox 7">
+      <p:cxnSp>
+        <p:nvCxnSpPr>
+          <p:cNvPr id="49" name="직선 연결선 48"/>
+          <p:cNvCxnSpPr/>
+          <p:nvPr/>
+        </p:nvCxnSpPr>
+        <p:spPr>
+          <a:xfrm>
+            <a:off x="9353726" y="6254769"/>
+            <a:ext cx="2691579" cy="0"/>
+          </a:xfrm>
+          <a:prstGeom prst="line">
+            <a:avLst/>
+          </a:prstGeom>
+          <a:ln>
+            <a:solidFill>
+              <a:schemeClr val="tx2">
+                <a:lumMod val="10000"/>
+              </a:schemeClr>
+            </a:solidFill>
+          </a:ln>
+        </p:spPr>
+        <p:style>
+          <a:lnRef idx="1">
+            <a:schemeClr val="accent1"/>
+          </a:lnRef>
+          <a:fillRef idx="0">
+            <a:schemeClr val="accent1"/>
+          </a:fillRef>
+          <a:effectRef idx="0">
+            <a:schemeClr val="accent1"/>
+          </a:effectRef>
+          <a:fontRef idx="minor">
+            <a:schemeClr val="tx1"/>
+          </a:fontRef>
+        </p:style>
+      </p:cxnSp>
+      <p:sp>
+        <p:nvSpPr>
+          <p:cNvPr id="57" name="TextBox 56"/>
+          <p:cNvSpPr txBox="1"/>
+          <p:nvPr/>
+        </p:nvSpPr>
+        <p:spPr>
+          <a:xfrm>
+            <a:off x="9688579" y="1606261"/>
+            <a:ext cx="986328" cy="246221"/>
+          </a:xfrm>
+          <a:prstGeom prst="rect">
+            <a:avLst/>
+          </a:prstGeom>
+          <a:noFill/>
+        </p:spPr>
+        <p:txBody>
+          <a:bodyPr wrap="square" rtlCol="0">
+            <a:spAutoFit/>
+          </a:bodyPr>
+          <a:lstStyle/>
+          <a:p>
+            <a:r>
+              <a:rPr lang="en-US" altLang="ko-KR" sz="1000" dirty="0" smtClean="0">
+                <a:solidFill>
+                  <a:schemeClr val="tx2">
+                    <a:lumMod val="10000"/>
+                  </a:schemeClr>
+                </a:solidFill>
+              </a:rPr>
+              <a:t>Do it! Yourself!!</a:t>
+            </a:r>
+            <a:endParaRPr lang="ko-KR" altLang="en-US" sz="1000" dirty="0">
+              <a:solidFill>
+                <a:schemeClr val="tx2">
+                  <a:lumMod val="10000"/>
+                </a:schemeClr>
+              </a:solidFill>
+            </a:endParaRPr>
+          </a:p>
+        </p:txBody>
+      </p:sp>
+      <p:sp>
+        <p:nvSpPr>
+          <p:cNvPr id="58" name="TextBox 57"/>
+          <p:cNvSpPr txBox="1"/>
+          <p:nvPr/>
+        </p:nvSpPr>
+        <p:spPr>
+          <a:xfrm>
+            <a:off x="10674908" y="1626000"/>
+            <a:ext cx="1461016" cy="215444"/>
+          </a:xfrm>
+          <a:prstGeom prst="rect">
+            <a:avLst/>
+          </a:prstGeom>
+          <a:noFill/>
+        </p:spPr>
+        <p:txBody>
+          <a:bodyPr wrap="square" rtlCol="0">
+            <a:spAutoFit/>
+          </a:bodyPr>
+          <a:lstStyle/>
+          <a:p>
+            <a:r>
+              <a:rPr lang="ko-KR" altLang="en-US" sz="800" smtClean="0">
+                <a:solidFill>
+                  <a:schemeClr val="tx2">
+                    <a:lumMod val="10000"/>
+                  </a:schemeClr>
+                </a:solidFill>
+              </a:rPr>
+              <a:t>취미바구니   </a:t>
+            </a:r>
+            <a:r>
+              <a:rPr lang="ko-KR" altLang="en-US" sz="800" dirty="0" err="1" smtClean="0">
+                <a:solidFill>
+                  <a:schemeClr val="tx2">
+                    <a:lumMod val="10000"/>
+                  </a:schemeClr>
+                </a:solidFill>
+              </a:rPr>
+              <a:t>내클래스</a:t>
+            </a:r>
+            <a:r>
+              <a:rPr lang="ko-KR" altLang="en-US" sz="800" dirty="0" smtClean="0">
+                <a:solidFill>
+                  <a:schemeClr val="tx2">
+                    <a:lumMod val="10000"/>
+                  </a:schemeClr>
+                </a:solidFill>
+              </a:rPr>
+              <a:t>   검색</a:t>
+            </a:r>
+            <a:endParaRPr lang="ko-KR" altLang="en-US" sz="800" dirty="0">
+              <a:solidFill>
+                <a:schemeClr val="tx2">
+                  <a:lumMod val="10000"/>
+                </a:schemeClr>
+              </a:solidFill>
+            </a:endParaRPr>
+          </a:p>
+        </p:txBody>
+      </p:sp>
+      <p:sp>
+        <p:nvSpPr>
+          <p:cNvPr id="5" name="모서리가 둥근 직사각형 4"/>
+          <p:cNvSpPr/>
+          <p:nvPr/>
+        </p:nvSpPr>
+        <p:spPr>
+          <a:xfrm>
+            <a:off x="1540476" y="3105665"/>
+            <a:ext cx="6203092" cy="2433068"/>
+          </a:xfrm>
+          <a:prstGeom prst="roundRect">
+            <a:avLst/>
+          </a:prstGeom>
+          <a:solidFill>
+            <a:schemeClr val="tx1"/>
+          </a:solidFill>
+          <a:ln>
+            <a:solidFill>
+              <a:schemeClr val="tx2">
+                <a:lumMod val="10000"/>
+              </a:schemeClr>
+            </a:solidFill>
+          </a:ln>
+        </p:spPr>
+        <p:style>
+          <a:lnRef idx="2">
+            <a:schemeClr val="accent1">
+              <a:shade val="50000"/>
+            </a:schemeClr>
+          </a:lnRef>
+          <a:fillRef idx="1">
+            <a:schemeClr val="accent1"/>
+          </a:fillRef>
+          <a:effectRef idx="0">
+            <a:schemeClr val="accent1"/>
+          </a:effectRef>
+          <a:fontRef idx="minor">
+            <a:schemeClr val="lt1"/>
+          </a:fontRef>
+        </p:style>
+        <p:txBody>
+          <a:bodyPr rtlCol="0" anchor="ctr"/>
+          <a:lstStyle/>
+          <a:p>
+            <a:pPr algn="ctr"/>
+            <a:r>
+              <a:rPr lang="ko-KR" altLang="en-US" dirty="0" smtClean="0">
+                <a:solidFill>
+                  <a:schemeClr val="tx2">
+                    <a:lumMod val="10000"/>
+                  </a:schemeClr>
+                </a:solidFill>
+              </a:rPr>
+              <a:t>클래스 소개 내용</a:t>
+            </a:r>
+            <a:endParaRPr lang="ko-KR" altLang="en-US" dirty="0">
+              <a:solidFill>
+                <a:schemeClr val="tx2">
+                  <a:lumMod val="10000"/>
+                </a:schemeClr>
+              </a:solidFill>
+            </a:endParaRPr>
+          </a:p>
+        </p:txBody>
+      </p:sp>
+      <p:sp>
+        <p:nvSpPr>
+          <p:cNvPr id="41" name="TextBox 40">
             <a:extLst>
               <a:ext uri="{FF2B5EF4-FFF2-40B4-BE49-F238E27FC236}">
-                <a16:creationId xmlns="" xmlns:a16="http://schemas.microsoft.com/office/drawing/2014/main" id="{40F573A5-A76C-43F4-813E-C144D7A50B6D}"/>
+                <a16:creationId xmlns:a16="http://schemas.microsoft.com/office/drawing/2014/main" xmlns="" id="{D2726034-308D-4366-944B-FFF27DEC5755}"/>
               </a:ext>
             </a:extLst>
           </p:cNvPr>
@@ -14874,8 +16110,8 @@
         </p:nvSpPr>
         <p:spPr>
           <a:xfrm>
-            <a:off x="2223085" y="1605387"/>
-            <a:ext cx="2533474" cy="584775"/>
+            <a:off x="9359037" y="2011799"/>
+            <a:ext cx="1520738" cy="369332"/>
           </a:xfrm>
           <a:prstGeom prst="rect">
             <a:avLst/>
@@ -14889,154 +16125,95 @@
           <a:lstStyle/>
           <a:p>
             <a:r>
-              <a:rPr lang="en-US" altLang="ko-KR" sz="3200" dirty="0">
-                <a:solidFill>
-                  <a:srgbClr val="66FF66"/>
-                </a:solidFill>
-                <a:latin typeface="Arial Rounded MT Bold" panose="020F0704030504030204" pitchFamily="34" charset="0"/>
-              </a:rPr>
-              <a:t>Wire Frame</a:t>
-            </a:r>
-            <a:endParaRPr lang="ko-KR" altLang="en-US" sz="3200" dirty="0">
+              <a:rPr lang="ko-KR" altLang="en-US" dirty="0" smtClean="0">
+                <a:solidFill>
+                  <a:schemeClr val="tx2">
+                    <a:lumMod val="10000"/>
+                  </a:schemeClr>
+                </a:solidFill>
+              </a:rPr>
+              <a:t>클래스 소개</a:t>
+            </a:r>
+            <a:endParaRPr lang="ko-KR" altLang="en-US" dirty="0">
               <a:solidFill>
-                <a:srgbClr val="66FF66"/>
-              </a:solidFill>
-              <a:latin typeface="Arial Rounded MT Bold" panose="020F0704030504030204" pitchFamily="34" charset="0"/>
-            </a:endParaRPr>
-          </a:p>
-        </p:txBody>
-      </p:sp>
-      <p:sp>
-        <p:nvSpPr>
-          <p:cNvPr id="11" name="TextBox 10">
-            <a:extLst>
-              <a:ext uri="{FF2B5EF4-FFF2-40B4-BE49-F238E27FC236}">
-                <a16:creationId xmlns="" xmlns:a16="http://schemas.microsoft.com/office/drawing/2014/main" id="{C0A9A55E-9736-44E7-9A43-A56253B2960D}"/>
-              </a:ext>
-            </a:extLst>
-          </p:cNvPr>
-          <p:cNvSpPr txBox="1"/>
-          <p:nvPr/>
-        </p:nvSpPr>
-        <p:spPr>
-          <a:xfrm>
-            <a:off x="6317193" y="2380376"/>
-            <a:ext cx="4152551" cy="4524315"/>
-          </a:xfrm>
-          <a:prstGeom prst="rect">
-            <a:avLst/>
-          </a:prstGeom>
-          <a:noFill/>
-        </p:spPr>
-        <p:txBody>
-          <a:bodyPr wrap="square" rtlCol="0">
-            <a:spAutoFit/>
-          </a:bodyPr>
-          <a:lstStyle/>
-          <a:p>
-            <a:pPr marL="742950" indent="-742950">
-              <a:buAutoNum type="arabicPeriod"/>
-            </a:pPr>
-            <a:r>
-              <a:rPr lang="ko-KR" altLang="en-US" sz="2400" dirty="0"/>
-              <a:t>메인 페이지</a:t>
-            </a:r>
-            <a:endParaRPr lang="en-US" altLang="ko-KR" sz="2400" dirty="0"/>
-          </a:p>
-          <a:p>
-            <a:pPr marL="742950" indent="-742950">
-              <a:buAutoNum type="arabicPeriod"/>
-            </a:pPr>
-            <a:endParaRPr lang="en-US" altLang="ko-KR" sz="2400" dirty="0"/>
-          </a:p>
-          <a:p>
-            <a:pPr marL="742950" indent="-742950">
-              <a:buAutoNum type="arabicPeriod"/>
-            </a:pPr>
-            <a:r>
-              <a:rPr lang="ko-KR" altLang="en-US" sz="2400" dirty="0"/>
-              <a:t>회원등록</a:t>
-            </a:r>
-            <a:endParaRPr lang="en-US" altLang="ko-KR" sz="2400" dirty="0"/>
-          </a:p>
-          <a:p>
-            <a:pPr marL="742950" indent="-742950">
-              <a:buAutoNum type="arabicPeriod"/>
-            </a:pPr>
-            <a:endParaRPr lang="en-US" altLang="ko-KR" sz="2400" dirty="0"/>
-          </a:p>
-          <a:p>
-            <a:pPr marL="742950" indent="-742950">
-              <a:buAutoNum type="arabicPeriod"/>
-            </a:pPr>
-            <a:r>
-              <a:rPr lang="ko-KR" altLang="en-US" sz="2400" dirty="0"/>
-              <a:t>서비스 이용</a:t>
-            </a:r>
-            <a:endParaRPr lang="en-US" altLang="ko-KR" sz="2400" dirty="0"/>
-          </a:p>
-          <a:p>
-            <a:pPr marL="742950" indent="-742950">
-              <a:buAutoNum type="arabicPeriod"/>
-            </a:pPr>
-            <a:endParaRPr lang="en-US" altLang="ko-KR" sz="2400" dirty="0"/>
-          </a:p>
-          <a:p>
-            <a:pPr marL="742950" indent="-742950">
-              <a:buAutoNum type="arabicPeriod"/>
-            </a:pPr>
-            <a:r>
-              <a:rPr lang="ko-KR" altLang="en-US" sz="2400" dirty="0"/>
-              <a:t>회원 서비스</a:t>
-            </a:r>
-            <a:endParaRPr lang="en-US" altLang="ko-KR" sz="2400" dirty="0"/>
-          </a:p>
-          <a:p>
-            <a:pPr marL="742950" indent="-742950">
-              <a:buAutoNum type="arabicPeriod"/>
-            </a:pPr>
-            <a:endParaRPr lang="en-US" altLang="ko-KR" sz="2400" dirty="0"/>
-          </a:p>
-          <a:p>
-            <a:pPr marL="742950" indent="-742950">
-              <a:buAutoNum type="arabicPeriod"/>
-            </a:pPr>
-            <a:r>
-              <a:rPr lang="ko-KR" altLang="en-US" sz="2400" dirty="0">
-                <a:solidFill>
-                  <a:schemeClr val="bg2">
-                    <a:lumMod val="50000"/>
-                  </a:schemeClr>
-                </a:solidFill>
-              </a:rPr>
-              <a:t>관리자</a:t>
-            </a:r>
-            <a:endParaRPr lang="en-US" altLang="ko-KR" sz="2400" dirty="0">
-              <a:solidFill>
-                <a:schemeClr val="bg2">
-                  <a:lumMod val="50000"/>
+                <a:schemeClr val="tx2">
+                  <a:lumMod val="10000"/>
                 </a:schemeClr>
               </a:solidFill>
             </a:endParaRPr>
           </a:p>
-          <a:p>
-            <a:pPr marL="742950" indent="-742950">
-              <a:buAutoNum type="arabicPeriod"/>
-            </a:pPr>
-            <a:endParaRPr lang="en-US" altLang="ko-KR" sz="3600" dirty="0"/>
-          </a:p>
-          <a:p>
-            <a:pPr marL="742950" indent="-742950">
-              <a:buAutoNum type="arabicPeriod"/>
-            </a:pPr>
-            <a:endParaRPr lang="ko-KR" altLang="en-US" sz="3600" dirty="0"/>
+        </p:txBody>
+      </p:sp>
+      <p:sp>
+        <p:nvSpPr>
+          <p:cNvPr id="44" name="모서리가 둥근 직사각형 43"/>
+          <p:cNvSpPr/>
+          <p:nvPr/>
+        </p:nvSpPr>
+        <p:spPr>
+          <a:xfrm>
+            <a:off x="9431909" y="2414786"/>
+            <a:ext cx="2534422" cy="3776080"/>
+          </a:xfrm>
+          <a:prstGeom prst="roundRect">
+            <a:avLst/>
+          </a:prstGeom>
+          <a:solidFill>
+            <a:schemeClr val="tx1"/>
+          </a:solidFill>
+          <a:ln>
+            <a:solidFill>
+              <a:schemeClr val="tx2">
+                <a:lumMod val="10000"/>
+              </a:schemeClr>
+            </a:solidFill>
+          </a:ln>
+        </p:spPr>
+        <p:style>
+          <a:lnRef idx="2">
+            <a:schemeClr val="accent1">
+              <a:shade val="50000"/>
+            </a:schemeClr>
+          </a:lnRef>
+          <a:fillRef idx="1">
+            <a:schemeClr val="accent1"/>
+          </a:fillRef>
+          <a:effectRef idx="0">
+            <a:schemeClr val="accent1"/>
+          </a:effectRef>
+          <a:fontRef idx="minor">
+            <a:schemeClr val="lt1"/>
+          </a:fontRef>
+        </p:style>
+        <p:txBody>
+          <a:bodyPr rtlCol="0" anchor="ctr"/>
+          <a:lstStyle/>
+          <a:p>
+            <a:pPr algn="ctr"/>
+            <a:r>
+              <a:rPr lang="ko-KR" altLang="en-US" dirty="0" smtClean="0">
+                <a:solidFill>
+                  <a:schemeClr val="tx2">
+                    <a:lumMod val="10000"/>
+                  </a:schemeClr>
+                </a:solidFill>
+              </a:rPr>
+              <a:t>클래스 소개 내용</a:t>
+            </a:r>
+            <a:endParaRPr lang="ko-KR" altLang="en-US" dirty="0">
+              <a:solidFill>
+                <a:schemeClr val="tx2">
+                  <a:lumMod val="10000"/>
+                </a:schemeClr>
+              </a:solidFill>
+            </a:endParaRPr>
           </a:p>
         </p:txBody>
       </p:sp>
     </p:spTree>
     <p:extLst>
       <p:ext uri="{BB962C8B-B14F-4D97-AF65-F5344CB8AC3E}">
-        <p14:creationId xmlns:p14="http://schemas.microsoft.com/office/powerpoint/2010/main" val="370765354"/>
+        <p14:creationId xmlns:p14="http://schemas.microsoft.com/office/powerpoint/2010/main" val="1138354120"/>
       </p:ext>
     </p:extLst>
   </p:cSld>
@@ -15063,12 +16240,66 @@
           <a:chExt cx="0" cy="0"/>
         </a:xfrm>
       </p:grpSpPr>
+      <p:sp>
+        <p:nvSpPr>
+          <p:cNvPr id="2" name="직사각형 1">
+            <a:extLst>
+              <a:ext uri="{FF2B5EF4-FFF2-40B4-BE49-F238E27FC236}">
+                <a16:creationId xmlns:a16="http://schemas.microsoft.com/office/drawing/2014/main" xmlns="" id="{7EBAE3E4-4335-499B-BDF0-8B5BC8F6285D}"/>
+              </a:ext>
+            </a:extLst>
+          </p:cNvPr>
+          <p:cNvSpPr/>
+          <p:nvPr/>
+        </p:nvSpPr>
+        <p:spPr>
+          <a:xfrm>
+            <a:off x="0" y="241183"/>
+            <a:ext cx="12192000" cy="6375633"/>
+          </a:xfrm>
+          <a:prstGeom prst="rect">
+            <a:avLst/>
+          </a:prstGeom>
+          <a:solidFill>
+            <a:schemeClr val="tx1"/>
+          </a:solidFill>
+          <a:ln>
+            <a:solidFill>
+              <a:schemeClr val="tx1"/>
+            </a:solidFill>
+          </a:ln>
+        </p:spPr>
+        <p:style>
+          <a:lnRef idx="2">
+            <a:schemeClr val="accent1">
+              <a:shade val="50000"/>
+            </a:schemeClr>
+          </a:lnRef>
+          <a:fillRef idx="1">
+            <a:schemeClr val="accent1"/>
+          </a:fillRef>
+          <a:effectRef idx="0">
+            <a:schemeClr val="accent1"/>
+          </a:effectRef>
+          <a:fontRef idx="minor">
+            <a:schemeClr val="lt1"/>
+          </a:fontRef>
+        </p:style>
+        <p:txBody>
+          <a:bodyPr rtlCol="0" anchor="ctr"/>
+          <a:lstStyle/>
+          <a:p>
+            <a:pPr algn="ctr"/>
+            <a:endParaRPr lang="ko-KR" altLang="en-US" dirty="0"/>
+          </a:p>
+        </p:txBody>
+      </p:sp>
       <p:pic>
         <p:nvPicPr>
           <p:cNvPr id="3" name="그림 2" descr="시계이(가) 표시된 사진&#10;&#10;자동 생성된 설명">
             <a:extLst>
               <a:ext uri="{FF2B5EF4-FFF2-40B4-BE49-F238E27FC236}">
-                <a16:creationId xmlns="" xmlns:a16="http://schemas.microsoft.com/office/drawing/2014/main" id="{92513313-A1ED-4A08-9676-9885D86B2222}"/>
+                <a16:creationId xmlns:a16="http://schemas.microsoft.com/office/drawing/2014/main" xmlns="" id="{92513313-A1ED-4A08-9676-9885D86B2222}"/>
               </a:ext>
             </a:extLst>
           </p:cNvPr>
@@ -15078,7 +16309,7 @@
           <p:nvPr/>
         </p:nvPicPr>
         <p:blipFill>
-          <a:blip r:embed="rId2">
+          <a:blip r:embed="rId5" cstate="print">
             <a:extLst>
               <a:ext uri="{28A0092B-C50C-407E-A947-70E740481C1C}">
                 <a14:useLocalDpi xmlns:a14="http://schemas.microsoft.com/office/drawing/2010/main" val="0"/>
@@ -15091,39 +16322,1022 @@
         </p:blipFill>
         <p:spPr>
           <a:xfrm>
-            <a:off x="1143415" y="2349330"/>
-            <a:ext cx="2346406" cy="2346406"/>
+            <a:off x="61234" y="289421"/>
+            <a:ext cx="542773" cy="542773"/>
           </a:xfrm>
           <a:prstGeom prst="rect">
             <a:avLst/>
           </a:prstGeom>
         </p:spPr>
       </p:pic>
-      <p:cxnSp>
-        <p:nvCxnSpPr>
-          <p:cNvPr id="7" name="직선 연결선 6">
+      <p:sp>
+        <p:nvSpPr>
+          <p:cNvPr id="4" name="TextBox 3">
             <a:extLst>
               <a:ext uri="{FF2B5EF4-FFF2-40B4-BE49-F238E27FC236}">
-                <a16:creationId xmlns="" xmlns:a16="http://schemas.microsoft.com/office/drawing/2014/main" id="{E16921C9-3597-454A-8E86-CBCC429D4C84}"/>
+                <a16:creationId xmlns:a16="http://schemas.microsoft.com/office/drawing/2014/main" xmlns="" id="{E748B248-D9B8-42F5-8F0A-0C57F9E8A9D8}"/>
               </a:ext>
             </a:extLst>
           </p:cNvPr>
-          <p:cNvCxnSpPr>
-            <a:cxnSpLocks/>
-          </p:cNvCxnSpPr>
+          <p:cNvSpPr txBox="1"/>
+          <p:nvPr/>
+        </p:nvSpPr>
+        <p:spPr>
+          <a:xfrm>
+            <a:off x="604007" y="268419"/>
+            <a:ext cx="2533474" cy="584775"/>
+          </a:xfrm>
+          <a:prstGeom prst="rect">
+            <a:avLst/>
+          </a:prstGeom>
+          <a:noFill/>
+        </p:spPr>
+        <p:txBody>
+          <a:bodyPr wrap="square" rtlCol="0">
+            <a:spAutoFit/>
+          </a:bodyPr>
+          <a:lstStyle/>
+          <a:p>
+            <a:r>
+              <a:rPr lang="en-US" altLang="ko-KR" sz="3200" dirty="0">
+                <a:solidFill>
+                  <a:srgbClr val="66FF66"/>
+                </a:solidFill>
+                <a:latin typeface="Arial Rounded MT Bold" panose="020F0704030504030204" pitchFamily="34" charset="0"/>
+              </a:rPr>
+              <a:t>Wire Frame</a:t>
+            </a:r>
+            <a:endParaRPr lang="ko-KR" altLang="en-US" sz="3200" dirty="0">
+              <a:solidFill>
+                <a:srgbClr val="66FF66"/>
+              </a:solidFill>
+              <a:latin typeface="Arial Rounded MT Bold" panose="020F0704030504030204" pitchFamily="34" charset="0"/>
+            </a:endParaRPr>
+          </a:p>
+        </p:txBody>
+      </p:sp>
+      <p:sp>
+        <p:nvSpPr>
+          <p:cNvPr id="6" name="Window Body" descr="&lt;SmartSettings&gt;&lt;SmartResize anchorLeft=&quot;Absolute&quot; anchorTop=&quot;Absolute&quot; anchorRight=&quot;Absolute&quot; anchorBottom=&quot;Absolute&quot; /&gt;&lt;/SmartSettings&gt;">
+            <a:extLst>
+              <a:ext uri="{FF2B5EF4-FFF2-40B4-BE49-F238E27FC236}">
+                <a16:creationId xmlns:a16="http://schemas.microsoft.com/office/drawing/2014/main" xmlns="" id="{E38A150B-1AD9-431B-9D06-C17150181DD0}"/>
+              </a:ext>
+            </a:extLst>
+          </p:cNvPr>
+          <p:cNvSpPr>
+            <a:spLocks/>
+          </p:cNvSpPr>
+          <p:nvPr>
+            <p:custDataLst>
+              <p:tags r:id="rId1"/>
+            </p:custDataLst>
+          </p:nvPr>
+        </p:nvSpPr>
+        <p:spPr>
+          <a:xfrm>
+            <a:off x="9353726" y="1510018"/>
+            <a:ext cx="2709644" cy="5058561"/>
+          </a:xfrm>
+          <a:prstGeom prst="rect">
+            <a:avLst/>
+          </a:prstGeom>
+          <a:ln>
+            <a:solidFill>
+              <a:schemeClr val="bg2">
+                <a:lumMod val="50000"/>
+              </a:schemeClr>
+            </a:solidFill>
+          </a:ln>
+        </p:spPr>
+        <p:style>
+          <a:lnRef idx="2">
+            <a:schemeClr val="dk1"/>
+          </a:lnRef>
+          <a:fillRef idx="1">
+            <a:schemeClr val="lt1"/>
+          </a:fillRef>
+          <a:effectRef idx="0">
+            <a:schemeClr val="dk1"/>
+          </a:effectRef>
+          <a:fontRef idx="minor">
+            <a:schemeClr val="dk1"/>
+          </a:fontRef>
+        </p:style>
+        <p:txBody>
+          <a:bodyPr rot="0" spcFirstLastPara="0" vert="horz" wrap="square" lIns="91440" tIns="45720" rIns="91440" bIns="45720" numCol="1" spcCol="0" rtlCol="0" fromWordArt="0" anchor="ctr" anchorCtr="0" forceAA="0" compatLnSpc="1">
+            <a:prstTxWarp prst="textNoShape">
+              <a:avLst/>
+            </a:prstTxWarp>
+            <a:noAutofit/>
+          </a:bodyPr>
+          <a:lstStyle>
+            <a:defPPr>
+              <a:defRPr lang="en-US"/>
+            </a:defPPr>
+            <a:lvl1pPr marL="0" algn="l" defTabSz="914400" rtl="0" eaLnBrk="1" latinLnBrk="0" hangingPunct="1">
+              <a:defRPr sz="1800" kern="1200">
+                <a:solidFill>
+                  <a:schemeClr val="lt1"/>
+                </a:solidFill>
+                <a:latin typeface="+mn-lt"/>
+                <a:ea typeface="+mn-ea"/>
+                <a:cs typeface="+mn-cs"/>
+              </a:defRPr>
+            </a:lvl1pPr>
+            <a:lvl2pPr marL="457200" algn="l" defTabSz="914400" rtl="0" eaLnBrk="1" latinLnBrk="0" hangingPunct="1">
+              <a:defRPr sz="1800" kern="1200">
+                <a:solidFill>
+                  <a:schemeClr val="lt1"/>
+                </a:solidFill>
+                <a:latin typeface="+mn-lt"/>
+                <a:ea typeface="+mn-ea"/>
+                <a:cs typeface="+mn-cs"/>
+              </a:defRPr>
+            </a:lvl2pPr>
+            <a:lvl3pPr marL="914400" algn="l" defTabSz="914400" rtl="0" eaLnBrk="1" latinLnBrk="0" hangingPunct="1">
+              <a:defRPr sz="1800" kern="1200">
+                <a:solidFill>
+                  <a:schemeClr val="lt1"/>
+                </a:solidFill>
+                <a:latin typeface="+mn-lt"/>
+                <a:ea typeface="+mn-ea"/>
+                <a:cs typeface="+mn-cs"/>
+              </a:defRPr>
+            </a:lvl3pPr>
+            <a:lvl4pPr marL="1371600" algn="l" defTabSz="914400" rtl="0" eaLnBrk="1" latinLnBrk="0" hangingPunct="1">
+              <a:defRPr sz="1800" kern="1200">
+                <a:solidFill>
+                  <a:schemeClr val="lt1"/>
+                </a:solidFill>
+                <a:latin typeface="+mn-lt"/>
+                <a:ea typeface="+mn-ea"/>
+                <a:cs typeface="+mn-cs"/>
+              </a:defRPr>
+            </a:lvl4pPr>
+            <a:lvl5pPr marL="1828800" algn="l" defTabSz="914400" rtl="0" eaLnBrk="1" latinLnBrk="0" hangingPunct="1">
+              <a:defRPr sz="1800" kern="1200">
+                <a:solidFill>
+                  <a:schemeClr val="lt1"/>
+                </a:solidFill>
+                <a:latin typeface="+mn-lt"/>
+                <a:ea typeface="+mn-ea"/>
+                <a:cs typeface="+mn-cs"/>
+              </a:defRPr>
+            </a:lvl5pPr>
+            <a:lvl6pPr marL="2286000" algn="l" defTabSz="914400" rtl="0" eaLnBrk="1" latinLnBrk="0" hangingPunct="1">
+              <a:defRPr sz="1800" kern="1200">
+                <a:solidFill>
+                  <a:schemeClr val="lt1"/>
+                </a:solidFill>
+                <a:latin typeface="+mn-lt"/>
+                <a:ea typeface="+mn-ea"/>
+                <a:cs typeface="+mn-cs"/>
+              </a:defRPr>
+            </a:lvl6pPr>
+            <a:lvl7pPr marL="2743200" algn="l" defTabSz="914400" rtl="0" eaLnBrk="1" latinLnBrk="0" hangingPunct="1">
+              <a:defRPr sz="1800" kern="1200">
+                <a:solidFill>
+                  <a:schemeClr val="lt1"/>
+                </a:solidFill>
+                <a:latin typeface="+mn-lt"/>
+                <a:ea typeface="+mn-ea"/>
+                <a:cs typeface="+mn-cs"/>
+              </a:defRPr>
+            </a:lvl7pPr>
+            <a:lvl8pPr marL="3200400" algn="l" defTabSz="914400" rtl="0" eaLnBrk="1" latinLnBrk="0" hangingPunct="1">
+              <a:defRPr sz="1800" kern="1200">
+                <a:solidFill>
+                  <a:schemeClr val="lt1"/>
+                </a:solidFill>
+                <a:latin typeface="+mn-lt"/>
+                <a:ea typeface="+mn-ea"/>
+                <a:cs typeface="+mn-cs"/>
+              </a:defRPr>
+            </a:lvl8pPr>
+            <a:lvl9pPr marL="3657600" algn="l" defTabSz="914400" rtl="0" eaLnBrk="1" latinLnBrk="0" hangingPunct="1">
+              <a:defRPr sz="1800" kern="1200">
+                <a:solidFill>
+                  <a:schemeClr val="lt1"/>
+                </a:solidFill>
+                <a:latin typeface="+mn-lt"/>
+                <a:ea typeface="+mn-ea"/>
+                <a:cs typeface="+mn-cs"/>
+              </a:defRPr>
+            </a:lvl9pPr>
+          </a:lstStyle>
+          <a:p>
+            <a:pPr algn="ctr"/>
+            <a:endParaRPr lang="en-US" sz="900" dirty="0">
+              <a:solidFill>
+                <a:srgbClr val="5F5F5F"/>
+              </a:solidFill>
+              <a:latin typeface="Segoe UI" panose="020B0502040204020203" pitchFamily="34" charset="0"/>
+              <a:cs typeface="Segoe UI" panose="020B0502040204020203" pitchFamily="34" charset="0"/>
+            </a:endParaRPr>
+          </a:p>
+        </p:txBody>
+      </p:sp>
+      <p:sp>
+        <p:nvSpPr>
+          <p:cNvPr id="7" name="TextBox 6">
+            <a:extLst>
+              <a:ext uri="{FF2B5EF4-FFF2-40B4-BE49-F238E27FC236}">
+                <a16:creationId xmlns:a16="http://schemas.microsoft.com/office/drawing/2014/main" xmlns="" id="{D2726034-308D-4366-944B-FFF27DEC5755}"/>
+              </a:ext>
+            </a:extLst>
+          </p:cNvPr>
+          <p:cNvSpPr txBox="1"/>
+          <p:nvPr/>
+        </p:nvSpPr>
+        <p:spPr>
+          <a:xfrm>
+            <a:off x="61233" y="1032823"/>
+            <a:ext cx="8875552" cy="369332"/>
+          </a:xfrm>
+          <a:prstGeom prst="rect">
+            <a:avLst/>
+          </a:prstGeom>
+          <a:noFill/>
+        </p:spPr>
+        <p:txBody>
+          <a:bodyPr wrap="square" rtlCol="0">
+            <a:spAutoFit/>
+          </a:bodyPr>
+          <a:lstStyle/>
+          <a:p>
+            <a:r>
+              <a:rPr lang="ko-KR" altLang="en-US" dirty="0" smtClean="0">
+                <a:solidFill>
+                  <a:srgbClr val="002060"/>
+                </a:solidFill>
+              </a:rPr>
+              <a:t>상품 소개 페이지</a:t>
+            </a:r>
+            <a:endParaRPr lang="ko-KR" altLang="en-US" dirty="0">
+              <a:solidFill>
+                <a:srgbClr val="002060"/>
+              </a:solidFill>
+            </a:endParaRPr>
+          </a:p>
+        </p:txBody>
+      </p:sp>
+      <p:sp>
+        <p:nvSpPr>
+          <p:cNvPr id="17" name="Window Body" descr="&lt;SmartSettings&gt;&lt;SmartResize anchorLeft=&quot;Absolute&quot; anchorTop=&quot;Absolute&quot; anchorRight=&quot;Absolute&quot; anchorBottom=&quot;Absolute&quot; /&gt;&lt;/SmartSettings&gt;">
+            <a:extLst>
+              <a:ext uri="{FF2B5EF4-FFF2-40B4-BE49-F238E27FC236}">
+                <a16:creationId xmlns:a16="http://schemas.microsoft.com/office/drawing/2014/main" xmlns="" id="{DD15E406-86D5-43EE-8219-49B0E1FA0E30}"/>
+              </a:ext>
+            </a:extLst>
+          </p:cNvPr>
+          <p:cNvSpPr/>
+          <p:nvPr>
+            <p:custDataLst>
+              <p:tags r:id="rId2"/>
+            </p:custDataLst>
+          </p:nvPr>
+        </p:nvSpPr>
+        <p:spPr>
+          <a:xfrm>
+            <a:off x="128630" y="1510018"/>
+            <a:ext cx="9040536" cy="5058561"/>
+          </a:xfrm>
+          <a:prstGeom prst="rect">
+            <a:avLst/>
+          </a:prstGeom>
+          <a:ln>
+            <a:solidFill>
+              <a:schemeClr val="bg2"/>
+            </a:solidFill>
+          </a:ln>
+        </p:spPr>
+        <p:style>
+          <a:lnRef idx="2">
+            <a:schemeClr val="dk1"/>
+          </a:lnRef>
+          <a:fillRef idx="1">
+            <a:schemeClr val="lt1"/>
+          </a:fillRef>
+          <a:effectRef idx="0">
+            <a:schemeClr val="dk1"/>
+          </a:effectRef>
+          <a:fontRef idx="minor">
+            <a:schemeClr val="dk1"/>
+          </a:fontRef>
+        </p:style>
+        <p:txBody>
+          <a:bodyPr rot="0" spcFirstLastPara="0" vert="horz" wrap="square" lIns="91440" tIns="45720" rIns="91440" bIns="45720" numCol="1" spcCol="0" rtlCol="0" fromWordArt="0" anchor="ctr" anchorCtr="0" forceAA="0" compatLnSpc="1">
+            <a:prstTxWarp prst="textNoShape">
+              <a:avLst/>
+            </a:prstTxWarp>
+            <a:noAutofit/>
+          </a:bodyPr>
+          <a:lstStyle>
+            <a:defPPr>
+              <a:defRPr lang="en-US"/>
+            </a:defPPr>
+            <a:lvl1pPr marL="0" algn="l" defTabSz="914400" rtl="0" eaLnBrk="1" latinLnBrk="0" hangingPunct="1">
+              <a:defRPr sz="1800" kern="1200">
+                <a:solidFill>
+                  <a:schemeClr val="lt1"/>
+                </a:solidFill>
+                <a:latin typeface="+mn-lt"/>
+                <a:ea typeface="+mn-ea"/>
+                <a:cs typeface="+mn-cs"/>
+              </a:defRPr>
+            </a:lvl1pPr>
+            <a:lvl2pPr marL="457200" algn="l" defTabSz="914400" rtl="0" eaLnBrk="1" latinLnBrk="0" hangingPunct="1">
+              <a:defRPr sz="1800" kern="1200">
+                <a:solidFill>
+                  <a:schemeClr val="lt1"/>
+                </a:solidFill>
+                <a:latin typeface="+mn-lt"/>
+                <a:ea typeface="+mn-ea"/>
+                <a:cs typeface="+mn-cs"/>
+              </a:defRPr>
+            </a:lvl2pPr>
+            <a:lvl3pPr marL="914400" algn="l" defTabSz="914400" rtl="0" eaLnBrk="1" latinLnBrk="0" hangingPunct="1">
+              <a:defRPr sz="1800" kern="1200">
+                <a:solidFill>
+                  <a:schemeClr val="lt1"/>
+                </a:solidFill>
+                <a:latin typeface="+mn-lt"/>
+                <a:ea typeface="+mn-ea"/>
+                <a:cs typeface="+mn-cs"/>
+              </a:defRPr>
+            </a:lvl3pPr>
+            <a:lvl4pPr marL="1371600" algn="l" defTabSz="914400" rtl="0" eaLnBrk="1" latinLnBrk="0" hangingPunct="1">
+              <a:defRPr sz="1800" kern="1200">
+                <a:solidFill>
+                  <a:schemeClr val="lt1"/>
+                </a:solidFill>
+                <a:latin typeface="+mn-lt"/>
+                <a:ea typeface="+mn-ea"/>
+                <a:cs typeface="+mn-cs"/>
+              </a:defRPr>
+            </a:lvl4pPr>
+            <a:lvl5pPr marL="1828800" algn="l" defTabSz="914400" rtl="0" eaLnBrk="1" latinLnBrk="0" hangingPunct="1">
+              <a:defRPr sz="1800" kern="1200">
+                <a:solidFill>
+                  <a:schemeClr val="lt1"/>
+                </a:solidFill>
+                <a:latin typeface="+mn-lt"/>
+                <a:ea typeface="+mn-ea"/>
+                <a:cs typeface="+mn-cs"/>
+              </a:defRPr>
+            </a:lvl5pPr>
+            <a:lvl6pPr marL="2286000" algn="l" defTabSz="914400" rtl="0" eaLnBrk="1" latinLnBrk="0" hangingPunct="1">
+              <a:defRPr sz="1800" kern="1200">
+                <a:solidFill>
+                  <a:schemeClr val="lt1"/>
+                </a:solidFill>
+                <a:latin typeface="+mn-lt"/>
+                <a:ea typeface="+mn-ea"/>
+                <a:cs typeface="+mn-cs"/>
+              </a:defRPr>
+            </a:lvl6pPr>
+            <a:lvl7pPr marL="2743200" algn="l" defTabSz="914400" rtl="0" eaLnBrk="1" latinLnBrk="0" hangingPunct="1">
+              <a:defRPr sz="1800" kern="1200">
+                <a:solidFill>
+                  <a:schemeClr val="lt1"/>
+                </a:solidFill>
+                <a:latin typeface="+mn-lt"/>
+                <a:ea typeface="+mn-ea"/>
+                <a:cs typeface="+mn-cs"/>
+              </a:defRPr>
+            </a:lvl7pPr>
+            <a:lvl8pPr marL="3200400" algn="l" defTabSz="914400" rtl="0" eaLnBrk="1" latinLnBrk="0" hangingPunct="1">
+              <a:defRPr sz="1800" kern="1200">
+                <a:solidFill>
+                  <a:schemeClr val="lt1"/>
+                </a:solidFill>
+                <a:latin typeface="+mn-lt"/>
+                <a:ea typeface="+mn-ea"/>
+                <a:cs typeface="+mn-cs"/>
+              </a:defRPr>
+            </a:lvl8pPr>
+            <a:lvl9pPr marL="3657600" algn="l" defTabSz="914400" rtl="0" eaLnBrk="1" latinLnBrk="0" hangingPunct="1">
+              <a:defRPr sz="1800" kern="1200">
+                <a:solidFill>
+                  <a:schemeClr val="lt1"/>
+                </a:solidFill>
+                <a:latin typeface="+mn-lt"/>
+                <a:ea typeface="+mn-ea"/>
+                <a:cs typeface="+mn-cs"/>
+              </a:defRPr>
+            </a:lvl9pPr>
+          </a:lstStyle>
+          <a:p>
+            <a:pPr algn="ctr"/>
+            <a:endParaRPr lang="en-US" sz="900" dirty="0">
+              <a:solidFill>
+                <a:srgbClr val="5F5F5F"/>
+              </a:solidFill>
+              <a:latin typeface="Segoe UI" panose="020B0502040204020203" pitchFamily="34" charset="0"/>
+              <a:cs typeface="Segoe UI" panose="020B0502040204020203" pitchFamily="34" charset="0"/>
+            </a:endParaRPr>
+          </a:p>
+        </p:txBody>
+      </p:sp>
+      <p:sp>
+        <p:nvSpPr>
+          <p:cNvPr id="27" name="직사각형 26">
+            <a:extLst>
+              <a:ext uri="{FF2B5EF4-FFF2-40B4-BE49-F238E27FC236}">
+                <a16:creationId xmlns:a16="http://schemas.microsoft.com/office/drawing/2014/main" xmlns="" id="{362C8AFF-EEC4-4DDE-9053-4CD39879A0CA}"/>
+              </a:ext>
+            </a:extLst>
+          </p:cNvPr>
+          <p:cNvSpPr/>
+          <p:nvPr/>
+        </p:nvSpPr>
+        <p:spPr>
+          <a:xfrm>
+            <a:off x="332618" y="1635206"/>
+            <a:ext cx="2933354" cy="367461"/>
+          </a:xfrm>
+          <a:prstGeom prst="rect">
+            <a:avLst/>
+          </a:prstGeom>
+          <a:solidFill>
+            <a:srgbClr val="D961F1"/>
+          </a:solidFill>
+          <a:ln>
+            <a:solidFill>
+              <a:schemeClr val="bg2">
+                <a:lumMod val="50000"/>
+              </a:schemeClr>
+            </a:solidFill>
+          </a:ln>
+        </p:spPr>
+        <p:style>
+          <a:lnRef idx="2">
+            <a:schemeClr val="accent1">
+              <a:shade val="50000"/>
+            </a:schemeClr>
+          </a:lnRef>
+          <a:fillRef idx="1">
+            <a:schemeClr val="accent1"/>
+          </a:fillRef>
+          <a:effectRef idx="0">
+            <a:schemeClr val="accent1"/>
+          </a:effectRef>
+          <a:fontRef idx="minor">
+            <a:schemeClr val="lt1"/>
+          </a:fontRef>
+        </p:style>
+        <p:txBody>
+          <a:bodyPr rtlCol="0" anchor="ctr"/>
+          <a:lstStyle/>
+          <a:p>
+            <a:pPr algn="ctr"/>
+            <a:r>
+              <a:rPr lang="ko-KR" altLang="en-US" dirty="0" smtClean="0">
+                <a:solidFill>
+                  <a:schemeClr val="bg2">
+                    <a:lumMod val="50000"/>
+                  </a:schemeClr>
+                </a:solidFill>
+              </a:rPr>
+              <a:t>상품소개</a:t>
+            </a:r>
+            <a:endParaRPr lang="ko-KR" altLang="en-US" dirty="0">
+              <a:solidFill>
+                <a:schemeClr val="bg2">
+                  <a:lumMod val="50000"/>
+                </a:schemeClr>
+              </a:solidFill>
+            </a:endParaRPr>
+          </a:p>
+        </p:txBody>
+      </p:sp>
+      <p:sp>
+        <p:nvSpPr>
+          <p:cNvPr id="28" name="직사각형 27">
+            <a:extLst>
+              <a:ext uri="{FF2B5EF4-FFF2-40B4-BE49-F238E27FC236}">
+                <a16:creationId xmlns:a16="http://schemas.microsoft.com/office/drawing/2014/main" xmlns="" id="{6004046B-93A4-4812-85FE-41FFF63569E4}"/>
+              </a:ext>
+            </a:extLst>
+          </p:cNvPr>
+          <p:cNvSpPr/>
+          <p:nvPr/>
+        </p:nvSpPr>
+        <p:spPr>
+          <a:xfrm>
+            <a:off x="3265973" y="1635206"/>
+            <a:ext cx="2830028" cy="367461"/>
+          </a:xfrm>
+          <a:prstGeom prst="rect">
+            <a:avLst/>
+          </a:prstGeom>
+          <a:solidFill>
+            <a:schemeClr val="tx1"/>
+          </a:solidFill>
+          <a:ln>
+            <a:solidFill>
+              <a:schemeClr val="bg2">
+                <a:lumMod val="50000"/>
+              </a:schemeClr>
+            </a:solidFill>
+          </a:ln>
+        </p:spPr>
+        <p:style>
+          <a:lnRef idx="2">
+            <a:schemeClr val="accent1">
+              <a:shade val="50000"/>
+            </a:schemeClr>
+          </a:lnRef>
+          <a:fillRef idx="1">
+            <a:schemeClr val="accent1"/>
+          </a:fillRef>
+          <a:effectRef idx="0">
+            <a:schemeClr val="accent1"/>
+          </a:effectRef>
+          <a:fontRef idx="minor">
+            <a:schemeClr val="lt1"/>
+          </a:fontRef>
+        </p:style>
+        <p:txBody>
+          <a:bodyPr rtlCol="0" anchor="ctr"/>
+          <a:lstStyle/>
+          <a:p>
+            <a:pPr algn="ctr"/>
+            <a:r>
+              <a:rPr lang="ko-KR" altLang="en-US" dirty="0" smtClean="0">
+                <a:solidFill>
+                  <a:schemeClr val="bg2">
+                    <a:lumMod val="50000"/>
+                  </a:schemeClr>
+                </a:solidFill>
+              </a:rPr>
+              <a:t>구매 후기</a:t>
+            </a:r>
+            <a:endParaRPr lang="ko-KR" altLang="en-US" dirty="0">
+              <a:solidFill>
+                <a:schemeClr val="bg2">
+                  <a:lumMod val="50000"/>
+                </a:schemeClr>
+              </a:solidFill>
+            </a:endParaRPr>
+          </a:p>
+        </p:txBody>
+      </p:sp>
+      <p:sp>
+        <p:nvSpPr>
+          <p:cNvPr id="29" name="직사각형 28">
+            <a:extLst>
+              <a:ext uri="{FF2B5EF4-FFF2-40B4-BE49-F238E27FC236}">
+                <a16:creationId xmlns:a16="http://schemas.microsoft.com/office/drawing/2014/main" xmlns="" id="{6971685D-B58C-401F-81FD-C5597B07DA45}"/>
+              </a:ext>
+            </a:extLst>
+          </p:cNvPr>
+          <p:cNvSpPr/>
+          <p:nvPr/>
+        </p:nvSpPr>
+        <p:spPr>
+          <a:xfrm>
+            <a:off x="6096000" y="1635206"/>
+            <a:ext cx="2751391" cy="367461"/>
+          </a:xfrm>
+          <a:prstGeom prst="rect">
+            <a:avLst/>
+          </a:prstGeom>
+          <a:solidFill>
+            <a:schemeClr val="tx1"/>
+          </a:solidFill>
+          <a:ln>
+            <a:solidFill>
+              <a:schemeClr val="bg2">
+                <a:lumMod val="50000"/>
+              </a:schemeClr>
+            </a:solidFill>
+          </a:ln>
+        </p:spPr>
+        <p:style>
+          <a:lnRef idx="2">
+            <a:schemeClr val="accent1">
+              <a:shade val="50000"/>
+            </a:schemeClr>
+          </a:lnRef>
+          <a:fillRef idx="1">
+            <a:schemeClr val="accent1"/>
+          </a:fillRef>
+          <a:effectRef idx="0">
+            <a:schemeClr val="accent1"/>
+          </a:effectRef>
+          <a:fontRef idx="minor">
+            <a:schemeClr val="lt1"/>
+          </a:fontRef>
+        </p:style>
+        <p:txBody>
+          <a:bodyPr rtlCol="0" anchor="ctr"/>
+          <a:lstStyle/>
+          <a:p>
+            <a:pPr algn="ctr"/>
+            <a:r>
+              <a:rPr lang="ko-KR" altLang="en-US" dirty="0">
+                <a:solidFill>
+                  <a:schemeClr val="bg2">
+                    <a:lumMod val="50000"/>
+                  </a:schemeClr>
+                </a:solidFill>
+              </a:rPr>
+              <a:t>배송</a:t>
+            </a:r>
+            <a:r>
+              <a:rPr lang="en-US" altLang="ko-KR" dirty="0">
+                <a:solidFill>
+                  <a:schemeClr val="bg2">
+                    <a:lumMod val="50000"/>
+                  </a:schemeClr>
+                </a:solidFill>
+              </a:rPr>
+              <a:t>/</a:t>
+            </a:r>
+            <a:r>
+              <a:rPr lang="ko-KR" altLang="en-US" dirty="0">
+                <a:solidFill>
+                  <a:schemeClr val="bg2">
+                    <a:lumMod val="50000"/>
+                  </a:schemeClr>
+                </a:solidFill>
+              </a:rPr>
+              <a:t>교환</a:t>
+            </a:r>
+            <a:r>
+              <a:rPr lang="en-US" altLang="ko-KR" dirty="0">
+                <a:solidFill>
+                  <a:schemeClr val="bg2">
+                    <a:lumMod val="50000"/>
+                  </a:schemeClr>
+                </a:solidFill>
+              </a:rPr>
+              <a:t>/</a:t>
+            </a:r>
+            <a:r>
+              <a:rPr lang="ko-KR" altLang="en-US" dirty="0">
+                <a:solidFill>
+                  <a:schemeClr val="bg2">
+                    <a:lumMod val="50000"/>
+                  </a:schemeClr>
+                </a:solidFill>
+              </a:rPr>
+              <a:t>환불 </a:t>
+            </a:r>
+          </a:p>
+        </p:txBody>
+      </p:sp>
+      <p:sp>
+        <p:nvSpPr>
+          <p:cNvPr id="21" name="Window Body" descr="&lt;SmartSettings&gt;&lt;SmartResize anchorLeft=&quot;Absolute&quot; anchorTop=&quot;Absolute&quot; anchorRight=&quot;Absolute&quot; anchorBottom=&quot;Absolute&quot; /&gt;&lt;/SmartSettings&gt;">
+            <a:extLst>
+              <a:ext uri="{FF2B5EF4-FFF2-40B4-BE49-F238E27FC236}">
+                <a16:creationId xmlns:a16="http://schemas.microsoft.com/office/drawing/2014/main" xmlns="" id="{E38A150B-1AD9-431B-9D06-C17150181DD0}"/>
+              </a:ext>
+            </a:extLst>
+          </p:cNvPr>
+          <p:cNvSpPr>
+            <a:spLocks/>
+          </p:cNvSpPr>
+          <p:nvPr>
+            <p:custDataLst>
+              <p:tags r:id="rId3"/>
+            </p:custDataLst>
+          </p:nvPr>
+        </p:nvSpPr>
+        <p:spPr>
+          <a:xfrm>
+            <a:off x="9353726" y="1510018"/>
+            <a:ext cx="2709644" cy="5058561"/>
+          </a:xfrm>
+          <a:prstGeom prst="rect">
+            <a:avLst/>
+          </a:prstGeom>
+          <a:ln>
+            <a:solidFill>
+              <a:schemeClr val="bg2">
+                <a:lumMod val="50000"/>
+              </a:schemeClr>
+            </a:solidFill>
+          </a:ln>
+        </p:spPr>
+        <p:style>
+          <a:lnRef idx="2">
+            <a:schemeClr val="dk1"/>
+          </a:lnRef>
+          <a:fillRef idx="1">
+            <a:schemeClr val="lt1"/>
+          </a:fillRef>
+          <a:effectRef idx="0">
+            <a:schemeClr val="dk1"/>
+          </a:effectRef>
+          <a:fontRef idx="minor">
+            <a:schemeClr val="dk1"/>
+          </a:fontRef>
+        </p:style>
+        <p:txBody>
+          <a:bodyPr rot="0" spcFirstLastPara="0" vert="horz" wrap="square" lIns="91440" tIns="45720" rIns="91440" bIns="45720" numCol="1" spcCol="0" rtlCol="0" fromWordArt="0" anchor="ctr" anchorCtr="0" forceAA="0" compatLnSpc="1">
+            <a:prstTxWarp prst="textNoShape">
+              <a:avLst/>
+            </a:prstTxWarp>
+            <a:noAutofit/>
+          </a:bodyPr>
+          <a:lstStyle>
+            <a:defPPr>
+              <a:defRPr lang="en-US"/>
+            </a:defPPr>
+            <a:lvl1pPr marL="0" algn="l" defTabSz="914400" rtl="0" eaLnBrk="1" latinLnBrk="0" hangingPunct="1">
+              <a:defRPr sz="1800" kern="1200">
+                <a:solidFill>
+                  <a:schemeClr val="lt1"/>
+                </a:solidFill>
+                <a:latin typeface="+mn-lt"/>
+                <a:ea typeface="+mn-ea"/>
+                <a:cs typeface="+mn-cs"/>
+              </a:defRPr>
+            </a:lvl1pPr>
+            <a:lvl2pPr marL="457200" algn="l" defTabSz="914400" rtl="0" eaLnBrk="1" latinLnBrk="0" hangingPunct="1">
+              <a:defRPr sz="1800" kern="1200">
+                <a:solidFill>
+                  <a:schemeClr val="lt1"/>
+                </a:solidFill>
+                <a:latin typeface="+mn-lt"/>
+                <a:ea typeface="+mn-ea"/>
+                <a:cs typeface="+mn-cs"/>
+              </a:defRPr>
+            </a:lvl2pPr>
+            <a:lvl3pPr marL="914400" algn="l" defTabSz="914400" rtl="0" eaLnBrk="1" latinLnBrk="0" hangingPunct="1">
+              <a:defRPr sz="1800" kern="1200">
+                <a:solidFill>
+                  <a:schemeClr val="lt1"/>
+                </a:solidFill>
+                <a:latin typeface="+mn-lt"/>
+                <a:ea typeface="+mn-ea"/>
+                <a:cs typeface="+mn-cs"/>
+              </a:defRPr>
+            </a:lvl3pPr>
+            <a:lvl4pPr marL="1371600" algn="l" defTabSz="914400" rtl="0" eaLnBrk="1" latinLnBrk="0" hangingPunct="1">
+              <a:defRPr sz="1800" kern="1200">
+                <a:solidFill>
+                  <a:schemeClr val="lt1"/>
+                </a:solidFill>
+                <a:latin typeface="+mn-lt"/>
+                <a:ea typeface="+mn-ea"/>
+                <a:cs typeface="+mn-cs"/>
+              </a:defRPr>
+            </a:lvl4pPr>
+            <a:lvl5pPr marL="1828800" algn="l" defTabSz="914400" rtl="0" eaLnBrk="1" latinLnBrk="0" hangingPunct="1">
+              <a:defRPr sz="1800" kern="1200">
+                <a:solidFill>
+                  <a:schemeClr val="lt1"/>
+                </a:solidFill>
+                <a:latin typeface="+mn-lt"/>
+                <a:ea typeface="+mn-ea"/>
+                <a:cs typeface="+mn-cs"/>
+              </a:defRPr>
+            </a:lvl5pPr>
+            <a:lvl6pPr marL="2286000" algn="l" defTabSz="914400" rtl="0" eaLnBrk="1" latinLnBrk="0" hangingPunct="1">
+              <a:defRPr sz="1800" kern="1200">
+                <a:solidFill>
+                  <a:schemeClr val="lt1"/>
+                </a:solidFill>
+                <a:latin typeface="+mn-lt"/>
+                <a:ea typeface="+mn-ea"/>
+                <a:cs typeface="+mn-cs"/>
+              </a:defRPr>
+            </a:lvl6pPr>
+            <a:lvl7pPr marL="2743200" algn="l" defTabSz="914400" rtl="0" eaLnBrk="1" latinLnBrk="0" hangingPunct="1">
+              <a:defRPr sz="1800" kern="1200">
+                <a:solidFill>
+                  <a:schemeClr val="lt1"/>
+                </a:solidFill>
+                <a:latin typeface="+mn-lt"/>
+                <a:ea typeface="+mn-ea"/>
+                <a:cs typeface="+mn-cs"/>
+              </a:defRPr>
+            </a:lvl7pPr>
+            <a:lvl8pPr marL="3200400" algn="l" defTabSz="914400" rtl="0" eaLnBrk="1" latinLnBrk="0" hangingPunct="1">
+              <a:defRPr sz="1800" kern="1200">
+                <a:solidFill>
+                  <a:schemeClr val="lt1"/>
+                </a:solidFill>
+                <a:latin typeface="+mn-lt"/>
+                <a:ea typeface="+mn-ea"/>
+                <a:cs typeface="+mn-cs"/>
+              </a:defRPr>
+            </a:lvl8pPr>
+            <a:lvl9pPr marL="3657600" algn="l" defTabSz="914400" rtl="0" eaLnBrk="1" latinLnBrk="0" hangingPunct="1">
+              <a:defRPr sz="1800" kern="1200">
+                <a:solidFill>
+                  <a:schemeClr val="lt1"/>
+                </a:solidFill>
+                <a:latin typeface="+mn-lt"/>
+                <a:ea typeface="+mn-ea"/>
+                <a:cs typeface="+mn-cs"/>
+              </a:defRPr>
+            </a:lvl9pPr>
+          </a:lstStyle>
+          <a:p>
+            <a:pPr algn="ctr"/>
+            <a:endParaRPr lang="en-US" sz="900" dirty="0">
+              <a:solidFill>
+                <a:srgbClr val="5F5F5F"/>
+              </a:solidFill>
+              <a:latin typeface="Segoe UI" panose="020B0502040204020203" pitchFamily="34" charset="0"/>
+              <a:cs typeface="Segoe UI" panose="020B0502040204020203" pitchFamily="34" charset="0"/>
+            </a:endParaRPr>
+          </a:p>
+        </p:txBody>
+      </p:sp>
+      <p:pic>
+        <p:nvPicPr>
+          <p:cNvPr id="24" name="그림 23" descr="시계이(가) 표시된 사진&#10;&#10;자동 생성된 설명">
+            <a:extLst>
+              <a:ext uri="{FF2B5EF4-FFF2-40B4-BE49-F238E27FC236}">
+                <a16:creationId xmlns:a16="http://schemas.microsoft.com/office/drawing/2014/main" xmlns="" id="{92513313-A1ED-4A08-9676-9885D86B2222}"/>
+              </a:ext>
+            </a:extLst>
+          </p:cNvPr>
+          <p:cNvPicPr>
+            <a:picLocks noChangeAspect="1"/>
+          </p:cNvPicPr>
+          <p:nvPr/>
+        </p:nvPicPr>
+        <p:blipFill>
+          <a:blip r:embed="rId6" cstate="print">
+            <a:extLst>
+              <a:ext uri="{28A0092B-C50C-407E-A947-70E740481C1C}">
+                <a14:useLocalDpi xmlns:a14="http://schemas.microsoft.com/office/drawing/2010/main" val="0"/>
+              </a:ext>
+            </a:extLst>
+          </a:blip>
+          <a:stretch>
+            <a:fillRect/>
+          </a:stretch>
+        </p:blipFill>
+        <p:spPr>
+          <a:xfrm>
+            <a:off x="9431909" y="1571696"/>
+            <a:ext cx="300023" cy="300023"/>
+          </a:xfrm>
+          <a:prstGeom prst="rect">
+            <a:avLst/>
+          </a:prstGeom>
+        </p:spPr>
+      </p:pic>
+      <p:sp>
+        <p:nvSpPr>
+          <p:cNvPr id="42" name="TextBox 41"/>
+          <p:cNvSpPr txBox="1"/>
+          <p:nvPr/>
+        </p:nvSpPr>
+        <p:spPr>
+          <a:xfrm>
+            <a:off x="9406107" y="6288425"/>
+            <a:ext cx="2947336" cy="230832"/>
+          </a:xfrm>
+          <a:prstGeom prst="rect">
+            <a:avLst/>
+          </a:prstGeom>
+          <a:noFill/>
+        </p:spPr>
+        <p:txBody>
+          <a:bodyPr wrap="square" rtlCol="0">
+            <a:spAutoFit/>
+          </a:bodyPr>
+          <a:lstStyle/>
+          <a:p>
+            <a:r>
+              <a:rPr lang="en-US" altLang="ko-KR" sz="900" dirty="0" smtClean="0">
+                <a:solidFill>
+                  <a:schemeClr val="tx2">
+                    <a:lumMod val="10000"/>
+                  </a:schemeClr>
+                </a:solidFill>
+              </a:rPr>
+              <a:t>DIY</a:t>
+            </a:r>
+            <a:r>
+              <a:rPr lang="ko-KR" altLang="en-US" sz="900" dirty="0" smtClean="0">
+                <a:solidFill>
+                  <a:schemeClr val="tx2">
+                    <a:lumMod val="10000"/>
+                  </a:schemeClr>
+                </a:solidFill>
+              </a:rPr>
+              <a:t>클래스</a:t>
+            </a:r>
+            <a:r>
+              <a:rPr lang="en-US" altLang="ko-KR" sz="900" dirty="0">
+                <a:solidFill>
+                  <a:schemeClr val="tx2">
+                    <a:lumMod val="10000"/>
+                  </a:schemeClr>
+                </a:solidFill>
+              </a:rPr>
+              <a:t> </a:t>
+            </a:r>
+            <a:r>
+              <a:rPr lang="en-US" altLang="ko-KR" sz="900" dirty="0" smtClean="0">
+                <a:solidFill>
+                  <a:schemeClr val="tx2">
+                    <a:lumMod val="10000"/>
+                  </a:schemeClr>
+                </a:solidFill>
+              </a:rPr>
+              <a:t> </a:t>
+            </a:r>
+            <a:r>
+              <a:rPr lang="ko-KR" altLang="en-US" sz="900" dirty="0" smtClean="0">
+                <a:solidFill>
+                  <a:schemeClr val="tx2">
+                    <a:lumMod val="10000"/>
+                  </a:schemeClr>
+                </a:solidFill>
+              </a:rPr>
+              <a:t>   </a:t>
+            </a:r>
+            <a:r>
+              <a:rPr lang="en-US" altLang="ko-KR" sz="900" dirty="0" smtClean="0">
+                <a:solidFill>
+                  <a:schemeClr val="tx2">
+                    <a:lumMod val="10000"/>
+                  </a:schemeClr>
+                </a:solidFill>
+              </a:rPr>
+              <a:t>DIY</a:t>
+            </a:r>
+            <a:r>
+              <a:rPr lang="ko-KR" altLang="en-US" sz="900" dirty="0" smtClean="0">
+                <a:solidFill>
+                  <a:schemeClr val="tx2">
+                    <a:lumMod val="10000"/>
+                  </a:schemeClr>
+                </a:solidFill>
+              </a:rPr>
+              <a:t>스토어</a:t>
+            </a:r>
+            <a:r>
+              <a:rPr lang="en-US" altLang="ko-KR" sz="900" dirty="0">
+                <a:solidFill>
+                  <a:schemeClr val="tx2">
+                    <a:lumMod val="10000"/>
+                  </a:schemeClr>
+                </a:solidFill>
+              </a:rPr>
+              <a:t> </a:t>
+            </a:r>
+            <a:r>
+              <a:rPr lang="ko-KR" altLang="en-US" sz="900" dirty="0" smtClean="0">
+                <a:solidFill>
+                  <a:schemeClr val="tx2">
+                    <a:lumMod val="10000"/>
+                  </a:schemeClr>
+                </a:solidFill>
+              </a:rPr>
+              <a:t>    고객센터    </a:t>
+            </a:r>
+            <a:r>
+              <a:rPr lang="ko-KR" altLang="en-US" sz="900" dirty="0" err="1" smtClean="0">
+                <a:solidFill>
+                  <a:schemeClr val="tx2">
+                    <a:lumMod val="10000"/>
+                  </a:schemeClr>
+                </a:solidFill>
+              </a:rPr>
+              <a:t>마이페이지</a:t>
+            </a:r>
+            <a:endParaRPr lang="ko-KR" altLang="en-US" sz="900" dirty="0">
+              <a:solidFill>
+                <a:schemeClr val="tx2">
+                  <a:lumMod val="10000"/>
+                </a:schemeClr>
+              </a:solidFill>
+            </a:endParaRPr>
+          </a:p>
+        </p:txBody>
+      </p:sp>
+      <p:cxnSp>
+        <p:nvCxnSpPr>
+          <p:cNvPr id="43" name="직선 연결선 42"/>
+          <p:cNvCxnSpPr/>
           <p:nvPr/>
         </p:nvCxnSpPr>
         <p:spPr>
-          <a:xfrm flipV="1">
-            <a:off x="3348000" y="4171333"/>
-            <a:ext cx="7550155" cy="1"/>
+          <a:xfrm>
+            <a:off x="9353726" y="6254769"/>
+            <a:ext cx="2691579" cy="0"/>
           </a:xfrm>
           <a:prstGeom prst="line">
             <a:avLst/>
           </a:prstGeom>
-          <a:ln w="25400">
+          <a:ln>
             <a:solidFill>
-              <a:schemeClr val="tx1"/>
+              <a:schemeClr val="tx2">
+                <a:lumMod val="10000"/>
+              </a:schemeClr>
             </a:solidFill>
           </a:ln>
         </p:spPr>
@@ -15142,12 +17356,219 @@
           </a:fontRef>
         </p:style>
       </p:cxnSp>
-      <p:sp>
-        <p:nvSpPr>
-          <p:cNvPr id="2" name="TextBox 1">
+      <p:cxnSp>
+        <p:nvCxnSpPr>
+          <p:cNvPr id="49" name="직선 연결선 48"/>
+          <p:cNvCxnSpPr/>
+          <p:nvPr/>
+        </p:nvCxnSpPr>
+        <p:spPr>
+          <a:xfrm>
+            <a:off x="9353726" y="6254769"/>
+            <a:ext cx="2691579" cy="0"/>
+          </a:xfrm>
+          <a:prstGeom prst="line">
+            <a:avLst/>
+          </a:prstGeom>
+          <a:ln>
+            <a:solidFill>
+              <a:schemeClr val="tx2">
+                <a:lumMod val="10000"/>
+              </a:schemeClr>
+            </a:solidFill>
+          </a:ln>
+        </p:spPr>
+        <p:style>
+          <a:lnRef idx="1">
+            <a:schemeClr val="accent1"/>
+          </a:lnRef>
+          <a:fillRef idx="0">
+            <a:schemeClr val="accent1"/>
+          </a:fillRef>
+          <a:effectRef idx="0">
+            <a:schemeClr val="accent1"/>
+          </a:effectRef>
+          <a:fontRef idx="minor">
+            <a:schemeClr val="tx1"/>
+          </a:fontRef>
+        </p:style>
+      </p:cxnSp>
+      <p:sp>
+        <p:nvSpPr>
+          <p:cNvPr id="57" name="TextBox 56"/>
+          <p:cNvSpPr txBox="1"/>
+          <p:nvPr/>
+        </p:nvSpPr>
+        <p:spPr>
+          <a:xfrm>
+            <a:off x="9688579" y="1606261"/>
+            <a:ext cx="986328" cy="246221"/>
+          </a:xfrm>
+          <a:prstGeom prst="rect">
+            <a:avLst/>
+          </a:prstGeom>
+          <a:noFill/>
+        </p:spPr>
+        <p:txBody>
+          <a:bodyPr wrap="square" rtlCol="0">
+            <a:spAutoFit/>
+          </a:bodyPr>
+          <a:lstStyle/>
+          <a:p>
+            <a:r>
+              <a:rPr lang="en-US" altLang="ko-KR" sz="1000" dirty="0" smtClean="0">
+                <a:solidFill>
+                  <a:schemeClr val="tx2">
+                    <a:lumMod val="10000"/>
+                  </a:schemeClr>
+                </a:solidFill>
+              </a:rPr>
+              <a:t>Do it! Yourself!!</a:t>
+            </a:r>
+            <a:endParaRPr lang="ko-KR" altLang="en-US" sz="1000" dirty="0">
+              <a:solidFill>
+                <a:schemeClr val="tx2">
+                  <a:lumMod val="10000"/>
+                </a:schemeClr>
+              </a:solidFill>
+            </a:endParaRPr>
+          </a:p>
+        </p:txBody>
+      </p:sp>
+      <p:sp>
+        <p:nvSpPr>
+          <p:cNvPr id="58" name="TextBox 57"/>
+          <p:cNvSpPr txBox="1"/>
+          <p:nvPr/>
+        </p:nvSpPr>
+        <p:spPr>
+          <a:xfrm>
+            <a:off x="10674908" y="1626000"/>
+            <a:ext cx="1461016" cy="215444"/>
+          </a:xfrm>
+          <a:prstGeom prst="rect">
+            <a:avLst/>
+          </a:prstGeom>
+          <a:noFill/>
+        </p:spPr>
+        <p:txBody>
+          <a:bodyPr wrap="square" rtlCol="0">
+            <a:spAutoFit/>
+          </a:bodyPr>
+          <a:lstStyle/>
+          <a:p>
+            <a:r>
+              <a:rPr lang="ko-KR" altLang="en-US" sz="800" smtClean="0">
+                <a:solidFill>
+                  <a:schemeClr val="tx2">
+                    <a:lumMod val="10000"/>
+                  </a:schemeClr>
+                </a:solidFill>
+              </a:rPr>
+              <a:t>취미바구니   </a:t>
+            </a:r>
+            <a:r>
+              <a:rPr lang="ko-KR" altLang="en-US" sz="800" dirty="0" err="1" smtClean="0">
+                <a:solidFill>
+                  <a:schemeClr val="tx2">
+                    <a:lumMod val="10000"/>
+                  </a:schemeClr>
+                </a:solidFill>
+              </a:rPr>
+              <a:t>내클래스</a:t>
+            </a:r>
+            <a:r>
+              <a:rPr lang="ko-KR" altLang="en-US" sz="800" dirty="0" smtClean="0">
+                <a:solidFill>
+                  <a:schemeClr val="tx2">
+                    <a:lumMod val="10000"/>
+                  </a:schemeClr>
+                </a:solidFill>
+              </a:rPr>
+              <a:t>   검색</a:t>
+            </a:r>
+            <a:endParaRPr lang="ko-KR" altLang="en-US" sz="800" dirty="0">
+              <a:solidFill>
+                <a:schemeClr val="tx2">
+                  <a:lumMod val="10000"/>
+                </a:schemeClr>
+              </a:solidFill>
+            </a:endParaRPr>
+          </a:p>
+        </p:txBody>
+      </p:sp>
+      <p:sp>
+        <p:nvSpPr>
+          <p:cNvPr id="30" name="모서리가 둥근 직사각형 29"/>
+          <p:cNvSpPr/>
+          <p:nvPr/>
+        </p:nvSpPr>
+        <p:spPr>
+          <a:xfrm>
+            <a:off x="1540476" y="3105665"/>
+            <a:ext cx="6203092" cy="2433068"/>
+          </a:xfrm>
+          <a:prstGeom prst="roundRect">
+            <a:avLst/>
+          </a:prstGeom>
+          <a:solidFill>
+            <a:schemeClr val="tx1"/>
+          </a:solidFill>
+          <a:ln>
+            <a:solidFill>
+              <a:schemeClr val="tx2">
+                <a:lumMod val="10000"/>
+              </a:schemeClr>
+            </a:solidFill>
+          </a:ln>
+        </p:spPr>
+        <p:style>
+          <a:lnRef idx="2">
+            <a:schemeClr val="accent1">
+              <a:shade val="50000"/>
+            </a:schemeClr>
+          </a:lnRef>
+          <a:fillRef idx="1">
+            <a:schemeClr val="accent1"/>
+          </a:fillRef>
+          <a:effectRef idx="0">
+            <a:schemeClr val="accent1"/>
+          </a:effectRef>
+          <a:fontRef idx="minor">
+            <a:schemeClr val="lt1"/>
+          </a:fontRef>
+        </p:style>
+        <p:txBody>
+          <a:bodyPr rtlCol="0" anchor="ctr"/>
+          <a:lstStyle/>
+          <a:p>
+            <a:pPr algn="ctr"/>
+            <a:r>
+              <a:rPr lang="ko-KR" altLang="en-US" dirty="0" smtClean="0">
+                <a:solidFill>
+                  <a:schemeClr val="tx2">
+                    <a:lumMod val="10000"/>
+                  </a:schemeClr>
+                </a:solidFill>
+              </a:rPr>
+              <a:t>상품소개 내용</a:t>
+            </a:r>
+            <a:endParaRPr lang="ko-KR" altLang="en-US" dirty="0">
+              <a:solidFill>
+                <a:schemeClr val="tx2">
+                  <a:lumMod val="10000"/>
+                </a:schemeClr>
+              </a:solidFill>
+            </a:endParaRPr>
+          </a:p>
+        </p:txBody>
+      </p:sp>
+      <p:sp>
+        <p:nvSpPr>
+          <p:cNvPr id="31" name="TextBox 30">
             <a:extLst>
               <a:ext uri="{FF2B5EF4-FFF2-40B4-BE49-F238E27FC236}">
-                <a16:creationId xmlns="" xmlns:a16="http://schemas.microsoft.com/office/drawing/2014/main" id="{A48A12EB-9897-4861-8BB1-4ECA55E092FF}"/>
+                <a16:creationId xmlns:a16="http://schemas.microsoft.com/office/drawing/2014/main" xmlns="" id="{D2726034-308D-4366-944B-FFF27DEC5755}"/>
               </a:ext>
             </a:extLst>
           </p:cNvPr>
@@ -15156,8 +17577,8 @@
         </p:nvSpPr>
         <p:spPr>
           <a:xfrm>
-            <a:off x="4098192" y="2737703"/>
-            <a:ext cx="7432646" cy="1569660"/>
+            <a:off x="9359037" y="2011799"/>
+            <a:ext cx="1520738" cy="369332"/>
           </a:xfrm>
           <a:prstGeom prst="rect">
             <a:avLst/>
@@ -15171,76 +17592,86 @@
           <a:lstStyle/>
           <a:p>
             <a:r>
-              <a:rPr lang="en-US" altLang="ko-KR" sz="9600" dirty="0">
-                <a:solidFill>
-                  <a:srgbClr val="0070C0"/>
-                </a:solidFill>
-              </a:rPr>
-              <a:t>T</a:t>
-            </a:r>
-            <a:r>
-              <a:rPr lang="en-US" altLang="ko-KR" sz="9600" dirty="0">
-                <a:solidFill>
-                  <a:srgbClr val="C00000"/>
-                </a:solidFill>
-              </a:rPr>
-              <a:t>h</a:t>
-            </a:r>
-            <a:r>
-              <a:rPr lang="en-US" altLang="ko-KR" sz="9600" dirty="0">
-                <a:solidFill>
-                  <a:srgbClr val="FFFF00"/>
-                </a:solidFill>
-              </a:rPr>
-              <a:t>a</a:t>
-            </a:r>
-            <a:r>
-              <a:rPr lang="en-US" altLang="ko-KR" sz="9600" dirty="0">
-                <a:solidFill>
-                  <a:srgbClr val="0070C0"/>
-                </a:solidFill>
-              </a:rPr>
-              <a:t>n</a:t>
-            </a:r>
-            <a:r>
-              <a:rPr lang="en-US" altLang="ko-KR" sz="9600" dirty="0">
-                <a:solidFill>
-                  <a:srgbClr val="92D050"/>
-                </a:solidFill>
-              </a:rPr>
-              <a:t>k</a:t>
-            </a:r>
-            <a:r>
-              <a:rPr lang="en-US" altLang="ko-KR" sz="9600" dirty="0"/>
-              <a:t> </a:t>
-            </a:r>
-            <a:r>
-              <a:rPr lang="en-US" altLang="ko-KR" sz="9600" dirty="0">
-                <a:solidFill>
-                  <a:srgbClr val="00B0F0"/>
-                </a:solidFill>
-              </a:rPr>
-              <a:t>y</a:t>
-            </a:r>
-            <a:r>
-              <a:rPr lang="en-US" altLang="ko-KR" sz="9600" dirty="0">
-                <a:solidFill>
-                  <a:srgbClr val="00B050"/>
-                </a:solidFill>
-              </a:rPr>
-              <a:t>o</a:t>
-            </a:r>
-            <a:r>
-              <a:rPr lang="en-US" altLang="ko-KR" sz="9600" dirty="0">
-                <a:solidFill>
-                  <a:srgbClr val="FFFF00"/>
-                </a:solidFill>
-              </a:rPr>
-              <a:t>u</a:t>
-            </a:r>
-            <a:endParaRPr lang="ko-KR" altLang="en-US" sz="9600" dirty="0">
+              <a:rPr lang="ko-KR" altLang="en-US" dirty="0" smtClean="0">
+                <a:solidFill>
+                  <a:schemeClr val="tx2">
+                    <a:lumMod val="10000"/>
+                  </a:schemeClr>
+                </a:solidFill>
+              </a:rPr>
+              <a:t>상품소개</a:t>
+            </a:r>
+            <a:endParaRPr lang="ko-KR" altLang="en-US" dirty="0">
               <a:solidFill>
-                <a:srgbClr val="FFFF00"/>
+                <a:schemeClr val="tx2">
+                  <a:lumMod val="10000"/>
+                </a:schemeClr>
+              </a:solidFill>
+            </a:endParaRPr>
+          </a:p>
+        </p:txBody>
+      </p:sp>
+      <p:sp>
+        <p:nvSpPr>
+          <p:cNvPr id="32" name="모서리가 둥근 직사각형 31"/>
+          <p:cNvSpPr/>
+          <p:nvPr/>
+        </p:nvSpPr>
+        <p:spPr>
+          <a:xfrm>
+            <a:off x="9431909" y="2414786"/>
+            <a:ext cx="2534422" cy="3776080"/>
+          </a:xfrm>
+          <a:prstGeom prst="roundRect">
+            <a:avLst/>
+          </a:prstGeom>
+          <a:solidFill>
+            <a:schemeClr val="tx1"/>
+          </a:solidFill>
+          <a:ln>
+            <a:solidFill>
+              <a:schemeClr val="tx2">
+                <a:lumMod val="10000"/>
+              </a:schemeClr>
+            </a:solidFill>
+          </a:ln>
+        </p:spPr>
+        <p:style>
+          <a:lnRef idx="2">
+            <a:schemeClr val="accent1">
+              <a:shade val="50000"/>
+            </a:schemeClr>
+          </a:lnRef>
+          <a:fillRef idx="1">
+            <a:schemeClr val="accent1"/>
+          </a:fillRef>
+          <a:effectRef idx="0">
+            <a:schemeClr val="accent1"/>
+          </a:effectRef>
+          <a:fontRef idx="minor">
+            <a:schemeClr val="lt1"/>
+          </a:fontRef>
+        </p:style>
+        <p:txBody>
+          <a:bodyPr rtlCol="0" anchor="ctr"/>
+          <a:lstStyle/>
+          <a:p>
+            <a:pPr algn="ctr"/>
+            <a:r>
+              <a:rPr lang="ko-KR" altLang="en-US" dirty="0" smtClean="0">
+                <a:solidFill>
+                  <a:schemeClr val="tx2">
+                    <a:lumMod val="10000"/>
+                  </a:schemeClr>
+                </a:solidFill>
+              </a:rPr>
+              <a:t>상품소개 내용</a:t>
+            </a:r>
+            <a:endParaRPr lang="ko-KR" altLang="en-US" dirty="0">
+              <a:solidFill>
+                <a:schemeClr val="tx2">
+                  <a:lumMod val="10000"/>
+                </a:schemeClr>
               </a:solidFill>
             </a:endParaRPr>
           </a:p>
@@ -15249,7 +17680,2001 @@
     </p:spTree>
     <p:extLst>
       <p:ext uri="{BB962C8B-B14F-4D97-AF65-F5344CB8AC3E}">
-        <p14:creationId xmlns:p14="http://schemas.microsoft.com/office/powerpoint/2010/main" val="4199511926"/>
+        <p14:creationId xmlns:p14="http://schemas.microsoft.com/office/powerpoint/2010/main" val="2992466314"/>
+      </p:ext>
+    </p:extLst>
+  </p:cSld>
+  <p:clrMapOvr>
+    <a:masterClrMapping/>
+  </p:clrMapOvr>
+</p:sld>
+</file>
+
+<file path=ppt/slides/slide19.xml><?xml version="1.0" encoding="utf-8"?>
+<p:sld xmlns:a="http://schemas.openxmlformats.org/drawingml/2006/main" xmlns:r="http://schemas.openxmlformats.org/officeDocument/2006/relationships" xmlns:p="http://schemas.openxmlformats.org/presentationml/2006/main">
+  <p:cSld>
+    <p:spTree>
+      <p:nvGrpSpPr>
+        <p:cNvPr id="1" name=""/>
+        <p:cNvGrpSpPr/>
+        <p:nvPr/>
+      </p:nvGrpSpPr>
+      <p:grpSpPr>
+        <a:xfrm>
+          <a:off x="0" y="0"/>
+          <a:ext cx="0" cy="0"/>
+          <a:chOff x="0" y="0"/>
+          <a:chExt cx="0" cy="0"/>
+        </a:xfrm>
+      </p:grpSpPr>
+      <p:sp>
+        <p:nvSpPr>
+          <p:cNvPr id="2" name="직사각형 1">
+            <a:extLst>
+              <a:ext uri="{FF2B5EF4-FFF2-40B4-BE49-F238E27FC236}">
+                <a16:creationId xmlns:a16="http://schemas.microsoft.com/office/drawing/2014/main" xmlns="" id="{7EBAE3E4-4335-499B-BDF0-8B5BC8F6285D}"/>
+              </a:ext>
+            </a:extLst>
+          </p:cNvPr>
+          <p:cNvSpPr/>
+          <p:nvPr/>
+        </p:nvSpPr>
+        <p:spPr>
+          <a:xfrm>
+            <a:off x="0" y="241183"/>
+            <a:ext cx="12192000" cy="6375633"/>
+          </a:xfrm>
+          <a:prstGeom prst="rect">
+            <a:avLst/>
+          </a:prstGeom>
+          <a:solidFill>
+            <a:schemeClr val="tx1"/>
+          </a:solidFill>
+          <a:ln>
+            <a:solidFill>
+              <a:schemeClr val="tx1"/>
+            </a:solidFill>
+          </a:ln>
+        </p:spPr>
+        <p:style>
+          <a:lnRef idx="2">
+            <a:schemeClr val="accent1">
+              <a:shade val="50000"/>
+            </a:schemeClr>
+          </a:lnRef>
+          <a:fillRef idx="1">
+            <a:schemeClr val="accent1"/>
+          </a:fillRef>
+          <a:effectRef idx="0">
+            <a:schemeClr val="accent1"/>
+          </a:effectRef>
+          <a:fontRef idx="minor">
+            <a:schemeClr val="lt1"/>
+          </a:fontRef>
+        </p:style>
+        <p:txBody>
+          <a:bodyPr rtlCol="0" anchor="ctr"/>
+          <a:lstStyle/>
+          <a:p>
+            <a:pPr algn="ctr"/>
+            <a:endParaRPr lang="ko-KR" altLang="en-US" dirty="0"/>
+          </a:p>
+        </p:txBody>
+      </p:sp>
+      <p:pic>
+        <p:nvPicPr>
+          <p:cNvPr id="3" name="그림 2" descr="시계이(가) 표시된 사진&#10;&#10;자동 생성된 설명">
+            <a:extLst>
+              <a:ext uri="{FF2B5EF4-FFF2-40B4-BE49-F238E27FC236}">
+                <a16:creationId xmlns:a16="http://schemas.microsoft.com/office/drawing/2014/main" xmlns="" id="{92513313-A1ED-4A08-9676-9885D86B2222}"/>
+              </a:ext>
+            </a:extLst>
+          </p:cNvPr>
+          <p:cNvPicPr>
+            <a:picLocks noChangeAspect="1"/>
+          </p:cNvPicPr>
+          <p:nvPr/>
+        </p:nvPicPr>
+        <p:blipFill>
+          <a:blip r:embed="rId5" cstate="print">
+            <a:extLst>
+              <a:ext uri="{28A0092B-C50C-407E-A947-70E740481C1C}">
+                <a14:useLocalDpi xmlns:a14="http://schemas.microsoft.com/office/drawing/2010/main" val="0"/>
+              </a:ext>
+            </a:extLst>
+          </a:blip>
+          <a:stretch>
+            <a:fillRect/>
+          </a:stretch>
+        </p:blipFill>
+        <p:spPr>
+          <a:xfrm>
+            <a:off x="61234" y="289421"/>
+            <a:ext cx="542773" cy="542773"/>
+          </a:xfrm>
+          <a:prstGeom prst="rect">
+            <a:avLst/>
+          </a:prstGeom>
+        </p:spPr>
+      </p:pic>
+      <p:sp>
+        <p:nvSpPr>
+          <p:cNvPr id="4" name="TextBox 3">
+            <a:extLst>
+              <a:ext uri="{FF2B5EF4-FFF2-40B4-BE49-F238E27FC236}">
+                <a16:creationId xmlns:a16="http://schemas.microsoft.com/office/drawing/2014/main" xmlns="" id="{E748B248-D9B8-42F5-8F0A-0C57F9E8A9D8}"/>
+              </a:ext>
+            </a:extLst>
+          </p:cNvPr>
+          <p:cNvSpPr txBox="1"/>
+          <p:nvPr/>
+        </p:nvSpPr>
+        <p:spPr>
+          <a:xfrm>
+            <a:off x="604007" y="268419"/>
+            <a:ext cx="2533474" cy="584775"/>
+          </a:xfrm>
+          <a:prstGeom prst="rect">
+            <a:avLst/>
+          </a:prstGeom>
+          <a:noFill/>
+        </p:spPr>
+        <p:txBody>
+          <a:bodyPr wrap="square" rtlCol="0">
+            <a:spAutoFit/>
+          </a:bodyPr>
+          <a:lstStyle/>
+          <a:p>
+            <a:r>
+              <a:rPr lang="en-US" altLang="ko-KR" sz="3200" dirty="0">
+                <a:solidFill>
+                  <a:srgbClr val="66FF66"/>
+                </a:solidFill>
+                <a:latin typeface="Arial Rounded MT Bold" panose="020F0704030504030204" pitchFamily="34" charset="0"/>
+              </a:rPr>
+              <a:t>Wire Frame</a:t>
+            </a:r>
+            <a:endParaRPr lang="ko-KR" altLang="en-US" sz="3200" dirty="0">
+              <a:solidFill>
+                <a:srgbClr val="66FF66"/>
+              </a:solidFill>
+              <a:latin typeface="Arial Rounded MT Bold" panose="020F0704030504030204" pitchFamily="34" charset="0"/>
+            </a:endParaRPr>
+          </a:p>
+        </p:txBody>
+      </p:sp>
+      <p:sp>
+        <p:nvSpPr>
+          <p:cNvPr id="6" name="Window Body" descr="&lt;SmartSettings&gt;&lt;SmartResize anchorLeft=&quot;Absolute&quot; anchorTop=&quot;Absolute&quot; anchorRight=&quot;Absolute&quot; anchorBottom=&quot;Absolute&quot; /&gt;&lt;/SmartSettings&gt;">
+            <a:extLst>
+              <a:ext uri="{FF2B5EF4-FFF2-40B4-BE49-F238E27FC236}">
+                <a16:creationId xmlns:a16="http://schemas.microsoft.com/office/drawing/2014/main" xmlns="" id="{E38A150B-1AD9-431B-9D06-C17150181DD0}"/>
+              </a:ext>
+            </a:extLst>
+          </p:cNvPr>
+          <p:cNvSpPr>
+            <a:spLocks/>
+          </p:cNvSpPr>
+          <p:nvPr>
+            <p:custDataLst>
+              <p:tags r:id="rId1"/>
+            </p:custDataLst>
+          </p:nvPr>
+        </p:nvSpPr>
+        <p:spPr>
+          <a:xfrm>
+            <a:off x="9353726" y="1510018"/>
+            <a:ext cx="2709644" cy="5058561"/>
+          </a:xfrm>
+          <a:prstGeom prst="rect">
+            <a:avLst/>
+          </a:prstGeom>
+          <a:ln>
+            <a:solidFill>
+              <a:schemeClr val="bg2">
+                <a:lumMod val="50000"/>
+              </a:schemeClr>
+            </a:solidFill>
+          </a:ln>
+        </p:spPr>
+        <p:style>
+          <a:lnRef idx="2">
+            <a:schemeClr val="dk1"/>
+          </a:lnRef>
+          <a:fillRef idx="1">
+            <a:schemeClr val="lt1"/>
+          </a:fillRef>
+          <a:effectRef idx="0">
+            <a:schemeClr val="dk1"/>
+          </a:effectRef>
+          <a:fontRef idx="minor">
+            <a:schemeClr val="dk1"/>
+          </a:fontRef>
+        </p:style>
+        <p:txBody>
+          <a:bodyPr rot="0" spcFirstLastPara="0" vert="horz" wrap="square" lIns="91440" tIns="45720" rIns="91440" bIns="45720" numCol="1" spcCol="0" rtlCol="0" fromWordArt="0" anchor="ctr" anchorCtr="0" forceAA="0" compatLnSpc="1">
+            <a:prstTxWarp prst="textNoShape">
+              <a:avLst/>
+            </a:prstTxWarp>
+            <a:noAutofit/>
+          </a:bodyPr>
+          <a:lstStyle>
+            <a:defPPr>
+              <a:defRPr lang="en-US"/>
+            </a:defPPr>
+            <a:lvl1pPr marL="0" algn="l" defTabSz="914400" rtl="0" eaLnBrk="1" latinLnBrk="0" hangingPunct="1">
+              <a:defRPr sz="1800" kern="1200">
+                <a:solidFill>
+                  <a:schemeClr val="lt1"/>
+                </a:solidFill>
+                <a:latin typeface="+mn-lt"/>
+                <a:ea typeface="+mn-ea"/>
+                <a:cs typeface="+mn-cs"/>
+              </a:defRPr>
+            </a:lvl1pPr>
+            <a:lvl2pPr marL="457200" algn="l" defTabSz="914400" rtl="0" eaLnBrk="1" latinLnBrk="0" hangingPunct="1">
+              <a:defRPr sz="1800" kern="1200">
+                <a:solidFill>
+                  <a:schemeClr val="lt1"/>
+                </a:solidFill>
+                <a:latin typeface="+mn-lt"/>
+                <a:ea typeface="+mn-ea"/>
+                <a:cs typeface="+mn-cs"/>
+              </a:defRPr>
+            </a:lvl2pPr>
+            <a:lvl3pPr marL="914400" algn="l" defTabSz="914400" rtl="0" eaLnBrk="1" latinLnBrk="0" hangingPunct="1">
+              <a:defRPr sz="1800" kern="1200">
+                <a:solidFill>
+                  <a:schemeClr val="lt1"/>
+                </a:solidFill>
+                <a:latin typeface="+mn-lt"/>
+                <a:ea typeface="+mn-ea"/>
+                <a:cs typeface="+mn-cs"/>
+              </a:defRPr>
+            </a:lvl3pPr>
+            <a:lvl4pPr marL="1371600" algn="l" defTabSz="914400" rtl="0" eaLnBrk="1" latinLnBrk="0" hangingPunct="1">
+              <a:defRPr sz="1800" kern="1200">
+                <a:solidFill>
+                  <a:schemeClr val="lt1"/>
+                </a:solidFill>
+                <a:latin typeface="+mn-lt"/>
+                <a:ea typeface="+mn-ea"/>
+                <a:cs typeface="+mn-cs"/>
+              </a:defRPr>
+            </a:lvl4pPr>
+            <a:lvl5pPr marL="1828800" algn="l" defTabSz="914400" rtl="0" eaLnBrk="1" latinLnBrk="0" hangingPunct="1">
+              <a:defRPr sz="1800" kern="1200">
+                <a:solidFill>
+                  <a:schemeClr val="lt1"/>
+                </a:solidFill>
+                <a:latin typeface="+mn-lt"/>
+                <a:ea typeface="+mn-ea"/>
+                <a:cs typeface="+mn-cs"/>
+              </a:defRPr>
+            </a:lvl5pPr>
+            <a:lvl6pPr marL="2286000" algn="l" defTabSz="914400" rtl="0" eaLnBrk="1" latinLnBrk="0" hangingPunct="1">
+              <a:defRPr sz="1800" kern="1200">
+                <a:solidFill>
+                  <a:schemeClr val="lt1"/>
+                </a:solidFill>
+                <a:latin typeface="+mn-lt"/>
+                <a:ea typeface="+mn-ea"/>
+                <a:cs typeface="+mn-cs"/>
+              </a:defRPr>
+            </a:lvl6pPr>
+            <a:lvl7pPr marL="2743200" algn="l" defTabSz="914400" rtl="0" eaLnBrk="1" latinLnBrk="0" hangingPunct="1">
+              <a:defRPr sz="1800" kern="1200">
+                <a:solidFill>
+                  <a:schemeClr val="lt1"/>
+                </a:solidFill>
+                <a:latin typeface="+mn-lt"/>
+                <a:ea typeface="+mn-ea"/>
+                <a:cs typeface="+mn-cs"/>
+              </a:defRPr>
+            </a:lvl7pPr>
+            <a:lvl8pPr marL="3200400" algn="l" defTabSz="914400" rtl="0" eaLnBrk="1" latinLnBrk="0" hangingPunct="1">
+              <a:defRPr sz="1800" kern="1200">
+                <a:solidFill>
+                  <a:schemeClr val="lt1"/>
+                </a:solidFill>
+                <a:latin typeface="+mn-lt"/>
+                <a:ea typeface="+mn-ea"/>
+                <a:cs typeface="+mn-cs"/>
+              </a:defRPr>
+            </a:lvl8pPr>
+            <a:lvl9pPr marL="3657600" algn="l" defTabSz="914400" rtl="0" eaLnBrk="1" latinLnBrk="0" hangingPunct="1">
+              <a:defRPr sz="1800" kern="1200">
+                <a:solidFill>
+                  <a:schemeClr val="lt1"/>
+                </a:solidFill>
+                <a:latin typeface="+mn-lt"/>
+                <a:ea typeface="+mn-ea"/>
+                <a:cs typeface="+mn-cs"/>
+              </a:defRPr>
+            </a:lvl9pPr>
+          </a:lstStyle>
+          <a:p>
+            <a:pPr algn="ctr"/>
+            <a:endParaRPr lang="en-US" sz="900" dirty="0">
+              <a:solidFill>
+                <a:srgbClr val="5F5F5F"/>
+              </a:solidFill>
+              <a:latin typeface="Segoe UI" panose="020B0502040204020203" pitchFamily="34" charset="0"/>
+              <a:cs typeface="Segoe UI" panose="020B0502040204020203" pitchFamily="34" charset="0"/>
+            </a:endParaRPr>
+          </a:p>
+        </p:txBody>
+      </p:sp>
+      <p:sp>
+        <p:nvSpPr>
+          <p:cNvPr id="7" name="TextBox 6">
+            <a:extLst>
+              <a:ext uri="{FF2B5EF4-FFF2-40B4-BE49-F238E27FC236}">
+                <a16:creationId xmlns:a16="http://schemas.microsoft.com/office/drawing/2014/main" xmlns="" id="{D2726034-308D-4366-944B-FFF27DEC5755}"/>
+              </a:ext>
+            </a:extLst>
+          </p:cNvPr>
+          <p:cNvSpPr txBox="1"/>
+          <p:nvPr/>
+        </p:nvSpPr>
+        <p:spPr>
+          <a:xfrm>
+            <a:off x="61233" y="1032823"/>
+            <a:ext cx="8875552" cy="369332"/>
+          </a:xfrm>
+          <a:prstGeom prst="rect">
+            <a:avLst/>
+          </a:prstGeom>
+          <a:noFill/>
+        </p:spPr>
+        <p:txBody>
+          <a:bodyPr wrap="square" rtlCol="0">
+            <a:spAutoFit/>
+          </a:bodyPr>
+          <a:lstStyle/>
+          <a:p>
+            <a:r>
+              <a:rPr lang="ko-KR" altLang="en-US" dirty="0" smtClean="0">
+                <a:solidFill>
+                  <a:srgbClr val="002060"/>
+                </a:solidFill>
+              </a:rPr>
+              <a:t>구매 후기 페이지</a:t>
+            </a:r>
+            <a:endParaRPr lang="ko-KR" altLang="en-US" dirty="0">
+              <a:solidFill>
+                <a:srgbClr val="002060"/>
+              </a:solidFill>
+            </a:endParaRPr>
+          </a:p>
+        </p:txBody>
+      </p:sp>
+      <p:sp>
+        <p:nvSpPr>
+          <p:cNvPr id="17" name="Window Body" descr="&lt;SmartSettings&gt;&lt;SmartResize anchorLeft=&quot;Absolute&quot; anchorTop=&quot;Absolute&quot; anchorRight=&quot;Absolute&quot; anchorBottom=&quot;Absolute&quot; /&gt;&lt;/SmartSettings&gt;">
+            <a:extLst>
+              <a:ext uri="{FF2B5EF4-FFF2-40B4-BE49-F238E27FC236}">
+                <a16:creationId xmlns:a16="http://schemas.microsoft.com/office/drawing/2014/main" xmlns="" id="{DD15E406-86D5-43EE-8219-49B0E1FA0E30}"/>
+              </a:ext>
+            </a:extLst>
+          </p:cNvPr>
+          <p:cNvSpPr/>
+          <p:nvPr>
+            <p:custDataLst>
+              <p:tags r:id="rId2"/>
+            </p:custDataLst>
+          </p:nvPr>
+        </p:nvSpPr>
+        <p:spPr>
+          <a:xfrm>
+            <a:off x="128630" y="1510018"/>
+            <a:ext cx="9040536" cy="5058561"/>
+          </a:xfrm>
+          <a:prstGeom prst="rect">
+            <a:avLst/>
+          </a:prstGeom>
+          <a:ln>
+            <a:solidFill>
+              <a:schemeClr val="bg2"/>
+            </a:solidFill>
+          </a:ln>
+        </p:spPr>
+        <p:style>
+          <a:lnRef idx="2">
+            <a:schemeClr val="dk1"/>
+          </a:lnRef>
+          <a:fillRef idx="1">
+            <a:schemeClr val="lt1"/>
+          </a:fillRef>
+          <a:effectRef idx="0">
+            <a:schemeClr val="dk1"/>
+          </a:effectRef>
+          <a:fontRef idx="minor">
+            <a:schemeClr val="dk1"/>
+          </a:fontRef>
+        </p:style>
+        <p:txBody>
+          <a:bodyPr rot="0" spcFirstLastPara="0" vert="horz" wrap="square" lIns="91440" tIns="45720" rIns="91440" bIns="45720" numCol="1" spcCol="0" rtlCol="0" fromWordArt="0" anchor="ctr" anchorCtr="0" forceAA="0" compatLnSpc="1">
+            <a:prstTxWarp prst="textNoShape">
+              <a:avLst/>
+            </a:prstTxWarp>
+            <a:noAutofit/>
+          </a:bodyPr>
+          <a:lstStyle>
+            <a:defPPr>
+              <a:defRPr lang="en-US"/>
+            </a:defPPr>
+            <a:lvl1pPr marL="0" algn="l" defTabSz="914400" rtl="0" eaLnBrk="1" latinLnBrk="0" hangingPunct="1">
+              <a:defRPr sz="1800" kern="1200">
+                <a:solidFill>
+                  <a:schemeClr val="lt1"/>
+                </a:solidFill>
+                <a:latin typeface="+mn-lt"/>
+                <a:ea typeface="+mn-ea"/>
+                <a:cs typeface="+mn-cs"/>
+              </a:defRPr>
+            </a:lvl1pPr>
+            <a:lvl2pPr marL="457200" algn="l" defTabSz="914400" rtl="0" eaLnBrk="1" latinLnBrk="0" hangingPunct="1">
+              <a:defRPr sz="1800" kern="1200">
+                <a:solidFill>
+                  <a:schemeClr val="lt1"/>
+                </a:solidFill>
+                <a:latin typeface="+mn-lt"/>
+                <a:ea typeface="+mn-ea"/>
+                <a:cs typeface="+mn-cs"/>
+              </a:defRPr>
+            </a:lvl2pPr>
+            <a:lvl3pPr marL="914400" algn="l" defTabSz="914400" rtl="0" eaLnBrk="1" latinLnBrk="0" hangingPunct="1">
+              <a:defRPr sz="1800" kern="1200">
+                <a:solidFill>
+                  <a:schemeClr val="lt1"/>
+                </a:solidFill>
+                <a:latin typeface="+mn-lt"/>
+                <a:ea typeface="+mn-ea"/>
+                <a:cs typeface="+mn-cs"/>
+              </a:defRPr>
+            </a:lvl3pPr>
+            <a:lvl4pPr marL="1371600" algn="l" defTabSz="914400" rtl="0" eaLnBrk="1" latinLnBrk="0" hangingPunct="1">
+              <a:defRPr sz="1800" kern="1200">
+                <a:solidFill>
+                  <a:schemeClr val="lt1"/>
+                </a:solidFill>
+                <a:latin typeface="+mn-lt"/>
+                <a:ea typeface="+mn-ea"/>
+                <a:cs typeface="+mn-cs"/>
+              </a:defRPr>
+            </a:lvl4pPr>
+            <a:lvl5pPr marL="1828800" algn="l" defTabSz="914400" rtl="0" eaLnBrk="1" latinLnBrk="0" hangingPunct="1">
+              <a:defRPr sz="1800" kern="1200">
+                <a:solidFill>
+                  <a:schemeClr val="lt1"/>
+                </a:solidFill>
+                <a:latin typeface="+mn-lt"/>
+                <a:ea typeface="+mn-ea"/>
+                <a:cs typeface="+mn-cs"/>
+              </a:defRPr>
+            </a:lvl5pPr>
+            <a:lvl6pPr marL="2286000" algn="l" defTabSz="914400" rtl="0" eaLnBrk="1" latinLnBrk="0" hangingPunct="1">
+              <a:defRPr sz="1800" kern="1200">
+                <a:solidFill>
+                  <a:schemeClr val="lt1"/>
+                </a:solidFill>
+                <a:latin typeface="+mn-lt"/>
+                <a:ea typeface="+mn-ea"/>
+                <a:cs typeface="+mn-cs"/>
+              </a:defRPr>
+            </a:lvl6pPr>
+            <a:lvl7pPr marL="2743200" algn="l" defTabSz="914400" rtl="0" eaLnBrk="1" latinLnBrk="0" hangingPunct="1">
+              <a:defRPr sz="1800" kern="1200">
+                <a:solidFill>
+                  <a:schemeClr val="lt1"/>
+                </a:solidFill>
+                <a:latin typeface="+mn-lt"/>
+                <a:ea typeface="+mn-ea"/>
+                <a:cs typeface="+mn-cs"/>
+              </a:defRPr>
+            </a:lvl7pPr>
+            <a:lvl8pPr marL="3200400" algn="l" defTabSz="914400" rtl="0" eaLnBrk="1" latinLnBrk="0" hangingPunct="1">
+              <a:defRPr sz="1800" kern="1200">
+                <a:solidFill>
+                  <a:schemeClr val="lt1"/>
+                </a:solidFill>
+                <a:latin typeface="+mn-lt"/>
+                <a:ea typeface="+mn-ea"/>
+                <a:cs typeface="+mn-cs"/>
+              </a:defRPr>
+            </a:lvl8pPr>
+            <a:lvl9pPr marL="3657600" algn="l" defTabSz="914400" rtl="0" eaLnBrk="1" latinLnBrk="0" hangingPunct="1">
+              <a:defRPr sz="1800" kern="1200">
+                <a:solidFill>
+                  <a:schemeClr val="lt1"/>
+                </a:solidFill>
+                <a:latin typeface="+mn-lt"/>
+                <a:ea typeface="+mn-ea"/>
+                <a:cs typeface="+mn-cs"/>
+              </a:defRPr>
+            </a:lvl9pPr>
+          </a:lstStyle>
+          <a:p>
+            <a:pPr algn="ctr"/>
+            <a:endParaRPr lang="en-US" sz="900" dirty="0">
+              <a:solidFill>
+                <a:srgbClr val="5F5F5F"/>
+              </a:solidFill>
+              <a:latin typeface="Segoe UI" panose="020B0502040204020203" pitchFamily="34" charset="0"/>
+              <a:cs typeface="Segoe UI" panose="020B0502040204020203" pitchFamily="34" charset="0"/>
+            </a:endParaRPr>
+          </a:p>
+        </p:txBody>
+      </p:sp>
+      <p:sp>
+        <p:nvSpPr>
+          <p:cNvPr id="27" name="직사각형 26">
+            <a:extLst>
+              <a:ext uri="{FF2B5EF4-FFF2-40B4-BE49-F238E27FC236}">
+                <a16:creationId xmlns:a16="http://schemas.microsoft.com/office/drawing/2014/main" xmlns="" id="{362C8AFF-EEC4-4DDE-9053-4CD39879A0CA}"/>
+              </a:ext>
+            </a:extLst>
+          </p:cNvPr>
+          <p:cNvSpPr/>
+          <p:nvPr/>
+        </p:nvSpPr>
+        <p:spPr>
+          <a:xfrm>
+            <a:off x="332618" y="1635206"/>
+            <a:ext cx="2933354" cy="367461"/>
+          </a:xfrm>
+          <a:prstGeom prst="rect">
+            <a:avLst/>
+          </a:prstGeom>
+          <a:solidFill>
+            <a:schemeClr val="tx1"/>
+          </a:solidFill>
+          <a:ln>
+            <a:solidFill>
+              <a:schemeClr val="bg2">
+                <a:lumMod val="50000"/>
+              </a:schemeClr>
+            </a:solidFill>
+          </a:ln>
+        </p:spPr>
+        <p:style>
+          <a:lnRef idx="2">
+            <a:schemeClr val="accent1">
+              <a:shade val="50000"/>
+            </a:schemeClr>
+          </a:lnRef>
+          <a:fillRef idx="1">
+            <a:schemeClr val="accent1"/>
+          </a:fillRef>
+          <a:effectRef idx="0">
+            <a:schemeClr val="accent1"/>
+          </a:effectRef>
+          <a:fontRef idx="minor">
+            <a:schemeClr val="lt1"/>
+          </a:fontRef>
+        </p:style>
+        <p:txBody>
+          <a:bodyPr rtlCol="0" anchor="ctr"/>
+          <a:lstStyle/>
+          <a:p>
+            <a:pPr algn="ctr"/>
+            <a:r>
+              <a:rPr lang="ko-KR" altLang="en-US" dirty="0" smtClean="0">
+                <a:solidFill>
+                  <a:schemeClr val="bg2">
+                    <a:lumMod val="50000"/>
+                  </a:schemeClr>
+                </a:solidFill>
+              </a:rPr>
+              <a:t>상품소개</a:t>
+            </a:r>
+            <a:endParaRPr lang="ko-KR" altLang="en-US" dirty="0">
+              <a:solidFill>
+                <a:schemeClr val="bg2">
+                  <a:lumMod val="50000"/>
+                </a:schemeClr>
+              </a:solidFill>
+            </a:endParaRPr>
+          </a:p>
+        </p:txBody>
+      </p:sp>
+      <p:sp>
+        <p:nvSpPr>
+          <p:cNvPr id="28" name="직사각형 27">
+            <a:extLst>
+              <a:ext uri="{FF2B5EF4-FFF2-40B4-BE49-F238E27FC236}">
+                <a16:creationId xmlns:a16="http://schemas.microsoft.com/office/drawing/2014/main" xmlns="" id="{6004046B-93A4-4812-85FE-41FFF63569E4}"/>
+              </a:ext>
+            </a:extLst>
+          </p:cNvPr>
+          <p:cNvSpPr/>
+          <p:nvPr/>
+        </p:nvSpPr>
+        <p:spPr>
+          <a:xfrm>
+            <a:off x="3265973" y="1635206"/>
+            <a:ext cx="2830028" cy="367461"/>
+          </a:xfrm>
+          <a:prstGeom prst="rect">
+            <a:avLst/>
+          </a:prstGeom>
+          <a:solidFill>
+            <a:srgbClr val="D961F1"/>
+          </a:solidFill>
+          <a:ln>
+            <a:solidFill>
+              <a:schemeClr val="bg2">
+                <a:lumMod val="50000"/>
+              </a:schemeClr>
+            </a:solidFill>
+          </a:ln>
+        </p:spPr>
+        <p:style>
+          <a:lnRef idx="2">
+            <a:schemeClr val="accent1">
+              <a:shade val="50000"/>
+            </a:schemeClr>
+          </a:lnRef>
+          <a:fillRef idx="1">
+            <a:schemeClr val="accent1"/>
+          </a:fillRef>
+          <a:effectRef idx="0">
+            <a:schemeClr val="accent1"/>
+          </a:effectRef>
+          <a:fontRef idx="minor">
+            <a:schemeClr val="lt1"/>
+          </a:fontRef>
+        </p:style>
+        <p:txBody>
+          <a:bodyPr rtlCol="0" anchor="ctr"/>
+          <a:lstStyle/>
+          <a:p>
+            <a:pPr algn="ctr"/>
+            <a:r>
+              <a:rPr lang="ko-KR" altLang="en-US" dirty="0" smtClean="0">
+                <a:solidFill>
+                  <a:schemeClr val="bg2">
+                    <a:lumMod val="50000"/>
+                  </a:schemeClr>
+                </a:solidFill>
+              </a:rPr>
+              <a:t>구매 후기</a:t>
+            </a:r>
+            <a:endParaRPr lang="ko-KR" altLang="en-US" dirty="0">
+              <a:solidFill>
+                <a:schemeClr val="bg2">
+                  <a:lumMod val="50000"/>
+                </a:schemeClr>
+              </a:solidFill>
+            </a:endParaRPr>
+          </a:p>
+        </p:txBody>
+      </p:sp>
+      <p:sp>
+        <p:nvSpPr>
+          <p:cNvPr id="29" name="직사각형 28">
+            <a:extLst>
+              <a:ext uri="{FF2B5EF4-FFF2-40B4-BE49-F238E27FC236}">
+                <a16:creationId xmlns:a16="http://schemas.microsoft.com/office/drawing/2014/main" xmlns="" id="{6971685D-B58C-401F-81FD-C5597B07DA45}"/>
+              </a:ext>
+            </a:extLst>
+          </p:cNvPr>
+          <p:cNvSpPr/>
+          <p:nvPr/>
+        </p:nvSpPr>
+        <p:spPr>
+          <a:xfrm>
+            <a:off x="6096000" y="1635206"/>
+            <a:ext cx="2751391" cy="367461"/>
+          </a:xfrm>
+          <a:prstGeom prst="rect">
+            <a:avLst/>
+          </a:prstGeom>
+          <a:solidFill>
+            <a:schemeClr val="tx1"/>
+          </a:solidFill>
+          <a:ln>
+            <a:solidFill>
+              <a:schemeClr val="bg2">
+                <a:lumMod val="50000"/>
+              </a:schemeClr>
+            </a:solidFill>
+          </a:ln>
+        </p:spPr>
+        <p:style>
+          <a:lnRef idx="2">
+            <a:schemeClr val="accent1">
+              <a:shade val="50000"/>
+            </a:schemeClr>
+          </a:lnRef>
+          <a:fillRef idx="1">
+            <a:schemeClr val="accent1"/>
+          </a:fillRef>
+          <a:effectRef idx="0">
+            <a:schemeClr val="accent1"/>
+          </a:effectRef>
+          <a:fontRef idx="minor">
+            <a:schemeClr val="lt1"/>
+          </a:fontRef>
+        </p:style>
+        <p:txBody>
+          <a:bodyPr rtlCol="0" anchor="ctr"/>
+          <a:lstStyle/>
+          <a:p>
+            <a:pPr algn="ctr"/>
+            <a:r>
+              <a:rPr lang="ko-KR" altLang="en-US" dirty="0">
+                <a:solidFill>
+                  <a:schemeClr val="bg2">
+                    <a:lumMod val="50000"/>
+                  </a:schemeClr>
+                </a:solidFill>
+              </a:rPr>
+              <a:t>배송</a:t>
+            </a:r>
+            <a:r>
+              <a:rPr lang="en-US" altLang="ko-KR" dirty="0">
+                <a:solidFill>
+                  <a:schemeClr val="bg2">
+                    <a:lumMod val="50000"/>
+                  </a:schemeClr>
+                </a:solidFill>
+              </a:rPr>
+              <a:t>/</a:t>
+            </a:r>
+            <a:r>
+              <a:rPr lang="ko-KR" altLang="en-US" dirty="0">
+                <a:solidFill>
+                  <a:schemeClr val="bg2">
+                    <a:lumMod val="50000"/>
+                  </a:schemeClr>
+                </a:solidFill>
+              </a:rPr>
+              <a:t>교환</a:t>
+            </a:r>
+            <a:r>
+              <a:rPr lang="en-US" altLang="ko-KR" dirty="0">
+                <a:solidFill>
+                  <a:schemeClr val="bg2">
+                    <a:lumMod val="50000"/>
+                  </a:schemeClr>
+                </a:solidFill>
+              </a:rPr>
+              <a:t>/</a:t>
+            </a:r>
+            <a:r>
+              <a:rPr lang="ko-KR" altLang="en-US" dirty="0">
+                <a:solidFill>
+                  <a:schemeClr val="bg2">
+                    <a:lumMod val="50000"/>
+                  </a:schemeClr>
+                </a:solidFill>
+              </a:rPr>
+              <a:t>환불 </a:t>
+            </a:r>
+          </a:p>
+        </p:txBody>
+      </p:sp>
+      <p:sp>
+        <p:nvSpPr>
+          <p:cNvPr id="21" name="Window Body" descr="&lt;SmartSettings&gt;&lt;SmartResize anchorLeft=&quot;Absolute&quot; anchorTop=&quot;Absolute&quot; anchorRight=&quot;Absolute&quot; anchorBottom=&quot;Absolute&quot; /&gt;&lt;/SmartSettings&gt;">
+            <a:extLst>
+              <a:ext uri="{FF2B5EF4-FFF2-40B4-BE49-F238E27FC236}">
+                <a16:creationId xmlns:a16="http://schemas.microsoft.com/office/drawing/2014/main" xmlns="" id="{E38A150B-1AD9-431B-9D06-C17150181DD0}"/>
+              </a:ext>
+            </a:extLst>
+          </p:cNvPr>
+          <p:cNvSpPr>
+            <a:spLocks/>
+          </p:cNvSpPr>
+          <p:nvPr>
+            <p:custDataLst>
+              <p:tags r:id="rId3"/>
+            </p:custDataLst>
+          </p:nvPr>
+        </p:nvSpPr>
+        <p:spPr>
+          <a:xfrm>
+            <a:off x="9353726" y="1510018"/>
+            <a:ext cx="2709644" cy="5058561"/>
+          </a:xfrm>
+          <a:prstGeom prst="rect">
+            <a:avLst/>
+          </a:prstGeom>
+          <a:ln>
+            <a:solidFill>
+              <a:schemeClr val="bg2">
+                <a:lumMod val="50000"/>
+              </a:schemeClr>
+            </a:solidFill>
+          </a:ln>
+        </p:spPr>
+        <p:style>
+          <a:lnRef idx="2">
+            <a:schemeClr val="dk1"/>
+          </a:lnRef>
+          <a:fillRef idx="1">
+            <a:schemeClr val="lt1"/>
+          </a:fillRef>
+          <a:effectRef idx="0">
+            <a:schemeClr val="dk1"/>
+          </a:effectRef>
+          <a:fontRef idx="minor">
+            <a:schemeClr val="dk1"/>
+          </a:fontRef>
+        </p:style>
+        <p:txBody>
+          <a:bodyPr rot="0" spcFirstLastPara="0" vert="horz" wrap="square" lIns="91440" tIns="45720" rIns="91440" bIns="45720" numCol="1" spcCol="0" rtlCol="0" fromWordArt="0" anchor="ctr" anchorCtr="0" forceAA="0" compatLnSpc="1">
+            <a:prstTxWarp prst="textNoShape">
+              <a:avLst/>
+            </a:prstTxWarp>
+            <a:noAutofit/>
+          </a:bodyPr>
+          <a:lstStyle>
+            <a:defPPr>
+              <a:defRPr lang="en-US"/>
+            </a:defPPr>
+            <a:lvl1pPr marL="0" algn="l" defTabSz="914400" rtl="0" eaLnBrk="1" latinLnBrk="0" hangingPunct="1">
+              <a:defRPr sz="1800" kern="1200">
+                <a:solidFill>
+                  <a:schemeClr val="lt1"/>
+                </a:solidFill>
+                <a:latin typeface="+mn-lt"/>
+                <a:ea typeface="+mn-ea"/>
+                <a:cs typeface="+mn-cs"/>
+              </a:defRPr>
+            </a:lvl1pPr>
+            <a:lvl2pPr marL="457200" algn="l" defTabSz="914400" rtl="0" eaLnBrk="1" latinLnBrk="0" hangingPunct="1">
+              <a:defRPr sz="1800" kern="1200">
+                <a:solidFill>
+                  <a:schemeClr val="lt1"/>
+                </a:solidFill>
+                <a:latin typeface="+mn-lt"/>
+                <a:ea typeface="+mn-ea"/>
+                <a:cs typeface="+mn-cs"/>
+              </a:defRPr>
+            </a:lvl2pPr>
+            <a:lvl3pPr marL="914400" algn="l" defTabSz="914400" rtl="0" eaLnBrk="1" latinLnBrk="0" hangingPunct="1">
+              <a:defRPr sz="1800" kern="1200">
+                <a:solidFill>
+                  <a:schemeClr val="lt1"/>
+                </a:solidFill>
+                <a:latin typeface="+mn-lt"/>
+                <a:ea typeface="+mn-ea"/>
+                <a:cs typeface="+mn-cs"/>
+              </a:defRPr>
+            </a:lvl3pPr>
+            <a:lvl4pPr marL="1371600" algn="l" defTabSz="914400" rtl="0" eaLnBrk="1" latinLnBrk="0" hangingPunct="1">
+              <a:defRPr sz="1800" kern="1200">
+                <a:solidFill>
+                  <a:schemeClr val="lt1"/>
+                </a:solidFill>
+                <a:latin typeface="+mn-lt"/>
+                <a:ea typeface="+mn-ea"/>
+                <a:cs typeface="+mn-cs"/>
+              </a:defRPr>
+            </a:lvl4pPr>
+            <a:lvl5pPr marL="1828800" algn="l" defTabSz="914400" rtl="0" eaLnBrk="1" latinLnBrk="0" hangingPunct="1">
+              <a:defRPr sz="1800" kern="1200">
+                <a:solidFill>
+                  <a:schemeClr val="lt1"/>
+                </a:solidFill>
+                <a:latin typeface="+mn-lt"/>
+                <a:ea typeface="+mn-ea"/>
+                <a:cs typeface="+mn-cs"/>
+              </a:defRPr>
+            </a:lvl5pPr>
+            <a:lvl6pPr marL="2286000" algn="l" defTabSz="914400" rtl="0" eaLnBrk="1" latinLnBrk="0" hangingPunct="1">
+              <a:defRPr sz="1800" kern="1200">
+                <a:solidFill>
+                  <a:schemeClr val="lt1"/>
+                </a:solidFill>
+                <a:latin typeface="+mn-lt"/>
+                <a:ea typeface="+mn-ea"/>
+                <a:cs typeface="+mn-cs"/>
+              </a:defRPr>
+            </a:lvl6pPr>
+            <a:lvl7pPr marL="2743200" algn="l" defTabSz="914400" rtl="0" eaLnBrk="1" latinLnBrk="0" hangingPunct="1">
+              <a:defRPr sz="1800" kern="1200">
+                <a:solidFill>
+                  <a:schemeClr val="lt1"/>
+                </a:solidFill>
+                <a:latin typeface="+mn-lt"/>
+                <a:ea typeface="+mn-ea"/>
+                <a:cs typeface="+mn-cs"/>
+              </a:defRPr>
+            </a:lvl7pPr>
+            <a:lvl8pPr marL="3200400" algn="l" defTabSz="914400" rtl="0" eaLnBrk="1" latinLnBrk="0" hangingPunct="1">
+              <a:defRPr sz="1800" kern="1200">
+                <a:solidFill>
+                  <a:schemeClr val="lt1"/>
+                </a:solidFill>
+                <a:latin typeface="+mn-lt"/>
+                <a:ea typeface="+mn-ea"/>
+                <a:cs typeface="+mn-cs"/>
+              </a:defRPr>
+            </a:lvl8pPr>
+            <a:lvl9pPr marL="3657600" algn="l" defTabSz="914400" rtl="0" eaLnBrk="1" latinLnBrk="0" hangingPunct="1">
+              <a:defRPr sz="1800" kern="1200">
+                <a:solidFill>
+                  <a:schemeClr val="lt1"/>
+                </a:solidFill>
+                <a:latin typeface="+mn-lt"/>
+                <a:ea typeface="+mn-ea"/>
+                <a:cs typeface="+mn-cs"/>
+              </a:defRPr>
+            </a:lvl9pPr>
+          </a:lstStyle>
+          <a:p>
+            <a:pPr algn="ctr"/>
+            <a:endParaRPr lang="en-US" sz="900" dirty="0">
+              <a:solidFill>
+                <a:srgbClr val="5F5F5F"/>
+              </a:solidFill>
+              <a:latin typeface="Segoe UI" panose="020B0502040204020203" pitchFamily="34" charset="0"/>
+              <a:cs typeface="Segoe UI" panose="020B0502040204020203" pitchFamily="34" charset="0"/>
+            </a:endParaRPr>
+          </a:p>
+        </p:txBody>
+      </p:sp>
+      <p:pic>
+        <p:nvPicPr>
+          <p:cNvPr id="24" name="그림 23" descr="시계이(가) 표시된 사진&#10;&#10;자동 생성된 설명">
+            <a:extLst>
+              <a:ext uri="{FF2B5EF4-FFF2-40B4-BE49-F238E27FC236}">
+                <a16:creationId xmlns:a16="http://schemas.microsoft.com/office/drawing/2014/main" xmlns="" id="{92513313-A1ED-4A08-9676-9885D86B2222}"/>
+              </a:ext>
+            </a:extLst>
+          </p:cNvPr>
+          <p:cNvPicPr>
+            <a:picLocks noChangeAspect="1"/>
+          </p:cNvPicPr>
+          <p:nvPr/>
+        </p:nvPicPr>
+        <p:blipFill>
+          <a:blip r:embed="rId6" cstate="print">
+            <a:extLst>
+              <a:ext uri="{28A0092B-C50C-407E-A947-70E740481C1C}">
+                <a14:useLocalDpi xmlns:a14="http://schemas.microsoft.com/office/drawing/2010/main" val="0"/>
+              </a:ext>
+            </a:extLst>
+          </a:blip>
+          <a:stretch>
+            <a:fillRect/>
+          </a:stretch>
+        </p:blipFill>
+        <p:spPr>
+          <a:xfrm>
+            <a:off x="9431909" y="1571696"/>
+            <a:ext cx="300023" cy="300023"/>
+          </a:xfrm>
+          <a:prstGeom prst="rect">
+            <a:avLst/>
+          </a:prstGeom>
+        </p:spPr>
+      </p:pic>
+      <p:sp>
+        <p:nvSpPr>
+          <p:cNvPr id="42" name="TextBox 41"/>
+          <p:cNvSpPr txBox="1"/>
+          <p:nvPr/>
+        </p:nvSpPr>
+        <p:spPr>
+          <a:xfrm>
+            <a:off x="9406107" y="6288425"/>
+            <a:ext cx="2947336" cy="230832"/>
+          </a:xfrm>
+          <a:prstGeom prst="rect">
+            <a:avLst/>
+          </a:prstGeom>
+          <a:noFill/>
+        </p:spPr>
+        <p:txBody>
+          <a:bodyPr wrap="square" rtlCol="0">
+            <a:spAutoFit/>
+          </a:bodyPr>
+          <a:lstStyle/>
+          <a:p>
+            <a:r>
+              <a:rPr lang="en-US" altLang="ko-KR" sz="900" dirty="0" smtClean="0">
+                <a:solidFill>
+                  <a:schemeClr val="tx2">
+                    <a:lumMod val="10000"/>
+                  </a:schemeClr>
+                </a:solidFill>
+              </a:rPr>
+              <a:t>DIY</a:t>
+            </a:r>
+            <a:r>
+              <a:rPr lang="ko-KR" altLang="en-US" sz="900" dirty="0" smtClean="0">
+                <a:solidFill>
+                  <a:schemeClr val="tx2">
+                    <a:lumMod val="10000"/>
+                  </a:schemeClr>
+                </a:solidFill>
+              </a:rPr>
+              <a:t>클래스</a:t>
+            </a:r>
+            <a:r>
+              <a:rPr lang="en-US" altLang="ko-KR" sz="900" dirty="0">
+                <a:solidFill>
+                  <a:schemeClr val="tx2">
+                    <a:lumMod val="10000"/>
+                  </a:schemeClr>
+                </a:solidFill>
+              </a:rPr>
+              <a:t> </a:t>
+            </a:r>
+            <a:r>
+              <a:rPr lang="en-US" altLang="ko-KR" sz="900" dirty="0" smtClean="0">
+                <a:solidFill>
+                  <a:schemeClr val="tx2">
+                    <a:lumMod val="10000"/>
+                  </a:schemeClr>
+                </a:solidFill>
+              </a:rPr>
+              <a:t> </a:t>
+            </a:r>
+            <a:r>
+              <a:rPr lang="ko-KR" altLang="en-US" sz="900" dirty="0" smtClean="0">
+                <a:solidFill>
+                  <a:schemeClr val="tx2">
+                    <a:lumMod val="10000"/>
+                  </a:schemeClr>
+                </a:solidFill>
+              </a:rPr>
+              <a:t>   </a:t>
+            </a:r>
+            <a:r>
+              <a:rPr lang="en-US" altLang="ko-KR" sz="900" dirty="0" smtClean="0">
+                <a:solidFill>
+                  <a:schemeClr val="tx2">
+                    <a:lumMod val="10000"/>
+                  </a:schemeClr>
+                </a:solidFill>
+              </a:rPr>
+              <a:t>DIY</a:t>
+            </a:r>
+            <a:r>
+              <a:rPr lang="ko-KR" altLang="en-US" sz="900" dirty="0" smtClean="0">
+                <a:solidFill>
+                  <a:schemeClr val="tx2">
+                    <a:lumMod val="10000"/>
+                  </a:schemeClr>
+                </a:solidFill>
+              </a:rPr>
+              <a:t>스토어</a:t>
+            </a:r>
+            <a:r>
+              <a:rPr lang="en-US" altLang="ko-KR" sz="900" dirty="0">
+                <a:solidFill>
+                  <a:schemeClr val="tx2">
+                    <a:lumMod val="10000"/>
+                  </a:schemeClr>
+                </a:solidFill>
+              </a:rPr>
+              <a:t> </a:t>
+            </a:r>
+            <a:r>
+              <a:rPr lang="ko-KR" altLang="en-US" sz="900" dirty="0" smtClean="0">
+                <a:solidFill>
+                  <a:schemeClr val="tx2">
+                    <a:lumMod val="10000"/>
+                  </a:schemeClr>
+                </a:solidFill>
+              </a:rPr>
+              <a:t>    고객센터    </a:t>
+            </a:r>
+            <a:r>
+              <a:rPr lang="ko-KR" altLang="en-US" sz="900" dirty="0" err="1" smtClean="0">
+                <a:solidFill>
+                  <a:schemeClr val="tx2">
+                    <a:lumMod val="10000"/>
+                  </a:schemeClr>
+                </a:solidFill>
+              </a:rPr>
+              <a:t>마이페이지</a:t>
+            </a:r>
+            <a:endParaRPr lang="ko-KR" altLang="en-US" sz="900" dirty="0">
+              <a:solidFill>
+                <a:schemeClr val="tx2">
+                  <a:lumMod val="10000"/>
+                </a:schemeClr>
+              </a:solidFill>
+            </a:endParaRPr>
+          </a:p>
+        </p:txBody>
+      </p:sp>
+      <p:sp>
+        <p:nvSpPr>
+          <p:cNvPr id="57" name="TextBox 56"/>
+          <p:cNvSpPr txBox="1"/>
+          <p:nvPr/>
+        </p:nvSpPr>
+        <p:spPr>
+          <a:xfrm>
+            <a:off x="9688579" y="1606261"/>
+            <a:ext cx="986328" cy="246221"/>
+          </a:xfrm>
+          <a:prstGeom prst="rect">
+            <a:avLst/>
+          </a:prstGeom>
+          <a:noFill/>
+        </p:spPr>
+        <p:txBody>
+          <a:bodyPr wrap="square" rtlCol="0">
+            <a:spAutoFit/>
+          </a:bodyPr>
+          <a:lstStyle/>
+          <a:p>
+            <a:r>
+              <a:rPr lang="en-US" altLang="ko-KR" sz="1000" dirty="0" smtClean="0">
+                <a:solidFill>
+                  <a:schemeClr val="tx2">
+                    <a:lumMod val="10000"/>
+                  </a:schemeClr>
+                </a:solidFill>
+              </a:rPr>
+              <a:t>Do it! Yourself!!</a:t>
+            </a:r>
+            <a:endParaRPr lang="ko-KR" altLang="en-US" sz="1000" dirty="0">
+              <a:solidFill>
+                <a:schemeClr val="tx2">
+                  <a:lumMod val="10000"/>
+                </a:schemeClr>
+              </a:solidFill>
+            </a:endParaRPr>
+          </a:p>
+        </p:txBody>
+      </p:sp>
+      <p:sp>
+        <p:nvSpPr>
+          <p:cNvPr id="58" name="TextBox 57"/>
+          <p:cNvSpPr txBox="1"/>
+          <p:nvPr/>
+        </p:nvSpPr>
+        <p:spPr>
+          <a:xfrm>
+            <a:off x="10674908" y="1626000"/>
+            <a:ext cx="1461016" cy="215444"/>
+          </a:xfrm>
+          <a:prstGeom prst="rect">
+            <a:avLst/>
+          </a:prstGeom>
+          <a:noFill/>
+        </p:spPr>
+        <p:txBody>
+          <a:bodyPr wrap="square" rtlCol="0">
+            <a:spAutoFit/>
+          </a:bodyPr>
+          <a:lstStyle/>
+          <a:p>
+            <a:r>
+              <a:rPr lang="ko-KR" altLang="en-US" sz="800" dirty="0" smtClean="0">
+                <a:solidFill>
+                  <a:schemeClr val="tx2">
+                    <a:lumMod val="10000"/>
+                  </a:schemeClr>
+                </a:solidFill>
+              </a:rPr>
+              <a:t>취미바구니   </a:t>
+            </a:r>
+            <a:r>
+              <a:rPr lang="ko-KR" altLang="en-US" sz="800" dirty="0" err="1" smtClean="0">
+                <a:solidFill>
+                  <a:schemeClr val="tx2">
+                    <a:lumMod val="10000"/>
+                  </a:schemeClr>
+                </a:solidFill>
+              </a:rPr>
+              <a:t>내클래스</a:t>
+            </a:r>
+            <a:r>
+              <a:rPr lang="ko-KR" altLang="en-US" sz="800" dirty="0" smtClean="0">
+                <a:solidFill>
+                  <a:schemeClr val="tx2">
+                    <a:lumMod val="10000"/>
+                  </a:schemeClr>
+                </a:solidFill>
+              </a:rPr>
+              <a:t>   검색</a:t>
+            </a:r>
+            <a:endParaRPr lang="ko-KR" altLang="en-US" sz="800" dirty="0">
+              <a:solidFill>
+                <a:schemeClr val="tx2">
+                  <a:lumMod val="10000"/>
+                </a:schemeClr>
+              </a:solidFill>
+            </a:endParaRPr>
+          </a:p>
+        </p:txBody>
+      </p:sp>
+      <p:sp>
+        <p:nvSpPr>
+          <p:cNvPr id="31" name="TextBox 30"/>
+          <p:cNvSpPr txBox="1"/>
+          <p:nvPr/>
+        </p:nvSpPr>
+        <p:spPr>
+          <a:xfrm>
+            <a:off x="598301" y="2591940"/>
+            <a:ext cx="1461016" cy="461665"/>
+          </a:xfrm>
+          <a:prstGeom prst="rect">
+            <a:avLst/>
+          </a:prstGeom>
+          <a:noFill/>
+        </p:spPr>
+        <p:txBody>
+          <a:bodyPr wrap="square" rtlCol="0">
+            <a:spAutoFit/>
+          </a:bodyPr>
+          <a:lstStyle/>
+          <a:p>
+            <a:r>
+              <a:rPr lang="ko-KR" altLang="en-US" sz="800" dirty="0" smtClean="0">
+                <a:solidFill>
+                  <a:schemeClr val="tx2">
+                    <a:lumMod val="10000"/>
+                  </a:schemeClr>
+                </a:solidFill>
+              </a:rPr>
+              <a:t>아이디</a:t>
+            </a:r>
+            <a:endParaRPr lang="en-US" altLang="ko-KR" sz="800" dirty="0" smtClean="0">
+              <a:solidFill>
+                <a:schemeClr val="tx2">
+                  <a:lumMod val="10000"/>
+                </a:schemeClr>
+              </a:solidFill>
+            </a:endParaRPr>
+          </a:p>
+          <a:p>
+            <a:r>
+              <a:rPr lang="ko-KR" altLang="en-US" sz="800" dirty="0" smtClean="0">
+                <a:solidFill>
+                  <a:schemeClr val="tx2">
+                    <a:lumMod val="10000"/>
+                  </a:schemeClr>
+                </a:solidFill>
+              </a:rPr>
+              <a:t>작성 날짜</a:t>
+            </a:r>
+            <a:endParaRPr lang="en-US" altLang="ko-KR" sz="800" dirty="0" smtClean="0">
+              <a:solidFill>
+                <a:schemeClr val="tx2">
+                  <a:lumMod val="10000"/>
+                </a:schemeClr>
+              </a:solidFill>
+            </a:endParaRPr>
+          </a:p>
+          <a:p>
+            <a:r>
+              <a:rPr lang="ko-KR" altLang="en-US" sz="800" dirty="0" smtClean="0">
+                <a:solidFill>
+                  <a:schemeClr val="tx2">
+                    <a:lumMod val="10000"/>
+                  </a:schemeClr>
+                </a:solidFill>
+              </a:rPr>
+              <a:t>☆</a:t>
+            </a:r>
+            <a:r>
+              <a:rPr lang="ko-KR" altLang="en-US" sz="800" dirty="0">
+                <a:solidFill>
+                  <a:schemeClr val="tx2">
+                    <a:lumMod val="10000"/>
+                  </a:schemeClr>
+                </a:solidFill>
+              </a:rPr>
+              <a:t> </a:t>
+            </a:r>
+            <a:r>
+              <a:rPr lang="ko-KR" altLang="en-US" sz="800" dirty="0" smtClean="0">
+                <a:solidFill>
+                  <a:schemeClr val="tx2">
+                    <a:lumMod val="10000"/>
+                  </a:schemeClr>
+                </a:solidFill>
+              </a:rPr>
+              <a:t>☆</a:t>
+            </a:r>
+            <a:r>
+              <a:rPr lang="ko-KR" altLang="en-US" sz="800" dirty="0">
+                <a:solidFill>
+                  <a:schemeClr val="tx2">
+                    <a:lumMod val="10000"/>
+                  </a:schemeClr>
+                </a:solidFill>
+              </a:rPr>
+              <a:t> </a:t>
+            </a:r>
+            <a:r>
+              <a:rPr lang="ko-KR" altLang="en-US" sz="800" dirty="0" smtClean="0">
+                <a:solidFill>
+                  <a:schemeClr val="tx2">
+                    <a:lumMod val="10000"/>
+                  </a:schemeClr>
+                </a:solidFill>
+              </a:rPr>
+              <a:t>☆</a:t>
+            </a:r>
+            <a:r>
+              <a:rPr lang="ko-KR" altLang="en-US" sz="800" dirty="0">
+                <a:solidFill>
+                  <a:schemeClr val="tx2">
+                    <a:lumMod val="10000"/>
+                  </a:schemeClr>
+                </a:solidFill>
+              </a:rPr>
+              <a:t> </a:t>
+            </a:r>
+            <a:r>
+              <a:rPr lang="ko-KR" altLang="en-US" sz="800" dirty="0" smtClean="0">
+                <a:solidFill>
+                  <a:schemeClr val="tx2">
+                    <a:lumMod val="10000"/>
+                  </a:schemeClr>
+                </a:solidFill>
+              </a:rPr>
+              <a:t>☆</a:t>
+            </a:r>
+            <a:r>
+              <a:rPr lang="ko-KR" altLang="en-US" sz="800" dirty="0">
+                <a:solidFill>
+                  <a:schemeClr val="tx2">
+                    <a:lumMod val="10000"/>
+                  </a:schemeClr>
+                </a:solidFill>
+              </a:rPr>
+              <a:t> ☆</a:t>
+            </a:r>
+            <a:endParaRPr lang="ko-KR" altLang="en-US" sz="800" dirty="0">
+              <a:solidFill>
+                <a:schemeClr val="tx2">
+                  <a:lumMod val="10000"/>
+                </a:schemeClr>
+              </a:solidFill>
+            </a:endParaRPr>
+          </a:p>
+        </p:txBody>
+      </p:sp>
+      <p:cxnSp>
+        <p:nvCxnSpPr>
+          <p:cNvPr id="9" name="직선 연결선 8"/>
+          <p:cNvCxnSpPr/>
+          <p:nvPr/>
+        </p:nvCxnSpPr>
+        <p:spPr>
+          <a:xfrm flipV="1">
+            <a:off x="510746" y="2473568"/>
+            <a:ext cx="8246076" cy="0"/>
+          </a:xfrm>
+          <a:prstGeom prst="line">
+            <a:avLst/>
+          </a:prstGeom>
+          <a:ln>
+            <a:solidFill>
+              <a:schemeClr val="tx2">
+                <a:lumMod val="75000"/>
+              </a:schemeClr>
+            </a:solidFill>
+          </a:ln>
+        </p:spPr>
+        <p:style>
+          <a:lnRef idx="1">
+            <a:schemeClr val="accent1"/>
+          </a:lnRef>
+          <a:fillRef idx="0">
+            <a:schemeClr val="accent1"/>
+          </a:fillRef>
+          <a:effectRef idx="0">
+            <a:schemeClr val="accent1"/>
+          </a:effectRef>
+          <a:fontRef idx="minor">
+            <a:schemeClr val="tx1"/>
+          </a:fontRef>
+        </p:style>
+      </p:cxnSp>
+      <p:sp>
+        <p:nvSpPr>
+          <p:cNvPr id="32" name="TextBox 31">
+            <a:extLst>
+              <a:ext uri="{FF2B5EF4-FFF2-40B4-BE49-F238E27FC236}">
+                <a16:creationId xmlns:a16="http://schemas.microsoft.com/office/drawing/2014/main" xmlns="" id="{A91A8208-A88C-4823-9F78-3A5A47219D01}"/>
+              </a:ext>
+            </a:extLst>
+          </p:cNvPr>
+          <p:cNvSpPr txBox="1"/>
+          <p:nvPr/>
+        </p:nvSpPr>
+        <p:spPr>
+          <a:xfrm>
+            <a:off x="510746" y="2099943"/>
+            <a:ext cx="1437313" cy="369332"/>
+          </a:xfrm>
+          <a:prstGeom prst="rect">
+            <a:avLst/>
+          </a:prstGeom>
+          <a:noFill/>
+        </p:spPr>
+        <p:txBody>
+          <a:bodyPr wrap="square" rtlCol="0">
+            <a:spAutoFit/>
+          </a:bodyPr>
+          <a:lstStyle/>
+          <a:p>
+            <a:r>
+              <a:rPr lang="ko-KR" altLang="en-US" b="1" dirty="0" smtClean="0">
+                <a:solidFill>
+                  <a:schemeClr val="bg2">
+                    <a:lumMod val="50000"/>
+                  </a:schemeClr>
+                </a:solidFill>
+              </a:rPr>
+              <a:t>구매 후기</a:t>
+            </a:r>
+            <a:endParaRPr lang="ko-KR" altLang="en-US" sz="1400" b="1" dirty="0">
+              <a:solidFill>
+                <a:schemeClr val="bg2">
+                  <a:lumMod val="50000"/>
+                </a:schemeClr>
+              </a:solidFill>
+            </a:endParaRPr>
+          </a:p>
+        </p:txBody>
+      </p:sp>
+      <p:sp>
+        <p:nvSpPr>
+          <p:cNvPr id="34" name="모서리가 둥근 직사각형 33"/>
+          <p:cNvSpPr/>
+          <p:nvPr/>
+        </p:nvSpPr>
+        <p:spPr>
+          <a:xfrm>
+            <a:off x="519173" y="3114790"/>
+            <a:ext cx="8150042" cy="1207650"/>
+          </a:xfrm>
+          <a:prstGeom prst="roundRect">
+            <a:avLst/>
+          </a:prstGeom>
+          <a:solidFill>
+            <a:schemeClr val="tx1"/>
+          </a:solidFill>
+          <a:ln>
+            <a:solidFill>
+              <a:schemeClr val="tx2">
+                <a:lumMod val="10000"/>
+              </a:schemeClr>
+            </a:solidFill>
+          </a:ln>
+        </p:spPr>
+        <p:style>
+          <a:lnRef idx="2">
+            <a:schemeClr val="accent1">
+              <a:shade val="50000"/>
+            </a:schemeClr>
+          </a:lnRef>
+          <a:fillRef idx="1">
+            <a:schemeClr val="accent1"/>
+          </a:fillRef>
+          <a:effectRef idx="0">
+            <a:schemeClr val="accent1"/>
+          </a:effectRef>
+          <a:fontRef idx="minor">
+            <a:schemeClr val="lt1"/>
+          </a:fontRef>
+        </p:style>
+        <p:txBody>
+          <a:bodyPr rtlCol="0" anchor="ctr"/>
+          <a:lstStyle/>
+          <a:p>
+            <a:pPr algn="ctr"/>
+            <a:r>
+              <a:rPr lang="ko-KR" altLang="en-US" smtClean="0">
+                <a:solidFill>
+                  <a:schemeClr val="tx2">
+                    <a:lumMod val="10000"/>
+                  </a:schemeClr>
+                </a:solidFill>
+              </a:rPr>
+              <a:t>후기 내용</a:t>
+            </a:r>
+            <a:endParaRPr lang="ko-KR" altLang="en-US" dirty="0">
+              <a:solidFill>
+                <a:schemeClr val="tx2">
+                  <a:lumMod val="10000"/>
+                </a:schemeClr>
+              </a:solidFill>
+            </a:endParaRPr>
+          </a:p>
+        </p:txBody>
+      </p:sp>
+      <p:sp>
+        <p:nvSpPr>
+          <p:cNvPr id="35" name="모서리가 둥근 직사각형 34"/>
+          <p:cNvSpPr/>
+          <p:nvPr/>
+        </p:nvSpPr>
+        <p:spPr>
+          <a:xfrm>
+            <a:off x="519173" y="4383625"/>
+            <a:ext cx="8150042" cy="1207650"/>
+          </a:xfrm>
+          <a:prstGeom prst="roundRect">
+            <a:avLst/>
+          </a:prstGeom>
+          <a:solidFill>
+            <a:schemeClr val="tx1"/>
+          </a:solidFill>
+          <a:ln>
+            <a:solidFill>
+              <a:schemeClr val="tx2">
+                <a:lumMod val="10000"/>
+              </a:schemeClr>
+            </a:solidFill>
+          </a:ln>
+        </p:spPr>
+        <p:style>
+          <a:lnRef idx="2">
+            <a:schemeClr val="accent1">
+              <a:shade val="50000"/>
+            </a:schemeClr>
+          </a:lnRef>
+          <a:fillRef idx="1">
+            <a:schemeClr val="accent1"/>
+          </a:fillRef>
+          <a:effectRef idx="0">
+            <a:schemeClr val="accent1"/>
+          </a:effectRef>
+          <a:fontRef idx="minor">
+            <a:schemeClr val="lt1"/>
+          </a:fontRef>
+        </p:style>
+        <p:txBody>
+          <a:bodyPr rtlCol="0" anchor="ctr"/>
+          <a:lstStyle/>
+          <a:p>
+            <a:pPr algn="ctr"/>
+            <a:r>
+              <a:rPr lang="ko-KR" altLang="en-US" dirty="0" err="1" smtClean="0">
+                <a:solidFill>
+                  <a:schemeClr val="tx2">
+                    <a:lumMod val="10000"/>
+                  </a:schemeClr>
+                </a:solidFill>
+              </a:rPr>
+              <a:t>답글</a:t>
+            </a:r>
+            <a:r>
+              <a:rPr lang="ko-KR" altLang="en-US" dirty="0" smtClean="0">
+                <a:solidFill>
+                  <a:schemeClr val="tx2">
+                    <a:lumMod val="10000"/>
+                  </a:schemeClr>
+                </a:solidFill>
+              </a:rPr>
+              <a:t> 내용</a:t>
+            </a:r>
+            <a:endParaRPr lang="ko-KR" altLang="en-US" dirty="0">
+              <a:solidFill>
+                <a:schemeClr val="tx2">
+                  <a:lumMod val="10000"/>
+                </a:schemeClr>
+              </a:solidFill>
+            </a:endParaRPr>
+          </a:p>
+        </p:txBody>
+      </p:sp>
+      <p:sp>
+        <p:nvSpPr>
+          <p:cNvPr id="36" name="TextBox 35">
+            <a:extLst>
+              <a:ext uri="{FF2B5EF4-FFF2-40B4-BE49-F238E27FC236}">
+                <a16:creationId xmlns:a16="http://schemas.microsoft.com/office/drawing/2014/main" xmlns="" id="{A91A8208-A88C-4823-9F78-3A5A47219D01}"/>
+              </a:ext>
+            </a:extLst>
+          </p:cNvPr>
+          <p:cNvSpPr txBox="1"/>
+          <p:nvPr/>
+        </p:nvSpPr>
+        <p:spPr>
+          <a:xfrm>
+            <a:off x="9402647" y="2099943"/>
+            <a:ext cx="1437313" cy="369332"/>
+          </a:xfrm>
+          <a:prstGeom prst="rect">
+            <a:avLst/>
+          </a:prstGeom>
+          <a:noFill/>
+        </p:spPr>
+        <p:txBody>
+          <a:bodyPr wrap="square" rtlCol="0">
+            <a:spAutoFit/>
+          </a:bodyPr>
+          <a:lstStyle/>
+          <a:p>
+            <a:r>
+              <a:rPr lang="ko-KR" altLang="en-US" b="1" dirty="0" smtClean="0">
+                <a:solidFill>
+                  <a:schemeClr val="bg2">
+                    <a:lumMod val="50000"/>
+                  </a:schemeClr>
+                </a:solidFill>
+              </a:rPr>
+              <a:t>구매 후기</a:t>
+            </a:r>
+            <a:endParaRPr lang="ko-KR" altLang="en-US" sz="1400" b="1" dirty="0">
+              <a:solidFill>
+                <a:schemeClr val="bg2">
+                  <a:lumMod val="50000"/>
+                </a:schemeClr>
+              </a:solidFill>
+            </a:endParaRPr>
+          </a:p>
+        </p:txBody>
+      </p:sp>
+      <p:cxnSp>
+        <p:nvCxnSpPr>
+          <p:cNvPr id="37" name="직선 연결선 36"/>
+          <p:cNvCxnSpPr/>
+          <p:nvPr/>
+        </p:nvCxnSpPr>
+        <p:spPr>
+          <a:xfrm>
+            <a:off x="9503943" y="2460055"/>
+            <a:ext cx="2374791" cy="0"/>
+          </a:xfrm>
+          <a:prstGeom prst="line">
+            <a:avLst/>
+          </a:prstGeom>
+          <a:ln>
+            <a:solidFill>
+              <a:schemeClr val="tx2">
+                <a:lumMod val="75000"/>
+              </a:schemeClr>
+            </a:solidFill>
+          </a:ln>
+        </p:spPr>
+        <p:style>
+          <a:lnRef idx="1">
+            <a:schemeClr val="accent1"/>
+          </a:lnRef>
+          <a:fillRef idx="0">
+            <a:schemeClr val="accent1"/>
+          </a:fillRef>
+          <a:effectRef idx="0">
+            <a:schemeClr val="accent1"/>
+          </a:effectRef>
+          <a:fontRef idx="minor">
+            <a:schemeClr val="tx1"/>
+          </a:fontRef>
+        </p:style>
+      </p:cxnSp>
+      <p:sp>
+        <p:nvSpPr>
+          <p:cNvPr id="39" name="모서리가 둥근 직사각형 38"/>
+          <p:cNvSpPr/>
+          <p:nvPr/>
+        </p:nvSpPr>
+        <p:spPr>
+          <a:xfrm>
+            <a:off x="9503942" y="3087886"/>
+            <a:ext cx="2374791" cy="1207650"/>
+          </a:xfrm>
+          <a:prstGeom prst="roundRect">
+            <a:avLst/>
+          </a:prstGeom>
+          <a:solidFill>
+            <a:schemeClr val="tx1"/>
+          </a:solidFill>
+          <a:ln>
+            <a:solidFill>
+              <a:schemeClr val="tx2">
+                <a:lumMod val="10000"/>
+              </a:schemeClr>
+            </a:solidFill>
+          </a:ln>
+        </p:spPr>
+        <p:style>
+          <a:lnRef idx="2">
+            <a:schemeClr val="accent1">
+              <a:shade val="50000"/>
+            </a:schemeClr>
+          </a:lnRef>
+          <a:fillRef idx="1">
+            <a:schemeClr val="accent1"/>
+          </a:fillRef>
+          <a:effectRef idx="0">
+            <a:schemeClr val="accent1"/>
+          </a:effectRef>
+          <a:fontRef idx="minor">
+            <a:schemeClr val="lt1"/>
+          </a:fontRef>
+        </p:style>
+        <p:txBody>
+          <a:bodyPr rtlCol="0" anchor="ctr"/>
+          <a:lstStyle/>
+          <a:p>
+            <a:pPr algn="ctr"/>
+            <a:r>
+              <a:rPr lang="ko-KR" altLang="en-US" smtClean="0">
+                <a:solidFill>
+                  <a:schemeClr val="tx2">
+                    <a:lumMod val="10000"/>
+                  </a:schemeClr>
+                </a:solidFill>
+              </a:rPr>
+              <a:t>후기 내용</a:t>
+            </a:r>
+            <a:endParaRPr lang="ko-KR" altLang="en-US" dirty="0">
+              <a:solidFill>
+                <a:schemeClr val="tx2">
+                  <a:lumMod val="10000"/>
+                </a:schemeClr>
+              </a:solidFill>
+            </a:endParaRPr>
+          </a:p>
+        </p:txBody>
+      </p:sp>
+      <p:sp>
+        <p:nvSpPr>
+          <p:cNvPr id="40" name="TextBox 39"/>
+          <p:cNvSpPr txBox="1"/>
+          <p:nvPr/>
+        </p:nvSpPr>
+        <p:spPr>
+          <a:xfrm>
+            <a:off x="9503943" y="2572307"/>
+            <a:ext cx="1461016" cy="461665"/>
+          </a:xfrm>
+          <a:prstGeom prst="rect">
+            <a:avLst/>
+          </a:prstGeom>
+          <a:noFill/>
+        </p:spPr>
+        <p:txBody>
+          <a:bodyPr wrap="square" rtlCol="0">
+            <a:spAutoFit/>
+          </a:bodyPr>
+          <a:lstStyle/>
+          <a:p>
+            <a:r>
+              <a:rPr lang="ko-KR" altLang="en-US" sz="800" dirty="0" smtClean="0">
+                <a:solidFill>
+                  <a:schemeClr val="tx2">
+                    <a:lumMod val="10000"/>
+                  </a:schemeClr>
+                </a:solidFill>
+              </a:rPr>
+              <a:t>아이디</a:t>
+            </a:r>
+            <a:endParaRPr lang="en-US" altLang="ko-KR" sz="800" dirty="0" smtClean="0">
+              <a:solidFill>
+                <a:schemeClr val="tx2">
+                  <a:lumMod val="10000"/>
+                </a:schemeClr>
+              </a:solidFill>
+            </a:endParaRPr>
+          </a:p>
+          <a:p>
+            <a:r>
+              <a:rPr lang="ko-KR" altLang="en-US" sz="800" dirty="0" smtClean="0">
+                <a:solidFill>
+                  <a:schemeClr val="tx2">
+                    <a:lumMod val="10000"/>
+                  </a:schemeClr>
+                </a:solidFill>
+              </a:rPr>
+              <a:t>작성 날짜</a:t>
+            </a:r>
+            <a:endParaRPr lang="en-US" altLang="ko-KR" sz="800" dirty="0" smtClean="0">
+              <a:solidFill>
+                <a:schemeClr val="tx2">
+                  <a:lumMod val="10000"/>
+                </a:schemeClr>
+              </a:solidFill>
+            </a:endParaRPr>
+          </a:p>
+          <a:p>
+            <a:r>
+              <a:rPr lang="ko-KR" altLang="en-US" sz="800" dirty="0" smtClean="0">
+                <a:solidFill>
+                  <a:schemeClr val="tx2">
+                    <a:lumMod val="10000"/>
+                  </a:schemeClr>
+                </a:solidFill>
+              </a:rPr>
+              <a:t>☆</a:t>
+            </a:r>
+            <a:r>
+              <a:rPr lang="ko-KR" altLang="en-US" sz="800" dirty="0">
+                <a:solidFill>
+                  <a:schemeClr val="tx2">
+                    <a:lumMod val="10000"/>
+                  </a:schemeClr>
+                </a:solidFill>
+              </a:rPr>
+              <a:t> </a:t>
+            </a:r>
+            <a:r>
+              <a:rPr lang="ko-KR" altLang="en-US" sz="800" dirty="0" smtClean="0">
+                <a:solidFill>
+                  <a:schemeClr val="tx2">
+                    <a:lumMod val="10000"/>
+                  </a:schemeClr>
+                </a:solidFill>
+              </a:rPr>
+              <a:t>☆</a:t>
+            </a:r>
+            <a:r>
+              <a:rPr lang="ko-KR" altLang="en-US" sz="800" dirty="0">
+                <a:solidFill>
+                  <a:schemeClr val="tx2">
+                    <a:lumMod val="10000"/>
+                  </a:schemeClr>
+                </a:solidFill>
+              </a:rPr>
+              <a:t> </a:t>
+            </a:r>
+            <a:r>
+              <a:rPr lang="ko-KR" altLang="en-US" sz="800" dirty="0" smtClean="0">
+                <a:solidFill>
+                  <a:schemeClr val="tx2">
+                    <a:lumMod val="10000"/>
+                  </a:schemeClr>
+                </a:solidFill>
+              </a:rPr>
+              <a:t>☆</a:t>
+            </a:r>
+            <a:r>
+              <a:rPr lang="ko-KR" altLang="en-US" sz="800" dirty="0">
+                <a:solidFill>
+                  <a:schemeClr val="tx2">
+                    <a:lumMod val="10000"/>
+                  </a:schemeClr>
+                </a:solidFill>
+              </a:rPr>
+              <a:t> </a:t>
+            </a:r>
+            <a:r>
+              <a:rPr lang="ko-KR" altLang="en-US" sz="800" dirty="0" smtClean="0">
+                <a:solidFill>
+                  <a:schemeClr val="tx2">
+                    <a:lumMod val="10000"/>
+                  </a:schemeClr>
+                </a:solidFill>
+              </a:rPr>
+              <a:t>☆</a:t>
+            </a:r>
+            <a:r>
+              <a:rPr lang="ko-KR" altLang="en-US" sz="800" dirty="0">
+                <a:solidFill>
+                  <a:schemeClr val="tx2">
+                    <a:lumMod val="10000"/>
+                  </a:schemeClr>
+                </a:solidFill>
+              </a:rPr>
+              <a:t> ☆</a:t>
+            </a:r>
+            <a:endParaRPr lang="ko-KR" altLang="en-US" sz="800" dirty="0">
+              <a:solidFill>
+                <a:schemeClr val="tx2">
+                  <a:lumMod val="10000"/>
+                </a:schemeClr>
+              </a:solidFill>
+            </a:endParaRPr>
+          </a:p>
+        </p:txBody>
+      </p:sp>
+      <p:sp>
+        <p:nvSpPr>
+          <p:cNvPr id="41" name="모서리가 둥근 직사각형 40"/>
+          <p:cNvSpPr/>
+          <p:nvPr/>
+        </p:nvSpPr>
+        <p:spPr>
+          <a:xfrm>
+            <a:off x="9503942" y="4414039"/>
+            <a:ext cx="2374791" cy="1207650"/>
+          </a:xfrm>
+          <a:prstGeom prst="roundRect">
+            <a:avLst/>
+          </a:prstGeom>
+          <a:solidFill>
+            <a:schemeClr val="tx1"/>
+          </a:solidFill>
+          <a:ln>
+            <a:solidFill>
+              <a:schemeClr val="tx2">
+                <a:lumMod val="10000"/>
+              </a:schemeClr>
+            </a:solidFill>
+          </a:ln>
+        </p:spPr>
+        <p:style>
+          <a:lnRef idx="2">
+            <a:schemeClr val="accent1">
+              <a:shade val="50000"/>
+            </a:schemeClr>
+          </a:lnRef>
+          <a:fillRef idx="1">
+            <a:schemeClr val="accent1"/>
+          </a:fillRef>
+          <a:effectRef idx="0">
+            <a:schemeClr val="accent1"/>
+          </a:effectRef>
+          <a:fontRef idx="minor">
+            <a:schemeClr val="lt1"/>
+          </a:fontRef>
+        </p:style>
+        <p:txBody>
+          <a:bodyPr rtlCol="0" anchor="ctr"/>
+          <a:lstStyle/>
+          <a:p>
+            <a:pPr algn="ctr"/>
+            <a:r>
+              <a:rPr lang="ko-KR" altLang="en-US" dirty="0" err="1" smtClean="0">
+                <a:solidFill>
+                  <a:schemeClr val="tx2">
+                    <a:lumMod val="10000"/>
+                  </a:schemeClr>
+                </a:solidFill>
+              </a:rPr>
+              <a:t>답글내용</a:t>
+            </a:r>
+            <a:endParaRPr lang="ko-KR" altLang="en-US" dirty="0">
+              <a:solidFill>
+                <a:schemeClr val="tx2">
+                  <a:lumMod val="10000"/>
+                </a:schemeClr>
+              </a:solidFill>
+            </a:endParaRPr>
+          </a:p>
+        </p:txBody>
+      </p:sp>
+      <p:cxnSp>
+        <p:nvCxnSpPr>
+          <p:cNvPr id="44" name="직선 연결선 43"/>
+          <p:cNvCxnSpPr/>
+          <p:nvPr/>
+        </p:nvCxnSpPr>
+        <p:spPr>
+          <a:xfrm>
+            <a:off x="9353726" y="6254769"/>
+            <a:ext cx="2691579" cy="0"/>
+          </a:xfrm>
+          <a:prstGeom prst="line">
+            <a:avLst/>
+          </a:prstGeom>
+          <a:ln>
+            <a:solidFill>
+              <a:schemeClr val="tx2">
+                <a:lumMod val="10000"/>
+              </a:schemeClr>
+            </a:solidFill>
+          </a:ln>
+        </p:spPr>
+        <p:style>
+          <a:lnRef idx="1">
+            <a:schemeClr val="accent1"/>
+          </a:lnRef>
+          <a:fillRef idx="0">
+            <a:schemeClr val="accent1"/>
+          </a:fillRef>
+          <a:effectRef idx="0">
+            <a:schemeClr val="accent1"/>
+          </a:effectRef>
+          <a:fontRef idx="minor">
+            <a:schemeClr val="tx1"/>
+          </a:fontRef>
+        </p:style>
+      </p:cxnSp>
+    </p:spTree>
+    <p:extLst>
+      <p:ext uri="{BB962C8B-B14F-4D97-AF65-F5344CB8AC3E}">
+        <p14:creationId xmlns:p14="http://schemas.microsoft.com/office/powerpoint/2010/main" val="2603691622"/>
       </p:ext>
     </p:extLst>
   </p:cSld>
@@ -15281,7 +19706,7 @@
           <p:cNvPr id="2" name="그림 1" descr="시계이(가) 표시된 사진&#10;&#10;자동 생성된 설명">
             <a:extLst>
               <a:ext uri="{FF2B5EF4-FFF2-40B4-BE49-F238E27FC236}">
-                <a16:creationId xmlns="" xmlns:a16="http://schemas.microsoft.com/office/drawing/2014/main" id="{4FA73557-CD11-4A11-A485-D4FAF94D8AF2}"/>
+                <a16:creationId xmlns:a16="http://schemas.microsoft.com/office/drawing/2014/main" xmlns="" id="{4FA73557-CD11-4A11-A485-D4FAF94D8AF2}"/>
               </a:ext>
             </a:extLst>
           </p:cNvPr>
@@ -15317,7 +19742,7 @@
           <p:cNvPr id="3" name="TextBox 2">
             <a:extLst>
               <a:ext uri="{FF2B5EF4-FFF2-40B4-BE49-F238E27FC236}">
-                <a16:creationId xmlns="" xmlns:a16="http://schemas.microsoft.com/office/drawing/2014/main" id="{547F2916-8C9D-49EB-9196-408ACF18A4B7}"/>
+                <a16:creationId xmlns:a16="http://schemas.microsoft.com/office/drawing/2014/main" xmlns="" id="{547F2916-8C9D-49EB-9196-408ACF18A4B7}"/>
               </a:ext>
             </a:extLst>
           </p:cNvPr>
@@ -15385,7 +19810,7 @@
           <p:cNvPr id="4" name="TextBox 3">
             <a:extLst>
               <a:ext uri="{FF2B5EF4-FFF2-40B4-BE49-F238E27FC236}">
-                <a16:creationId xmlns="" xmlns:a16="http://schemas.microsoft.com/office/drawing/2014/main" id="{6BBE2405-3F2E-44BB-92A1-A30A449E7327}"/>
+                <a16:creationId xmlns:a16="http://schemas.microsoft.com/office/drawing/2014/main" xmlns="" id="{6BBE2405-3F2E-44BB-92A1-A30A449E7327}"/>
               </a:ext>
             </a:extLst>
           </p:cNvPr>
@@ -15487,7 +19912,7 @@
           <p:cNvPr id="5" name="직선 연결선 4">
             <a:extLst>
               <a:ext uri="{FF2B5EF4-FFF2-40B4-BE49-F238E27FC236}">
-                <a16:creationId xmlns="" xmlns:a16="http://schemas.microsoft.com/office/drawing/2014/main" id="{9605D211-7217-4B3A-B485-6EFC30372C7D}"/>
+                <a16:creationId xmlns:a16="http://schemas.microsoft.com/office/drawing/2014/main" xmlns="" id="{9605D211-7217-4B3A-B485-6EFC30372C7D}"/>
               </a:ext>
             </a:extLst>
           </p:cNvPr>
@@ -15529,6 +19954,2213 @@
     <p:extLst>
       <p:ext uri="{BB962C8B-B14F-4D97-AF65-F5344CB8AC3E}">
         <p14:creationId xmlns:p14="http://schemas.microsoft.com/office/powerpoint/2010/main" val="1203382110"/>
+      </p:ext>
+    </p:extLst>
+  </p:cSld>
+  <p:clrMapOvr>
+    <a:masterClrMapping/>
+  </p:clrMapOvr>
+</p:sld>
+</file>
+
+<file path=ppt/slides/slide20.xml><?xml version="1.0" encoding="utf-8"?>
+<p:sld xmlns:a="http://schemas.openxmlformats.org/drawingml/2006/main" xmlns:r="http://schemas.openxmlformats.org/officeDocument/2006/relationships" xmlns:p="http://schemas.openxmlformats.org/presentationml/2006/main">
+  <p:cSld>
+    <p:spTree>
+      <p:nvGrpSpPr>
+        <p:cNvPr id="1" name=""/>
+        <p:cNvGrpSpPr/>
+        <p:nvPr/>
+      </p:nvGrpSpPr>
+      <p:grpSpPr>
+        <a:xfrm>
+          <a:off x="0" y="0"/>
+          <a:ext cx="0" cy="0"/>
+          <a:chOff x="0" y="0"/>
+          <a:chExt cx="0" cy="0"/>
+        </a:xfrm>
+      </p:grpSpPr>
+      <p:sp>
+        <p:nvSpPr>
+          <p:cNvPr id="2" name="직사각형 1">
+            <a:extLst>
+              <a:ext uri="{FF2B5EF4-FFF2-40B4-BE49-F238E27FC236}">
+                <a16:creationId xmlns:a16="http://schemas.microsoft.com/office/drawing/2014/main" xmlns="" id="{7EBAE3E4-4335-499B-BDF0-8B5BC8F6285D}"/>
+              </a:ext>
+            </a:extLst>
+          </p:cNvPr>
+          <p:cNvSpPr/>
+          <p:nvPr/>
+        </p:nvSpPr>
+        <p:spPr>
+          <a:xfrm>
+            <a:off x="0" y="241183"/>
+            <a:ext cx="12192000" cy="6375633"/>
+          </a:xfrm>
+          <a:prstGeom prst="rect">
+            <a:avLst/>
+          </a:prstGeom>
+          <a:solidFill>
+            <a:schemeClr val="tx1"/>
+          </a:solidFill>
+          <a:ln>
+            <a:solidFill>
+              <a:schemeClr val="tx1"/>
+            </a:solidFill>
+          </a:ln>
+        </p:spPr>
+        <p:style>
+          <a:lnRef idx="2">
+            <a:schemeClr val="accent1">
+              <a:shade val="50000"/>
+            </a:schemeClr>
+          </a:lnRef>
+          <a:fillRef idx="1">
+            <a:schemeClr val="accent1"/>
+          </a:fillRef>
+          <a:effectRef idx="0">
+            <a:schemeClr val="accent1"/>
+          </a:effectRef>
+          <a:fontRef idx="minor">
+            <a:schemeClr val="lt1"/>
+          </a:fontRef>
+        </p:style>
+        <p:txBody>
+          <a:bodyPr rtlCol="0" anchor="ctr"/>
+          <a:lstStyle/>
+          <a:p>
+            <a:pPr algn="ctr"/>
+            <a:endParaRPr lang="ko-KR" altLang="en-US" dirty="0"/>
+          </a:p>
+        </p:txBody>
+      </p:sp>
+      <p:pic>
+        <p:nvPicPr>
+          <p:cNvPr id="3" name="그림 2" descr="시계이(가) 표시된 사진&#10;&#10;자동 생성된 설명">
+            <a:extLst>
+              <a:ext uri="{FF2B5EF4-FFF2-40B4-BE49-F238E27FC236}">
+                <a16:creationId xmlns:a16="http://schemas.microsoft.com/office/drawing/2014/main" xmlns="" id="{92513313-A1ED-4A08-9676-9885D86B2222}"/>
+              </a:ext>
+            </a:extLst>
+          </p:cNvPr>
+          <p:cNvPicPr>
+            <a:picLocks noChangeAspect="1"/>
+          </p:cNvPicPr>
+          <p:nvPr/>
+        </p:nvPicPr>
+        <p:blipFill>
+          <a:blip r:embed="rId5" cstate="print">
+            <a:extLst>
+              <a:ext uri="{28A0092B-C50C-407E-A947-70E740481C1C}">
+                <a14:useLocalDpi xmlns:a14="http://schemas.microsoft.com/office/drawing/2010/main" val="0"/>
+              </a:ext>
+            </a:extLst>
+          </a:blip>
+          <a:stretch>
+            <a:fillRect/>
+          </a:stretch>
+        </p:blipFill>
+        <p:spPr>
+          <a:xfrm>
+            <a:off x="61234" y="289421"/>
+            <a:ext cx="542773" cy="542773"/>
+          </a:xfrm>
+          <a:prstGeom prst="rect">
+            <a:avLst/>
+          </a:prstGeom>
+        </p:spPr>
+      </p:pic>
+      <p:sp>
+        <p:nvSpPr>
+          <p:cNvPr id="4" name="TextBox 3">
+            <a:extLst>
+              <a:ext uri="{FF2B5EF4-FFF2-40B4-BE49-F238E27FC236}">
+                <a16:creationId xmlns:a16="http://schemas.microsoft.com/office/drawing/2014/main" xmlns="" id="{E748B248-D9B8-42F5-8F0A-0C57F9E8A9D8}"/>
+              </a:ext>
+            </a:extLst>
+          </p:cNvPr>
+          <p:cNvSpPr txBox="1"/>
+          <p:nvPr/>
+        </p:nvSpPr>
+        <p:spPr>
+          <a:xfrm>
+            <a:off x="604007" y="268419"/>
+            <a:ext cx="2533474" cy="584775"/>
+          </a:xfrm>
+          <a:prstGeom prst="rect">
+            <a:avLst/>
+          </a:prstGeom>
+          <a:noFill/>
+        </p:spPr>
+        <p:txBody>
+          <a:bodyPr wrap="square" rtlCol="0">
+            <a:spAutoFit/>
+          </a:bodyPr>
+          <a:lstStyle/>
+          <a:p>
+            <a:r>
+              <a:rPr lang="en-US" altLang="ko-KR" sz="3200" dirty="0">
+                <a:solidFill>
+                  <a:srgbClr val="66FF66"/>
+                </a:solidFill>
+                <a:latin typeface="Arial Rounded MT Bold" panose="020F0704030504030204" pitchFamily="34" charset="0"/>
+              </a:rPr>
+              <a:t>Wire Frame</a:t>
+            </a:r>
+            <a:endParaRPr lang="ko-KR" altLang="en-US" sz="3200" dirty="0">
+              <a:solidFill>
+                <a:srgbClr val="66FF66"/>
+              </a:solidFill>
+              <a:latin typeface="Arial Rounded MT Bold" panose="020F0704030504030204" pitchFamily="34" charset="0"/>
+            </a:endParaRPr>
+          </a:p>
+        </p:txBody>
+      </p:sp>
+      <p:sp>
+        <p:nvSpPr>
+          <p:cNvPr id="6" name="Window Body" descr="&lt;SmartSettings&gt;&lt;SmartResize anchorLeft=&quot;Absolute&quot; anchorTop=&quot;Absolute&quot; anchorRight=&quot;Absolute&quot; anchorBottom=&quot;Absolute&quot; /&gt;&lt;/SmartSettings&gt;">
+            <a:extLst>
+              <a:ext uri="{FF2B5EF4-FFF2-40B4-BE49-F238E27FC236}">
+                <a16:creationId xmlns:a16="http://schemas.microsoft.com/office/drawing/2014/main" xmlns="" id="{E38A150B-1AD9-431B-9D06-C17150181DD0}"/>
+              </a:ext>
+            </a:extLst>
+          </p:cNvPr>
+          <p:cNvSpPr>
+            <a:spLocks/>
+          </p:cNvSpPr>
+          <p:nvPr>
+            <p:custDataLst>
+              <p:tags r:id="rId1"/>
+            </p:custDataLst>
+          </p:nvPr>
+        </p:nvSpPr>
+        <p:spPr>
+          <a:xfrm>
+            <a:off x="9353726" y="1510018"/>
+            <a:ext cx="2709644" cy="5058561"/>
+          </a:xfrm>
+          <a:prstGeom prst="rect">
+            <a:avLst/>
+          </a:prstGeom>
+          <a:ln>
+            <a:solidFill>
+              <a:schemeClr val="bg2">
+                <a:lumMod val="50000"/>
+              </a:schemeClr>
+            </a:solidFill>
+          </a:ln>
+        </p:spPr>
+        <p:style>
+          <a:lnRef idx="2">
+            <a:schemeClr val="dk1"/>
+          </a:lnRef>
+          <a:fillRef idx="1">
+            <a:schemeClr val="lt1"/>
+          </a:fillRef>
+          <a:effectRef idx="0">
+            <a:schemeClr val="dk1"/>
+          </a:effectRef>
+          <a:fontRef idx="minor">
+            <a:schemeClr val="dk1"/>
+          </a:fontRef>
+        </p:style>
+        <p:txBody>
+          <a:bodyPr rot="0" spcFirstLastPara="0" vert="horz" wrap="square" lIns="91440" tIns="45720" rIns="91440" bIns="45720" numCol="1" spcCol="0" rtlCol="0" fromWordArt="0" anchor="ctr" anchorCtr="0" forceAA="0" compatLnSpc="1">
+            <a:prstTxWarp prst="textNoShape">
+              <a:avLst/>
+            </a:prstTxWarp>
+            <a:noAutofit/>
+          </a:bodyPr>
+          <a:lstStyle>
+            <a:defPPr>
+              <a:defRPr lang="en-US"/>
+            </a:defPPr>
+            <a:lvl1pPr marL="0" algn="l" defTabSz="914400" rtl="0" eaLnBrk="1" latinLnBrk="0" hangingPunct="1">
+              <a:defRPr sz="1800" kern="1200">
+                <a:solidFill>
+                  <a:schemeClr val="lt1"/>
+                </a:solidFill>
+                <a:latin typeface="+mn-lt"/>
+                <a:ea typeface="+mn-ea"/>
+                <a:cs typeface="+mn-cs"/>
+              </a:defRPr>
+            </a:lvl1pPr>
+            <a:lvl2pPr marL="457200" algn="l" defTabSz="914400" rtl="0" eaLnBrk="1" latinLnBrk="0" hangingPunct="1">
+              <a:defRPr sz="1800" kern="1200">
+                <a:solidFill>
+                  <a:schemeClr val="lt1"/>
+                </a:solidFill>
+                <a:latin typeface="+mn-lt"/>
+                <a:ea typeface="+mn-ea"/>
+                <a:cs typeface="+mn-cs"/>
+              </a:defRPr>
+            </a:lvl2pPr>
+            <a:lvl3pPr marL="914400" algn="l" defTabSz="914400" rtl="0" eaLnBrk="1" latinLnBrk="0" hangingPunct="1">
+              <a:defRPr sz="1800" kern="1200">
+                <a:solidFill>
+                  <a:schemeClr val="lt1"/>
+                </a:solidFill>
+                <a:latin typeface="+mn-lt"/>
+                <a:ea typeface="+mn-ea"/>
+                <a:cs typeface="+mn-cs"/>
+              </a:defRPr>
+            </a:lvl3pPr>
+            <a:lvl4pPr marL="1371600" algn="l" defTabSz="914400" rtl="0" eaLnBrk="1" latinLnBrk="0" hangingPunct="1">
+              <a:defRPr sz="1800" kern="1200">
+                <a:solidFill>
+                  <a:schemeClr val="lt1"/>
+                </a:solidFill>
+                <a:latin typeface="+mn-lt"/>
+                <a:ea typeface="+mn-ea"/>
+                <a:cs typeface="+mn-cs"/>
+              </a:defRPr>
+            </a:lvl4pPr>
+            <a:lvl5pPr marL="1828800" algn="l" defTabSz="914400" rtl="0" eaLnBrk="1" latinLnBrk="0" hangingPunct="1">
+              <a:defRPr sz="1800" kern="1200">
+                <a:solidFill>
+                  <a:schemeClr val="lt1"/>
+                </a:solidFill>
+                <a:latin typeface="+mn-lt"/>
+                <a:ea typeface="+mn-ea"/>
+                <a:cs typeface="+mn-cs"/>
+              </a:defRPr>
+            </a:lvl5pPr>
+            <a:lvl6pPr marL="2286000" algn="l" defTabSz="914400" rtl="0" eaLnBrk="1" latinLnBrk="0" hangingPunct="1">
+              <a:defRPr sz="1800" kern="1200">
+                <a:solidFill>
+                  <a:schemeClr val="lt1"/>
+                </a:solidFill>
+                <a:latin typeface="+mn-lt"/>
+                <a:ea typeface="+mn-ea"/>
+                <a:cs typeface="+mn-cs"/>
+              </a:defRPr>
+            </a:lvl6pPr>
+            <a:lvl7pPr marL="2743200" algn="l" defTabSz="914400" rtl="0" eaLnBrk="1" latinLnBrk="0" hangingPunct="1">
+              <a:defRPr sz="1800" kern="1200">
+                <a:solidFill>
+                  <a:schemeClr val="lt1"/>
+                </a:solidFill>
+                <a:latin typeface="+mn-lt"/>
+                <a:ea typeface="+mn-ea"/>
+                <a:cs typeface="+mn-cs"/>
+              </a:defRPr>
+            </a:lvl7pPr>
+            <a:lvl8pPr marL="3200400" algn="l" defTabSz="914400" rtl="0" eaLnBrk="1" latinLnBrk="0" hangingPunct="1">
+              <a:defRPr sz="1800" kern="1200">
+                <a:solidFill>
+                  <a:schemeClr val="lt1"/>
+                </a:solidFill>
+                <a:latin typeface="+mn-lt"/>
+                <a:ea typeface="+mn-ea"/>
+                <a:cs typeface="+mn-cs"/>
+              </a:defRPr>
+            </a:lvl8pPr>
+            <a:lvl9pPr marL="3657600" algn="l" defTabSz="914400" rtl="0" eaLnBrk="1" latinLnBrk="0" hangingPunct="1">
+              <a:defRPr sz="1800" kern="1200">
+                <a:solidFill>
+                  <a:schemeClr val="lt1"/>
+                </a:solidFill>
+                <a:latin typeface="+mn-lt"/>
+                <a:ea typeface="+mn-ea"/>
+                <a:cs typeface="+mn-cs"/>
+              </a:defRPr>
+            </a:lvl9pPr>
+          </a:lstStyle>
+          <a:p>
+            <a:pPr algn="ctr"/>
+            <a:endParaRPr lang="en-US" sz="900" dirty="0">
+              <a:solidFill>
+                <a:srgbClr val="5F5F5F"/>
+              </a:solidFill>
+              <a:latin typeface="Segoe UI" panose="020B0502040204020203" pitchFamily="34" charset="0"/>
+              <a:cs typeface="Segoe UI" panose="020B0502040204020203" pitchFamily="34" charset="0"/>
+            </a:endParaRPr>
+          </a:p>
+        </p:txBody>
+      </p:sp>
+      <p:sp>
+        <p:nvSpPr>
+          <p:cNvPr id="7" name="TextBox 6">
+            <a:extLst>
+              <a:ext uri="{FF2B5EF4-FFF2-40B4-BE49-F238E27FC236}">
+                <a16:creationId xmlns:a16="http://schemas.microsoft.com/office/drawing/2014/main" xmlns="" id="{D2726034-308D-4366-944B-FFF27DEC5755}"/>
+              </a:ext>
+            </a:extLst>
+          </p:cNvPr>
+          <p:cNvSpPr txBox="1"/>
+          <p:nvPr/>
+        </p:nvSpPr>
+        <p:spPr>
+          <a:xfrm>
+            <a:off x="61233" y="1032823"/>
+            <a:ext cx="8875552" cy="369332"/>
+          </a:xfrm>
+          <a:prstGeom prst="rect">
+            <a:avLst/>
+          </a:prstGeom>
+          <a:noFill/>
+        </p:spPr>
+        <p:txBody>
+          <a:bodyPr wrap="square" rtlCol="0">
+            <a:spAutoFit/>
+          </a:bodyPr>
+          <a:lstStyle/>
+          <a:p>
+            <a:r>
+              <a:rPr lang="ko-KR" altLang="en-US" dirty="0" smtClean="0">
+                <a:solidFill>
+                  <a:srgbClr val="002060"/>
+                </a:solidFill>
+              </a:rPr>
+              <a:t>배</a:t>
+            </a:r>
+            <a:r>
+              <a:rPr lang="ko-KR" altLang="en-US" dirty="0" smtClean="0">
+                <a:solidFill>
+                  <a:srgbClr val="002060"/>
+                </a:solidFill>
+              </a:rPr>
+              <a:t>송</a:t>
+            </a:r>
+            <a:r>
+              <a:rPr lang="en-US" altLang="ko-KR" dirty="0" smtClean="0">
+                <a:solidFill>
+                  <a:srgbClr val="002060"/>
+                </a:solidFill>
+              </a:rPr>
+              <a:t>/</a:t>
+            </a:r>
+            <a:r>
+              <a:rPr lang="ko-KR" altLang="en-US" dirty="0" smtClean="0">
+                <a:solidFill>
+                  <a:srgbClr val="002060"/>
+                </a:solidFill>
+              </a:rPr>
+              <a:t>교환</a:t>
+            </a:r>
+            <a:r>
+              <a:rPr lang="en-US" altLang="ko-KR" dirty="0" smtClean="0">
+                <a:solidFill>
+                  <a:srgbClr val="002060"/>
+                </a:solidFill>
+              </a:rPr>
+              <a:t>/</a:t>
+            </a:r>
+            <a:r>
+              <a:rPr lang="ko-KR" altLang="en-US" dirty="0" smtClean="0">
+                <a:solidFill>
+                  <a:srgbClr val="002060"/>
+                </a:solidFill>
+              </a:rPr>
+              <a:t>환불 안내</a:t>
+            </a:r>
+            <a:r>
+              <a:rPr lang="ko-KR" altLang="en-US" dirty="0" smtClean="0">
+                <a:solidFill>
+                  <a:srgbClr val="002060"/>
+                </a:solidFill>
+              </a:rPr>
+              <a:t> </a:t>
+            </a:r>
+            <a:r>
+              <a:rPr lang="ko-KR" altLang="en-US" dirty="0">
+                <a:solidFill>
+                  <a:srgbClr val="002060"/>
+                </a:solidFill>
+              </a:rPr>
+              <a:t>페이지</a:t>
+            </a:r>
+          </a:p>
+        </p:txBody>
+      </p:sp>
+      <p:sp>
+        <p:nvSpPr>
+          <p:cNvPr id="17" name="Window Body" descr="&lt;SmartSettings&gt;&lt;SmartResize anchorLeft=&quot;Absolute&quot; anchorTop=&quot;Absolute&quot; anchorRight=&quot;Absolute&quot; anchorBottom=&quot;Absolute&quot; /&gt;&lt;/SmartSettings&gt;">
+            <a:extLst>
+              <a:ext uri="{FF2B5EF4-FFF2-40B4-BE49-F238E27FC236}">
+                <a16:creationId xmlns:a16="http://schemas.microsoft.com/office/drawing/2014/main" xmlns="" id="{DD15E406-86D5-43EE-8219-49B0E1FA0E30}"/>
+              </a:ext>
+            </a:extLst>
+          </p:cNvPr>
+          <p:cNvSpPr/>
+          <p:nvPr>
+            <p:custDataLst>
+              <p:tags r:id="rId2"/>
+            </p:custDataLst>
+          </p:nvPr>
+        </p:nvSpPr>
+        <p:spPr>
+          <a:xfrm>
+            <a:off x="128630" y="1510018"/>
+            <a:ext cx="9040536" cy="5058561"/>
+          </a:xfrm>
+          <a:prstGeom prst="rect">
+            <a:avLst/>
+          </a:prstGeom>
+          <a:ln>
+            <a:solidFill>
+              <a:schemeClr val="bg2"/>
+            </a:solidFill>
+          </a:ln>
+        </p:spPr>
+        <p:style>
+          <a:lnRef idx="2">
+            <a:schemeClr val="dk1"/>
+          </a:lnRef>
+          <a:fillRef idx="1">
+            <a:schemeClr val="lt1"/>
+          </a:fillRef>
+          <a:effectRef idx="0">
+            <a:schemeClr val="dk1"/>
+          </a:effectRef>
+          <a:fontRef idx="minor">
+            <a:schemeClr val="dk1"/>
+          </a:fontRef>
+        </p:style>
+        <p:txBody>
+          <a:bodyPr rot="0" spcFirstLastPara="0" vert="horz" wrap="square" lIns="91440" tIns="45720" rIns="91440" bIns="45720" numCol="1" spcCol="0" rtlCol="0" fromWordArt="0" anchor="ctr" anchorCtr="0" forceAA="0" compatLnSpc="1">
+            <a:prstTxWarp prst="textNoShape">
+              <a:avLst/>
+            </a:prstTxWarp>
+            <a:noAutofit/>
+          </a:bodyPr>
+          <a:lstStyle>
+            <a:defPPr>
+              <a:defRPr lang="en-US"/>
+            </a:defPPr>
+            <a:lvl1pPr marL="0" algn="l" defTabSz="914400" rtl="0" eaLnBrk="1" latinLnBrk="0" hangingPunct="1">
+              <a:defRPr sz="1800" kern="1200">
+                <a:solidFill>
+                  <a:schemeClr val="lt1"/>
+                </a:solidFill>
+                <a:latin typeface="+mn-lt"/>
+                <a:ea typeface="+mn-ea"/>
+                <a:cs typeface="+mn-cs"/>
+              </a:defRPr>
+            </a:lvl1pPr>
+            <a:lvl2pPr marL="457200" algn="l" defTabSz="914400" rtl="0" eaLnBrk="1" latinLnBrk="0" hangingPunct="1">
+              <a:defRPr sz="1800" kern="1200">
+                <a:solidFill>
+                  <a:schemeClr val="lt1"/>
+                </a:solidFill>
+                <a:latin typeface="+mn-lt"/>
+                <a:ea typeface="+mn-ea"/>
+                <a:cs typeface="+mn-cs"/>
+              </a:defRPr>
+            </a:lvl2pPr>
+            <a:lvl3pPr marL="914400" algn="l" defTabSz="914400" rtl="0" eaLnBrk="1" latinLnBrk="0" hangingPunct="1">
+              <a:defRPr sz="1800" kern="1200">
+                <a:solidFill>
+                  <a:schemeClr val="lt1"/>
+                </a:solidFill>
+                <a:latin typeface="+mn-lt"/>
+                <a:ea typeface="+mn-ea"/>
+                <a:cs typeface="+mn-cs"/>
+              </a:defRPr>
+            </a:lvl3pPr>
+            <a:lvl4pPr marL="1371600" algn="l" defTabSz="914400" rtl="0" eaLnBrk="1" latinLnBrk="0" hangingPunct="1">
+              <a:defRPr sz="1800" kern="1200">
+                <a:solidFill>
+                  <a:schemeClr val="lt1"/>
+                </a:solidFill>
+                <a:latin typeface="+mn-lt"/>
+                <a:ea typeface="+mn-ea"/>
+                <a:cs typeface="+mn-cs"/>
+              </a:defRPr>
+            </a:lvl4pPr>
+            <a:lvl5pPr marL="1828800" algn="l" defTabSz="914400" rtl="0" eaLnBrk="1" latinLnBrk="0" hangingPunct="1">
+              <a:defRPr sz="1800" kern="1200">
+                <a:solidFill>
+                  <a:schemeClr val="lt1"/>
+                </a:solidFill>
+                <a:latin typeface="+mn-lt"/>
+                <a:ea typeface="+mn-ea"/>
+                <a:cs typeface="+mn-cs"/>
+              </a:defRPr>
+            </a:lvl5pPr>
+            <a:lvl6pPr marL="2286000" algn="l" defTabSz="914400" rtl="0" eaLnBrk="1" latinLnBrk="0" hangingPunct="1">
+              <a:defRPr sz="1800" kern="1200">
+                <a:solidFill>
+                  <a:schemeClr val="lt1"/>
+                </a:solidFill>
+                <a:latin typeface="+mn-lt"/>
+                <a:ea typeface="+mn-ea"/>
+                <a:cs typeface="+mn-cs"/>
+              </a:defRPr>
+            </a:lvl6pPr>
+            <a:lvl7pPr marL="2743200" algn="l" defTabSz="914400" rtl="0" eaLnBrk="1" latinLnBrk="0" hangingPunct="1">
+              <a:defRPr sz="1800" kern="1200">
+                <a:solidFill>
+                  <a:schemeClr val="lt1"/>
+                </a:solidFill>
+                <a:latin typeface="+mn-lt"/>
+                <a:ea typeface="+mn-ea"/>
+                <a:cs typeface="+mn-cs"/>
+              </a:defRPr>
+            </a:lvl7pPr>
+            <a:lvl8pPr marL="3200400" algn="l" defTabSz="914400" rtl="0" eaLnBrk="1" latinLnBrk="0" hangingPunct="1">
+              <a:defRPr sz="1800" kern="1200">
+                <a:solidFill>
+                  <a:schemeClr val="lt1"/>
+                </a:solidFill>
+                <a:latin typeface="+mn-lt"/>
+                <a:ea typeface="+mn-ea"/>
+                <a:cs typeface="+mn-cs"/>
+              </a:defRPr>
+            </a:lvl8pPr>
+            <a:lvl9pPr marL="3657600" algn="l" defTabSz="914400" rtl="0" eaLnBrk="1" latinLnBrk="0" hangingPunct="1">
+              <a:defRPr sz="1800" kern="1200">
+                <a:solidFill>
+                  <a:schemeClr val="lt1"/>
+                </a:solidFill>
+                <a:latin typeface="+mn-lt"/>
+                <a:ea typeface="+mn-ea"/>
+                <a:cs typeface="+mn-cs"/>
+              </a:defRPr>
+            </a:lvl9pPr>
+          </a:lstStyle>
+          <a:p>
+            <a:pPr algn="ctr"/>
+            <a:endParaRPr lang="en-US" sz="900" dirty="0">
+              <a:solidFill>
+                <a:srgbClr val="5F5F5F"/>
+              </a:solidFill>
+              <a:latin typeface="Segoe UI" panose="020B0502040204020203" pitchFamily="34" charset="0"/>
+              <a:cs typeface="Segoe UI" panose="020B0502040204020203" pitchFamily="34" charset="0"/>
+            </a:endParaRPr>
+          </a:p>
+        </p:txBody>
+      </p:sp>
+      <p:sp>
+        <p:nvSpPr>
+          <p:cNvPr id="27" name="직사각형 26">
+            <a:extLst>
+              <a:ext uri="{FF2B5EF4-FFF2-40B4-BE49-F238E27FC236}">
+                <a16:creationId xmlns:a16="http://schemas.microsoft.com/office/drawing/2014/main" xmlns="" id="{362C8AFF-EEC4-4DDE-9053-4CD39879A0CA}"/>
+              </a:ext>
+            </a:extLst>
+          </p:cNvPr>
+          <p:cNvSpPr/>
+          <p:nvPr/>
+        </p:nvSpPr>
+        <p:spPr>
+          <a:xfrm>
+            <a:off x="332618" y="1635206"/>
+            <a:ext cx="2933354" cy="367461"/>
+          </a:xfrm>
+          <a:prstGeom prst="rect">
+            <a:avLst/>
+          </a:prstGeom>
+          <a:solidFill>
+            <a:schemeClr val="tx1"/>
+          </a:solidFill>
+          <a:ln>
+            <a:solidFill>
+              <a:schemeClr val="bg2">
+                <a:lumMod val="50000"/>
+              </a:schemeClr>
+            </a:solidFill>
+          </a:ln>
+        </p:spPr>
+        <p:style>
+          <a:lnRef idx="2">
+            <a:schemeClr val="accent1">
+              <a:shade val="50000"/>
+            </a:schemeClr>
+          </a:lnRef>
+          <a:fillRef idx="1">
+            <a:schemeClr val="accent1"/>
+          </a:fillRef>
+          <a:effectRef idx="0">
+            <a:schemeClr val="accent1"/>
+          </a:effectRef>
+          <a:fontRef idx="minor">
+            <a:schemeClr val="lt1"/>
+          </a:fontRef>
+        </p:style>
+        <p:txBody>
+          <a:bodyPr rtlCol="0" anchor="ctr"/>
+          <a:lstStyle/>
+          <a:p>
+            <a:pPr algn="ctr"/>
+            <a:r>
+              <a:rPr lang="ko-KR" altLang="en-US" dirty="0" smtClean="0">
+                <a:solidFill>
+                  <a:schemeClr val="bg2">
+                    <a:lumMod val="50000"/>
+                  </a:schemeClr>
+                </a:solidFill>
+              </a:rPr>
+              <a:t>상품소개</a:t>
+            </a:r>
+            <a:endParaRPr lang="ko-KR" altLang="en-US" dirty="0">
+              <a:solidFill>
+                <a:schemeClr val="bg2">
+                  <a:lumMod val="50000"/>
+                </a:schemeClr>
+              </a:solidFill>
+            </a:endParaRPr>
+          </a:p>
+        </p:txBody>
+      </p:sp>
+      <p:sp>
+        <p:nvSpPr>
+          <p:cNvPr id="28" name="직사각형 27">
+            <a:extLst>
+              <a:ext uri="{FF2B5EF4-FFF2-40B4-BE49-F238E27FC236}">
+                <a16:creationId xmlns:a16="http://schemas.microsoft.com/office/drawing/2014/main" xmlns="" id="{6004046B-93A4-4812-85FE-41FFF63569E4}"/>
+              </a:ext>
+            </a:extLst>
+          </p:cNvPr>
+          <p:cNvSpPr/>
+          <p:nvPr/>
+        </p:nvSpPr>
+        <p:spPr>
+          <a:xfrm>
+            <a:off x="3265973" y="1635206"/>
+            <a:ext cx="2830028" cy="367461"/>
+          </a:xfrm>
+          <a:prstGeom prst="rect">
+            <a:avLst/>
+          </a:prstGeom>
+          <a:solidFill>
+            <a:schemeClr val="tx1"/>
+          </a:solidFill>
+          <a:ln>
+            <a:solidFill>
+              <a:schemeClr val="bg2">
+                <a:lumMod val="50000"/>
+              </a:schemeClr>
+            </a:solidFill>
+          </a:ln>
+        </p:spPr>
+        <p:style>
+          <a:lnRef idx="2">
+            <a:schemeClr val="accent1">
+              <a:shade val="50000"/>
+            </a:schemeClr>
+          </a:lnRef>
+          <a:fillRef idx="1">
+            <a:schemeClr val="accent1"/>
+          </a:fillRef>
+          <a:effectRef idx="0">
+            <a:schemeClr val="accent1"/>
+          </a:effectRef>
+          <a:fontRef idx="minor">
+            <a:schemeClr val="lt1"/>
+          </a:fontRef>
+        </p:style>
+        <p:txBody>
+          <a:bodyPr rtlCol="0" anchor="ctr"/>
+          <a:lstStyle/>
+          <a:p>
+            <a:pPr algn="ctr"/>
+            <a:r>
+              <a:rPr lang="ko-KR" altLang="en-US" dirty="0" smtClean="0">
+                <a:solidFill>
+                  <a:schemeClr val="bg2">
+                    <a:lumMod val="50000"/>
+                  </a:schemeClr>
+                </a:solidFill>
+              </a:rPr>
+              <a:t>구매 후기</a:t>
+            </a:r>
+            <a:endParaRPr lang="ko-KR" altLang="en-US" dirty="0">
+              <a:solidFill>
+                <a:schemeClr val="bg2">
+                  <a:lumMod val="50000"/>
+                </a:schemeClr>
+              </a:solidFill>
+            </a:endParaRPr>
+          </a:p>
+        </p:txBody>
+      </p:sp>
+      <p:sp>
+        <p:nvSpPr>
+          <p:cNvPr id="29" name="직사각형 28">
+            <a:extLst>
+              <a:ext uri="{FF2B5EF4-FFF2-40B4-BE49-F238E27FC236}">
+                <a16:creationId xmlns:a16="http://schemas.microsoft.com/office/drawing/2014/main" xmlns="" id="{6971685D-B58C-401F-81FD-C5597B07DA45}"/>
+              </a:ext>
+            </a:extLst>
+          </p:cNvPr>
+          <p:cNvSpPr/>
+          <p:nvPr/>
+        </p:nvSpPr>
+        <p:spPr>
+          <a:xfrm>
+            <a:off x="6096000" y="1635206"/>
+            <a:ext cx="2751391" cy="367461"/>
+          </a:xfrm>
+          <a:prstGeom prst="rect">
+            <a:avLst/>
+          </a:prstGeom>
+          <a:solidFill>
+            <a:srgbClr val="D961F1"/>
+          </a:solidFill>
+          <a:ln>
+            <a:solidFill>
+              <a:schemeClr val="bg2">
+                <a:lumMod val="50000"/>
+              </a:schemeClr>
+            </a:solidFill>
+          </a:ln>
+        </p:spPr>
+        <p:style>
+          <a:lnRef idx="2">
+            <a:schemeClr val="accent1">
+              <a:shade val="50000"/>
+            </a:schemeClr>
+          </a:lnRef>
+          <a:fillRef idx="1">
+            <a:schemeClr val="accent1"/>
+          </a:fillRef>
+          <a:effectRef idx="0">
+            <a:schemeClr val="accent1"/>
+          </a:effectRef>
+          <a:fontRef idx="minor">
+            <a:schemeClr val="lt1"/>
+          </a:fontRef>
+        </p:style>
+        <p:txBody>
+          <a:bodyPr rtlCol="0" anchor="ctr"/>
+          <a:lstStyle/>
+          <a:p>
+            <a:pPr algn="ctr"/>
+            <a:r>
+              <a:rPr lang="ko-KR" altLang="en-US" dirty="0">
+                <a:solidFill>
+                  <a:schemeClr val="bg2">
+                    <a:lumMod val="50000"/>
+                  </a:schemeClr>
+                </a:solidFill>
+              </a:rPr>
+              <a:t>배송</a:t>
+            </a:r>
+            <a:r>
+              <a:rPr lang="en-US" altLang="ko-KR" dirty="0">
+                <a:solidFill>
+                  <a:schemeClr val="bg2">
+                    <a:lumMod val="50000"/>
+                  </a:schemeClr>
+                </a:solidFill>
+              </a:rPr>
+              <a:t>/</a:t>
+            </a:r>
+            <a:r>
+              <a:rPr lang="ko-KR" altLang="en-US" dirty="0">
+                <a:solidFill>
+                  <a:schemeClr val="bg2">
+                    <a:lumMod val="50000"/>
+                  </a:schemeClr>
+                </a:solidFill>
+              </a:rPr>
+              <a:t>교환</a:t>
+            </a:r>
+            <a:r>
+              <a:rPr lang="en-US" altLang="ko-KR" dirty="0">
+                <a:solidFill>
+                  <a:schemeClr val="bg2">
+                    <a:lumMod val="50000"/>
+                  </a:schemeClr>
+                </a:solidFill>
+              </a:rPr>
+              <a:t>/</a:t>
+            </a:r>
+            <a:r>
+              <a:rPr lang="ko-KR" altLang="en-US" dirty="0">
+                <a:solidFill>
+                  <a:schemeClr val="bg2">
+                    <a:lumMod val="50000"/>
+                  </a:schemeClr>
+                </a:solidFill>
+              </a:rPr>
+              <a:t>환불 </a:t>
+            </a:r>
+          </a:p>
+        </p:txBody>
+      </p:sp>
+      <p:sp>
+        <p:nvSpPr>
+          <p:cNvPr id="21" name="Window Body" descr="&lt;SmartSettings&gt;&lt;SmartResize anchorLeft=&quot;Absolute&quot; anchorTop=&quot;Absolute&quot; anchorRight=&quot;Absolute&quot; anchorBottom=&quot;Absolute&quot; /&gt;&lt;/SmartSettings&gt;">
+            <a:extLst>
+              <a:ext uri="{FF2B5EF4-FFF2-40B4-BE49-F238E27FC236}">
+                <a16:creationId xmlns:a16="http://schemas.microsoft.com/office/drawing/2014/main" xmlns="" id="{E38A150B-1AD9-431B-9D06-C17150181DD0}"/>
+              </a:ext>
+            </a:extLst>
+          </p:cNvPr>
+          <p:cNvSpPr>
+            <a:spLocks/>
+          </p:cNvSpPr>
+          <p:nvPr>
+            <p:custDataLst>
+              <p:tags r:id="rId3"/>
+            </p:custDataLst>
+          </p:nvPr>
+        </p:nvSpPr>
+        <p:spPr>
+          <a:xfrm>
+            <a:off x="9353726" y="1510018"/>
+            <a:ext cx="2709644" cy="5058561"/>
+          </a:xfrm>
+          <a:prstGeom prst="rect">
+            <a:avLst/>
+          </a:prstGeom>
+          <a:ln>
+            <a:solidFill>
+              <a:schemeClr val="bg2">
+                <a:lumMod val="50000"/>
+              </a:schemeClr>
+            </a:solidFill>
+          </a:ln>
+        </p:spPr>
+        <p:style>
+          <a:lnRef idx="2">
+            <a:schemeClr val="dk1"/>
+          </a:lnRef>
+          <a:fillRef idx="1">
+            <a:schemeClr val="lt1"/>
+          </a:fillRef>
+          <a:effectRef idx="0">
+            <a:schemeClr val="dk1"/>
+          </a:effectRef>
+          <a:fontRef idx="minor">
+            <a:schemeClr val="dk1"/>
+          </a:fontRef>
+        </p:style>
+        <p:txBody>
+          <a:bodyPr rot="0" spcFirstLastPara="0" vert="horz" wrap="square" lIns="91440" tIns="45720" rIns="91440" bIns="45720" numCol="1" spcCol="0" rtlCol="0" fromWordArt="0" anchor="ctr" anchorCtr="0" forceAA="0" compatLnSpc="1">
+            <a:prstTxWarp prst="textNoShape">
+              <a:avLst/>
+            </a:prstTxWarp>
+            <a:noAutofit/>
+          </a:bodyPr>
+          <a:lstStyle>
+            <a:defPPr>
+              <a:defRPr lang="en-US"/>
+            </a:defPPr>
+            <a:lvl1pPr marL="0" algn="l" defTabSz="914400" rtl="0" eaLnBrk="1" latinLnBrk="0" hangingPunct="1">
+              <a:defRPr sz="1800" kern="1200">
+                <a:solidFill>
+                  <a:schemeClr val="lt1"/>
+                </a:solidFill>
+                <a:latin typeface="+mn-lt"/>
+                <a:ea typeface="+mn-ea"/>
+                <a:cs typeface="+mn-cs"/>
+              </a:defRPr>
+            </a:lvl1pPr>
+            <a:lvl2pPr marL="457200" algn="l" defTabSz="914400" rtl="0" eaLnBrk="1" latinLnBrk="0" hangingPunct="1">
+              <a:defRPr sz="1800" kern="1200">
+                <a:solidFill>
+                  <a:schemeClr val="lt1"/>
+                </a:solidFill>
+                <a:latin typeface="+mn-lt"/>
+                <a:ea typeface="+mn-ea"/>
+                <a:cs typeface="+mn-cs"/>
+              </a:defRPr>
+            </a:lvl2pPr>
+            <a:lvl3pPr marL="914400" algn="l" defTabSz="914400" rtl="0" eaLnBrk="1" latinLnBrk="0" hangingPunct="1">
+              <a:defRPr sz="1800" kern="1200">
+                <a:solidFill>
+                  <a:schemeClr val="lt1"/>
+                </a:solidFill>
+                <a:latin typeface="+mn-lt"/>
+                <a:ea typeface="+mn-ea"/>
+                <a:cs typeface="+mn-cs"/>
+              </a:defRPr>
+            </a:lvl3pPr>
+            <a:lvl4pPr marL="1371600" algn="l" defTabSz="914400" rtl="0" eaLnBrk="1" latinLnBrk="0" hangingPunct="1">
+              <a:defRPr sz="1800" kern="1200">
+                <a:solidFill>
+                  <a:schemeClr val="lt1"/>
+                </a:solidFill>
+                <a:latin typeface="+mn-lt"/>
+                <a:ea typeface="+mn-ea"/>
+                <a:cs typeface="+mn-cs"/>
+              </a:defRPr>
+            </a:lvl4pPr>
+            <a:lvl5pPr marL="1828800" algn="l" defTabSz="914400" rtl="0" eaLnBrk="1" latinLnBrk="0" hangingPunct="1">
+              <a:defRPr sz="1800" kern="1200">
+                <a:solidFill>
+                  <a:schemeClr val="lt1"/>
+                </a:solidFill>
+                <a:latin typeface="+mn-lt"/>
+                <a:ea typeface="+mn-ea"/>
+                <a:cs typeface="+mn-cs"/>
+              </a:defRPr>
+            </a:lvl5pPr>
+            <a:lvl6pPr marL="2286000" algn="l" defTabSz="914400" rtl="0" eaLnBrk="1" latinLnBrk="0" hangingPunct="1">
+              <a:defRPr sz="1800" kern="1200">
+                <a:solidFill>
+                  <a:schemeClr val="lt1"/>
+                </a:solidFill>
+                <a:latin typeface="+mn-lt"/>
+                <a:ea typeface="+mn-ea"/>
+                <a:cs typeface="+mn-cs"/>
+              </a:defRPr>
+            </a:lvl6pPr>
+            <a:lvl7pPr marL="2743200" algn="l" defTabSz="914400" rtl="0" eaLnBrk="1" latinLnBrk="0" hangingPunct="1">
+              <a:defRPr sz="1800" kern="1200">
+                <a:solidFill>
+                  <a:schemeClr val="lt1"/>
+                </a:solidFill>
+                <a:latin typeface="+mn-lt"/>
+                <a:ea typeface="+mn-ea"/>
+                <a:cs typeface="+mn-cs"/>
+              </a:defRPr>
+            </a:lvl7pPr>
+            <a:lvl8pPr marL="3200400" algn="l" defTabSz="914400" rtl="0" eaLnBrk="1" latinLnBrk="0" hangingPunct="1">
+              <a:defRPr sz="1800" kern="1200">
+                <a:solidFill>
+                  <a:schemeClr val="lt1"/>
+                </a:solidFill>
+                <a:latin typeface="+mn-lt"/>
+                <a:ea typeface="+mn-ea"/>
+                <a:cs typeface="+mn-cs"/>
+              </a:defRPr>
+            </a:lvl8pPr>
+            <a:lvl9pPr marL="3657600" algn="l" defTabSz="914400" rtl="0" eaLnBrk="1" latinLnBrk="0" hangingPunct="1">
+              <a:defRPr sz="1800" kern="1200">
+                <a:solidFill>
+                  <a:schemeClr val="lt1"/>
+                </a:solidFill>
+                <a:latin typeface="+mn-lt"/>
+                <a:ea typeface="+mn-ea"/>
+                <a:cs typeface="+mn-cs"/>
+              </a:defRPr>
+            </a:lvl9pPr>
+          </a:lstStyle>
+          <a:p>
+            <a:pPr algn="ctr"/>
+            <a:endParaRPr lang="en-US" sz="900" dirty="0">
+              <a:solidFill>
+                <a:srgbClr val="5F5F5F"/>
+              </a:solidFill>
+              <a:latin typeface="Segoe UI" panose="020B0502040204020203" pitchFamily="34" charset="0"/>
+              <a:cs typeface="Segoe UI" panose="020B0502040204020203" pitchFamily="34" charset="0"/>
+            </a:endParaRPr>
+          </a:p>
+        </p:txBody>
+      </p:sp>
+      <p:pic>
+        <p:nvPicPr>
+          <p:cNvPr id="24" name="그림 23" descr="시계이(가) 표시된 사진&#10;&#10;자동 생성된 설명">
+            <a:extLst>
+              <a:ext uri="{FF2B5EF4-FFF2-40B4-BE49-F238E27FC236}">
+                <a16:creationId xmlns:a16="http://schemas.microsoft.com/office/drawing/2014/main" xmlns="" id="{92513313-A1ED-4A08-9676-9885D86B2222}"/>
+              </a:ext>
+            </a:extLst>
+          </p:cNvPr>
+          <p:cNvPicPr>
+            <a:picLocks noChangeAspect="1"/>
+          </p:cNvPicPr>
+          <p:nvPr/>
+        </p:nvPicPr>
+        <p:blipFill>
+          <a:blip r:embed="rId6" cstate="print">
+            <a:extLst>
+              <a:ext uri="{28A0092B-C50C-407E-A947-70E740481C1C}">
+                <a14:useLocalDpi xmlns:a14="http://schemas.microsoft.com/office/drawing/2010/main" val="0"/>
+              </a:ext>
+            </a:extLst>
+          </a:blip>
+          <a:stretch>
+            <a:fillRect/>
+          </a:stretch>
+        </p:blipFill>
+        <p:spPr>
+          <a:xfrm>
+            <a:off x="9431909" y="1571696"/>
+            <a:ext cx="300023" cy="300023"/>
+          </a:xfrm>
+          <a:prstGeom prst="rect">
+            <a:avLst/>
+          </a:prstGeom>
+        </p:spPr>
+      </p:pic>
+      <p:sp>
+        <p:nvSpPr>
+          <p:cNvPr id="42" name="TextBox 41"/>
+          <p:cNvSpPr txBox="1"/>
+          <p:nvPr/>
+        </p:nvSpPr>
+        <p:spPr>
+          <a:xfrm>
+            <a:off x="9406107" y="6288425"/>
+            <a:ext cx="2947336" cy="230832"/>
+          </a:xfrm>
+          <a:prstGeom prst="rect">
+            <a:avLst/>
+          </a:prstGeom>
+          <a:noFill/>
+        </p:spPr>
+        <p:txBody>
+          <a:bodyPr wrap="square" rtlCol="0">
+            <a:spAutoFit/>
+          </a:bodyPr>
+          <a:lstStyle/>
+          <a:p>
+            <a:r>
+              <a:rPr lang="en-US" altLang="ko-KR" sz="900" dirty="0" smtClean="0">
+                <a:solidFill>
+                  <a:schemeClr val="tx2">
+                    <a:lumMod val="10000"/>
+                  </a:schemeClr>
+                </a:solidFill>
+              </a:rPr>
+              <a:t>DIY</a:t>
+            </a:r>
+            <a:r>
+              <a:rPr lang="ko-KR" altLang="en-US" sz="900" dirty="0" smtClean="0">
+                <a:solidFill>
+                  <a:schemeClr val="tx2">
+                    <a:lumMod val="10000"/>
+                  </a:schemeClr>
+                </a:solidFill>
+              </a:rPr>
+              <a:t>클래스</a:t>
+            </a:r>
+            <a:r>
+              <a:rPr lang="en-US" altLang="ko-KR" sz="900" dirty="0">
+                <a:solidFill>
+                  <a:schemeClr val="tx2">
+                    <a:lumMod val="10000"/>
+                  </a:schemeClr>
+                </a:solidFill>
+              </a:rPr>
+              <a:t> </a:t>
+            </a:r>
+            <a:r>
+              <a:rPr lang="en-US" altLang="ko-KR" sz="900" dirty="0" smtClean="0">
+                <a:solidFill>
+                  <a:schemeClr val="tx2">
+                    <a:lumMod val="10000"/>
+                  </a:schemeClr>
+                </a:solidFill>
+              </a:rPr>
+              <a:t> </a:t>
+            </a:r>
+            <a:r>
+              <a:rPr lang="ko-KR" altLang="en-US" sz="900" dirty="0" smtClean="0">
+                <a:solidFill>
+                  <a:schemeClr val="tx2">
+                    <a:lumMod val="10000"/>
+                  </a:schemeClr>
+                </a:solidFill>
+              </a:rPr>
+              <a:t>   </a:t>
+            </a:r>
+            <a:r>
+              <a:rPr lang="en-US" altLang="ko-KR" sz="900" dirty="0" smtClean="0">
+                <a:solidFill>
+                  <a:schemeClr val="tx2">
+                    <a:lumMod val="10000"/>
+                  </a:schemeClr>
+                </a:solidFill>
+              </a:rPr>
+              <a:t>DIY</a:t>
+            </a:r>
+            <a:r>
+              <a:rPr lang="ko-KR" altLang="en-US" sz="900" dirty="0" smtClean="0">
+                <a:solidFill>
+                  <a:schemeClr val="tx2">
+                    <a:lumMod val="10000"/>
+                  </a:schemeClr>
+                </a:solidFill>
+              </a:rPr>
+              <a:t>스토어</a:t>
+            </a:r>
+            <a:r>
+              <a:rPr lang="en-US" altLang="ko-KR" sz="900" dirty="0">
+                <a:solidFill>
+                  <a:schemeClr val="tx2">
+                    <a:lumMod val="10000"/>
+                  </a:schemeClr>
+                </a:solidFill>
+              </a:rPr>
+              <a:t> </a:t>
+            </a:r>
+            <a:r>
+              <a:rPr lang="ko-KR" altLang="en-US" sz="900" dirty="0" smtClean="0">
+                <a:solidFill>
+                  <a:schemeClr val="tx2">
+                    <a:lumMod val="10000"/>
+                  </a:schemeClr>
+                </a:solidFill>
+              </a:rPr>
+              <a:t>    고객센터    </a:t>
+            </a:r>
+            <a:r>
+              <a:rPr lang="ko-KR" altLang="en-US" sz="900" dirty="0" err="1" smtClean="0">
+                <a:solidFill>
+                  <a:schemeClr val="tx2">
+                    <a:lumMod val="10000"/>
+                  </a:schemeClr>
+                </a:solidFill>
+              </a:rPr>
+              <a:t>마이페이지</a:t>
+            </a:r>
+            <a:endParaRPr lang="ko-KR" altLang="en-US" sz="900" dirty="0">
+              <a:solidFill>
+                <a:schemeClr val="tx2">
+                  <a:lumMod val="10000"/>
+                </a:schemeClr>
+              </a:solidFill>
+            </a:endParaRPr>
+          </a:p>
+        </p:txBody>
+      </p:sp>
+      <p:cxnSp>
+        <p:nvCxnSpPr>
+          <p:cNvPr id="43" name="직선 연결선 42"/>
+          <p:cNvCxnSpPr/>
+          <p:nvPr/>
+        </p:nvCxnSpPr>
+        <p:spPr>
+          <a:xfrm>
+            <a:off x="9353726" y="6254769"/>
+            <a:ext cx="2691579" cy="0"/>
+          </a:xfrm>
+          <a:prstGeom prst="line">
+            <a:avLst/>
+          </a:prstGeom>
+          <a:ln>
+            <a:solidFill>
+              <a:schemeClr val="tx2">
+                <a:lumMod val="10000"/>
+              </a:schemeClr>
+            </a:solidFill>
+          </a:ln>
+        </p:spPr>
+        <p:style>
+          <a:lnRef idx="1">
+            <a:schemeClr val="accent1"/>
+          </a:lnRef>
+          <a:fillRef idx="0">
+            <a:schemeClr val="accent1"/>
+          </a:fillRef>
+          <a:effectRef idx="0">
+            <a:schemeClr val="accent1"/>
+          </a:effectRef>
+          <a:fontRef idx="minor">
+            <a:schemeClr val="tx1"/>
+          </a:fontRef>
+        </p:style>
+      </p:cxnSp>
+      <p:cxnSp>
+        <p:nvCxnSpPr>
+          <p:cNvPr id="49" name="직선 연결선 48"/>
+          <p:cNvCxnSpPr/>
+          <p:nvPr/>
+        </p:nvCxnSpPr>
+        <p:spPr>
+          <a:xfrm>
+            <a:off x="9353726" y="6254769"/>
+            <a:ext cx="2691579" cy="0"/>
+          </a:xfrm>
+          <a:prstGeom prst="line">
+            <a:avLst/>
+          </a:prstGeom>
+          <a:ln>
+            <a:solidFill>
+              <a:schemeClr val="tx2">
+                <a:lumMod val="10000"/>
+              </a:schemeClr>
+            </a:solidFill>
+          </a:ln>
+        </p:spPr>
+        <p:style>
+          <a:lnRef idx="1">
+            <a:schemeClr val="accent1"/>
+          </a:lnRef>
+          <a:fillRef idx="0">
+            <a:schemeClr val="accent1"/>
+          </a:fillRef>
+          <a:effectRef idx="0">
+            <a:schemeClr val="accent1"/>
+          </a:effectRef>
+          <a:fontRef idx="minor">
+            <a:schemeClr val="tx1"/>
+          </a:fontRef>
+        </p:style>
+      </p:cxnSp>
+      <p:sp>
+        <p:nvSpPr>
+          <p:cNvPr id="57" name="TextBox 56"/>
+          <p:cNvSpPr txBox="1"/>
+          <p:nvPr/>
+        </p:nvSpPr>
+        <p:spPr>
+          <a:xfrm>
+            <a:off x="9688579" y="1606261"/>
+            <a:ext cx="986328" cy="246221"/>
+          </a:xfrm>
+          <a:prstGeom prst="rect">
+            <a:avLst/>
+          </a:prstGeom>
+          <a:noFill/>
+        </p:spPr>
+        <p:txBody>
+          <a:bodyPr wrap="square" rtlCol="0">
+            <a:spAutoFit/>
+          </a:bodyPr>
+          <a:lstStyle/>
+          <a:p>
+            <a:r>
+              <a:rPr lang="en-US" altLang="ko-KR" sz="1000" dirty="0" smtClean="0">
+                <a:solidFill>
+                  <a:schemeClr val="tx2">
+                    <a:lumMod val="10000"/>
+                  </a:schemeClr>
+                </a:solidFill>
+              </a:rPr>
+              <a:t>Do it! Yourself!!</a:t>
+            </a:r>
+            <a:endParaRPr lang="ko-KR" altLang="en-US" sz="1000" dirty="0">
+              <a:solidFill>
+                <a:schemeClr val="tx2">
+                  <a:lumMod val="10000"/>
+                </a:schemeClr>
+              </a:solidFill>
+            </a:endParaRPr>
+          </a:p>
+        </p:txBody>
+      </p:sp>
+      <p:sp>
+        <p:nvSpPr>
+          <p:cNvPr id="58" name="TextBox 57"/>
+          <p:cNvSpPr txBox="1"/>
+          <p:nvPr/>
+        </p:nvSpPr>
+        <p:spPr>
+          <a:xfrm>
+            <a:off x="10674908" y="1626000"/>
+            <a:ext cx="1461016" cy="215444"/>
+          </a:xfrm>
+          <a:prstGeom prst="rect">
+            <a:avLst/>
+          </a:prstGeom>
+          <a:noFill/>
+        </p:spPr>
+        <p:txBody>
+          <a:bodyPr wrap="square" rtlCol="0">
+            <a:spAutoFit/>
+          </a:bodyPr>
+          <a:lstStyle/>
+          <a:p>
+            <a:r>
+              <a:rPr lang="ko-KR" altLang="en-US" sz="800" smtClean="0">
+                <a:solidFill>
+                  <a:schemeClr val="tx2">
+                    <a:lumMod val="10000"/>
+                  </a:schemeClr>
+                </a:solidFill>
+              </a:rPr>
+              <a:t>취미바구니   </a:t>
+            </a:r>
+            <a:r>
+              <a:rPr lang="ko-KR" altLang="en-US" sz="800" dirty="0" err="1" smtClean="0">
+                <a:solidFill>
+                  <a:schemeClr val="tx2">
+                    <a:lumMod val="10000"/>
+                  </a:schemeClr>
+                </a:solidFill>
+              </a:rPr>
+              <a:t>내클래스</a:t>
+            </a:r>
+            <a:r>
+              <a:rPr lang="ko-KR" altLang="en-US" sz="800" dirty="0" smtClean="0">
+                <a:solidFill>
+                  <a:schemeClr val="tx2">
+                    <a:lumMod val="10000"/>
+                  </a:schemeClr>
+                </a:solidFill>
+              </a:rPr>
+              <a:t>   검색</a:t>
+            </a:r>
+            <a:endParaRPr lang="ko-KR" altLang="en-US" sz="800" dirty="0">
+              <a:solidFill>
+                <a:schemeClr val="tx2">
+                  <a:lumMod val="10000"/>
+                </a:schemeClr>
+              </a:solidFill>
+            </a:endParaRPr>
+          </a:p>
+        </p:txBody>
+      </p:sp>
+      <p:sp>
+        <p:nvSpPr>
+          <p:cNvPr id="30" name="모서리가 둥근 직사각형 29"/>
+          <p:cNvSpPr/>
+          <p:nvPr/>
+        </p:nvSpPr>
+        <p:spPr>
+          <a:xfrm>
+            <a:off x="1540476" y="3105665"/>
+            <a:ext cx="6203092" cy="2433068"/>
+          </a:xfrm>
+          <a:prstGeom prst="roundRect">
+            <a:avLst/>
+          </a:prstGeom>
+          <a:solidFill>
+            <a:schemeClr val="tx1"/>
+          </a:solidFill>
+          <a:ln>
+            <a:solidFill>
+              <a:schemeClr val="tx2">
+                <a:lumMod val="10000"/>
+              </a:schemeClr>
+            </a:solidFill>
+          </a:ln>
+        </p:spPr>
+        <p:style>
+          <a:lnRef idx="2">
+            <a:schemeClr val="accent1">
+              <a:shade val="50000"/>
+            </a:schemeClr>
+          </a:lnRef>
+          <a:fillRef idx="1">
+            <a:schemeClr val="accent1"/>
+          </a:fillRef>
+          <a:effectRef idx="0">
+            <a:schemeClr val="accent1"/>
+          </a:effectRef>
+          <a:fontRef idx="minor">
+            <a:schemeClr val="lt1"/>
+          </a:fontRef>
+        </p:style>
+        <p:txBody>
+          <a:bodyPr rtlCol="0" anchor="ctr"/>
+          <a:lstStyle/>
+          <a:p>
+            <a:pPr algn="ctr"/>
+            <a:r>
+              <a:rPr lang="ko-KR" altLang="en-US" dirty="0" smtClean="0">
+                <a:solidFill>
+                  <a:schemeClr val="tx2">
+                    <a:lumMod val="10000"/>
+                  </a:schemeClr>
+                </a:solidFill>
+              </a:rPr>
+              <a:t>배송</a:t>
+            </a:r>
+            <a:r>
+              <a:rPr lang="en-US" altLang="ko-KR" dirty="0" smtClean="0">
+                <a:solidFill>
+                  <a:schemeClr val="tx2">
+                    <a:lumMod val="10000"/>
+                  </a:schemeClr>
+                </a:solidFill>
+              </a:rPr>
+              <a:t>/</a:t>
+            </a:r>
+            <a:r>
+              <a:rPr lang="ko-KR" altLang="en-US" dirty="0" smtClean="0">
+                <a:solidFill>
+                  <a:schemeClr val="tx2">
+                    <a:lumMod val="10000"/>
+                  </a:schemeClr>
+                </a:solidFill>
+              </a:rPr>
+              <a:t>교환</a:t>
+            </a:r>
+            <a:r>
+              <a:rPr lang="en-US" altLang="ko-KR" dirty="0" smtClean="0">
+                <a:solidFill>
+                  <a:schemeClr val="tx2">
+                    <a:lumMod val="10000"/>
+                  </a:schemeClr>
+                </a:solidFill>
+              </a:rPr>
+              <a:t>/</a:t>
+            </a:r>
+            <a:r>
+              <a:rPr lang="ko-KR" altLang="en-US" dirty="0" smtClean="0">
+                <a:solidFill>
+                  <a:schemeClr val="tx2">
+                    <a:lumMod val="10000"/>
+                  </a:schemeClr>
+                </a:solidFill>
+              </a:rPr>
+              <a:t>환불 안내 내용</a:t>
+            </a:r>
+            <a:endParaRPr lang="ko-KR" altLang="en-US" dirty="0">
+              <a:solidFill>
+                <a:schemeClr val="tx2">
+                  <a:lumMod val="10000"/>
+                </a:schemeClr>
+              </a:solidFill>
+            </a:endParaRPr>
+          </a:p>
+        </p:txBody>
+      </p:sp>
+      <p:cxnSp>
+        <p:nvCxnSpPr>
+          <p:cNvPr id="31" name="직선 연결선 30"/>
+          <p:cNvCxnSpPr/>
+          <p:nvPr/>
+        </p:nvCxnSpPr>
+        <p:spPr>
+          <a:xfrm>
+            <a:off x="9353726" y="6254769"/>
+            <a:ext cx="2691579" cy="0"/>
+          </a:xfrm>
+          <a:prstGeom prst="line">
+            <a:avLst/>
+          </a:prstGeom>
+          <a:ln>
+            <a:solidFill>
+              <a:schemeClr val="tx2">
+                <a:lumMod val="10000"/>
+              </a:schemeClr>
+            </a:solidFill>
+          </a:ln>
+        </p:spPr>
+        <p:style>
+          <a:lnRef idx="1">
+            <a:schemeClr val="accent1"/>
+          </a:lnRef>
+          <a:fillRef idx="0">
+            <a:schemeClr val="accent1"/>
+          </a:fillRef>
+          <a:effectRef idx="0">
+            <a:schemeClr val="accent1"/>
+          </a:effectRef>
+          <a:fontRef idx="minor">
+            <a:schemeClr val="tx1"/>
+          </a:fontRef>
+        </p:style>
+      </p:cxnSp>
+      <p:cxnSp>
+        <p:nvCxnSpPr>
+          <p:cNvPr id="32" name="직선 연결선 31"/>
+          <p:cNvCxnSpPr/>
+          <p:nvPr/>
+        </p:nvCxnSpPr>
+        <p:spPr>
+          <a:xfrm>
+            <a:off x="9353726" y="6254769"/>
+            <a:ext cx="2691579" cy="0"/>
+          </a:xfrm>
+          <a:prstGeom prst="line">
+            <a:avLst/>
+          </a:prstGeom>
+          <a:ln>
+            <a:solidFill>
+              <a:schemeClr val="tx2">
+                <a:lumMod val="10000"/>
+              </a:schemeClr>
+            </a:solidFill>
+          </a:ln>
+        </p:spPr>
+        <p:style>
+          <a:lnRef idx="1">
+            <a:schemeClr val="accent1"/>
+          </a:lnRef>
+          <a:fillRef idx="0">
+            <a:schemeClr val="accent1"/>
+          </a:fillRef>
+          <a:effectRef idx="0">
+            <a:schemeClr val="accent1"/>
+          </a:effectRef>
+          <a:fontRef idx="minor">
+            <a:schemeClr val="tx1"/>
+          </a:fontRef>
+        </p:style>
+      </p:cxnSp>
+      <p:sp>
+        <p:nvSpPr>
+          <p:cNvPr id="33" name="TextBox 32">
+            <a:extLst>
+              <a:ext uri="{FF2B5EF4-FFF2-40B4-BE49-F238E27FC236}">
+                <a16:creationId xmlns:a16="http://schemas.microsoft.com/office/drawing/2014/main" xmlns="" id="{D2726034-308D-4366-944B-FFF27DEC5755}"/>
+              </a:ext>
+            </a:extLst>
+          </p:cNvPr>
+          <p:cNvSpPr txBox="1"/>
+          <p:nvPr/>
+        </p:nvSpPr>
+        <p:spPr>
+          <a:xfrm>
+            <a:off x="9359036" y="2011799"/>
+            <a:ext cx="1842363" cy="369332"/>
+          </a:xfrm>
+          <a:prstGeom prst="rect">
+            <a:avLst/>
+          </a:prstGeom>
+          <a:noFill/>
+        </p:spPr>
+        <p:txBody>
+          <a:bodyPr wrap="square" rtlCol="0">
+            <a:spAutoFit/>
+          </a:bodyPr>
+          <a:lstStyle/>
+          <a:p>
+            <a:r>
+              <a:rPr lang="ko-KR" altLang="en-US" dirty="0" smtClean="0">
+                <a:solidFill>
+                  <a:schemeClr val="tx2">
+                    <a:lumMod val="10000"/>
+                  </a:schemeClr>
+                </a:solidFill>
+              </a:rPr>
+              <a:t>배송</a:t>
+            </a:r>
+            <a:r>
+              <a:rPr lang="en-US" altLang="ko-KR" dirty="0" smtClean="0">
+                <a:solidFill>
+                  <a:schemeClr val="tx2">
+                    <a:lumMod val="10000"/>
+                  </a:schemeClr>
+                </a:solidFill>
+              </a:rPr>
+              <a:t>/</a:t>
+            </a:r>
+            <a:r>
+              <a:rPr lang="ko-KR" altLang="en-US" dirty="0" smtClean="0">
+                <a:solidFill>
+                  <a:schemeClr val="tx2">
+                    <a:lumMod val="10000"/>
+                  </a:schemeClr>
+                </a:solidFill>
+              </a:rPr>
+              <a:t>교환</a:t>
+            </a:r>
+            <a:r>
+              <a:rPr lang="en-US" altLang="ko-KR" dirty="0" smtClean="0">
+                <a:solidFill>
+                  <a:schemeClr val="tx2">
+                    <a:lumMod val="10000"/>
+                  </a:schemeClr>
+                </a:solidFill>
+              </a:rPr>
+              <a:t>/</a:t>
+            </a:r>
+            <a:r>
+              <a:rPr lang="ko-KR" altLang="en-US" dirty="0" smtClean="0">
+                <a:solidFill>
+                  <a:schemeClr val="tx2">
+                    <a:lumMod val="10000"/>
+                  </a:schemeClr>
+                </a:solidFill>
+              </a:rPr>
+              <a:t>환불</a:t>
+            </a:r>
+            <a:endParaRPr lang="ko-KR" altLang="en-US" dirty="0">
+              <a:solidFill>
+                <a:schemeClr val="tx2">
+                  <a:lumMod val="10000"/>
+                </a:schemeClr>
+              </a:solidFill>
+            </a:endParaRPr>
+          </a:p>
+        </p:txBody>
+      </p:sp>
+      <p:sp>
+        <p:nvSpPr>
+          <p:cNvPr id="34" name="모서리가 둥근 직사각형 33"/>
+          <p:cNvSpPr/>
+          <p:nvPr/>
+        </p:nvSpPr>
+        <p:spPr>
+          <a:xfrm>
+            <a:off x="9431909" y="2414786"/>
+            <a:ext cx="2534422" cy="3776080"/>
+          </a:xfrm>
+          <a:prstGeom prst="roundRect">
+            <a:avLst/>
+          </a:prstGeom>
+          <a:solidFill>
+            <a:schemeClr val="tx1"/>
+          </a:solidFill>
+          <a:ln>
+            <a:solidFill>
+              <a:schemeClr val="tx2">
+                <a:lumMod val="10000"/>
+              </a:schemeClr>
+            </a:solidFill>
+          </a:ln>
+        </p:spPr>
+        <p:style>
+          <a:lnRef idx="2">
+            <a:schemeClr val="accent1">
+              <a:shade val="50000"/>
+            </a:schemeClr>
+          </a:lnRef>
+          <a:fillRef idx="1">
+            <a:schemeClr val="accent1"/>
+          </a:fillRef>
+          <a:effectRef idx="0">
+            <a:schemeClr val="accent1"/>
+          </a:effectRef>
+          <a:fontRef idx="minor">
+            <a:schemeClr val="lt1"/>
+          </a:fontRef>
+        </p:style>
+        <p:txBody>
+          <a:bodyPr rtlCol="0" anchor="ctr"/>
+          <a:lstStyle/>
+          <a:p>
+            <a:pPr algn="ctr"/>
+            <a:r>
+              <a:rPr lang="ko-KR" altLang="en-US" dirty="0">
+                <a:solidFill>
+                  <a:schemeClr val="tx2">
+                    <a:lumMod val="10000"/>
+                  </a:schemeClr>
+                </a:solidFill>
+              </a:rPr>
+              <a:t>배송</a:t>
+            </a:r>
+            <a:r>
+              <a:rPr lang="en-US" altLang="ko-KR" dirty="0">
+                <a:solidFill>
+                  <a:schemeClr val="tx2">
+                    <a:lumMod val="10000"/>
+                  </a:schemeClr>
+                </a:solidFill>
+              </a:rPr>
+              <a:t>/</a:t>
+            </a:r>
+            <a:r>
+              <a:rPr lang="ko-KR" altLang="en-US" dirty="0">
+                <a:solidFill>
+                  <a:schemeClr val="tx2">
+                    <a:lumMod val="10000"/>
+                  </a:schemeClr>
+                </a:solidFill>
+              </a:rPr>
+              <a:t>교환</a:t>
+            </a:r>
+            <a:r>
+              <a:rPr lang="en-US" altLang="ko-KR" dirty="0">
+                <a:solidFill>
+                  <a:schemeClr val="tx2">
+                    <a:lumMod val="10000"/>
+                  </a:schemeClr>
+                </a:solidFill>
+              </a:rPr>
+              <a:t>/</a:t>
+            </a:r>
+            <a:r>
+              <a:rPr lang="ko-KR" altLang="en-US" dirty="0">
+                <a:solidFill>
+                  <a:schemeClr val="tx2">
+                    <a:lumMod val="10000"/>
+                  </a:schemeClr>
+                </a:solidFill>
+              </a:rPr>
+              <a:t>환불 안내 내용</a:t>
+            </a:r>
+            <a:endParaRPr lang="ko-KR" altLang="en-US" dirty="0">
+              <a:solidFill>
+                <a:schemeClr val="tx2">
+                  <a:lumMod val="10000"/>
+                </a:schemeClr>
+              </a:solidFill>
+            </a:endParaRPr>
+          </a:p>
+        </p:txBody>
+      </p:sp>
+    </p:spTree>
+    <p:extLst>
+      <p:ext uri="{BB962C8B-B14F-4D97-AF65-F5344CB8AC3E}">
+        <p14:creationId xmlns:p14="http://schemas.microsoft.com/office/powerpoint/2010/main" val="1711533988"/>
+      </p:ext>
+    </p:extLst>
+  </p:cSld>
+  <p:clrMapOvr>
+    <a:masterClrMapping/>
+  </p:clrMapOvr>
+</p:sld>
+</file>
+
+<file path=ppt/slides/slide21.xml><?xml version="1.0" encoding="utf-8"?>
+<p:sld xmlns:a="http://schemas.openxmlformats.org/drawingml/2006/main" xmlns:r="http://schemas.openxmlformats.org/officeDocument/2006/relationships" xmlns:p="http://schemas.openxmlformats.org/presentationml/2006/main">
+  <p:cSld>
+    <p:spTree>
+      <p:nvGrpSpPr>
+        <p:cNvPr id="1" name=""/>
+        <p:cNvGrpSpPr/>
+        <p:nvPr/>
+      </p:nvGrpSpPr>
+      <p:grpSpPr>
+        <a:xfrm>
+          <a:off x="0" y="0"/>
+          <a:ext cx="0" cy="0"/>
+          <a:chOff x="0" y="0"/>
+          <a:chExt cx="0" cy="0"/>
+        </a:xfrm>
+      </p:grpSpPr>
+      <p:pic>
+        <p:nvPicPr>
+          <p:cNvPr id="3" name="그림 2" descr="시계이(가) 표시된 사진&#10;&#10;자동 생성된 설명">
+            <a:extLst>
+              <a:ext uri="{FF2B5EF4-FFF2-40B4-BE49-F238E27FC236}">
+                <a16:creationId xmlns:a16="http://schemas.microsoft.com/office/drawing/2014/main" xmlns="" id="{92513313-A1ED-4A08-9676-9885D86B2222}"/>
+              </a:ext>
+            </a:extLst>
+          </p:cNvPr>
+          <p:cNvPicPr>
+            <a:picLocks noChangeAspect="1"/>
+          </p:cNvPicPr>
+          <p:nvPr/>
+        </p:nvPicPr>
+        <p:blipFill>
+          <a:blip r:embed="rId2" cstate="print">
+            <a:extLst>
+              <a:ext uri="{28A0092B-C50C-407E-A947-70E740481C1C}">
+                <a14:useLocalDpi xmlns:a14="http://schemas.microsoft.com/office/drawing/2010/main" val="0"/>
+              </a:ext>
+            </a:extLst>
+          </a:blip>
+          <a:stretch>
+            <a:fillRect/>
+          </a:stretch>
+        </p:blipFill>
+        <p:spPr>
+          <a:xfrm>
+            <a:off x="1445419" y="1602710"/>
+            <a:ext cx="777666" cy="777666"/>
+          </a:xfrm>
+          <a:prstGeom prst="rect">
+            <a:avLst/>
+          </a:prstGeom>
+        </p:spPr>
+      </p:pic>
+      <p:cxnSp>
+        <p:nvCxnSpPr>
+          <p:cNvPr id="7" name="직선 연결선 6">
+            <a:extLst>
+              <a:ext uri="{FF2B5EF4-FFF2-40B4-BE49-F238E27FC236}">
+                <a16:creationId xmlns:a16="http://schemas.microsoft.com/office/drawing/2014/main" xmlns="" id="{E16921C9-3597-454A-8E86-CBCC429D4C84}"/>
+              </a:ext>
+            </a:extLst>
+          </p:cNvPr>
+          <p:cNvCxnSpPr>
+            <a:cxnSpLocks/>
+          </p:cNvCxnSpPr>
+          <p:nvPr/>
+        </p:nvCxnSpPr>
+        <p:spPr>
+          <a:xfrm>
+            <a:off x="2223085" y="2156193"/>
+            <a:ext cx="8011484" cy="0"/>
+          </a:xfrm>
+          <a:prstGeom prst="line">
+            <a:avLst/>
+          </a:prstGeom>
+          <a:ln w="25400">
+            <a:solidFill>
+              <a:schemeClr val="tx1"/>
+            </a:solidFill>
+          </a:ln>
+        </p:spPr>
+        <p:style>
+          <a:lnRef idx="1">
+            <a:schemeClr val="accent1"/>
+          </a:lnRef>
+          <a:fillRef idx="0">
+            <a:schemeClr val="accent1"/>
+          </a:fillRef>
+          <a:effectRef idx="0">
+            <a:schemeClr val="accent1"/>
+          </a:effectRef>
+          <a:fontRef idx="minor">
+            <a:schemeClr val="tx1"/>
+          </a:fontRef>
+        </p:style>
+      </p:cxnSp>
+      <p:sp>
+        <p:nvSpPr>
+          <p:cNvPr id="8" name="TextBox 7">
+            <a:extLst>
+              <a:ext uri="{FF2B5EF4-FFF2-40B4-BE49-F238E27FC236}">
+                <a16:creationId xmlns:a16="http://schemas.microsoft.com/office/drawing/2014/main" xmlns="" id="{40F573A5-A76C-43F4-813E-C144D7A50B6D}"/>
+              </a:ext>
+            </a:extLst>
+          </p:cNvPr>
+          <p:cNvSpPr txBox="1"/>
+          <p:nvPr/>
+        </p:nvSpPr>
+        <p:spPr>
+          <a:xfrm>
+            <a:off x="2223085" y="1605387"/>
+            <a:ext cx="2533474" cy="584775"/>
+          </a:xfrm>
+          <a:prstGeom prst="rect">
+            <a:avLst/>
+          </a:prstGeom>
+          <a:noFill/>
+        </p:spPr>
+        <p:txBody>
+          <a:bodyPr wrap="square" rtlCol="0">
+            <a:spAutoFit/>
+          </a:bodyPr>
+          <a:lstStyle/>
+          <a:p>
+            <a:r>
+              <a:rPr lang="en-US" altLang="ko-KR" sz="3200" dirty="0">
+                <a:solidFill>
+                  <a:srgbClr val="66FF66"/>
+                </a:solidFill>
+                <a:latin typeface="Arial Rounded MT Bold" panose="020F0704030504030204" pitchFamily="34" charset="0"/>
+              </a:rPr>
+              <a:t>Wire Frame</a:t>
+            </a:r>
+            <a:endParaRPr lang="ko-KR" altLang="en-US" sz="3200" dirty="0">
+              <a:solidFill>
+                <a:srgbClr val="66FF66"/>
+              </a:solidFill>
+              <a:latin typeface="Arial Rounded MT Bold" panose="020F0704030504030204" pitchFamily="34" charset="0"/>
+            </a:endParaRPr>
+          </a:p>
+        </p:txBody>
+      </p:sp>
+      <p:sp>
+        <p:nvSpPr>
+          <p:cNvPr id="11" name="TextBox 10">
+            <a:extLst>
+              <a:ext uri="{FF2B5EF4-FFF2-40B4-BE49-F238E27FC236}">
+                <a16:creationId xmlns:a16="http://schemas.microsoft.com/office/drawing/2014/main" xmlns="" id="{C0A9A55E-9736-44E7-9A43-A56253B2960D}"/>
+              </a:ext>
+            </a:extLst>
+          </p:cNvPr>
+          <p:cNvSpPr txBox="1"/>
+          <p:nvPr/>
+        </p:nvSpPr>
+        <p:spPr>
+          <a:xfrm>
+            <a:off x="6317193" y="2380376"/>
+            <a:ext cx="4152551" cy="4524315"/>
+          </a:xfrm>
+          <a:prstGeom prst="rect">
+            <a:avLst/>
+          </a:prstGeom>
+          <a:noFill/>
+        </p:spPr>
+        <p:txBody>
+          <a:bodyPr wrap="square" rtlCol="0">
+            <a:spAutoFit/>
+          </a:bodyPr>
+          <a:lstStyle/>
+          <a:p>
+            <a:pPr marL="742950" indent="-742950">
+              <a:buAutoNum type="arabicPeriod"/>
+            </a:pPr>
+            <a:r>
+              <a:rPr lang="ko-KR" altLang="en-US" sz="2400" dirty="0"/>
+              <a:t>메인 페이지</a:t>
+            </a:r>
+            <a:endParaRPr lang="en-US" altLang="ko-KR" sz="2400" dirty="0"/>
+          </a:p>
+          <a:p>
+            <a:pPr marL="742950" indent="-742950">
+              <a:buAutoNum type="arabicPeriod"/>
+            </a:pPr>
+            <a:endParaRPr lang="en-US" altLang="ko-KR" sz="2400" dirty="0"/>
+          </a:p>
+          <a:p>
+            <a:pPr marL="742950" indent="-742950">
+              <a:buAutoNum type="arabicPeriod"/>
+            </a:pPr>
+            <a:r>
+              <a:rPr lang="ko-KR" altLang="en-US" sz="2400" dirty="0"/>
+              <a:t>회원등록</a:t>
+            </a:r>
+            <a:endParaRPr lang="en-US" altLang="ko-KR" sz="2400" dirty="0"/>
+          </a:p>
+          <a:p>
+            <a:pPr marL="742950" indent="-742950">
+              <a:buAutoNum type="arabicPeriod"/>
+            </a:pPr>
+            <a:endParaRPr lang="en-US" altLang="ko-KR" sz="2400" dirty="0"/>
+          </a:p>
+          <a:p>
+            <a:pPr marL="742950" indent="-742950">
+              <a:buAutoNum type="arabicPeriod"/>
+            </a:pPr>
+            <a:r>
+              <a:rPr lang="ko-KR" altLang="en-US" sz="2400" dirty="0"/>
+              <a:t>서비스 이용</a:t>
+            </a:r>
+            <a:endParaRPr lang="en-US" altLang="ko-KR" sz="2400" dirty="0"/>
+          </a:p>
+          <a:p>
+            <a:pPr marL="742950" indent="-742950">
+              <a:buAutoNum type="arabicPeriod"/>
+            </a:pPr>
+            <a:endParaRPr lang="en-US" altLang="ko-KR" sz="2400" dirty="0"/>
+          </a:p>
+          <a:p>
+            <a:pPr marL="742950" indent="-742950">
+              <a:buAutoNum type="arabicPeriod"/>
+            </a:pPr>
+            <a:r>
+              <a:rPr lang="ko-KR" altLang="en-US" sz="2400" dirty="0"/>
+              <a:t>회원 서비스</a:t>
+            </a:r>
+            <a:endParaRPr lang="en-US" altLang="ko-KR" sz="2400" dirty="0"/>
+          </a:p>
+          <a:p>
+            <a:pPr marL="742950" indent="-742950">
+              <a:buAutoNum type="arabicPeriod"/>
+            </a:pPr>
+            <a:endParaRPr lang="en-US" altLang="ko-KR" sz="2400" dirty="0"/>
+          </a:p>
+          <a:p>
+            <a:pPr marL="742950" indent="-742950">
+              <a:buAutoNum type="arabicPeriod"/>
+            </a:pPr>
+            <a:r>
+              <a:rPr lang="ko-KR" altLang="en-US" sz="2400" dirty="0">
+                <a:solidFill>
+                  <a:schemeClr val="bg2">
+                    <a:lumMod val="50000"/>
+                  </a:schemeClr>
+                </a:solidFill>
+              </a:rPr>
+              <a:t>관리자</a:t>
+            </a:r>
+            <a:endParaRPr lang="en-US" altLang="ko-KR" sz="2400" dirty="0">
+              <a:solidFill>
+                <a:schemeClr val="bg2">
+                  <a:lumMod val="50000"/>
+                </a:schemeClr>
+              </a:solidFill>
+            </a:endParaRPr>
+          </a:p>
+          <a:p>
+            <a:pPr marL="742950" indent="-742950">
+              <a:buAutoNum type="arabicPeriod"/>
+            </a:pPr>
+            <a:endParaRPr lang="en-US" altLang="ko-KR" sz="3600" dirty="0"/>
+          </a:p>
+          <a:p>
+            <a:pPr marL="742950" indent="-742950">
+              <a:buAutoNum type="arabicPeriod"/>
+            </a:pPr>
+            <a:endParaRPr lang="ko-KR" altLang="en-US" sz="3600" dirty="0"/>
+          </a:p>
+        </p:txBody>
+      </p:sp>
+    </p:spTree>
+    <p:extLst>
+      <p:ext uri="{BB962C8B-B14F-4D97-AF65-F5344CB8AC3E}">
+        <p14:creationId xmlns:p14="http://schemas.microsoft.com/office/powerpoint/2010/main" val="370765354"/>
+      </p:ext>
+    </p:extLst>
+  </p:cSld>
+  <p:clrMapOvr>
+    <a:masterClrMapping/>
+  </p:clrMapOvr>
+</p:sld>
+</file>
+
+<file path=ppt/slides/slide22.xml><?xml version="1.0" encoding="utf-8"?>
+<p:sld xmlns:a="http://schemas.openxmlformats.org/drawingml/2006/main" xmlns:r="http://schemas.openxmlformats.org/officeDocument/2006/relationships" xmlns:p="http://schemas.openxmlformats.org/presentationml/2006/main">
+  <p:cSld>
+    <p:spTree>
+      <p:nvGrpSpPr>
+        <p:cNvPr id="1" name=""/>
+        <p:cNvGrpSpPr/>
+        <p:nvPr/>
+      </p:nvGrpSpPr>
+      <p:grpSpPr>
+        <a:xfrm>
+          <a:off x="0" y="0"/>
+          <a:ext cx="0" cy="0"/>
+          <a:chOff x="0" y="0"/>
+          <a:chExt cx="0" cy="0"/>
+        </a:xfrm>
+      </p:grpSpPr>
+      <p:pic>
+        <p:nvPicPr>
+          <p:cNvPr id="3" name="그림 2" descr="시계이(가) 표시된 사진&#10;&#10;자동 생성된 설명">
+            <a:extLst>
+              <a:ext uri="{FF2B5EF4-FFF2-40B4-BE49-F238E27FC236}">
+                <a16:creationId xmlns:a16="http://schemas.microsoft.com/office/drawing/2014/main" xmlns="" id="{92513313-A1ED-4A08-9676-9885D86B2222}"/>
+              </a:ext>
+            </a:extLst>
+          </p:cNvPr>
+          <p:cNvPicPr>
+            <a:picLocks noChangeAspect="1"/>
+          </p:cNvPicPr>
+          <p:nvPr/>
+        </p:nvPicPr>
+        <p:blipFill>
+          <a:blip r:embed="rId2">
+            <a:extLst>
+              <a:ext uri="{28A0092B-C50C-407E-A947-70E740481C1C}">
+                <a14:useLocalDpi xmlns:a14="http://schemas.microsoft.com/office/drawing/2010/main" val="0"/>
+              </a:ext>
+            </a:extLst>
+          </a:blip>
+          <a:stretch>
+            <a:fillRect/>
+          </a:stretch>
+        </p:blipFill>
+        <p:spPr>
+          <a:xfrm>
+            <a:off x="1143415" y="2349330"/>
+            <a:ext cx="2346406" cy="2346406"/>
+          </a:xfrm>
+          <a:prstGeom prst="rect">
+            <a:avLst/>
+          </a:prstGeom>
+        </p:spPr>
+      </p:pic>
+      <p:cxnSp>
+        <p:nvCxnSpPr>
+          <p:cNvPr id="7" name="직선 연결선 6">
+            <a:extLst>
+              <a:ext uri="{FF2B5EF4-FFF2-40B4-BE49-F238E27FC236}">
+                <a16:creationId xmlns:a16="http://schemas.microsoft.com/office/drawing/2014/main" xmlns="" id="{E16921C9-3597-454A-8E86-CBCC429D4C84}"/>
+              </a:ext>
+            </a:extLst>
+          </p:cNvPr>
+          <p:cNvCxnSpPr>
+            <a:cxnSpLocks/>
+          </p:cNvCxnSpPr>
+          <p:nvPr/>
+        </p:nvCxnSpPr>
+        <p:spPr>
+          <a:xfrm flipV="1">
+            <a:off x="3348000" y="4171333"/>
+            <a:ext cx="7550155" cy="1"/>
+          </a:xfrm>
+          <a:prstGeom prst="line">
+            <a:avLst/>
+          </a:prstGeom>
+          <a:ln w="25400">
+            <a:solidFill>
+              <a:schemeClr val="tx1"/>
+            </a:solidFill>
+          </a:ln>
+        </p:spPr>
+        <p:style>
+          <a:lnRef idx="1">
+            <a:schemeClr val="accent1"/>
+          </a:lnRef>
+          <a:fillRef idx="0">
+            <a:schemeClr val="accent1"/>
+          </a:fillRef>
+          <a:effectRef idx="0">
+            <a:schemeClr val="accent1"/>
+          </a:effectRef>
+          <a:fontRef idx="minor">
+            <a:schemeClr val="tx1"/>
+          </a:fontRef>
+        </p:style>
+      </p:cxnSp>
+      <p:sp>
+        <p:nvSpPr>
+          <p:cNvPr id="2" name="TextBox 1">
+            <a:extLst>
+              <a:ext uri="{FF2B5EF4-FFF2-40B4-BE49-F238E27FC236}">
+                <a16:creationId xmlns:a16="http://schemas.microsoft.com/office/drawing/2014/main" xmlns="" id="{A48A12EB-9897-4861-8BB1-4ECA55E092FF}"/>
+              </a:ext>
+            </a:extLst>
+          </p:cNvPr>
+          <p:cNvSpPr txBox="1"/>
+          <p:nvPr/>
+        </p:nvSpPr>
+        <p:spPr>
+          <a:xfrm>
+            <a:off x="4098192" y="2737703"/>
+            <a:ext cx="7432646" cy="1569660"/>
+          </a:xfrm>
+          <a:prstGeom prst="rect">
+            <a:avLst/>
+          </a:prstGeom>
+          <a:noFill/>
+        </p:spPr>
+        <p:txBody>
+          <a:bodyPr wrap="square" rtlCol="0">
+            <a:spAutoFit/>
+          </a:bodyPr>
+          <a:lstStyle/>
+          <a:p>
+            <a:r>
+              <a:rPr lang="en-US" altLang="ko-KR" sz="9600" dirty="0">
+                <a:solidFill>
+                  <a:srgbClr val="0070C0"/>
+                </a:solidFill>
+              </a:rPr>
+              <a:t>T</a:t>
+            </a:r>
+            <a:r>
+              <a:rPr lang="en-US" altLang="ko-KR" sz="9600" dirty="0">
+                <a:solidFill>
+                  <a:srgbClr val="C00000"/>
+                </a:solidFill>
+              </a:rPr>
+              <a:t>h</a:t>
+            </a:r>
+            <a:r>
+              <a:rPr lang="en-US" altLang="ko-KR" sz="9600" dirty="0">
+                <a:solidFill>
+                  <a:srgbClr val="FFFF00"/>
+                </a:solidFill>
+              </a:rPr>
+              <a:t>a</a:t>
+            </a:r>
+            <a:r>
+              <a:rPr lang="en-US" altLang="ko-KR" sz="9600" dirty="0">
+                <a:solidFill>
+                  <a:srgbClr val="0070C0"/>
+                </a:solidFill>
+              </a:rPr>
+              <a:t>n</a:t>
+            </a:r>
+            <a:r>
+              <a:rPr lang="en-US" altLang="ko-KR" sz="9600" dirty="0">
+                <a:solidFill>
+                  <a:srgbClr val="92D050"/>
+                </a:solidFill>
+              </a:rPr>
+              <a:t>k</a:t>
+            </a:r>
+            <a:r>
+              <a:rPr lang="en-US" altLang="ko-KR" sz="9600" dirty="0"/>
+              <a:t> </a:t>
+            </a:r>
+            <a:r>
+              <a:rPr lang="en-US" altLang="ko-KR" sz="9600" dirty="0">
+                <a:solidFill>
+                  <a:srgbClr val="00B0F0"/>
+                </a:solidFill>
+              </a:rPr>
+              <a:t>y</a:t>
+            </a:r>
+            <a:r>
+              <a:rPr lang="en-US" altLang="ko-KR" sz="9600" dirty="0">
+                <a:solidFill>
+                  <a:srgbClr val="00B050"/>
+                </a:solidFill>
+              </a:rPr>
+              <a:t>o</a:t>
+            </a:r>
+            <a:r>
+              <a:rPr lang="en-US" altLang="ko-KR" sz="9600" dirty="0">
+                <a:solidFill>
+                  <a:srgbClr val="FFFF00"/>
+                </a:solidFill>
+              </a:rPr>
+              <a:t>u</a:t>
+            </a:r>
+            <a:endParaRPr lang="ko-KR" altLang="en-US" sz="9600" dirty="0">
+              <a:solidFill>
+                <a:srgbClr val="FFFF00"/>
+              </a:solidFill>
+            </a:endParaRPr>
+          </a:p>
+        </p:txBody>
+      </p:sp>
+    </p:spTree>
+    <p:extLst>
+      <p:ext uri="{BB962C8B-B14F-4D97-AF65-F5344CB8AC3E}">
+        <p14:creationId xmlns:p14="http://schemas.microsoft.com/office/powerpoint/2010/main" val="4199511926"/>
       </p:ext>
     </p:extLst>
   </p:cSld>
@@ -15560,7 +22192,7 @@
           <p:cNvPr id="2" name="직사각형 1">
             <a:extLst>
               <a:ext uri="{FF2B5EF4-FFF2-40B4-BE49-F238E27FC236}">
-                <a16:creationId xmlns="" xmlns:a16="http://schemas.microsoft.com/office/drawing/2014/main" id="{7EBAE3E4-4335-499B-BDF0-8B5BC8F6285D}"/>
+                <a16:creationId xmlns:a16="http://schemas.microsoft.com/office/drawing/2014/main" xmlns="" id="{7EBAE3E4-4335-499B-BDF0-8B5BC8F6285D}"/>
               </a:ext>
             </a:extLst>
           </p:cNvPr>
@@ -15614,7 +22246,7 @@
           <p:cNvPr id="3" name="그림 2" descr="시계이(가) 표시된 사진&#10;&#10;자동 생성된 설명">
             <a:extLst>
               <a:ext uri="{FF2B5EF4-FFF2-40B4-BE49-F238E27FC236}">
-                <a16:creationId xmlns="" xmlns:a16="http://schemas.microsoft.com/office/drawing/2014/main" id="{92513313-A1ED-4A08-9676-9885D86B2222}"/>
+                <a16:creationId xmlns:a16="http://schemas.microsoft.com/office/drawing/2014/main" xmlns="" id="{92513313-A1ED-4A08-9676-9885D86B2222}"/>
               </a:ext>
             </a:extLst>
           </p:cNvPr>
@@ -15650,7 +22282,7 @@
           <p:cNvPr id="4" name="TextBox 3">
             <a:extLst>
               <a:ext uri="{FF2B5EF4-FFF2-40B4-BE49-F238E27FC236}">
-                <a16:creationId xmlns="" xmlns:a16="http://schemas.microsoft.com/office/drawing/2014/main" id="{E748B248-D9B8-42F5-8F0A-0C57F9E8A9D8}"/>
+                <a16:creationId xmlns:a16="http://schemas.microsoft.com/office/drawing/2014/main" xmlns="" id="{E748B248-D9B8-42F5-8F0A-0C57F9E8A9D8}"/>
               </a:ext>
             </a:extLst>
           </p:cNvPr>
@@ -15726,7 +22358,7 @@
           <p:cNvPr id="2" name="직사각형 1">
             <a:extLst>
               <a:ext uri="{FF2B5EF4-FFF2-40B4-BE49-F238E27FC236}">
-                <a16:creationId xmlns="" xmlns:a16="http://schemas.microsoft.com/office/drawing/2014/main" id="{7EBAE3E4-4335-499B-BDF0-8B5BC8F6285D}"/>
+                <a16:creationId xmlns:a16="http://schemas.microsoft.com/office/drawing/2014/main" xmlns="" id="{7EBAE3E4-4335-499B-BDF0-8B5BC8F6285D}"/>
               </a:ext>
             </a:extLst>
           </p:cNvPr>
@@ -15780,7 +22412,7 @@
           <p:cNvPr id="3" name="그림 2" descr="시계이(가) 표시된 사진&#10;&#10;자동 생성된 설명">
             <a:extLst>
               <a:ext uri="{FF2B5EF4-FFF2-40B4-BE49-F238E27FC236}">
-                <a16:creationId xmlns="" xmlns:a16="http://schemas.microsoft.com/office/drawing/2014/main" id="{92513313-A1ED-4A08-9676-9885D86B2222}"/>
+                <a16:creationId xmlns:a16="http://schemas.microsoft.com/office/drawing/2014/main" xmlns="" id="{92513313-A1ED-4A08-9676-9885D86B2222}"/>
               </a:ext>
             </a:extLst>
           </p:cNvPr>
@@ -15816,7 +22448,7 @@
           <p:cNvPr id="4" name="TextBox 3">
             <a:extLst>
               <a:ext uri="{FF2B5EF4-FFF2-40B4-BE49-F238E27FC236}">
-                <a16:creationId xmlns="" xmlns:a16="http://schemas.microsoft.com/office/drawing/2014/main" id="{E748B248-D9B8-42F5-8F0A-0C57F9E8A9D8}"/>
+                <a16:creationId xmlns:a16="http://schemas.microsoft.com/office/drawing/2014/main" xmlns="" id="{E748B248-D9B8-42F5-8F0A-0C57F9E8A9D8}"/>
               </a:ext>
             </a:extLst>
           </p:cNvPr>
@@ -15892,7 +22524,7 @@
           <p:cNvPr id="2" name="직사각형 1">
             <a:extLst>
               <a:ext uri="{FF2B5EF4-FFF2-40B4-BE49-F238E27FC236}">
-                <a16:creationId xmlns="" xmlns:a16="http://schemas.microsoft.com/office/drawing/2014/main" id="{7EBAE3E4-4335-499B-BDF0-8B5BC8F6285D}"/>
+                <a16:creationId xmlns:a16="http://schemas.microsoft.com/office/drawing/2014/main" xmlns="" id="{7EBAE3E4-4335-499B-BDF0-8B5BC8F6285D}"/>
               </a:ext>
             </a:extLst>
           </p:cNvPr>
@@ -15946,7 +22578,7 @@
           <p:cNvPr id="3" name="그림 2" descr="시계이(가) 표시된 사진&#10;&#10;자동 생성된 설명">
             <a:extLst>
               <a:ext uri="{FF2B5EF4-FFF2-40B4-BE49-F238E27FC236}">
-                <a16:creationId xmlns="" xmlns:a16="http://schemas.microsoft.com/office/drawing/2014/main" id="{92513313-A1ED-4A08-9676-9885D86B2222}"/>
+                <a16:creationId xmlns:a16="http://schemas.microsoft.com/office/drawing/2014/main" xmlns="" id="{92513313-A1ED-4A08-9676-9885D86B2222}"/>
               </a:ext>
             </a:extLst>
           </p:cNvPr>
@@ -15982,7 +22614,7 @@
           <p:cNvPr id="4" name="TextBox 3">
             <a:extLst>
               <a:ext uri="{FF2B5EF4-FFF2-40B4-BE49-F238E27FC236}">
-                <a16:creationId xmlns="" xmlns:a16="http://schemas.microsoft.com/office/drawing/2014/main" id="{E748B248-D9B8-42F5-8F0A-0C57F9E8A9D8}"/>
+                <a16:creationId xmlns:a16="http://schemas.microsoft.com/office/drawing/2014/main" xmlns="" id="{E748B248-D9B8-42F5-8F0A-0C57F9E8A9D8}"/>
               </a:ext>
             </a:extLst>
           </p:cNvPr>
@@ -16058,7 +22690,7 @@
           <p:cNvPr id="2" name="직사각형 1">
             <a:extLst>
               <a:ext uri="{FF2B5EF4-FFF2-40B4-BE49-F238E27FC236}">
-                <a16:creationId xmlns="" xmlns:a16="http://schemas.microsoft.com/office/drawing/2014/main" id="{7EBAE3E4-4335-499B-BDF0-8B5BC8F6285D}"/>
+                <a16:creationId xmlns:a16="http://schemas.microsoft.com/office/drawing/2014/main" xmlns="" id="{7EBAE3E4-4335-499B-BDF0-8B5BC8F6285D}"/>
               </a:ext>
             </a:extLst>
           </p:cNvPr>
@@ -16112,7 +22744,7 @@
           <p:cNvPr id="3" name="그림 2" descr="시계이(가) 표시된 사진&#10;&#10;자동 생성된 설명">
             <a:extLst>
               <a:ext uri="{FF2B5EF4-FFF2-40B4-BE49-F238E27FC236}">
-                <a16:creationId xmlns="" xmlns:a16="http://schemas.microsoft.com/office/drawing/2014/main" id="{92513313-A1ED-4A08-9676-9885D86B2222}"/>
+                <a16:creationId xmlns:a16="http://schemas.microsoft.com/office/drawing/2014/main" xmlns="" id="{92513313-A1ED-4A08-9676-9885D86B2222}"/>
               </a:ext>
             </a:extLst>
           </p:cNvPr>
@@ -16148,7 +22780,7 @@
           <p:cNvPr id="4" name="TextBox 3">
             <a:extLst>
               <a:ext uri="{FF2B5EF4-FFF2-40B4-BE49-F238E27FC236}">
-                <a16:creationId xmlns="" xmlns:a16="http://schemas.microsoft.com/office/drawing/2014/main" id="{E748B248-D9B8-42F5-8F0A-0C57F9E8A9D8}"/>
+                <a16:creationId xmlns:a16="http://schemas.microsoft.com/office/drawing/2014/main" xmlns="" id="{E748B248-D9B8-42F5-8F0A-0C57F9E8A9D8}"/>
               </a:ext>
             </a:extLst>
           </p:cNvPr>
@@ -16224,7 +22856,7 @@
           <p:cNvPr id="2" name="직사각형 1">
             <a:extLst>
               <a:ext uri="{FF2B5EF4-FFF2-40B4-BE49-F238E27FC236}">
-                <a16:creationId xmlns="" xmlns:a16="http://schemas.microsoft.com/office/drawing/2014/main" id="{7EBAE3E4-4335-499B-BDF0-8B5BC8F6285D}"/>
+                <a16:creationId xmlns:a16="http://schemas.microsoft.com/office/drawing/2014/main" xmlns="" id="{7EBAE3E4-4335-499B-BDF0-8B5BC8F6285D}"/>
               </a:ext>
             </a:extLst>
           </p:cNvPr>
@@ -16282,7 +22914,7 @@
           <p:cNvPr id="3" name="그림 2" descr="시계이(가) 표시된 사진&#10;&#10;자동 생성된 설명">
             <a:extLst>
               <a:ext uri="{FF2B5EF4-FFF2-40B4-BE49-F238E27FC236}">
-                <a16:creationId xmlns="" xmlns:a16="http://schemas.microsoft.com/office/drawing/2014/main" id="{92513313-A1ED-4A08-9676-9885D86B2222}"/>
+                <a16:creationId xmlns:a16="http://schemas.microsoft.com/office/drawing/2014/main" xmlns="" id="{92513313-A1ED-4A08-9676-9885D86B2222}"/>
               </a:ext>
             </a:extLst>
           </p:cNvPr>
@@ -16318,7 +22950,7 @@
           <p:cNvPr id="4" name="TextBox 3">
             <a:extLst>
               <a:ext uri="{FF2B5EF4-FFF2-40B4-BE49-F238E27FC236}">
-                <a16:creationId xmlns="" xmlns:a16="http://schemas.microsoft.com/office/drawing/2014/main" id="{E748B248-D9B8-42F5-8F0A-0C57F9E8A9D8}"/>
+                <a16:creationId xmlns:a16="http://schemas.microsoft.com/office/drawing/2014/main" xmlns="" id="{E748B248-D9B8-42F5-8F0A-0C57F9E8A9D8}"/>
               </a:ext>
             </a:extLst>
           </p:cNvPr>
@@ -16364,7 +22996,7 @@
           <p:cNvPr id="5" name="Window Body" descr="&lt;SmartSettings&gt;&lt;SmartResize anchorLeft=&quot;Absolute&quot; anchorTop=&quot;Absolute&quot; anchorRight=&quot;Absolute&quot; anchorBottom=&quot;Absolute&quot; /&gt;&lt;/SmartSettings&gt;">
             <a:extLst>
               <a:ext uri="{FF2B5EF4-FFF2-40B4-BE49-F238E27FC236}">
-                <a16:creationId xmlns="" xmlns:a16="http://schemas.microsoft.com/office/drawing/2014/main" id="{DD15E406-86D5-43EE-8219-49B0E1FA0E30}"/>
+                <a16:creationId xmlns:a16="http://schemas.microsoft.com/office/drawing/2014/main" xmlns="" id="{DD15E406-86D5-43EE-8219-49B0E1FA0E30}"/>
               </a:ext>
             </a:extLst>
           </p:cNvPr>
@@ -16522,7 +23154,7 @@
           <p:cNvPr id="6" name="Window Body" descr="&lt;SmartSettings&gt;&lt;SmartResize anchorLeft=&quot;Absolute&quot; anchorTop=&quot;Absolute&quot; anchorRight=&quot;Absolute&quot; anchorBottom=&quot;Absolute&quot; /&gt;&lt;/SmartSettings&gt;">
             <a:extLst>
               <a:ext uri="{FF2B5EF4-FFF2-40B4-BE49-F238E27FC236}">
-                <a16:creationId xmlns="" xmlns:a16="http://schemas.microsoft.com/office/drawing/2014/main" id="{E38A150B-1AD9-431B-9D06-C17150181DD0}"/>
+                <a16:creationId xmlns:a16="http://schemas.microsoft.com/office/drawing/2014/main" xmlns="" id="{E38A150B-1AD9-431B-9D06-C17150181DD0}"/>
               </a:ext>
             </a:extLst>
           </p:cNvPr>
@@ -16684,7 +23316,7 @@
           <p:cNvPr id="7" name="TextBox 6">
             <a:extLst>
               <a:ext uri="{FF2B5EF4-FFF2-40B4-BE49-F238E27FC236}">
-                <a16:creationId xmlns="" xmlns:a16="http://schemas.microsoft.com/office/drawing/2014/main" id="{D2726034-308D-4366-944B-FFF27DEC5755}"/>
+                <a16:creationId xmlns:a16="http://schemas.microsoft.com/office/drawing/2014/main" xmlns="" id="{D2726034-308D-4366-944B-FFF27DEC5755}"/>
               </a:ext>
             </a:extLst>
           </p:cNvPr>
@@ -16765,7 +23397,7 @@
           <p:cNvPr id="30" name="그림 29" descr="시계이(가) 표시된 사진&#10;&#10;자동 생성된 설명">
             <a:extLst>
               <a:ext uri="{FF2B5EF4-FFF2-40B4-BE49-F238E27FC236}">
-                <a16:creationId xmlns="" xmlns:a16="http://schemas.microsoft.com/office/drawing/2014/main" id="{92513313-A1ED-4A08-9676-9885D86B2222}"/>
+                <a16:creationId xmlns:a16="http://schemas.microsoft.com/office/drawing/2014/main" xmlns="" id="{92513313-A1ED-4A08-9676-9885D86B2222}"/>
               </a:ext>
             </a:extLst>
           </p:cNvPr>
@@ -16948,17 +23580,7 @@
                   </a:schemeClr>
                 </a:solidFill>
               </a:rPr>
-              <a:t>		</a:t>
-            </a:r>
-            <a:r>
-              <a:rPr lang="en-US" altLang="ko-KR" dirty="0" smtClean="0">
-                <a:solidFill>
-                  <a:schemeClr val="tx2">
-                    <a:lumMod val="10000"/>
-                  </a:schemeClr>
-                </a:solidFill>
-              </a:rPr>
-              <a:t>DIY</a:t>
+              <a:t>		DIY</a:t>
             </a:r>
             <a:r>
               <a:rPr lang="ko-KR" altLang="en-US" dirty="0" smtClean="0">
@@ -17005,7 +23627,7 @@
           <p:cNvPr id="33" name="그림 32" descr="시계이(가) 표시된 사진&#10;&#10;자동 생성된 설명">
             <a:extLst>
               <a:ext uri="{FF2B5EF4-FFF2-40B4-BE49-F238E27FC236}">
-                <a16:creationId xmlns="" xmlns:a16="http://schemas.microsoft.com/office/drawing/2014/main" id="{92513313-A1ED-4A08-9676-9885D86B2222}"/>
+                <a16:creationId xmlns:a16="http://schemas.microsoft.com/office/drawing/2014/main" xmlns="" id="{92513313-A1ED-4A08-9676-9885D86B2222}"/>
               </a:ext>
             </a:extLst>
           </p:cNvPr>
@@ -17489,7 +24111,7 @@
           <p:cNvPr id="2" name="직사각형 1">
             <a:extLst>
               <a:ext uri="{FF2B5EF4-FFF2-40B4-BE49-F238E27FC236}">
-                <a16:creationId xmlns="" xmlns:a16="http://schemas.microsoft.com/office/drawing/2014/main" id="{7EBAE3E4-4335-499B-BDF0-8B5BC8F6285D}"/>
+                <a16:creationId xmlns:a16="http://schemas.microsoft.com/office/drawing/2014/main" xmlns="" id="{7EBAE3E4-4335-499B-BDF0-8B5BC8F6285D}"/>
               </a:ext>
             </a:extLst>
           </p:cNvPr>
@@ -17547,7 +24169,7 @@
           <p:cNvPr id="3" name="그림 2" descr="시계이(가) 표시된 사진&#10;&#10;자동 생성된 설명">
             <a:extLst>
               <a:ext uri="{FF2B5EF4-FFF2-40B4-BE49-F238E27FC236}">
-                <a16:creationId xmlns="" xmlns:a16="http://schemas.microsoft.com/office/drawing/2014/main" id="{92513313-A1ED-4A08-9676-9885D86B2222}"/>
+                <a16:creationId xmlns:a16="http://schemas.microsoft.com/office/drawing/2014/main" xmlns="" id="{92513313-A1ED-4A08-9676-9885D86B2222}"/>
               </a:ext>
             </a:extLst>
           </p:cNvPr>
@@ -17583,7 +24205,7 @@
           <p:cNvPr id="4" name="TextBox 3">
             <a:extLst>
               <a:ext uri="{FF2B5EF4-FFF2-40B4-BE49-F238E27FC236}">
-                <a16:creationId xmlns="" xmlns:a16="http://schemas.microsoft.com/office/drawing/2014/main" id="{E748B248-D9B8-42F5-8F0A-0C57F9E8A9D8}"/>
+                <a16:creationId xmlns:a16="http://schemas.microsoft.com/office/drawing/2014/main" xmlns="" id="{E748B248-D9B8-42F5-8F0A-0C57F9E8A9D8}"/>
               </a:ext>
             </a:extLst>
           </p:cNvPr>
@@ -17629,7 +24251,7 @@
           <p:cNvPr id="5" name="Window Body" descr="&lt;SmartSettings&gt;&lt;SmartResize anchorLeft=&quot;Absolute&quot; anchorTop=&quot;Absolute&quot; anchorRight=&quot;Absolute&quot; anchorBottom=&quot;Absolute&quot; /&gt;&lt;/SmartSettings&gt;">
             <a:extLst>
               <a:ext uri="{FF2B5EF4-FFF2-40B4-BE49-F238E27FC236}">
-                <a16:creationId xmlns="" xmlns:a16="http://schemas.microsoft.com/office/drawing/2014/main" id="{DD15E406-86D5-43EE-8219-49B0E1FA0E30}"/>
+                <a16:creationId xmlns:a16="http://schemas.microsoft.com/office/drawing/2014/main" xmlns="" id="{DD15E406-86D5-43EE-8219-49B0E1FA0E30}"/>
               </a:ext>
             </a:extLst>
           </p:cNvPr>
@@ -17787,7 +24409,7 @@
           <p:cNvPr id="6" name="Window Body" descr="&lt;SmartSettings&gt;&lt;SmartResize anchorLeft=&quot;Absolute&quot; anchorTop=&quot;Absolute&quot; anchorRight=&quot;Absolute&quot; anchorBottom=&quot;Absolute&quot; /&gt;&lt;/SmartSettings&gt;">
             <a:extLst>
               <a:ext uri="{FF2B5EF4-FFF2-40B4-BE49-F238E27FC236}">
-                <a16:creationId xmlns="" xmlns:a16="http://schemas.microsoft.com/office/drawing/2014/main" id="{E38A150B-1AD9-431B-9D06-C17150181DD0}"/>
+                <a16:creationId xmlns:a16="http://schemas.microsoft.com/office/drawing/2014/main" xmlns="" id="{E38A150B-1AD9-431B-9D06-C17150181DD0}"/>
               </a:ext>
             </a:extLst>
           </p:cNvPr>
@@ -17949,7 +24571,7 @@
           <p:cNvPr id="7" name="TextBox 6">
             <a:extLst>
               <a:ext uri="{FF2B5EF4-FFF2-40B4-BE49-F238E27FC236}">
-                <a16:creationId xmlns="" xmlns:a16="http://schemas.microsoft.com/office/drawing/2014/main" id="{D2726034-308D-4366-944B-FFF27DEC5755}"/>
+                <a16:creationId xmlns:a16="http://schemas.microsoft.com/office/drawing/2014/main" xmlns="" id="{D2726034-308D-4366-944B-FFF27DEC5755}"/>
               </a:ext>
             </a:extLst>
           </p:cNvPr>
@@ -18030,7 +24652,7 @@
           <p:cNvPr id="30" name="그림 29" descr="시계이(가) 표시된 사진&#10;&#10;자동 생성된 설명">
             <a:extLst>
               <a:ext uri="{FF2B5EF4-FFF2-40B4-BE49-F238E27FC236}">
-                <a16:creationId xmlns="" xmlns:a16="http://schemas.microsoft.com/office/drawing/2014/main" id="{92513313-A1ED-4A08-9676-9885D86B2222}"/>
+                <a16:creationId xmlns:a16="http://schemas.microsoft.com/office/drawing/2014/main" xmlns="" id="{92513313-A1ED-4A08-9676-9885D86B2222}"/>
               </a:ext>
             </a:extLst>
           </p:cNvPr>
@@ -18193,17 +24815,7 @@
                   </a:schemeClr>
                 </a:solidFill>
               </a:rPr>
-              <a:t>		</a:t>
-            </a:r>
-            <a:r>
-              <a:rPr lang="en-US" altLang="ko-KR" dirty="0" smtClean="0">
-                <a:solidFill>
-                  <a:schemeClr val="tx2">
-                    <a:lumMod val="10000"/>
-                  </a:schemeClr>
-                </a:solidFill>
-              </a:rPr>
-              <a:t>DIY</a:t>
+              <a:t>		DIY</a:t>
             </a:r>
             <a:r>
               <a:rPr lang="ko-KR" altLang="en-US" dirty="0" smtClean="0">
@@ -18250,7 +24862,7 @@
           <p:cNvPr id="33" name="그림 32" descr="시계이(가) 표시된 사진&#10;&#10;자동 생성된 설명">
             <a:extLst>
               <a:ext uri="{FF2B5EF4-FFF2-40B4-BE49-F238E27FC236}">
-                <a16:creationId xmlns="" xmlns:a16="http://schemas.microsoft.com/office/drawing/2014/main" id="{92513313-A1ED-4A08-9676-9885D86B2222}"/>
+                <a16:creationId xmlns:a16="http://schemas.microsoft.com/office/drawing/2014/main" xmlns="" id="{92513313-A1ED-4A08-9676-9885D86B2222}"/>
               </a:ext>
             </a:extLst>
           </p:cNvPr>
@@ -18754,7 +25366,7 @@
           <p:cNvPr id="3" name="그림 2" descr="시계이(가) 표시된 사진&#10;&#10;자동 생성된 설명">
             <a:extLst>
               <a:ext uri="{FF2B5EF4-FFF2-40B4-BE49-F238E27FC236}">
-                <a16:creationId xmlns="" xmlns:a16="http://schemas.microsoft.com/office/drawing/2014/main" id="{92513313-A1ED-4A08-9676-9885D86B2222}"/>
+                <a16:creationId xmlns:a16="http://schemas.microsoft.com/office/drawing/2014/main" xmlns="" id="{92513313-A1ED-4A08-9676-9885D86B2222}"/>
               </a:ext>
             </a:extLst>
           </p:cNvPr>
@@ -18790,7 +25402,7 @@
           <p:cNvPr id="7" name="직선 연결선 6">
             <a:extLst>
               <a:ext uri="{FF2B5EF4-FFF2-40B4-BE49-F238E27FC236}">
-                <a16:creationId xmlns="" xmlns:a16="http://schemas.microsoft.com/office/drawing/2014/main" id="{E16921C9-3597-454A-8E86-CBCC429D4C84}"/>
+                <a16:creationId xmlns:a16="http://schemas.microsoft.com/office/drawing/2014/main" xmlns="" id="{E16921C9-3597-454A-8E86-CBCC429D4C84}"/>
               </a:ext>
             </a:extLst>
           </p:cNvPr>
@@ -18833,7 +25445,7 @@
           <p:cNvPr id="8" name="TextBox 7">
             <a:extLst>
               <a:ext uri="{FF2B5EF4-FFF2-40B4-BE49-F238E27FC236}">
-                <a16:creationId xmlns="" xmlns:a16="http://schemas.microsoft.com/office/drawing/2014/main" id="{40F573A5-A76C-43F4-813E-C144D7A50B6D}"/>
+                <a16:creationId xmlns:a16="http://schemas.microsoft.com/office/drawing/2014/main" xmlns="" id="{40F573A5-A76C-43F4-813E-C144D7A50B6D}"/>
               </a:ext>
             </a:extLst>
           </p:cNvPr>
@@ -18879,7 +25491,7 @@
           <p:cNvPr id="11" name="TextBox 10">
             <a:extLst>
               <a:ext uri="{FF2B5EF4-FFF2-40B4-BE49-F238E27FC236}">
-                <a16:creationId xmlns="" xmlns:a16="http://schemas.microsoft.com/office/drawing/2014/main" id="{C0A9A55E-9736-44E7-9A43-A56253B2960D}"/>
+                <a16:creationId xmlns:a16="http://schemas.microsoft.com/office/drawing/2014/main" xmlns="" id="{C0A9A55E-9736-44E7-9A43-A56253B2960D}"/>
               </a:ext>
             </a:extLst>
           </p:cNvPr>
@@ -19056,7 +25668,79 @@
 </p:tagLst>
 </file>
 
+<file path=ppt/tags/tag16.xml><?xml version="1.0" encoding="utf-8"?>
+<p:tagLst xmlns:a="http://schemas.openxmlformats.org/drawingml/2006/main" xmlns:r="http://schemas.openxmlformats.org/officeDocument/2006/relationships" xmlns:p="http://schemas.openxmlformats.org/presentationml/2006/main">
+  <p:tag name="SMARTSETTINGSHASH" val="xZU/W0IqlvXPkJ37/hSWg5jSIFh0KZmI7sT1syyiYH8="/>
+</p:tagLst>
+</file>
+
+<file path=ppt/tags/tag17.xml><?xml version="1.0" encoding="utf-8"?>
+<p:tagLst xmlns:a="http://schemas.openxmlformats.org/drawingml/2006/main" xmlns:r="http://schemas.openxmlformats.org/officeDocument/2006/relationships" xmlns:p="http://schemas.openxmlformats.org/presentationml/2006/main">
+  <p:tag name="SMARTSETTINGSHASH" val="xZU/W0IqlvXPkJ37/hSWg5jSIFh0KZmI7sT1syyiYH8="/>
+</p:tagLst>
+</file>
+
+<file path=ppt/tags/tag18.xml><?xml version="1.0" encoding="utf-8"?>
+<p:tagLst xmlns:a="http://schemas.openxmlformats.org/drawingml/2006/main" xmlns:r="http://schemas.openxmlformats.org/officeDocument/2006/relationships" xmlns:p="http://schemas.openxmlformats.org/presentationml/2006/main">
+  <p:tag name="SMARTSETTINGSHASH" val="xZU/W0IqlvXPkJ37/hSWg5jSIFh0KZmI7sT1syyiYH8="/>
+</p:tagLst>
+</file>
+
+<file path=ppt/tags/tag19.xml><?xml version="1.0" encoding="utf-8"?>
+<p:tagLst xmlns:a="http://schemas.openxmlformats.org/drawingml/2006/main" xmlns:r="http://schemas.openxmlformats.org/officeDocument/2006/relationships" xmlns:p="http://schemas.openxmlformats.org/presentationml/2006/main">
+  <p:tag name="SMARTSETTINGSHASH" val="xZU/W0IqlvXPkJ37/hSWg5jSIFh0KZmI7sT1syyiYH8="/>
+</p:tagLst>
+</file>
+
 <file path=ppt/tags/tag2.xml><?xml version="1.0" encoding="utf-8"?>
+<p:tagLst xmlns:a="http://schemas.openxmlformats.org/drawingml/2006/main" xmlns:r="http://schemas.openxmlformats.org/officeDocument/2006/relationships" xmlns:p="http://schemas.openxmlformats.org/presentationml/2006/main">
+  <p:tag name="SMARTSETTINGSHASH" val="xZU/W0IqlvXPkJ37/hSWg5jSIFh0KZmI7sT1syyiYH8="/>
+</p:tagLst>
+</file>
+
+<file path=ppt/tags/tag20.xml><?xml version="1.0" encoding="utf-8"?>
+<p:tagLst xmlns:a="http://schemas.openxmlformats.org/drawingml/2006/main" xmlns:r="http://schemas.openxmlformats.org/officeDocument/2006/relationships" xmlns:p="http://schemas.openxmlformats.org/presentationml/2006/main">
+  <p:tag name="SMARTSETTINGSHASH" val="xZU/W0IqlvXPkJ37/hSWg5jSIFh0KZmI7sT1syyiYH8="/>
+</p:tagLst>
+</file>
+
+<file path=ppt/tags/tag21.xml><?xml version="1.0" encoding="utf-8"?>
+<p:tagLst xmlns:a="http://schemas.openxmlformats.org/drawingml/2006/main" xmlns:r="http://schemas.openxmlformats.org/officeDocument/2006/relationships" xmlns:p="http://schemas.openxmlformats.org/presentationml/2006/main">
+  <p:tag name="SMARTSETTINGSHASH" val="xZU/W0IqlvXPkJ37/hSWg5jSIFh0KZmI7sT1syyiYH8="/>
+</p:tagLst>
+</file>
+
+<file path=ppt/tags/tag22.xml><?xml version="1.0" encoding="utf-8"?>
+<p:tagLst xmlns:a="http://schemas.openxmlformats.org/drawingml/2006/main" xmlns:r="http://schemas.openxmlformats.org/officeDocument/2006/relationships" xmlns:p="http://schemas.openxmlformats.org/presentationml/2006/main">
+  <p:tag name="SMARTSETTINGSHASH" val="xZU/W0IqlvXPkJ37/hSWg5jSIFh0KZmI7sT1syyiYH8="/>
+</p:tagLst>
+</file>
+
+<file path=ppt/tags/tag23.xml><?xml version="1.0" encoding="utf-8"?>
+<p:tagLst xmlns:a="http://schemas.openxmlformats.org/drawingml/2006/main" xmlns:r="http://schemas.openxmlformats.org/officeDocument/2006/relationships" xmlns:p="http://schemas.openxmlformats.org/presentationml/2006/main">
+  <p:tag name="SMARTSETTINGSHASH" val="xZU/W0IqlvXPkJ37/hSWg5jSIFh0KZmI7sT1syyiYH8="/>
+</p:tagLst>
+</file>
+
+<file path=ppt/tags/tag24.xml><?xml version="1.0" encoding="utf-8"?>
+<p:tagLst xmlns:a="http://schemas.openxmlformats.org/drawingml/2006/main" xmlns:r="http://schemas.openxmlformats.org/officeDocument/2006/relationships" xmlns:p="http://schemas.openxmlformats.org/presentationml/2006/main">
+  <p:tag name="SMARTSETTINGSHASH" val="xZU/W0IqlvXPkJ37/hSWg5jSIFh0KZmI7sT1syyiYH8="/>
+</p:tagLst>
+</file>
+
+<file path=ppt/tags/tag25.xml><?xml version="1.0" encoding="utf-8"?>
+<p:tagLst xmlns:a="http://schemas.openxmlformats.org/drawingml/2006/main" xmlns:r="http://schemas.openxmlformats.org/officeDocument/2006/relationships" xmlns:p="http://schemas.openxmlformats.org/presentationml/2006/main">
+  <p:tag name="SMARTSETTINGSHASH" val="xZU/W0IqlvXPkJ37/hSWg5jSIFh0KZmI7sT1syyiYH8="/>
+</p:tagLst>
+</file>
+
+<file path=ppt/tags/tag26.xml><?xml version="1.0" encoding="utf-8"?>
+<p:tagLst xmlns:a="http://schemas.openxmlformats.org/drawingml/2006/main" xmlns:r="http://schemas.openxmlformats.org/officeDocument/2006/relationships" xmlns:p="http://schemas.openxmlformats.org/presentationml/2006/main">
+  <p:tag name="SMARTSETTINGSHASH" val="xZU/W0IqlvXPkJ37/hSWg5jSIFh0KZmI7sT1syyiYH8="/>
+</p:tagLst>
+</file>
+
+<file path=ppt/tags/tag27.xml><?xml version="1.0" encoding="utf-8"?>
 <p:tagLst xmlns:a="http://schemas.openxmlformats.org/drawingml/2006/main" xmlns:r="http://schemas.openxmlformats.org/officeDocument/2006/relationships" xmlns:p="http://schemas.openxmlformats.org/presentationml/2006/main">
   <p:tag name="SMARTSETTINGSHASH" val="xZU/W0IqlvXPkJ37/hSWg5jSIFh0KZmI7sT1syyiYH8="/>
 </p:tagLst>
